--- a/trunk/Outline thesis/De cuong/Kientrucdetai_7_9.pptx
+++ b/trunk/Outline thesis/De cuong/Kientrucdetai_7_9.pptx
@@ -6,10 +6,11 @@
   </p:sldMasterIdLst>
   <p:sldIdLst>
     <p:sldId id="262" r:id="rId2"/>
-    <p:sldId id="257" r:id="rId3"/>
-    <p:sldId id="260" r:id="rId4"/>
-    <p:sldId id="261" r:id="rId5"/>
-    <p:sldId id="263" r:id="rId6"/>
+    <p:sldId id="264" r:id="rId3"/>
+    <p:sldId id="257" r:id="rId4"/>
+    <p:sldId id="260" r:id="rId5"/>
+    <p:sldId id="261" r:id="rId6"/>
+    <p:sldId id="263" r:id="rId7"/>
   </p:sldIdLst>
   <p:sldSz cx="9144000" cy="6858000" type="screen4x3"/>
   <p:notesSz cx="6858000" cy="9144000"/>
@@ -293,7 +294,7 @@
             <a:fld id="{1D8BD707-D9CF-40AE-B4C6-C98DA3205C09}" type="datetimeFigureOut">
               <a:rPr lang="en-US" smtClean="0"/>
               <a:pPr/>
-              <a:t>9/6/2010</a:t>
+              <a:t>9/10/2010</a:t>
             </a:fld>
             <a:endParaRPr lang="en-US"/>
           </a:p>
@@ -460,7 +461,7 @@
             <a:fld id="{1D8BD707-D9CF-40AE-B4C6-C98DA3205C09}" type="datetimeFigureOut">
               <a:rPr lang="en-US" smtClean="0"/>
               <a:pPr/>
-              <a:t>9/6/2010</a:t>
+              <a:t>9/10/2010</a:t>
             </a:fld>
             <a:endParaRPr lang="en-US"/>
           </a:p>
@@ -637,7 +638,7 @@
             <a:fld id="{1D8BD707-D9CF-40AE-B4C6-C98DA3205C09}" type="datetimeFigureOut">
               <a:rPr lang="en-US" smtClean="0"/>
               <a:pPr/>
-              <a:t>9/6/2010</a:t>
+              <a:t>9/10/2010</a:t>
             </a:fld>
             <a:endParaRPr lang="en-US"/>
           </a:p>
@@ -804,7 +805,7 @@
             <a:fld id="{1D8BD707-D9CF-40AE-B4C6-C98DA3205C09}" type="datetimeFigureOut">
               <a:rPr lang="en-US" smtClean="0"/>
               <a:pPr/>
-              <a:t>9/6/2010</a:t>
+              <a:t>9/10/2010</a:t>
             </a:fld>
             <a:endParaRPr lang="en-US"/>
           </a:p>
@@ -1047,7 +1048,7 @@
             <a:fld id="{1D8BD707-D9CF-40AE-B4C6-C98DA3205C09}" type="datetimeFigureOut">
               <a:rPr lang="en-US" smtClean="0"/>
               <a:pPr/>
-              <a:t>9/6/2010</a:t>
+              <a:t>9/10/2010</a:t>
             </a:fld>
             <a:endParaRPr lang="en-US"/>
           </a:p>
@@ -1332,7 +1333,7 @@
             <a:fld id="{1D8BD707-D9CF-40AE-B4C6-C98DA3205C09}" type="datetimeFigureOut">
               <a:rPr lang="en-US" smtClean="0"/>
               <a:pPr/>
-              <a:t>9/6/2010</a:t>
+              <a:t>9/10/2010</a:t>
             </a:fld>
             <a:endParaRPr lang="en-US"/>
           </a:p>
@@ -1751,7 +1752,7 @@
             <a:fld id="{1D8BD707-D9CF-40AE-B4C6-C98DA3205C09}" type="datetimeFigureOut">
               <a:rPr lang="en-US" smtClean="0"/>
               <a:pPr/>
-              <a:t>9/6/2010</a:t>
+              <a:t>9/10/2010</a:t>
             </a:fld>
             <a:endParaRPr lang="en-US"/>
           </a:p>
@@ -1866,7 +1867,7 @@
             <a:fld id="{1D8BD707-D9CF-40AE-B4C6-C98DA3205C09}" type="datetimeFigureOut">
               <a:rPr lang="en-US" smtClean="0"/>
               <a:pPr/>
-              <a:t>9/6/2010</a:t>
+              <a:t>9/10/2010</a:t>
             </a:fld>
             <a:endParaRPr lang="en-US"/>
           </a:p>
@@ -1958,7 +1959,7 @@
             <a:fld id="{1D8BD707-D9CF-40AE-B4C6-C98DA3205C09}" type="datetimeFigureOut">
               <a:rPr lang="en-US" smtClean="0"/>
               <a:pPr/>
-              <a:t>9/6/2010</a:t>
+              <a:t>9/10/2010</a:t>
             </a:fld>
             <a:endParaRPr lang="en-US"/>
           </a:p>
@@ -2232,7 +2233,7 @@
             <a:fld id="{1D8BD707-D9CF-40AE-B4C6-C98DA3205C09}" type="datetimeFigureOut">
               <a:rPr lang="en-US" smtClean="0"/>
               <a:pPr/>
-              <a:t>9/6/2010</a:t>
+              <a:t>9/10/2010</a:t>
             </a:fld>
             <a:endParaRPr lang="en-US"/>
           </a:p>
@@ -2482,7 +2483,7 @@
             <a:fld id="{1D8BD707-D9CF-40AE-B4C6-C98DA3205C09}" type="datetimeFigureOut">
               <a:rPr lang="en-US" smtClean="0"/>
               <a:pPr/>
-              <a:t>9/6/2010</a:t>
+              <a:t>9/10/2010</a:t>
             </a:fld>
             <a:endParaRPr lang="en-US"/>
           </a:p>
@@ -2692,7 +2693,7 @@
             <a:fld id="{1D8BD707-D9CF-40AE-B4C6-C98DA3205C09}" type="datetimeFigureOut">
               <a:rPr lang="en-US" smtClean="0"/>
               <a:pPr/>
-              <a:t>9/6/2010</a:t>
+              <a:t>9/10/2010</a:t>
             </a:fld>
             <a:endParaRPr lang="en-US"/>
           </a:p>
@@ -4774,7 +4775,7 @@
       </p:grpSpPr>
       <p:pic>
         <p:nvPicPr>
-          <p:cNvPr id="4" name="Picture 2" descr="C:\Program Files\Microsoft Office\MEDIA\CAGCAT10\j0292020.wmf"/>
+          <p:cNvPr id="1026" name="Picture 2" descr="C:\Program Files\Microsoft Office\MEDIA\CAGCAT10\j0292020.wmf"/>
           <p:cNvPicPr>
             <a:picLocks noChangeAspect="1" noChangeArrowheads="1"/>
           </p:cNvPicPr>
@@ -4789,7 +4790,7 @@
         </p:blipFill>
         <p:spPr bwMode="auto">
           <a:xfrm>
-            <a:off x="152400" y="1295400"/>
+            <a:off x="0" y="1295400"/>
             <a:ext cx="940098" cy="892175"/>
           </a:xfrm>
           <a:prstGeom prst="rect">
@@ -4800,14 +4801,14 @@
       </p:pic>
       <p:sp>
         <p:nvSpPr>
-          <p:cNvPr id="6" name="TextBox 5"/>
+          <p:cNvPr id="65" name="TextBox 64"/>
           <p:cNvSpPr txBox="1"/>
           <p:nvPr/>
         </p:nvSpPr>
         <p:spPr>
           <a:xfrm>
-            <a:off x="2971800" y="5638800"/>
-            <a:ext cx="2209800" cy="292388"/>
+            <a:off x="2209800" y="5638800"/>
+            <a:ext cx="5143396" cy="646331"/>
           </a:xfrm>
           <a:prstGeom prst="rect">
             <a:avLst/>
@@ -4815,26 +4816,28 @@
           <a:noFill/>
         </p:spPr>
         <p:txBody>
-          <a:bodyPr wrap="square" rtlCol="0">
+          <a:bodyPr wrap="none" rtlCol="0">
             <a:spAutoFit/>
           </a:bodyPr>
           <a:lstStyle/>
           <a:p>
             <a:r>
-              <a:rPr lang="en-US" sz="1300" b="1" dirty="0" smtClean="0">
-                <a:latin typeface="Times New Roman" pitchFamily="18" charset="0"/>
-                <a:cs typeface="Times New Roman" pitchFamily="18" charset="0"/>
-              </a:rPr>
-              <a:t>(1) Module Thu </a:t>
-            </a:r>
-            <a:r>
-              <a:rPr lang="en-US" sz="1300" b="1" dirty="0" err="1" smtClean="0">
-                <a:latin typeface="Times New Roman" pitchFamily="18" charset="0"/>
-                <a:cs typeface="Times New Roman" pitchFamily="18" charset="0"/>
-              </a:rPr>
-              <a:t>thập</a:t>
-            </a:r>
-            <a:endParaRPr lang="en-US" sz="1300" b="1" dirty="0">
+              <a:rPr lang="en-US" b="1" dirty="0" smtClean="0">
+                <a:latin typeface="Times New Roman" pitchFamily="18" charset="0"/>
+                <a:cs typeface="Times New Roman" pitchFamily="18" charset="0"/>
+              </a:rPr>
+              <a:t>Build   index scientific papers Database</a:t>
+            </a:r>
+          </a:p>
+          <a:p>
+            <a:r>
+              <a:rPr lang="en-US" b="1" dirty="0" smtClean="0">
+                <a:latin typeface="Times New Roman" pitchFamily="18" charset="0"/>
+                <a:cs typeface="Times New Roman" pitchFamily="18" charset="0"/>
+              </a:rPr>
+              <a:t>Collection and categorized from the digital library</a:t>
+            </a:r>
+            <a:endParaRPr lang="en-US" b="1" dirty="0">
               <a:latin typeface="Times New Roman" pitchFamily="18" charset="0"/>
               <a:cs typeface="Times New Roman" pitchFamily="18" charset="0"/>
             </a:endParaRPr>
@@ -4843,22 +4846,21 @@
       </p:sp>
       <p:sp>
         <p:nvSpPr>
-          <p:cNvPr id="7" name="Cloud Callout 6"/>
+          <p:cNvPr id="15" name="Flowchart: Magnetic Disk 14"/>
           <p:cNvSpPr/>
           <p:nvPr/>
         </p:nvSpPr>
         <p:spPr>
           <a:xfrm>
-            <a:off x="762000" y="0"/>
-            <a:ext cx="1524000" cy="1146048"/>
-          </a:xfrm>
-          <a:prstGeom prst="cloudCallout">
-            <a:avLst>
-              <a:gd name="adj1" fmla="val -35078"/>
-              <a:gd name="adj2" fmla="val 71525"/>
-            </a:avLst>
-          </a:prstGeom>
-          <a:noFill/>
+            <a:off x="6705600" y="3733800"/>
+            <a:ext cx="1219200" cy="1219200"/>
+          </a:xfrm>
+          <a:prstGeom prst="flowChartMagneticDisk">
+            <a:avLst/>
+          </a:prstGeom>
+          <a:solidFill>
+            <a:schemeClr val="accent2"/>
+          </a:solidFill>
         </p:spPr>
         <p:style>
           <a:lnRef idx="2">
@@ -4881,166 +4883,30 @@
           <a:lstStyle/>
           <a:p>
             <a:pPr algn="ctr"/>
-            <a:endParaRPr lang="en-US" sz="1300" b="1" dirty="0" smtClean="0">
-              <a:solidFill>
-                <a:schemeClr val="tx1"/>
-              </a:solidFill>
+            <a:r>
+              <a:rPr lang="en-US" sz="1400" b="1" dirty="0" smtClean="0">
+                <a:latin typeface="Times New Roman" pitchFamily="18" charset="0"/>
+                <a:cs typeface="Times New Roman" pitchFamily="18" charset="0"/>
+              </a:rPr>
+              <a:t>Data </a:t>
+            </a:r>
+            <a:endParaRPr lang="en-US" sz="1400" b="1" dirty="0">
               <a:latin typeface="Times New Roman" pitchFamily="18" charset="0"/>
               <a:cs typeface="Times New Roman" pitchFamily="18" charset="0"/>
             </a:endParaRPr>
           </a:p>
-          <a:p>
-            <a:pPr algn="ctr"/>
-            <a:r>
-              <a:rPr lang="en-US" sz="1300" b="1" dirty="0" err="1" smtClean="0">
-                <a:solidFill>
-                  <a:schemeClr val="tx1"/>
-                </a:solidFill>
-                <a:latin typeface="Times New Roman" pitchFamily="18" charset="0"/>
-                <a:cs typeface="Times New Roman" pitchFamily="18" charset="0"/>
-              </a:rPr>
-              <a:t>Tác</a:t>
-            </a:r>
-            <a:r>
-              <a:rPr lang="en-US" sz="1300" b="1" dirty="0" smtClean="0">
-                <a:solidFill>
-                  <a:schemeClr val="tx1"/>
-                </a:solidFill>
-                <a:latin typeface="Times New Roman" pitchFamily="18" charset="0"/>
-                <a:cs typeface="Times New Roman" pitchFamily="18" charset="0"/>
-              </a:rPr>
-              <a:t> </a:t>
-            </a:r>
-            <a:r>
-              <a:rPr lang="en-US" sz="1300" b="1" dirty="0" err="1" smtClean="0">
-                <a:solidFill>
-                  <a:schemeClr val="tx1"/>
-                </a:solidFill>
-                <a:latin typeface="Times New Roman" pitchFamily="18" charset="0"/>
-                <a:cs typeface="Times New Roman" pitchFamily="18" charset="0"/>
-              </a:rPr>
-              <a:t>giả</a:t>
-            </a:r>
-            <a:endParaRPr lang="en-US" sz="1300" b="1" dirty="0" smtClean="0">
-              <a:solidFill>
-                <a:schemeClr val="tx1"/>
-              </a:solidFill>
-              <a:latin typeface="Times New Roman" pitchFamily="18" charset="0"/>
-              <a:cs typeface="Times New Roman" pitchFamily="18" charset="0"/>
-            </a:endParaRPr>
-          </a:p>
-          <a:p>
-            <a:pPr algn="ctr"/>
-            <a:r>
-              <a:rPr lang="en-US" sz="1300" b="1" dirty="0" err="1" smtClean="0">
-                <a:solidFill>
-                  <a:schemeClr val="tx1"/>
-                </a:solidFill>
-                <a:latin typeface="Times New Roman" pitchFamily="18" charset="0"/>
-                <a:cs typeface="Times New Roman" pitchFamily="18" charset="0"/>
-              </a:rPr>
-              <a:t>Tựa</a:t>
-            </a:r>
-            <a:r>
-              <a:rPr lang="en-US" sz="1300" b="1" dirty="0" smtClean="0">
-                <a:solidFill>
-                  <a:schemeClr val="tx1"/>
-                </a:solidFill>
-                <a:latin typeface="Times New Roman" pitchFamily="18" charset="0"/>
-                <a:cs typeface="Times New Roman" pitchFamily="18" charset="0"/>
-              </a:rPr>
-              <a:t> </a:t>
-            </a:r>
-            <a:r>
-              <a:rPr lang="en-US" sz="1300" b="1" dirty="0" err="1" smtClean="0">
-                <a:solidFill>
-                  <a:schemeClr val="tx1"/>
-                </a:solidFill>
-                <a:latin typeface="Times New Roman" pitchFamily="18" charset="0"/>
-                <a:cs typeface="Times New Roman" pitchFamily="18" charset="0"/>
-              </a:rPr>
-              <a:t>đề</a:t>
-            </a:r>
-            <a:endParaRPr lang="en-US" sz="1300" b="1" dirty="0" smtClean="0">
-              <a:solidFill>
-                <a:schemeClr val="tx1"/>
-              </a:solidFill>
-              <a:latin typeface="Times New Roman" pitchFamily="18" charset="0"/>
-              <a:cs typeface="Times New Roman" pitchFamily="18" charset="0"/>
-            </a:endParaRPr>
-          </a:p>
-          <a:p>
-            <a:pPr algn="ctr"/>
-            <a:r>
-              <a:rPr lang="en-US" sz="1300" b="1" dirty="0" err="1" smtClean="0">
-                <a:solidFill>
-                  <a:schemeClr val="tx1"/>
-                </a:solidFill>
-                <a:latin typeface="Times New Roman" pitchFamily="18" charset="0"/>
-                <a:cs typeface="Times New Roman" pitchFamily="18" charset="0"/>
-              </a:rPr>
-              <a:t>Hội</a:t>
-            </a:r>
-            <a:r>
-              <a:rPr lang="en-US" sz="1300" b="1" dirty="0" smtClean="0">
-                <a:solidFill>
-                  <a:schemeClr val="tx1"/>
-                </a:solidFill>
-                <a:latin typeface="Times New Roman" pitchFamily="18" charset="0"/>
-                <a:cs typeface="Times New Roman" pitchFamily="18" charset="0"/>
-              </a:rPr>
-              <a:t> </a:t>
-            </a:r>
-            <a:r>
-              <a:rPr lang="en-US" sz="1300" b="1" dirty="0" err="1" smtClean="0">
-                <a:solidFill>
-                  <a:schemeClr val="tx1"/>
-                </a:solidFill>
-                <a:latin typeface="Times New Roman" pitchFamily="18" charset="0"/>
-                <a:cs typeface="Times New Roman" pitchFamily="18" charset="0"/>
-              </a:rPr>
-              <a:t>Nghị</a:t>
-            </a:r>
-            <a:endParaRPr lang="en-US" sz="1300" b="1" dirty="0" smtClean="0">
-              <a:solidFill>
-                <a:schemeClr val="tx1"/>
-              </a:solidFill>
-              <a:latin typeface="Times New Roman" pitchFamily="18" charset="0"/>
-              <a:cs typeface="Times New Roman" pitchFamily="18" charset="0"/>
-            </a:endParaRPr>
-          </a:p>
-          <a:p>
-            <a:pPr algn="ctr"/>
-            <a:endParaRPr lang="en-US" sz="1300" b="1" dirty="0" smtClean="0">
-              <a:solidFill>
-                <a:schemeClr val="tx1"/>
-              </a:solidFill>
-              <a:latin typeface="Times New Roman" pitchFamily="18" charset="0"/>
-              <a:cs typeface="Times New Roman" pitchFamily="18" charset="0"/>
-            </a:endParaRPr>
-          </a:p>
-          <a:p>
-            <a:pPr algn="ctr"/>
-            <a:endParaRPr lang="en-US" sz="1300" b="1" dirty="0">
-              <a:solidFill>
-                <a:schemeClr val="tx1"/>
-              </a:solidFill>
-              <a:latin typeface="Times New Roman" pitchFamily="18" charset="0"/>
-              <a:cs typeface="Times New Roman" pitchFamily="18" charset="0"/>
-            </a:endParaRPr>
-          </a:p>
-        </p:txBody>
-      </p:sp>
-      <p:sp>
-        <p:nvSpPr>
-          <p:cNvPr id="31" name="Cloud 30"/>
+        </p:txBody>
+      </p:sp>
+      <p:sp>
+        <p:nvSpPr>
+          <p:cNvPr id="24" name="Cloud 23"/>
           <p:cNvSpPr/>
           <p:nvPr/>
         </p:nvSpPr>
         <p:spPr>
           <a:xfrm>
-            <a:off x="3124200" y="0"/>
-            <a:ext cx="1905000" cy="1219200"/>
+            <a:off x="2209800" y="0"/>
+            <a:ext cx="1981200" cy="1143000"/>
           </a:xfrm>
           <a:prstGeom prst="cloud">
             <a:avLst/>
@@ -5069,17 +4935,30 @@
           <a:p>
             <a:pPr algn="ctr"/>
             <a:r>
-              <a:rPr lang="en-US" sz="1300" b="1" dirty="0" smtClean="0">
+              <a:rPr lang="en-US" sz="1100" b="1" dirty="0" smtClean="0">
                 <a:solidFill>
                   <a:schemeClr val="tx1"/>
                 </a:solidFill>
                 <a:latin typeface="Times New Roman" pitchFamily="18" charset="0"/>
                 <a:cs typeface="Times New Roman" pitchFamily="18" charset="0"/>
               </a:rPr>
+              <a:t>Digital Library</a:t>
+            </a:r>
+          </a:p>
+          <a:p>
+            <a:pPr algn="ctr"/>
+            <a:r>
+              <a:rPr lang="en-US" sz="1100" b="1" dirty="0" smtClean="0">
+                <a:solidFill>
+                  <a:schemeClr val="tx1"/>
+                </a:solidFill>
+                <a:latin typeface="Times New Roman" pitchFamily="18" charset="0"/>
+                <a:cs typeface="Times New Roman" pitchFamily="18" charset="0"/>
+              </a:rPr>
               <a:t>ACM, </a:t>
             </a:r>
             <a:r>
-              <a:rPr lang="en-US" sz="1300" b="1" dirty="0" err="1" smtClean="0">
+              <a:rPr lang="en-US" sz="1100" b="1" dirty="0" err="1" smtClean="0">
                 <a:solidFill>
                   <a:schemeClr val="tx1"/>
                 </a:solidFill>
@@ -5089,7 +4968,7 @@
               <a:t>Citeseer</a:t>
             </a:r>
             <a:r>
-              <a:rPr lang="en-US" sz="1300" b="1" dirty="0" smtClean="0">
+              <a:rPr lang="en-US" sz="1100" b="1" dirty="0" smtClean="0">
                 <a:solidFill>
                   <a:schemeClr val="tx1"/>
                 </a:solidFill>
@@ -5099,7 +4978,7 @@
               <a:t>,  IEEE </a:t>
             </a:r>
             <a:r>
-              <a:rPr lang="en-US" sz="1300" b="1" dirty="0" err="1" smtClean="0">
+              <a:rPr lang="en-US" sz="1100" b="1" dirty="0" err="1" smtClean="0">
                 <a:solidFill>
                   <a:schemeClr val="tx1"/>
                 </a:solidFill>
@@ -5108,7 +4987,7 @@
               </a:rPr>
               <a:t>Xplore</a:t>
             </a:r>
-            <a:endParaRPr lang="en-US" sz="1300" b="1" dirty="0" smtClean="0">
+            <a:endParaRPr lang="en-US" sz="1100" b="1" dirty="0" smtClean="0">
               <a:solidFill>
                 <a:schemeClr val="tx1"/>
               </a:solidFill>
@@ -5119,7 +4998,7 @@
           <a:p>
             <a:pPr algn="ctr"/>
             <a:r>
-              <a:rPr lang="en-US" sz="1300" b="1" dirty="0" err="1" smtClean="0">
+              <a:rPr lang="en-US" sz="1100" b="1" dirty="0" err="1" smtClean="0">
                 <a:solidFill>
                   <a:schemeClr val="tx1"/>
                 </a:solidFill>
@@ -5128,7 +5007,7 @@
               </a:rPr>
               <a:t>ScienceDriect</a:t>
             </a:r>
-            <a:endParaRPr lang="en-US" sz="1300" b="1" dirty="0">
+            <a:endParaRPr lang="en-US" sz="1100" b="1" dirty="0" smtClean="0">
               <a:solidFill>
                 <a:schemeClr val="tx1"/>
               </a:solidFill>
@@ -5136,83 +5015,9 @@
               <a:cs typeface="Times New Roman" pitchFamily="18" charset="0"/>
             </a:endParaRPr>
           </a:p>
-        </p:txBody>
-      </p:sp>
-      <p:cxnSp>
-        <p:nvCxnSpPr>
-          <p:cNvPr id="32" name="Elbow Connector 31"/>
-          <p:cNvCxnSpPr/>
-          <p:nvPr/>
-        </p:nvCxnSpPr>
-        <p:spPr>
-          <a:xfrm rot="5400000">
-            <a:off x="2094851" y="1105549"/>
-            <a:ext cx="1296698" cy="1219200"/>
-          </a:xfrm>
-          <a:prstGeom prst="bentConnector3">
-            <a:avLst>
-              <a:gd name="adj1" fmla="val 50000"/>
-            </a:avLst>
-          </a:prstGeom>
-          <a:ln>
-            <a:tailEnd type="arrow"/>
-          </a:ln>
-        </p:spPr>
-        <p:style>
-          <a:lnRef idx="1">
-            <a:schemeClr val="accent1"/>
-          </a:lnRef>
-          <a:fillRef idx="0">
-            <a:schemeClr val="accent1"/>
-          </a:fillRef>
-          <a:effectRef idx="0">
-            <a:schemeClr val="accent1"/>
-          </a:effectRef>
-          <a:fontRef idx="minor">
-            <a:schemeClr val="tx1"/>
-          </a:fontRef>
-        </p:style>
-      </p:cxnSp>
-      <p:sp>
-        <p:nvSpPr>
-          <p:cNvPr id="39" name="Flowchart: Document 38"/>
-          <p:cNvSpPr/>
-          <p:nvPr/>
-        </p:nvSpPr>
-        <p:spPr>
-          <a:xfrm>
-            <a:off x="4648200" y="1981200"/>
-            <a:ext cx="1371600" cy="1905000"/>
-          </a:xfrm>
-          <a:prstGeom prst="flowChartDocument">
-            <a:avLst/>
-          </a:prstGeom>
-          <a:solidFill>
-            <a:schemeClr val="accent1"/>
-          </a:solidFill>
-        </p:spPr>
-        <p:style>
-          <a:lnRef idx="2">
-            <a:schemeClr val="accent1">
-              <a:shade val="50000"/>
-            </a:schemeClr>
-          </a:lnRef>
-          <a:fillRef idx="1">
-            <a:schemeClr val="accent1"/>
-          </a:fillRef>
-          <a:effectRef idx="0">
-            <a:schemeClr val="accent1"/>
-          </a:effectRef>
-          <a:fontRef idx="minor">
-            <a:schemeClr val="lt1"/>
-          </a:fontRef>
-        </p:style>
-        <p:txBody>
-          <a:bodyPr rtlCol="0" anchor="ctr"/>
-          <a:lstStyle/>
-          <a:p>
-            <a:pPr algn="ctr"/>
-            <a:endParaRPr lang="en-US" sz="1300" b="1" dirty="0">
+          <a:p>
+            <a:pPr algn="ctr"/>
+            <a:endParaRPr lang="en-US" sz="1100" b="1" dirty="0" smtClean="0">
               <a:solidFill>
                 <a:schemeClr val="tx1"/>
               </a:solidFill>
@@ -5220,280 +5025,9 @@
               <a:cs typeface="Times New Roman" pitchFamily="18" charset="0"/>
             </a:endParaRPr>
           </a:p>
-        </p:txBody>
-      </p:sp>
-      <p:sp>
-        <p:nvSpPr>
-          <p:cNvPr id="45" name="Rectangle 44"/>
-          <p:cNvSpPr/>
-          <p:nvPr/>
-        </p:nvSpPr>
-        <p:spPr>
-          <a:xfrm>
-            <a:off x="4267200" y="1295400"/>
-            <a:ext cx="2090637" cy="292388"/>
-          </a:xfrm>
-          <a:prstGeom prst="rect">
-            <a:avLst/>
-          </a:prstGeom>
-        </p:spPr>
-        <p:txBody>
-          <a:bodyPr wrap="none">
-            <a:spAutoFit/>
-          </a:bodyPr>
-          <a:lstStyle/>
-          <a:p>
-            <a:pPr algn="ctr"/>
-            <a:r>
-              <a:rPr lang="en-US" sz="1300" b="1" dirty="0" err="1" smtClean="0">
-                <a:latin typeface="Times New Roman" pitchFamily="18" charset="0"/>
-                <a:cs typeface="Times New Roman" pitchFamily="18" charset="0"/>
-              </a:rPr>
-              <a:t>Bài</a:t>
-            </a:r>
-            <a:r>
-              <a:rPr lang="en-US" sz="1300" b="1" dirty="0" smtClean="0">
-                <a:latin typeface="Times New Roman" pitchFamily="18" charset="0"/>
-                <a:cs typeface="Times New Roman" pitchFamily="18" charset="0"/>
-              </a:rPr>
-              <a:t> </a:t>
-            </a:r>
-            <a:r>
-              <a:rPr lang="en-US" sz="1300" b="1" dirty="0" err="1" smtClean="0">
-                <a:latin typeface="Times New Roman" pitchFamily="18" charset="0"/>
-                <a:cs typeface="Times New Roman" pitchFamily="18" charset="0"/>
-              </a:rPr>
-              <a:t>báo</a:t>
-            </a:r>
-            <a:r>
-              <a:rPr lang="en-US" sz="1300" b="1" dirty="0" smtClean="0">
-                <a:latin typeface="Times New Roman" pitchFamily="18" charset="0"/>
-                <a:cs typeface="Times New Roman" pitchFamily="18" charset="0"/>
-              </a:rPr>
-              <a:t> </a:t>
-            </a:r>
-            <a:r>
-              <a:rPr lang="en-US" sz="1300" b="1" dirty="0" err="1" smtClean="0">
-                <a:latin typeface="Times New Roman" pitchFamily="18" charset="0"/>
-                <a:cs typeface="Times New Roman" pitchFamily="18" charset="0"/>
-              </a:rPr>
-              <a:t>khoa</a:t>
-            </a:r>
-            <a:r>
-              <a:rPr lang="en-US" sz="1300" b="1" dirty="0" smtClean="0">
-                <a:latin typeface="Times New Roman" pitchFamily="18" charset="0"/>
-                <a:cs typeface="Times New Roman" pitchFamily="18" charset="0"/>
-              </a:rPr>
-              <a:t> </a:t>
-            </a:r>
-            <a:r>
-              <a:rPr lang="en-US" sz="1300" b="1" dirty="0" err="1" smtClean="0">
-                <a:latin typeface="Times New Roman" pitchFamily="18" charset="0"/>
-                <a:cs typeface="Times New Roman" pitchFamily="18" charset="0"/>
-              </a:rPr>
-              <a:t>học</a:t>
-            </a:r>
-            <a:r>
-              <a:rPr lang="en-US" sz="1300" b="1" dirty="0" smtClean="0">
-                <a:latin typeface="Times New Roman" pitchFamily="18" charset="0"/>
-                <a:cs typeface="Times New Roman" pitchFamily="18" charset="0"/>
-              </a:rPr>
-              <a:t> </a:t>
-            </a:r>
-            <a:r>
-              <a:rPr lang="en-US" sz="1300" b="1" dirty="0" err="1" smtClean="0">
-                <a:latin typeface="Times New Roman" pitchFamily="18" charset="0"/>
-                <a:cs typeface="Times New Roman" pitchFamily="18" charset="0"/>
-              </a:rPr>
-              <a:t>máy</a:t>
-            </a:r>
-            <a:r>
-              <a:rPr lang="en-US" sz="1300" b="1" dirty="0" smtClean="0">
-                <a:latin typeface="Times New Roman" pitchFamily="18" charset="0"/>
-                <a:cs typeface="Times New Roman" pitchFamily="18" charset="0"/>
-              </a:rPr>
-              <a:t> </a:t>
-            </a:r>
-            <a:r>
-              <a:rPr lang="en-US" sz="1300" b="1" dirty="0" err="1" smtClean="0">
-                <a:latin typeface="Times New Roman" pitchFamily="18" charset="0"/>
-                <a:cs typeface="Times New Roman" pitchFamily="18" charset="0"/>
-              </a:rPr>
-              <a:t>tính</a:t>
-            </a:r>
-            <a:endParaRPr lang="en-US" sz="1300" b="1" dirty="0" smtClean="0">
-              <a:latin typeface="Times New Roman" pitchFamily="18" charset="0"/>
-              <a:cs typeface="Times New Roman" pitchFamily="18" charset="0"/>
-            </a:endParaRPr>
-          </a:p>
-        </p:txBody>
-      </p:sp>
-      <p:sp>
-        <p:nvSpPr>
-          <p:cNvPr id="48" name="Flowchart: Document 47"/>
-          <p:cNvSpPr/>
-          <p:nvPr/>
-        </p:nvSpPr>
-        <p:spPr>
-          <a:xfrm>
-            <a:off x="4800600" y="2057400"/>
-            <a:ext cx="1371600" cy="1905000"/>
-          </a:xfrm>
-          <a:prstGeom prst="flowChartDocument">
-            <a:avLst/>
-          </a:prstGeom>
-          <a:solidFill>
-            <a:schemeClr val="accent1"/>
-          </a:solidFill>
-        </p:spPr>
-        <p:style>
-          <a:lnRef idx="2">
-            <a:schemeClr val="accent1">
-              <a:shade val="50000"/>
-            </a:schemeClr>
-          </a:lnRef>
-          <a:fillRef idx="1">
-            <a:schemeClr val="accent1"/>
-          </a:fillRef>
-          <a:effectRef idx="0">
-            <a:schemeClr val="accent1"/>
-          </a:effectRef>
-          <a:fontRef idx="minor">
-            <a:schemeClr val="lt1"/>
-          </a:fontRef>
-        </p:style>
-        <p:txBody>
-          <a:bodyPr rtlCol="0" anchor="ctr"/>
-          <a:lstStyle/>
-          <a:p>
-            <a:pPr algn="ctr"/>
-            <a:r>
-              <a:rPr lang="en-US" sz="1300" b="1" dirty="0" smtClean="0">
-                <a:solidFill>
-                  <a:schemeClr val="tx1"/>
-                </a:solidFill>
-                <a:latin typeface="Times New Roman" pitchFamily="18" charset="0"/>
-                <a:cs typeface="Times New Roman" pitchFamily="18" charset="0"/>
-              </a:rPr>
-              <a:t>Metadata</a:t>
-            </a:r>
-          </a:p>
-        </p:txBody>
-      </p:sp>
-      <p:sp>
-        <p:nvSpPr>
-          <p:cNvPr id="15" name="Right Arrow 14"/>
-          <p:cNvSpPr/>
-          <p:nvPr/>
-        </p:nvSpPr>
-        <p:spPr>
-          <a:xfrm>
-            <a:off x="3124200" y="3048000"/>
-            <a:ext cx="1295400" cy="152400"/>
-          </a:xfrm>
-          <a:prstGeom prst="rightArrow">
-            <a:avLst/>
-          </a:prstGeom>
-        </p:spPr>
-        <p:style>
-          <a:lnRef idx="2">
-            <a:schemeClr val="accent1">
-              <a:shade val="50000"/>
-            </a:schemeClr>
-          </a:lnRef>
-          <a:fillRef idx="1">
-            <a:schemeClr val="accent1"/>
-          </a:fillRef>
-          <a:effectRef idx="0">
-            <a:schemeClr val="accent1"/>
-          </a:effectRef>
-          <a:fontRef idx="minor">
-            <a:schemeClr val="lt1"/>
-          </a:fontRef>
-        </p:style>
-        <p:txBody>
-          <a:bodyPr rtlCol="0" anchor="ctr"/>
-          <a:lstStyle/>
-          <a:p>
-            <a:pPr algn="ctr"/>
-            <a:endParaRPr lang="en-US" sz="1300" b="1">
-              <a:latin typeface="Times New Roman" pitchFamily="18" charset="0"/>
-              <a:cs typeface="Times New Roman" pitchFamily="18" charset="0"/>
-            </a:endParaRPr>
-          </a:p>
-        </p:txBody>
-      </p:sp>
-      <p:sp>
-        <p:nvSpPr>
-          <p:cNvPr id="16" name="Rectangle 15"/>
-          <p:cNvSpPr/>
-          <p:nvPr/>
-        </p:nvSpPr>
-        <p:spPr>
-          <a:xfrm>
-            <a:off x="7162800" y="1447800"/>
-            <a:ext cx="1752600" cy="4572000"/>
-          </a:xfrm>
-          <a:prstGeom prst="rect">
-            <a:avLst/>
-          </a:prstGeom>
-          <a:noFill/>
-          <a:ln>
-            <a:prstDash val="lgDash"/>
-          </a:ln>
-        </p:spPr>
-        <p:style>
-          <a:lnRef idx="2">
-            <a:schemeClr val="accent1">
-              <a:shade val="50000"/>
-            </a:schemeClr>
-          </a:lnRef>
-          <a:fillRef idx="1">
-            <a:schemeClr val="accent1"/>
-          </a:fillRef>
-          <a:effectRef idx="0">
-            <a:schemeClr val="accent1"/>
-          </a:effectRef>
-          <a:fontRef idx="minor">
-            <a:schemeClr val="lt1"/>
-          </a:fontRef>
-        </p:style>
-        <p:txBody>
-          <a:bodyPr rtlCol="0" anchor="ctr"/>
-          <a:lstStyle/>
-          <a:p>
-            <a:pPr algn="ctr"/>
-            <a:r>
-              <a:rPr lang="en-US" sz="1300" b="1" dirty="0" err="1" smtClean="0">
-                <a:solidFill>
-                  <a:schemeClr val="tx1"/>
-                </a:solidFill>
-                <a:latin typeface="Times New Roman" pitchFamily="18" charset="0"/>
-                <a:cs typeface="Times New Roman" pitchFamily="18" charset="0"/>
-              </a:rPr>
-              <a:t>Tác</a:t>
-            </a:r>
-            <a:r>
-              <a:rPr lang="en-US" sz="1300" b="1" dirty="0" smtClean="0">
-                <a:solidFill>
-                  <a:schemeClr val="tx1"/>
-                </a:solidFill>
-                <a:latin typeface="Times New Roman" pitchFamily="18" charset="0"/>
-                <a:cs typeface="Times New Roman" pitchFamily="18" charset="0"/>
-              </a:rPr>
-              <a:t> </a:t>
-            </a:r>
-            <a:r>
-              <a:rPr lang="en-US" sz="1300" b="1" dirty="0" err="1" smtClean="0">
-                <a:solidFill>
-                  <a:schemeClr val="tx1"/>
-                </a:solidFill>
-                <a:latin typeface="Times New Roman" pitchFamily="18" charset="0"/>
-                <a:cs typeface="Times New Roman" pitchFamily="18" charset="0"/>
-              </a:rPr>
-              <a:t>giả</a:t>
-            </a:r>
-            <a:endParaRPr lang="en-US" sz="1300" b="1" dirty="0" smtClean="0">
+          <a:p>
+            <a:pPr algn="ctr"/>
+            <a:endParaRPr lang="en-US" sz="1200" b="1" dirty="0">
               <a:solidFill>
                 <a:schemeClr val="tx1"/>
               </a:solidFill>
@@ -5501,265 +5035,28 @@
               <a:cs typeface="Times New Roman" pitchFamily="18" charset="0"/>
             </a:endParaRPr>
           </a:p>
-          <a:p>
-            <a:pPr algn="ctr"/>
-            <a:endParaRPr lang="en-US" sz="1300" b="1" dirty="0" smtClean="0">
-              <a:solidFill>
-                <a:schemeClr val="tx1"/>
-              </a:solidFill>
-              <a:latin typeface="Times New Roman" pitchFamily="18" charset="0"/>
-              <a:cs typeface="Times New Roman" pitchFamily="18" charset="0"/>
-            </a:endParaRPr>
-          </a:p>
-          <a:p>
-            <a:pPr algn="ctr"/>
-            <a:endParaRPr lang="en-US" sz="1300" b="1" dirty="0" smtClean="0">
-              <a:solidFill>
-                <a:schemeClr val="tx1"/>
-              </a:solidFill>
-              <a:latin typeface="Times New Roman" pitchFamily="18" charset="0"/>
-              <a:cs typeface="Times New Roman" pitchFamily="18" charset="0"/>
-            </a:endParaRPr>
-          </a:p>
-          <a:p>
-            <a:pPr algn="ctr"/>
-            <a:r>
-              <a:rPr lang="en-US" sz="1300" b="1" dirty="0" err="1" smtClean="0">
-                <a:solidFill>
-                  <a:schemeClr val="tx1"/>
-                </a:solidFill>
-                <a:latin typeface="Times New Roman" pitchFamily="18" charset="0"/>
-                <a:cs typeface="Times New Roman" pitchFamily="18" charset="0"/>
-              </a:rPr>
-              <a:t>Hội</a:t>
-            </a:r>
-            <a:r>
-              <a:rPr lang="en-US" sz="1300" b="1" dirty="0" smtClean="0">
-                <a:solidFill>
-                  <a:schemeClr val="tx1"/>
-                </a:solidFill>
-                <a:latin typeface="Times New Roman" pitchFamily="18" charset="0"/>
-                <a:cs typeface="Times New Roman" pitchFamily="18" charset="0"/>
-              </a:rPr>
-              <a:t> </a:t>
-            </a:r>
-            <a:r>
-              <a:rPr lang="en-US" sz="1300" b="1" dirty="0" err="1" smtClean="0">
-                <a:solidFill>
-                  <a:schemeClr val="tx1"/>
-                </a:solidFill>
-                <a:latin typeface="Times New Roman" pitchFamily="18" charset="0"/>
-                <a:cs typeface="Times New Roman" pitchFamily="18" charset="0"/>
-              </a:rPr>
-              <a:t>nghị</a:t>
-            </a:r>
-            <a:endParaRPr lang="en-US" sz="1300" b="1" dirty="0" smtClean="0">
-              <a:solidFill>
-                <a:schemeClr val="tx1"/>
-              </a:solidFill>
-              <a:latin typeface="Times New Roman" pitchFamily="18" charset="0"/>
-              <a:cs typeface="Times New Roman" pitchFamily="18" charset="0"/>
-            </a:endParaRPr>
-          </a:p>
-          <a:p>
-            <a:pPr algn="ctr"/>
-            <a:endParaRPr lang="en-US" sz="1300" b="1" dirty="0" smtClean="0">
-              <a:solidFill>
-                <a:schemeClr val="tx1"/>
-              </a:solidFill>
-              <a:latin typeface="Times New Roman" pitchFamily="18" charset="0"/>
-              <a:cs typeface="Times New Roman" pitchFamily="18" charset="0"/>
-            </a:endParaRPr>
-          </a:p>
-          <a:p>
-            <a:pPr algn="ctr"/>
-            <a:endParaRPr lang="en-US" sz="1300" b="1" dirty="0" smtClean="0">
-              <a:solidFill>
-                <a:schemeClr val="tx1"/>
-              </a:solidFill>
-              <a:latin typeface="Times New Roman" pitchFamily="18" charset="0"/>
-              <a:cs typeface="Times New Roman" pitchFamily="18" charset="0"/>
-            </a:endParaRPr>
-          </a:p>
-          <a:p>
-            <a:pPr algn="ctr"/>
-            <a:r>
-              <a:rPr lang="en-US" sz="1300" b="1" dirty="0" err="1" smtClean="0">
-                <a:solidFill>
-                  <a:schemeClr val="tx1"/>
-                </a:solidFill>
-                <a:latin typeface="Times New Roman" pitchFamily="18" charset="0"/>
-                <a:cs typeface="Times New Roman" pitchFamily="18" charset="0"/>
-              </a:rPr>
-              <a:t>Năm</a:t>
-            </a:r>
-            <a:endParaRPr lang="en-US" sz="1300" b="1" dirty="0" smtClean="0">
-              <a:solidFill>
-                <a:schemeClr val="tx1"/>
-              </a:solidFill>
-              <a:latin typeface="Times New Roman" pitchFamily="18" charset="0"/>
-              <a:cs typeface="Times New Roman" pitchFamily="18" charset="0"/>
-            </a:endParaRPr>
-          </a:p>
-          <a:p>
-            <a:pPr algn="ctr"/>
-            <a:endParaRPr lang="en-US" sz="1300" b="1" dirty="0" smtClean="0">
-              <a:solidFill>
-                <a:schemeClr val="tx1"/>
-              </a:solidFill>
-              <a:latin typeface="Times New Roman" pitchFamily="18" charset="0"/>
-              <a:cs typeface="Times New Roman" pitchFamily="18" charset="0"/>
-            </a:endParaRPr>
-          </a:p>
-          <a:p>
-            <a:pPr algn="ctr"/>
-            <a:endParaRPr lang="en-US" sz="1300" b="1" dirty="0" smtClean="0">
-              <a:solidFill>
-                <a:schemeClr val="tx1"/>
-              </a:solidFill>
-              <a:latin typeface="Times New Roman" pitchFamily="18" charset="0"/>
-              <a:cs typeface="Times New Roman" pitchFamily="18" charset="0"/>
-            </a:endParaRPr>
-          </a:p>
-          <a:p>
-            <a:pPr algn="ctr"/>
-            <a:r>
-              <a:rPr lang="en-US" sz="1300" b="1" dirty="0" smtClean="0">
-                <a:solidFill>
-                  <a:schemeClr val="tx1"/>
-                </a:solidFill>
-                <a:latin typeface="Times New Roman" pitchFamily="18" charset="0"/>
-                <a:cs typeface="Times New Roman" pitchFamily="18" charset="0"/>
-              </a:rPr>
-              <a:t>Abstract</a:t>
-            </a:r>
-          </a:p>
-          <a:p>
-            <a:pPr algn="ctr"/>
-            <a:endParaRPr lang="en-US" sz="1300" b="1" dirty="0" smtClean="0">
-              <a:solidFill>
-                <a:schemeClr val="tx1"/>
-              </a:solidFill>
-              <a:latin typeface="Times New Roman" pitchFamily="18" charset="0"/>
-              <a:cs typeface="Times New Roman" pitchFamily="18" charset="0"/>
-            </a:endParaRPr>
-          </a:p>
-          <a:p>
-            <a:pPr algn="ctr"/>
-            <a:endParaRPr lang="en-US" sz="1300" b="1" dirty="0" smtClean="0">
-              <a:solidFill>
-                <a:schemeClr val="tx1"/>
-              </a:solidFill>
-              <a:latin typeface="Times New Roman" pitchFamily="18" charset="0"/>
-              <a:cs typeface="Times New Roman" pitchFamily="18" charset="0"/>
-            </a:endParaRPr>
-          </a:p>
-          <a:p>
-            <a:pPr algn="ctr"/>
-            <a:r>
-              <a:rPr lang="en-US" sz="1300" b="1" dirty="0" smtClean="0">
-                <a:solidFill>
-                  <a:schemeClr val="tx1"/>
-                </a:solidFill>
-                <a:latin typeface="Times New Roman" pitchFamily="18" charset="0"/>
-                <a:cs typeface="Times New Roman" pitchFamily="18" charset="0"/>
-              </a:rPr>
-              <a:t>Reference</a:t>
-            </a:r>
-          </a:p>
-          <a:p>
-            <a:pPr algn="ctr"/>
-            <a:endParaRPr lang="en-US" sz="1300" b="1" dirty="0" smtClean="0">
-              <a:solidFill>
-                <a:schemeClr val="tx1"/>
-              </a:solidFill>
-              <a:latin typeface="Times New Roman" pitchFamily="18" charset="0"/>
-              <a:cs typeface="Times New Roman" pitchFamily="18" charset="0"/>
-            </a:endParaRPr>
-          </a:p>
-          <a:p>
-            <a:pPr algn="ctr"/>
-            <a:r>
-              <a:rPr lang="en-US" sz="1300" b="1" dirty="0" smtClean="0">
-                <a:solidFill>
-                  <a:schemeClr val="tx1"/>
-                </a:solidFill>
-                <a:latin typeface="Times New Roman" pitchFamily="18" charset="0"/>
-                <a:cs typeface="Times New Roman" pitchFamily="18" charset="0"/>
-              </a:rPr>
-              <a:t>Title</a:t>
-            </a:r>
-          </a:p>
-          <a:p>
-            <a:pPr algn="ctr"/>
-            <a:endParaRPr lang="en-US" sz="1300" b="1" dirty="0" smtClean="0">
-              <a:solidFill>
-                <a:schemeClr val="tx1"/>
-              </a:solidFill>
-              <a:latin typeface="Times New Roman" pitchFamily="18" charset="0"/>
-              <a:cs typeface="Times New Roman" pitchFamily="18" charset="0"/>
-            </a:endParaRPr>
-          </a:p>
-          <a:p>
-            <a:pPr algn="ctr"/>
-            <a:endParaRPr lang="en-US" sz="1300" b="1" dirty="0" smtClean="0">
-              <a:solidFill>
-                <a:schemeClr val="tx1"/>
-              </a:solidFill>
-              <a:latin typeface="Times New Roman" pitchFamily="18" charset="0"/>
-              <a:cs typeface="Times New Roman" pitchFamily="18" charset="0"/>
-            </a:endParaRPr>
-          </a:p>
-          <a:p>
-            <a:pPr algn="ctr"/>
-            <a:endParaRPr lang="en-US" sz="1300" b="1" dirty="0" smtClean="0">
-              <a:solidFill>
-                <a:schemeClr val="tx1"/>
-              </a:solidFill>
-              <a:latin typeface="Times New Roman" pitchFamily="18" charset="0"/>
-              <a:cs typeface="Times New Roman" pitchFamily="18" charset="0"/>
-            </a:endParaRPr>
-          </a:p>
-          <a:p>
-            <a:pPr algn="ctr"/>
-            <a:endParaRPr lang="en-US" sz="1300" b="1" dirty="0" smtClean="0">
-              <a:solidFill>
-                <a:schemeClr val="tx1"/>
-              </a:solidFill>
-              <a:latin typeface="Times New Roman" pitchFamily="18" charset="0"/>
-              <a:cs typeface="Times New Roman" pitchFamily="18" charset="0"/>
-            </a:endParaRPr>
-          </a:p>
-          <a:p>
-            <a:pPr algn="ctr"/>
-            <a:endParaRPr lang="en-US" sz="1300" b="1" dirty="0">
-              <a:solidFill>
-                <a:schemeClr val="tx1"/>
-              </a:solidFill>
-              <a:latin typeface="Times New Roman" pitchFamily="18" charset="0"/>
-              <a:cs typeface="Times New Roman" pitchFamily="18" charset="0"/>
-            </a:endParaRPr>
-          </a:p>
         </p:txBody>
       </p:sp>
       <p:cxnSp>
         <p:nvCxnSpPr>
-          <p:cNvPr id="18" name="Straight Arrow Connector 17"/>
-          <p:cNvCxnSpPr/>
+          <p:cNvPr id="120" name="Elbow Connector 119"/>
+          <p:cNvCxnSpPr>
+            <a:stCxn id="24" idx="1"/>
+            <a:endCxn id="35" idx="0"/>
+          </p:cNvCxnSpPr>
           <p:nvPr/>
         </p:nvCxnSpPr>
         <p:spPr>
-          <a:xfrm flipV="1">
-            <a:off x="6019800" y="1905000"/>
-            <a:ext cx="1600200" cy="762000"/>
-          </a:xfrm>
-          <a:prstGeom prst="straightConnector1">
-            <a:avLst/>
+          <a:xfrm rot="5400000">
+            <a:off x="2456842" y="628041"/>
+            <a:ext cx="229817" cy="1257300"/>
+          </a:xfrm>
+          <a:prstGeom prst="bentConnector3">
+            <a:avLst>
+              <a:gd name="adj1" fmla="val 50000"/>
+            </a:avLst>
           </a:prstGeom>
           <a:ln>
-            <a:solidFill>
-              <a:srgbClr val="FF0000"/>
-            </a:solidFill>
             <a:tailEnd type="arrow"/>
           </a:ln>
         </p:spPr>
@@ -5780,24 +5077,18 @@
       </p:cxnSp>
       <p:cxnSp>
         <p:nvCxnSpPr>
-          <p:cNvPr id="22" name="Straight Arrow Connector 21"/>
+          <p:cNvPr id="48" name="Straight Connector 47"/>
           <p:cNvCxnSpPr/>
           <p:nvPr/>
         </p:nvCxnSpPr>
         <p:spPr>
-          <a:xfrm flipV="1">
-            <a:off x="6019800" y="2438400"/>
-            <a:ext cx="1600200" cy="228600"/>
-          </a:xfrm>
-          <a:prstGeom prst="straightConnector1">
-            <a:avLst/>
-          </a:prstGeom>
-          <a:ln>
-            <a:solidFill>
-              <a:srgbClr val="FF0000"/>
-            </a:solidFill>
-            <a:tailEnd type="arrow"/>
-          </a:ln>
+          <a:xfrm rot="5400000">
+            <a:off x="3390900" y="3238500"/>
+            <a:ext cx="4419600" cy="76200"/>
+          </a:xfrm>
+          <a:prstGeom prst="line">
+            <a:avLst/>
+          </a:prstGeom>
         </p:spPr>
         <p:style>
           <a:lnRef idx="1">
@@ -5816,24 +5107,18 @@
       </p:cxnSp>
       <p:cxnSp>
         <p:nvCxnSpPr>
-          <p:cNvPr id="25" name="Straight Arrow Connector 24"/>
+          <p:cNvPr id="50" name="Straight Connector 49"/>
           <p:cNvCxnSpPr/>
           <p:nvPr/>
         </p:nvCxnSpPr>
         <p:spPr>
-          <a:xfrm>
-            <a:off x="5943600" y="2743200"/>
-            <a:ext cx="1752600" cy="228600"/>
-          </a:xfrm>
-          <a:prstGeom prst="straightConnector1">
-            <a:avLst/>
-          </a:prstGeom>
-          <a:ln>
-            <a:solidFill>
-              <a:srgbClr val="FF0000"/>
-            </a:solidFill>
-            <a:tailEnd type="arrow"/>
-          </a:ln>
+          <a:xfrm rot="5400000">
+            <a:off x="3657600" y="3200400"/>
+            <a:ext cx="4419600" cy="152400"/>
+          </a:xfrm>
+          <a:prstGeom prst="line">
+            <a:avLst/>
+          </a:prstGeom>
         </p:spPr>
         <p:style>
           <a:lnRef idx="1">
@@ -5850,224 +5135,33 @@
           </a:fontRef>
         </p:style>
       </p:cxnSp>
-      <p:cxnSp>
-        <p:nvCxnSpPr>
-          <p:cNvPr id="29" name="Straight Arrow Connector 28"/>
-          <p:cNvCxnSpPr/>
-          <p:nvPr/>
-        </p:nvCxnSpPr>
-        <p:spPr>
-          <a:xfrm>
-            <a:off x="6019800" y="2743200"/>
-            <a:ext cx="1600200" cy="838200"/>
-          </a:xfrm>
-          <a:prstGeom prst="straightConnector1">
-            <a:avLst/>
-          </a:prstGeom>
-          <a:ln>
-            <a:solidFill>
-              <a:srgbClr val="FF0000"/>
-            </a:solidFill>
-            <a:tailEnd type="arrow"/>
-          </a:ln>
-        </p:spPr>
-        <p:style>
-          <a:lnRef idx="1">
-            <a:schemeClr val="accent1"/>
-          </a:lnRef>
-          <a:fillRef idx="0">
-            <a:schemeClr val="accent1"/>
-          </a:fillRef>
-          <a:effectRef idx="0">
-            <a:schemeClr val="accent1"/>
-          </a:effectRef>
-          <a:fontRef idx="minor">
-            <a:schemeClr val="tx1"/>
-          </a:fontRef>
-        </p:style>
-      </p:cxnSp>
-      <p:cxnSp>
-        <p:nvCxnSpPr>
-          <p:cNvPr id="33" name="Straight Arrow Connector 32"/>
-          <p:cNvCxnSpPr/>
-          <p:nvPr/>
-        </p:nvCxnSpPr>
-        <p:spPr>
-          <a:xfrm>
-            <a:off x="6019800" y="2819400"/>
-            <a:ext cx="1447800" cy="1295400"/>
-          </a:xfrm>
-          <a:prstGeom prst="straightConnector1">
-            <a:avLst/>
-          </a:prstGeom>
-          <a:ln>
-            <a:solidFill>
-              <a:srgbClr val="FF0000"/>
-            </a:solidFill>
-            <a:tailEnd type="arrow"/>
-          </a:ln>
-        </p:spPr>
-        <p:style>
-          <a:lnRef idx="1">
-            <a:schemeClr val="accent1"/>
-          </a:lnRef>
-          <a:fillRef idx="0">
-            <a:schemeClr val="accent1"/>
-          </a:fillRef>
-          <a:effectRef idx="0">
-            <a:schemeClr val="accent1"/>
-          </a:effectRef>
-          <a:fontRef idx="minor">
-            <a:schemeClr val="tx1"/>
-          </a:fontRef>
-        </p:style>
-      </p:cxnSp>
-      <p:cxnSp>
-        <p:nvCxnSpPr>
-          <p:cNvPr id="19" name="Straight Arrow Connector 18"/>
-          <p:cNvCxnSpPr/>
-          <p:nvPr/>
-        </p:nvCxnSpPr>
-        <p:spPr>
-          <a:xfrm rot="16200000" flipH="1">
-            <a:off x="5829300" y="2933700"/>
-            <a:ext cx="1752600" cy="1676400"/>
-          </a:xfrm>
-          <a:prstGeom prst="straightConnector1">
-            <a:avLst/>
-          </a:prstGeom>
-          <a:ln>
-            <a:solidFill>
-              <a:srgbClr val="FF0000"/>
-            </a:solidFill>
-            <a:tailEnd type="arrow"/>
-          </a:ln>
-        </p:spPr>
-        <p:style>
-          <a:lnRef idx="1">
-            <a:schemeClr val="accent1"/>
-          </a:lnRef>
-          <a:fillRef idx="0">
-            <a:schemeClr val="accent1"/>
-          </a:fillRef>
-          <a:effectRef idx="0">
-            <a:schemeClr val="accent1"/>
-          </a:effectRef>
-          <a:fontRef idx="minor">
-            <a:schemeClr val="tx1"/>
-          </a:fontRef>
-        </p:style>
-      </p:cxnSp>
-      <p:cxnSp>
-        <p:nvCxnSpPr>
-          <p:cNvPr id="26" name="Curved Connector 25"/>
-          <p:cNvCxnSpPr>
-            <a:stCxn id="4" idx="3"/>
-            <a:endCxn id="31" idx="2"/>
-          </p:cNvCxnSpPr>
-          <p:nvPr/>
-        </p:nvCxnSpPr>
-        <p:spPr>
-          <a:xfrm flipV="1">
-            <a:off x="1092498" y="609600"/>
-            <a:ext cx="2037611" cy="1131888"/>
-          </a:xfrm>
-          <a:prstGeom prst="curvedConnector3">
-            <a:avLst>
-              <a:gd name="adj1" fmla="val 50000"/>
-            </a:avLst>
-          </a:prstGeom>
-          <a:ln w="34925">
-            <a:tailEnd type="arrow"/>
-          </a:ln>
-        </p:spPr>
-        <p:style>
-          <a:lnRef idx="1">
-            <a:schemeClr val="accent1"/>
-          </a:lnRef>
-          <a:fillRef idx="0">
-            <a:schemeClr val="accent1"/>
-          </a:fillRef>
-          <a:effectRef idx="0">
-            <a:schemeClr val="accent1"/>
-          </a:effectRef>
-          <a:fontRef idx="minor">
-            <a:schemeClr val="tx1"/>
-          </a:fontRef>
-        </p:style>
-      </p:cxnSp>
-      <p:sp>
-        <p:nvSpPr>
-          <p:cNvPr id="20" name="Rectangle 19"/>
-          <p:cNvSpPr/>
-          <p:nvPr/>
-        </p:nvSpPr>
-        <p:spPr>
-          <a:xfrm>
-            <a:off x="7053363" y="1066800"/>
-            <a:ext cx="1879232" cy="292388"/>
+      <p:sp>
+        <p:nvSpPr>
+          <p:cNvPr id="81" name="TextBox 80"/>
+          <p:cNvSpPr txBox="1"/>
+          <p:nvPr/>
+        </p:nvSpPr>
+        <p:spPr>
+          <a:xfrm rot="16200000">
+            <a:off x="4223266" y="2710934"/>
+            <a:ext cx="3048000" cy="369332"/>
           </a:xfrm>
           <a:prstGeom prst="rect">
             <a:avLst/>
           </a:prstGeom>
-        </p:spPr>
-        <p:txBody>
-          <a:bodyPr wrap="none">
+          <a:noFill/>
+        </p:spPr>
+        <p:txBody>
+          <a:bodyPr wrap="square" rtlCol="0">
             <a:spAutoFit/>
           </a:bodyPr>
           <a:lstStyle/>
           <a:p>
-            <a:pPr algn="ctr"/>
-            <a:r>
-              <a:rPr lang="en-US" sz="1300" b="1" dirty="0" err="1" smtClean="0">
-                <a:latin typeface="Times New Roman" pitchFamily="18" charset="0"/>
-                <a:cs typeface="Times New Roman" pitchFamily="18" charset="0"/>
-              </a:rPr>
-              <a:t>Thông</a:t>
-            </a:r>
-            <a:r>
-              <a:rPr lang="en-US" sz="1300" b="1" dirty="0" smtClean="0">
-                <a:latin typeface="Times New Roman" pitchFamily="18" charset="0"/>
-                <a:cs typeface="Times New Roman" pitchFamily="18" charset="0"/>
-              </a:rPr>
-              <a:t> tin </a:t>
-            </a:r>
-            <a:r>
-              <a:rPr lang="en-US" sz="1300" b="1" dirty="0" err="1" smtClean="0">
-                <a:latin typeface="Times New Roman" pitchFamily="18" charset="0"/>
-                <a:cs typeface="Times New Roman" pitchFamily="18" charset="0"/>
-              </a:rPr>
-              <a:t>trong</a:t>
-            </a:r>
-            <a:r>
-              <a:rPr lang="en-US" sz="1300" b="1" dirty="0" smtClean="0">
-                <a:latin typeface="Times New Roman" pitchFamily="18" charset="0"/>
-                <a:cs typeface="Times New Roman" pitchFamily="18" charset="0"/>
-              </a:rPr>
-              <a:t> </a:t>
-            </a:r>
-            <a:r>
-              <a:rPr lang="en-US" sz="1300" b="1" dirty="0" err="1" smtClean="0">
-                <a:latin typeface="Times New Roman" pitchFamily="18" charset="0"/>
-                <a:cs typeface="Times New Roman" pitchFamily="18" charset="0"/>
-              </a:rPr>
-              <a:t>bài</a:t>
-            </a:r>
-            <a:r>
-              <a:rPr lang="en-US" sz="1300" b="1" dirty="0" smtClean="0">
-                <a:latin typeface="Times New Roman" pitchFamily="18" charset="0"/>
-                <a:cs typeface="Times New Roman" pitchFamily="18" charset="0"/>
-              </a:rPr>
-              <a:t> </a:t>
-            </a:r>
-            <a:r>
-              <a:rPr lang="en-US" sz="1300" b="1" dirty="0" err="1" smtClean="0">
-                <a:latin typeface="Times New Roman" pitchFamily="18" charset="0"/>
-                <a:cs typeface="Times New Roman" pitchFamily="18" charset="0"/>
-              </a:rPr>
-              <a:t>báo</a:t>
-            </a:r>
-            <a:endParaRPr lang="en-US" sz="1300" b="1" dirty="0" smtClean="0">
+            <a:r>
+              <a:rPr lang="en-US" b="1" dirty="0" smtClean="0"/>
+              <a:t>Information scientific papers</a:t>
+            </a:r>
+            <a:endParaRPr lang="en-US" b="1" dirty="0">
               <a:latin typeface="Times New Roman" pitchFamily="18" charset="0"/>
               <a:cs typeface="Times New Roman" pitchFamily="18" charset="0"/>
             </a:endParaRPr>
@@ -6076,91 +5170,18 @@
       </p:sp>
       <p:sp>
         <p:nvSpPr>
-          <p:cNvPr id="21" name="TextBox 20"/>
-          <p:cNvSpPr txBox="1"/>
-          <p:nvPr/>
-        </p:nvSpPr>
-        <p:spPr>
-          <a:xfrm>
-            <a:off x="2362200" y="1295400"/>
-            <a:ext cx="564578" cy="292388"/>
-          </a:xfrm>
-          <a:prstGeom prst="rect">
-            <a:avLst/>
-          </a:prstGeom>
-          <a:noFill/>
-        </p:spPr>
-        <p:txBody>
-          <a:bodyPr wrap="none" rtlCol="0">
-            <a:spAutoFit/>
-          </a:bodyPr>
-          <a:lstStyle/>
-          <a:p>
-            <a:r>
-              <a:rPr lang="en-US" sz="1300" dirty="0" smtClean="0">
-                <a:latin typeface="Times New Roman" pitchFamily="18" charset="0"/>
-                <a:cs typeface="Times New Roman" pitchFamily="18" charset="0"/>
-              </a:rPr>
-              <a:t>Links</a:t>
-            </a:r>
-            <a:endParaRPr lang="en-US" sz="1300" dirty="0">
-              <a:latin typeface="Times New Roman" pitchFamily="18" charset="0"/>
-              <a:cs typeface="Times New Roman" pitchFamily="18" charset="0"/>
-            </a:endParaRPr>
-          </a:p>
-        </p:txBody>
-      </p:sp>
-      <p:sp>
-        <p:nvSpPr>
-          <p:cNvPr id="44" name="TextBox 43"/>
-          <p:cNvSpPr txBox="1"/>
-          <p:nvPr/>
-        </p:nvSpPr>
-        <p:spPr>
-          <a:xfrm>
-            <a:off x="2362200" y="381000"/>
-            <a:ext cx="638316" cy="292388"/>
-          </a:xfrm>
-          <a:prstGeom prst="rect">
-            <a:avLst/>
-          </a:prstGeom>
-          <a:noFill/>
-        </p:spPr>
-        <p:txBody>
-          <a:bodyPr wrap="none" rtlCol="0">
-            <a:spAutoFit/>
-          </a:bodyPr>
-          <a:lstStyle/>
-          <a:p>
-            <a:r>
-              <a:rPr lang="en-US" sz="1300" dirty="0" smtClean="0">
-                <a:latin typeface="Times New Roman" pitchFamily="18" charset="0"/>
-                <a:cs typeface="Times New Roman" pitchFamily="18" charset="0"/>
-              </a:rPr>
-              <a:t>Search</a:t>
-            </a:r>
-            <a:endParaRPr lang="en-US" sz="1300" dirty="0">
-              <a:latin typeface="Times New Roman" pitchFamily="18" charset="0"/>
-              <a:cs typeface="Times New Roman" pitchFamily="18" charset="0"/>
-            </a:endParaRPr>
-          </a:p>
-        </p:txBody>
-      </p:sp>
-      <p:sp>
-        <p:nvSpPr>
-          <p:cNvPr id="46" name="Rectangle 45"/>
+          <p:cNvPr id="18" name="Flowchart: Alternate Process 17"/>
           <p:cNvSpPr/>
           <p:nvPr/>
         </p:nvSpPr>
         <p:spPr>
           <a:xfrm>
-            <a:off x="1600200" y="2590800"/>
-            <a:ext cx="1371600" cy="838200"/>
-          </a:xfrm>
-          <a:prstGeom prst="rect">
-            <a:avLst/>
-          </a:prstGeom>
-          <a:noFill/>
+            <a:off x="6705600" y="2514600"/>
+            <a:ext cx="1219200" cy="609600"/>
+          </a:xfrm>
+          <a:prstGeom prst="flowChartAlternateProcess">
+            <a:avLst/>
+          </a:prstGeom>
         </p:spPr>
         <p:style>
           <a:lnRef idx="2">
@@ -6184,6 +5205,211 @@
           <a:p>
             <a:pPr algn="ctr"/>
             <a:r>
+              <a:rPr lang="en-US" b="1" dirty="0" smtClean="0"/>
+              <a:t>Check</a:t>
+            </a:r>
+            <a:endParaRPr lang="en-US" b="1" dirty="0"/>
+          </a:p>
+        </p:txBody>
+      </p:sp>
+      <p:sp>
+        <p:nvSpPr>
+          <p:cNvPr id="19" name="Right Arrow 18"/>
+          <p:cNvSpPr/>
+          <p:nvPr/>
+        </p:nvSpPr>
+        <p:spPr>
+          <a:xfrm>
+            <a:off x="914400" y="1752600"/>
+            <a:ext cx="381000" cy="228600"/>
+          </a:xfrm>
+          <a:prstGeom prst="rightArrow">
+            <a:avLst/>
+          </a:prstGeom>
+        </p:spPr>
+        <p:style>
+          <a:lnRef idx="2">
+            <a:schemeClr val="accent1">
+              <a:shade val="50000"/>
+            </a:schemeClr>
+          </a:lnRef>
+          <a:fillRef idx="1">
+            <a:schemeClr val="accent1"/>
+          </a:fillRef>
+          <a:effectRef idx="0">
+            <a:schemeClr val="accent1"/>
+          </a:effectRef>
+          <a:fontRef idx="minor">
+            <a:schemeClr val="lt1"/>
+          </a:fontRef>
+        </p:style>
+        <p:txBody>
+          <a:bodyPr rtlCol="0" anchor="ctr"/>
+          <a:lstStyle/>
+          <a:p>
+            <a:pPr algn="ctr"/>
+            <a:endParaRPr lang="en-US"/>
+          </a:p>
+        </p:txBody>
+      </p:sp>
+      <p:sp>
+        <p:nvSpPr>
+          <p:cNvPr id="22" name="Right Arrow 21"/>
+          <p:cNvSpPr/>
+          <p:nvPr/>
+        </p:nvSpPr>
+        <p:spPr>
+          <a:xfrm>
+            <a:off x="4495800" y="1752600"/>
+            <a:ext cx="1143000" cy="152400"/>
+          </a:xfrm>
+          <a:prstGeom prst="rightArrow">
+            <a:avLst/>
+          </a:prstGeom>
+        </p:spPr>
+        <p:style>
+          <a:lnRef idx="2">
+            <a:schemeClr val="accent1">
+              <a:shade val="50000"/>
+            </a:schemeClr>
+          </a:lnRef>
+          <a:fillRef idx="1">
+            <a:schemeClr val="accent1"/>
+          </a:fillRef>
+          <a:effectRef idx="0">
+            <a:schemeClr val="accent1"/>
+          </a:effectRef>
+          <a:fontRef idx="minor">
+            <a:schemeClr val="lt1"/>
+          </a:fontRef>
+        </p:style>
+        <p:txBody>
+          <a:bodyPr rtlCol="0" anchor="ctr"/>
+          <a:lstStyle/>
+          <a:p>
+            <a:pPr algn="ctr"/>
+            <a:endParaRPr lang="en-US"/>
+          </a:p>
+        </p:txBody>
+      </p:sp>
+      <p:sp>
+        <p:nvSpPr>
+          <p:cNvPr id="23" name="Right Arrow 22"/>
+          <p:cNvSpPr/>
+          <p:nvPr/>
+        </p:nvSpPr>
+        <p:spPr>
+          <a:xfrm>
+            <a:off x="5943600" y="2743200"/>
+            <a:ext cx="762000" cy="228600"/>
+          </a:xfrm>
+          <a:prstGeom prst="rightArrow">
+            <a:avLst/>
+          </a:prstGeom>
+        </p:spPr>
+        <p:style>
+          <a:lnRef idx="2">
+            <a:schemeClr val="accent1">
+              <a:shade val="50000"/>
+            </a:schemeClr>
+          </a:lnRef>
+          <a:fillRef idx="1">
+            <a:schemeClr val="accent1"/>
+          </a:fillRef>
+          <a:effectRef idx="0">
+            <a:schemeClr val="accent1"/>
+          </a:effectRef>
+          <a:fontRef idx="minor">
+            <a:schemeClr val="lt1"/>
+          </a:fontRef>
+        </p:style>
+        <p:txBody>
+          <a:bodyPr rtlCol="0" anchor="ctr"/>
+          <a:lstStyle/>
+          <a:p>
+            <a:pPr algn="ctr"/>
+            <a:endParaRPr lang="en-US"/>
+          </a:p>
+        </p:txBody>
+      </p:sp>
+      <p:sp>
+        <p:nvSpPr>
+          <p:cNvPr id="25" name="Right Arrow 24"/>
+          <p:cNvSpPr/>
+          <p:nvPr/>
+        </p:nvSpPr>
+        <p:spPr>
+          <a:xfrm rot="5400000">
+            <a:off x="7010400" y="3276600"/>
+            <a:ext cx="533400" cy="228600"/>
+          </a:xfrm>
+          <a:prstGeom prst="rightArrow">
+            <a:avLst/>
+          </a:prstGeom>
+        </p:spPr>
+        <p:style>
+          <a:lnRef idx="2">
+            <a:schemeClr val="accent1">
+              <a:shade val="50000"/>
+            </a:schemeClr>
+          </a:lnRef>
+          <a:fillRef idx="1">
+            <a:schemeClr val="accent1"/>
+          </a:fillRef>
+          <a:effectRef idx="0">
+            <a:schemeClr val="accent1"/>
+          </a:effectRef>
+          <a:fontRef idx="minor">
+            <a:schemeClr val="lt1"/>
+          </a:fontRef>
+        </p:style>
+        <p:txBody>
+          <a:bodyPr rtlCol="0" anchor="ctr"/>
+          <a:lstStyle/>
+          <a:p>
+            <a:pPr algn="ctr"/>
+            <a:endParaRPr lang="en-US"/>
+          </a:p>
+        </p:txBody>
+      </p:sp>
+      <p:sp>
+        <p:nvSpPr>
+          <p:cNvPr id="28" name="Rectangle 27"/>
+          <p:cNvSpPr/>
+          <p:nvPr/>
+        </p:nvSpPr>
+        <p:spPr>
+          <a:xfrm>
+            <a:off x="3048000" y="1371600"/>
+            <a:ext cx="1371600" cy="838200"/>
+          </a:xfrm>
+          <a:prstGeom prst="rect">
+            <a:avLst/>
+          </a:prstGeom>
+          <a:noFill/>
+        </p:spPr>
+        <p:style>
+          <a:lnRef idx="2">
+            <a:schemeClr val="accent1">
+              <a:shade val="50000"/>
+            </a:schemeClr>
+          </a:lnRef>
+          <a:fillRef idx="1">
+            <a:schemeClr val="accent1"/>
+          </a:fillRef>
+          <a:effectRef idx="0">
+            <a:schemeClr val="accent1"/>
+          </a:effectRef>
+          <a:fontRef idx="minor">
+            <a:schemeClr val="lt1"/>
+          </a:fontRef>
+        </p:style>
+        <p:txBody>
+          <a:bodyPr rtlCol="0" anchor="ctr"/>
+          <a:lstStyle/>
+          <a:p>
+            <a:pPr algn="ctr"/>
+            <a:r>
               <a:rPr lang="en-US" sz="1300" b="1" dirty="0" smtClean="0">
                 <a:solidFill>
                   <a:schemeClr val="tx1"/>
@@ -6191,97 +5417,7 @@
                 <a:latin typeface="Times New Roman" pitchFamily="18" charset="0"/>
                 <a:cs typeface="Times New Roman" pitchFamily="18" charset="0"/>
               </a:rPr>
-              <a:t>Module </a:t>
-            </a:r>
-            <a:r>
-              <a:rPr lang="en-US" sz="1300" b="1" dirty="0" err="1" smtClean="0">
-                <a:solidFill>
-                  <a:schemeClr val="tx1"/>
-                </a:solidFill>
-                <a:latin typeface="Times New Roman" pitchFamily="18" charset="0"/>
-                <a:cs typeface="Times New Roman" pitchFamily="18" charset="0"/>
-              </a:rPr>
-              <a:t>Rút</a:t>
-            </a:r>
-            <a:r>
-              <a:rPr lang="en-US" sz="1300" b="1" dirty="0" smtClean="0">
-                <a:solidFill>
-                  <a:schemeClr val="tx1"/>
-                </a:solidFill>
-                <a:latin typeface="Times New Roman" pitchFamily="18" charset="0"/>
-                <a:cs typeface="Times New Roman" pitchFamily="18" charset="0"/>
-              </a:rPr>
-              <a:t> </a:t>
-            </a:r>
-            <a:r>
-              <a:rPr lang="en-US" sz="1300" b="1" dirty="0" err="1" smtClean="0">
-                <a:solidFill>
-                  <a:schemeClr val="tx1"/>
-                </a:solidFill>
-                <a:latin typeface="Times New Roman" pitchFamily="18" charset="0"/>
-                <a:cs typeface="Times New Roman" pitchFamily="18" charset="0"/>
-              </a:rPr>
-              <a:t>trích</a:t>
-            </a:r>
-            <a:r>
-              <a:rPr lang="en-US" sz="1300" b="1" dirty="0" smtClean="0">
-                <a:solidFill>
-                  <a:schemeClr val="tx1"/>
-                </a:solidFill>
-                <a:latin typeface="Times New Roman" pitchFamily="18" charset="0"/>
-                <a:cs typeface="Times New Roman" pitchFamily="18" charset="0"/>
-              </a:rPr>
-              <a:t> </a:t>
-            </a:r>
-            <a:r>
-              <a:rPr lang="en-US" sz="1300" b="1" dirty="0" err="1" smtClean="0">
-                <a:solidFill>
-                  <a:schemeClr val="tx1"/>
-                </a:solidFill>
-                <a:latin typeface="Times New Roman" pitchFamily="18" charset="0"/>
-                <a:cs typeface="Times New Roman" pitchFamily="18" charset="0"/>
-              </a:rPr>
-              <a:t>thông</a:t>
-            </a:r>
-            <a:r>
-              <a:rPr lang="en-US" sz="1300" b="1" dirty="0" smtClean="0">
-                <a:solidFill>
-                  <a:schemeClr val="tx1"/>
-                </a:solidFill>
-                <a:latin typeface="Times New Roman" pitchFamily="18" charset="0"/>
-                <a:cs typeface="Times New Roman" pitchFamily="18" charset="0"/>
-              </a:rPr>
-              <a:t> tin </a:t>
-            </a:r>
-            <a:r>
-              <a:rPr lang="en-US" sz="1300" b="1" dirty="0" err="1" smtClean="0">
-                <a:solidFill>
-                  <a:schemeClr val="tx1"/>
-                </a:solidFill>
-                <a:latin typeface="Times New Roman" pitchFamily="18" charset="0"/>
-                <a:cs typeface="Times New Roman" pitchFamily="18" charset="0"/>
-              </a:rPr>
-              <a:t>bài</a:t>
-            </a:r>
-            <a:r>
-              <a:rPr lang="en-US" sz="1300" b="1" dirty="0" smtClean="0">
-                <a:solidFill>
-                  <a:schemeClr val="tx1"/>
-                </a:solidFill>
-                <a:latin typeface="Times New Roman" pitchFamily="18" charset="0"/>
-                <a:cs typeface="Times New Roman" pitchFamily="18" charset="0"/>
-              </a:rPr>
-              <a:t> </a:t>
-            </a:r>
-            <a:r>
-              <a:rPr lang="en-US" sz="1300" b="1" dirty="0" err="1" smtClean="0">
-                <a:solidFill>
-                  <a:schemeClr val="tx1"/>
-                </a:solidFill>
-                <a:latin typeface="Times New Roman" pitchFamily="18" charset="0"/>
-                <a:cs typeface="Times New Roman" pitchFamily="18" charset="0"/>
-              </a:rPr>
-              <a:t>báo</a:t>
+              <a:t>Module extraction information</a:t>
             </a:r>
             <a:endParaRPr lang="en-US" sz="1300" b="1" dirty="0">
               <a:solidFill>
@@ -6290,6 +5426,622 @@
               <a:latin typeface="Times New Roman" pitchFamily="18" charset="0"/>
               <a:cs typeface="Times New Roman" pitchFamily="18" charset="0"/>
             </a:endParaRPr>
+          </a:p>
+        </p:txBody>
+      </p:sp>
+      <p:sp>
+        <p:nvSpPr>
+          <p:cNvPr id="29" name="Right Arrow 28"/>
+          <p:cNvSpPr/>
+          <p:nvPr/>
+        </p:nvSpPr>
+        <p:spPr>
+          <a:xfrm>
+            <a:off x="2514600" y="1752600"/>
+            <a:ext cx="533400" cy="152400"/>
+          </a:xfrm>
+          <a:prstGeom prst="rightArrow">
+            <a:avLst/>
+          </a:prstGeom>
+        </p:spPr>
+        <p:style>
+          <a:lnRef idx="2">
+            <a:schemeClr val="accent1">
+              <a:shade val="50000"/>
+            </a:schemeClr>
+          </a:lnRef>
+          <a:fillRef idx="1">
+            <a:schemeClr val="accent1"/>
+          </a:fillRef>
+          <a:effectRef idx="0">
+            <a:schemeClr val="accent1"/>
+          </a:effectRef>
+          <a:fontRef idx="minor">
+            <a:schemeClr val="lt1"/>
+          </a:fontRef>
+        </p:style>
+        <p:txBody>
+          <a:bodyPr rtlCol="0" anchor="ctr"/>
+          <a:lstStyle/>
+          <a:p>
+            <a:pPr algn="ctr"/>
+            <a:endParaRPr lang="en-US"/>
+          </a:p>
+        </p:txBody>
+      </p:sp>
+      <p:sp>
+        <p:nvSpPr>
+          <p:cNvPr id="30" name="Right Arrow 29"/>
+          <p:cNvSpPr/>
+          <p:nvPr/>
+        </p:nvSpPr>
+        <p:spPr>
+          <a:xfrm rot="5400000">
+            <a:off x="3086100" y="2857500"/>
+            <a:ext cx="1295400" cy="152400"/>
+          </a:xfrm>
+          <a:prstGeom prst="rightArrow">
+            <a:avLst/>
+          </a:prstGeom>
+        </p:spPr>
+        <p:style>
+          <a:lnRef idx="2">
+            <a:schemeClr val="accent1">
+              <a:shade val="50000"/>
+            </a:schemeClr>
+          </a:lnRef>
+          <a:fillRef idx="1">
+            <a:schemeClr val="accent1"/>
+          </a:fillRef>
+          <a:effectRef idx="0">
+            <a:schemeClr val="accent1"/>
+          </a:effectRef>
+          <a:fontRef idx="minor">
+            <a:schemeClr val="lt1"/>
+          </a:fontRef>
+        </p:style>
+        <p:txBody>
+          <a:bodyPr rtlCol="0" anchor="ctr"/>
+          <a:lstStyle/>
+          <a:p>
+            <a:pPr algn="ctr"/>
+            <a:endParaRPr lang="en-US"/>
+          </a:p>
+        </p:txBody>
+      </p:sp>
+      <p:sp>
+        <p:nvSpPr>
+          <p:cNvPr id="31" name="TextBox 30"/>
+          <p:cNvSpPr txBox="1"/>
+          <p:nvPr/>
+        </p:nvSpPr>
+        <p:spPr>
+          <a:xfrm>
+            <a:off x="4495800" y="1371600"/>
+            <a:ext cx="1600200" cy="292388"/>
+          </a:xfrm>
+          <a:prstGeom prst="rect">
+            <a:avLst/>
+          </a:prstGeom>
+          <a:noFill/>
+        </p:spPr>
+        <p:txBody>
+          <a:bodyPr wrap="square" rtlCol="0">
+            <a:spAutoFit/>
+          </a:bodyPr>
+          <a:lstStyle/>
+          <a:p>
+            <a:r>
+              <a:rPr lang="en-US" sz="1300" dirty="0" smtClean="0">
+                <a:latin typeface="Times New Roman" pitchFamily="18" charset="0"/>
+                <a:cs typeface="Times New Roman" pitchFamily="18" charset="0"/>
+              </a:rPr>
+              <a:t>Metadata</a:t>
+            </a:r>
+            <a:endParaRPr lang="en-US" sz="1300" dirty="0">
+              <a:latin typeface="Times New Roman" pitchFamily="18" charset="0"/>
+              <a:cs typeface="Times New Roman" pitchFamily="18" charset="0"/>
+            </a:endParaRPr>
+          </a:p>
+        </p:txBody>
+      </p:sp>
+      <p:sp>
+        <p:nvSpPr>
+          <p:cNvPr id="21" name="Right Arrow 20"/>
+          <p:cNvSpPr/>
+          <p:nvPr/>
+        </p:nvSpPr>
+        <p:spPr>
+          <a:xfrm>
+            <a:off x="4419600" y="4038600"/>
+            <a:ext cx="990600" cy="228600"/>
+          </a:xfrm>
+          <a:prstGeom prst="rightArrow">
+            <a:avLst/>
+          </a:prstGeom>
+        </p:spPr>
+        <p:style>
+          <a:lnRef idx="2">
+            <a:schemeClr val="accent1">
+              <a:shade val="50000"/>
+            </a:schemeClr>
+          </a:lnRef>
+          <a:fillRef idx="1">
+            <a:schemeClr val="accent1"/>
+          </a:fillRef>
+          <a:effectRef idx="0">
+            <a:schemeClr val="accent1"/>
+          </a:effectRef>
+          <a:fontRef idx="minor">
+            <a:schemeClr val="lt1"/>
+          </a:fontRef>
+        </p:style>
+        <p:txBody>
+          <a:bodyPr rtlCol="0" anchor="ctr"/>
+          <a:lstStyle/>
+          <a:p>
+            <a:pPr algn="ctr"/>
+            <a:endParaRPr lang="en-US"/>
+          </a:p>
+        </p:txBody>
+      </p:sp>
+      <p:sp>
+        <p:nvSpPr>
+          <p:cNvPr id="26" name="TextBox 25"/>
+          <p:cNvSpPr txBox="1"/>
+          <p:nvPr/>
+        </p:nvSpPr>
+        <p:spPr>
+          <a:xfrm>
+            <a:off x="4419600" y="3505200"/>
+            <a:ext cx="1143000" cy="369332"/>
+          </a:xfrm>
+          <a:prstGeom prst="rect">
+            <a:avLst/>
+          </a:prstGeom>
+          <a:noFill/>
+        </p:spPr>
+        <p:txBody>
+          <a:bodyPr wrap="square" rtlCol="0">
+            <a:spAutoFit/>
+          </a:bodyPr>
+          <a:lstStyle/>
+          <a:p>
+            <a:r>
+              <a:rPr lang="en-US" dirty="0" smtClean="0"/>
+              <a:t>Subject</a:t>
+            </a:r>
+            <a:endParaRPr lang="en-US" dirty="0"/>
+          </a:p>
+        </p:txBody>
+      </p:sp>
+      <p:sp>
+        <p:nvSpPr>
+          <p:cNvPr id="27" name="Flowchart: Magnetic Disk 26"/>
+          <p:cNvSpPr/>
+          <p:nvPr/>
+        </p:nvSpPr>
+        <p:spPr>
+          <a:xfrm>
+            <a:off x="152400" y="2819400"/>
+            <a:ext cx="990600" cy="990600"/>
+          </a:xfrm>
+          <a:prstGeom prst="flowChartMagneticDisk">
+            <a:avLst/>
+          </a:prstGeom>
+          <a:solidFill>
+            <a:schemeClr val="accent2"/>
+          </a:solidFill>
+        </p:spPr>
+        <p:style>
+          <a:lnRef idx="2">
+            <a:schemeClr val="accent1">
+              <a:shade val="50000"/>
+            </a:schemeClr>
+          </a:lnRef>
+          <a:fillRef idx="1">
+            <a:schemeClr val="accent1"/>
+          </a:fillRef>
+          <a:effectRef idx="0">
+            <a:schemeClr val="accent1"/>
+          </a:effectRef>
+          <a:fontRef idx="minor">
+            <a:schemeClr val="lt1"/>
+          </a:fontRef>
+        </p:style>
+        <p:txBody>
+          <a:bodyPr rtlCol="0" anchor="ctr"/>
+          <a:lstStyle/>
+          <a:p>
+            <a:pPr algn="ctr"/>
+            <a:endParaRPr lang="en-US" sz="1400" b="1" dirty="0" smtClean="0">
+              <a:latin typeface="Times New Roman" pitchFamily="18" charset="0"/>
+              <a:cs typeface="Times New Roman" pitchFamily="18" charset="0"/>
+            </a:endParaRPr>
+          </a:p>
+          <a:p>
+            <a:pPr algn="ctr"/>
+            <a:r>
+              <a:rPr lang="en-US" sz="1400" b="1" dirty="0" smtClean="0">
+                <a:latin typeface="Times New Roman" pitchFamily="18" charset="0"/>
+                <a:cs typeface="Times New Roman" pitchFamily="18" charset="0"/>
+              </a:rPr>
+              <a:t>DBLP </a:t>
+            </a:r>
+            <a:endParaRPr lang="en-US" sz="1400" b="1" dirty="0">
+              <a:latin typeface="Times New Roman" pitchFamily="18" charset="0"/>
+              <a:cs typeface="Times New Roman" pitchFamily="18" charset="0"/>
+            </a:endParaRPr>
+          </a:p>
+        </p:txBody>
+      </p:sp>
+      <p:sp>
+        <p:nvSpPr>
+          <p:cNvPr id="34" name="TextBox 33"/>
+          <p:cNvSpPr txBox="1"/>
+          <p:nvPr/>
+        </p:nvSpPr>
+        <p:spPr>
+          <a:xfrm rot="16200000">
+            <a:off x="2607679" y="2726322"/>
+            <a:ext cx="1523999" cy="338554"/>
+          </a:xfrm>
+          <a:prstGeom prst="rect">
+            <a:avLst/>
+          </a:prstGeom>
+          <a:noFill/>
+        </p:spPr>
+        <p:txBody>
+          <a:bodyPr wrap="square" rtlCol="0">
+            <a:spAutoFit/>
+          </a:bodyPr>
+          <a:lstStyle/>
+          <a:p>
+            <a:r>
+              <a:rPr lang="en-US" sz="1600" dirty="0" smtClean="0"/>
+              <a:t>Title, abstract</a:t>
+            </a:r>
+            <a:endParaRPr lang="en-US" sz="1600" dirty="0"/>
+          </a:p>
+        </p:txBody>
+      </p:sp>
+      <p:sp>
+        <p:nvSpPr>
+          <p:cNvPr id="35" name="Rectangle 34"/>
+          <p:cNvSpPr/>
+          <p:nvPr/>
+        </p:nvSpPr>
+        <p:spPr>
+          <a:xfrm>
+            <a:off x="1295400" y="1371600"/>
+            <a:ext cx="1295400" cy="838200"/>
+          </a:xfrm>
+          <a:prstGeom prst="rect">
+            <a:avLst/>
+          </a:prstGeom>
+          <a:noFill/>
+        </p:spPr>
+        <p:style>
+          <a:lnRef idx="2">
+            <a:schemeClr val="accent1">
+              <a:shade val="50000"/>
+            </a:schemeClr>
+          </a:lnRef>
+          <a:fillRef idx="1">
+            <a:schemeClr val="accent1"/>
+          </a:fillRef>
+          <a:effectRef idx="0">
+            <a:schemeClr val="accent1"/>
+          </a:effectRef>
+          <a:fontRef idx="minor">
+            <a:schemeClr val="lt1"/>
+          </a:fontRef>
+        </p:style>
+        <p:txBody>
+          <a:bodyPr rtlCol="0" anchor="ctr"/>
+          <a:lstStyle/>
+          <a:p>
+            <a:pPr algn="ctr"/>
+            <a:r>
+              <a:rPr lang="en-US" sz="1300" b="1" dirty="0" smtClean="0">
+                <a:solidFill>
+                  <a:schemeClr val="tx1"/>
+                </a:solidFill>
+                <a:latin typeface="Times New Roman" pitchFamily="18" charset="0"/>
+                <a:cs typeface="Times New Roman" pitchFamily="18" charset="0"/>
+              </a:rPr>
+              <a:t>Module</a:t>
+            </a:r>
+          </a:p>
+          <a:p>
+            <a:pPr algn="ctr"/>
+            <a:r>
+              <a:rPr lang="en-US" sz="1300" b="1" dirty="0" smtClean="0">
+                <a:solidFill>
+                  <a:schemeClr val="tx1"/>
+                </a:solidFill>
+                <a:latin typeface="Times New Roman" pitchFamily="18" charset="0"/>
+                <a:cs typeface="Times New Roman" pitchFamily="18" charset="0"/>
+              </a:rPr>
+              <a:t> </a:t>
+            </a:r>
+            <a:r>
+              <a:rPr lang="en-US" sz="1400" b="1" dirty="0" smtClean="0">
+                <a:solidFill>
+                  <a:schemeClr val="tx1"/>
+                </a:solidFill>
+                <a:latin typeface="Times New Roman" pitchFamily="18" charset="0"/>
+                <a:cs typeface="Times New Roman" pitchFamily="18" charset="0"/>
+              </a:rPr>
+              <a:t>collecting</a:t>
+            </a:r>
+            <a:endParaRPr lang="en-US" sz="1300" b="1" dirty="0" smtClean="0">
+              <a:solidFill>
+                <a:schemeClr val="tx1"/>
+              </a:solidFill>
+              <a:latin typeface="Times New Roman" pitchFamily="18" charset="0"/>
+              <a:cs typeface="Times New Roman" pitchFamily="18" charset="0"/>
+            </a:endParaRPr>
+          </a:p>
+          <a:p>
+            <a:pPr algn="ctr"/>
+            <a:endParaRPr lang="en-US" sz="1300" dirty="0">
+              <a:latin typeface="Times New Roman" pitchFamily="18" charset="0"/>
+              <a:cs typeface="Times New Roman" pitchFamily="18" charset="0"/>
+            </a:endParaRPr>
+          </a:p>
+        </p:txBody>
+      </p:sp>
+      <p:sp>
+        <p:nvSpPr>
+          <p:cNvPr id="36" name="Rectangle 35"/>
+          <p:cNvSpPr/>
+          <p:nvPr/>
+        </p:nvSpPr>
+        <p:spPr>
+          <a:xfrm>
+            <a:off x="2971800" y="3733800"/>
+            <a:ext cx="1371600" cy="838200"/>
+          </a:xfrm>
+          <a:prstGeom prst="rect">
+            <a:avLst/>
+          </a:prstGeom>
+          <a:noFill/>
+        </p:spPr>
+        <p:style>
+          <a:lnRef idx="2">
+            <a:schemeClr val="accent1">
+              <a:shade val="50000"/>
+            </a:schemeClr>
+          </a:lnRef>
+          <a:fillRef idx="1">
+            <a:schemeClr val="accent1"/>
+          </a:fillRef>
+          <a:effectRef idx="0">
+            <a:schemeClr val="accent1"/>
+          </a:effectRef>
+          <a:fontRef idx="minor">
+            <a:schemeClr val="lt1"/>
+          </a:fontRef>
+        </p:style>
+        <p:txBody>
+          <a:bodyPr rtlCol="0" anchor="ctr"/>
+          <a:lstStyle/>
+          <a:p>
+            <a:pPr algn="ctr"/>
+            <a:r>
+              <a:rPr lang="en-US" sz="1300" b="1" dirty="0" smtClean="0">
+                <a:solidFill>
+                  <a:schemeClr val="tx1"/>
+                </a:solidFill>
+                <a:latin typeface="Times New Roman" pitchFamily="18" charset="0"/>
+                <a:cs typeface="Times New Roman" pitchFamily="18" charset="0"/>
+              </a:rPr>
+              <a:t>Module </a:t>
+            </a:r>
+          </a:p>
+          <a:p>
+            <a:pPr algn="ctr"/>
+            <a:r>
+              <a:rPr lang="en-US" sz="1300" b="1" dirty="0" smtClean="0">
+                <a:solidFill>
+                  <a:schemeClr val="tx1"/>
+                </a:solidFill>
+                <a:latin typeface="Times New Roman" pitchFamily="18" charset="0"/>
+                <a:cs typeface="Times New Roman" pitchFamily="18" charset="0"/>
+              </a:rPr>
+              <a:t>Classification</a:t>
+            </a:r>
+          </a:p>
+          <a:p>
+            <a:pPr algn="ctr"/>
+            <a:endParaRPr lang="en-US" sz="1300" dirty="0"/>
+          </a:p>
+        </p:txBody>
+      </p:sp>
+      <p:sp>
+        <p:nvSpPr>
+          <p:cNvPr id="37" name="Rectangle 36"/>
+          <p:cNvSpPr/>
+          <p:nvPr/>
+        </p:nvSpPr>
+        <p:spPr>
+          <a:xfrm>
+            <a:off x="1143000" y="3733800"/>
+            <a:ext cx="1295400" cy="838200"/>
+          </a:xfrm>
+          <a:prstGeom prst="rect">
+            <a:avLst/>
+          </a:prstGeom>
+          <a:noFill/>
+        </p:spPr>
+        <p:style>
+          <a:lnRef idx="2">
+            <a:schemeClr val="accent1">
+              <a:shade val="50000"/>
+            </a:schemeClr>
+          </a:lnRef>
+          <a:fillRef idx="1">
+            <a:schemeClr val="accent1"/>
+          </a:fillRef>
+          <a:effectRef idx="0">
+            <a:schemeClr val="accent1"/>
+          </a:effectRef>
+          <a:fontRef idx="minor">
+            <a:schemeClr val="lt1"/>
+          </a:fontRef>
+        </p:style>
+        <p:txBody>
+          <a:bodyPr rtlCol="0" anchor="ctr"/>
+          <a:lstStyle/>
+          <a:p>
+            <a:pPr algn="ctr"/>
+            <a:r>
+              <a:rPr lang="en-US" sz="1300" b="1" dirty="0" smtClean="0">
+                <a:solidFill>
+                  <a:schemeClr val="tx1"/>
+                </a:solidFill>
+                <a:latin typeface="Times New Roman" pitchFamily="18" charset="0"/>
+                <a:cs typeface="Times New Roman" pitchFamily="18" charset="0"/>
+              </a:rPr>
+              <a:t>Module</a:t>
+            </a:r>
+          </a:p>
+          <a:p>
+            <a:pPr algn="ctr"/>
+            <a:r>
+              <a:rPr lang="en-US" sz="1300" b="1" dirty="0" smtClean="0">
+                <a:solidFill>
+                  <a:schemeClr val="tx1"/>
+                </a:solidFill>
+                <a:latin typeface="Times New Roman" pitchFamily="18" charset="0"/>
+                <a:cs typeface="Times New Roman" pitchFamily="18" charset="0"/>
+              </a:rPr>
+              <a:t> Import Data</a:t>
+            </a:r>
+          </a:p>
+          <a:p>
+            <a:pPr algn="ctr"/>
+            <a:endParaRPr lang="en-US" sz="1300" dirty="0">
+              <a:latin typeface="Times New Roman" pitchFamily="18" charset="0"/>
+              <a:cs typeface="Times New Roman" pitchFamily="18" charset="0"/>
+            </a:endParaRPr>
+          </a:p>
+        </p:txBody>
+      </p:sp>
+      <p:sp>
+        <p:nvSpPr>
+          <p:cNvPr id="38" name="Right Arrow 37"/>
+          <p:cNvSpPr/>
+          <p:nvPr/>
+        </p:nvSpPr>
+        <p:spPr>
+          <a:xfrm>
+            <a:off x="2514600" y="4114800"/>
+            <a:ext cx="381000" cy="152400"/>
+          </a:xfrm>
+          <a:prstGeom prst="rightArrow">
+            <a:avLst/>
+          </a:prstGeom>
+        </p:spPr>
+        <p:style>
+          <a:lnRef idx="2">
+            <a:schemeClr val="accent1">
+              <a:shade val="50000"/>
+            </a:schemeClr>
+          </a:lnRef>
+          <a:fillRef idx="1">
+            <a:schemeClr val="accent1"/>
+          </a:fillRef>
+          <a:effectRef idx="0">
+            <a:schemeClr val="accent1"/>
+          </a:effectRef>
+          <a:fontRef idx="minor">
+            <a:schemeClr val="lt1"/>
+          </a:fontRef>
+        </p:style>
+        <p:txBody>
+          <a:bodyPr rtlCol="0" anchor="ctr"/>
+          <a:lstStyle/>
+          <a:p>
+            <a:pPr algn="ctr"/>
+            <a:endParaRPr lang="en-US"/>
+          </a:p>
+        </p:txBody>
+      </p:sp>
+      <p:sp>
+        <p:nvSpPr>
+          <p:cNvPr id="39" name="TextBox 38"/>
+          <p:cNvSpPr txBox="1"/>
+          <p:nvPr/>
+        </p:nvSpPr>
+        <p:spPr>
+          <a:xfrm>
+            <a:off x="2514600" y="3657600"/>
+            <a:ext cx="1143000" cy="292388"/>
+          </a:xfrm>
+          <a:prstGeom prst="rect">
+            <a:avLst/>
+          </a:prstGeom>
+          <a:noFill/>
+        </p:spPr>
+        <p:txBody>
+          <a:bodyPr wrap="square" rtlCol="0">
+            <a:spAutoFit/>
+          </a:bodyPr>
+          <a:lstStyle/>
+          <a:p>
+            <a:r>
+              <a:rPr lang="en-US" sz="1300" dirty="0" smtClean="0">
+                <a:latin typeface="Times New Roman" pitchFamily="18" charset="0"/>
+                <a:cs typeface="Times New Roman" pitchFamily="18" charset="0"/>
+              </a:rPr>
+              <a:t>Title</a:t>
+            </a:r>
+            <a:endParaRPr lang="en-US" sz="1300" dirty="0">
+              <a:latin typeface="Times New Roman" pitchFamily="18" charset="0"/>
+              <a:cs typeface="Times New Roman" pitchFamily="18" charset="0"/>
+            </a:endParaRPr>
+          </a:p>
+        </p:txBody>
+      </p:sp>
+      <p:sp>
+        <p:nvSpPr>
+          <p:cNvPr id="40" name="Bent-Up Arrow 39"/>
+          <p:cNvSpPr/>
+          <p:nvPr/>
+        </p:nvSpPr>
+        <p:spPr>
+          <a:xfrm rot="5400000">
+            <a:off x="533400" y="3810000"/>
+            <a:ext cx="381000" cy="533400"/>
+          </a:xfrm>
+          <a:prstGeom prst="bentUpArrow">
+            <a:avLst/>
+          </a:prstGeom>
+        </p:spPr>
+        <p:style>
+          <a:lnRef idx="2">
+            <a:schemeClr val="accent1">
+              <a:shade val="50000"/>
+            </a:schemeClr>
+          </a:lnRef>
+          <a:fillRef idx="1">
+            <a:schemeClr val="accent1"/>
+          </a:fillRef>
+          <a:effectRef idx="0">
+            <a:schemeClr val="accent1"/>
+          </a:effectRef>
+          <a:fontRef idx="minor">
+            <a:schemeClr val="lt1"/>
+          </a:fontRef>
+        </p:style>
+        <p:txBody>
+          <a:bodyPr rtlCol="0" anchor="ctr"/>
+          <a:lstStyle/>
+          <a:p>
+            <a:pPr algn="ctr"/>
+            <a:endParaRPr lang="en-US"/>
           </a:p>
         </p:txBody>
       </p:sp>
@@ -6325,6 +6077,32 @@
           <a:chExt cx="0" cy="0"/>
         </a:xfrm>
       </p:grpSpPr>
+      <p:pic>
+        <p:nvPicPr>
+          <p:cNvPr id="4" name="Picture 2" descr="C:\Program Files\Microsoft Office\MEDIA\CAGCAT10\j0292020.wmf"/>
+          <p:cNvPicPr>
+            <a:picLocks noChangeAspect="1" noChangeArrowheads="1"/>
+          </p:cNvPicPr>
+          <p:nvPr/>
+        </p:nvPicPr>
+        <p:blipFill>
+          <a:blip r:embed="rId2"/>
+          <a:srcRect/>
+          <a:stretch>
+            <a:fillRect/>
+          </a:stretch>
+        </p:blipFill>
+        <p:spPr bwMode="auto">
+          <a:xfrm>
+            <a:off x="152400" y="1295400"/>
+            <a:ext cx="940098" cy="892175"/>
+          </a:xfrm>
+          <a:prstGeom prst="rect">
+            <a:avLst/>
+          </a:prstGeom>
+          <a:noFill/>
+        </p:spPr>
+      </p:pic>
       <p:sp>
         <p:nvSpPr>
           <p:cNvPr id="6" name="TextBox 5"/>
@@ -6333,8 +6111,8 @@
         </p:nvSpPr>
         <p:spPr>
           <a:xfrm>
-            <a:off x="3657600" y="5715000"/>
-            <a:ext cx="4660250" cy="369332"/>
+            <a:off x="2971800" y="5638800"/>
+            <a:ext cx="2209800" cy="292388"/>
           </a:xfrm>
           <a:prstGeom prst="rect">
             <a:avLst/>
@@ -6342,131 +6120,26 @@
           <a:noFill/>
         </p:spPr>
         <p:txBody>
-          <a:bodyPr wrap="none" rtlCol="0">
+          <a:bodyPr wrap="square" rtlCol="0">
             <a:spAutoFit/>
           </a:bodyPr>
           <a:lstStyle/>
           <a:p>
             <a:r>
-              <a:rPr lang="en-US" b="1" dirty="0" smtClean="0">
-                <a:latin typeface="Times New Roman" pitchFamily="18" charset="0"/>
-                <a:cs typeface="Times New Roman" pitchFamily="18" charset="0"/>
-              </a:rPr>
-              <a:t>(2) Module </a:t>
-            </a:r>
-            <a:r>
-              <a:rPr lang="en-US" b="1" dirty="0" err="1" smtClean="0">
-                <a:latin typeface="Times New Roman" pitchFamily="18" charset="0"/>
-                <a:cs typeface="Times New Roman" pitchFamily="18" charset="0"/>
-              </a:rPr>
-              <a:t>Phân</a:t>
-            </a:r>
-            <a:r>
-              <a:rPr lang="en-US" b="1" dirty="0" smtClean="0">
-                <a:latin typeface="Times New Roman" pitchFamily="18" charset="0"/>
-                <a:cs typeface="Times New Roman" pitchFamily="18" charset="0"/>
-              </a:rPr>
-              <a:t> </a:t>
-            </a:r>
-            <a:r>
-              <a:rPr lang="en-US" b="1" dirty="0" err="1" smtClean="0">
-                <a:latin typeface="Times New Roman" pitchFamily="18" charset="0"/>
-                <a:cs typeface="Times New Roman" pitchFamily="18" charset="0"/>
-              </a:rPr>
-              <a:t>lớp</a:t>
-            </a:r>
-            <a:r>
-              <a:rPr lang="en-US" b="1" dirty="0" smtClean="0">
-                <a:latin typeface="Times New Roman" pitchFamily="18" charset="0"/>
-                <a:cs typeface="Times New Roman" pitchFamily="18" charset="0"/>
-              </a:rPr>
-              <a:t> </a:t>
-            </a:r>
-            <a:r>
-              <a:rPr lang="en-US" b="1" dirty="0" err="1" smtClean="0">
-                <a:latin typeface="Times New Roman" pitchFamily="18" charset="0"/>
-                <a:cs typeface="Times New Roman" pitchFamily="18" charset="0"/>
-              </a:rPr>
-              <a:t>xác</a:t>
-            </a:r>
-            <a:r>
-              <a:rPr lang="en-US" b="1" dirty="0" smtClean="0">
-                <a:latin typeface="Times New Roman" pitchFamily="18" charset="0"/>
-                <a:cs typeface="Times New Roman" pitchFamily="18" charset="0"/>
-              </a:rPr>
-              <a:t> </a:t>
-            </a:r>
-            <a:r>
-              <a:rPr lang="en-US" b="1" dirty="0" err="1" smtClean="0">
-                <a:latin typeface="Times New Roman" pitchFamily="18" charset="0"/>
-                <a:cs typeface="Times New Roman" pitchFamily="18" charset="0"/>
-              </a:rPr>
-              <a:t>định</a:t>
-            </a:r>
-            <a:r>
-              <a:rPr lang="en-US" b="1" dirty="0" smtClean="0">
-                <a:latin typeface="Times New Roman" pitchFamily="18" charset="0"/>
-                <a:cs typeface="Times New Roman" pitchFamily="18" charset="0"/>
-              </a:rPr>
-              <a:t> </a:t>
-            </a:r>
-            <a:r>
-              <a:rPr lang="en-US" b="1" dirty="0" err="1" smtClean="0">
-                <a:latin typeface="Times New Roman" pitchFamily="18" charset="0"/>
-                <a:cs typeface="Times New Roman" pitchFamily="18" charset="0"/>
-              </a:rPr>
-              <a:t>chủ</a:t>
-            </a:r>
-            <a:r>
-              <a:rPr lang="en-US" b="1" dirty="0" smtClean="0">
-                <a:latin typeface="Times New Roman" pitchFamily="18" charset="0"/>
-                <a:cs typeface="Times New Roman" pitchFamily="18" charset="0"/>
-              </a:rPr>
-              <a:t> </a:t>
-            </a:r>
-            <a:r>
-              <a:rPr lang="en-US" b="1" dirty="0" err="1" smtClean="0">
-                <a:latin typeface="Times New Roman" pitchFamily="18" charset="0"/>
-                <a:cs typeface="Times New Roman" pitchFamily="18" charset="0"/>
-              </a:rPr>
-              <a:t>đề</a:t>
-            </a:r>
-            <a:r>
-              <a:rPr lang="en-US" b="1" dirty="0" smtClean="0">
-                <a:latin typeface="Times New Roman" pitchFamily="18" charset="0"/>
-                <a:cs typeface="Times New Roman" pitchFamily="18" charset="0"/>
-              </a:rPr>
-              <a:t> </a:t>
-            </a:r>
-            <a:r>
-              <a:rPr lang="en-US" b="1" dirty="0" err="1" smtClean="0">
-                <a:latin typeface="Times New Roman" pitchFamily="18" charset="0"/>
-                <a:cs typeface="Times New Roman" pitchFamily="18" charset="0"/>
-              </a:rPr>
-              <a:t>bài</a:t>
-            </a:r>
-            <a:r>
-              <a:rPr lang="en-US" b="1" dirty="0" smtClean="0">
-                <a:latin typeface="Times New Roman" pitchFamily="18" charset="0"/>
-                <a:cs typeface="Times New Roman" pitchFamily="18" charset="0"/>
-              </a:rPr>
-              <a:t> </a:t>
-            </a:r>
-            <a:r>
-              <a:rPr lang="en-US" b="1" dirty="0" err="1" smtClean="0">
-                <a:latin typeface="Times New Roman" pitchFamily="18" charset="0"/>
-                <a:cs typeface="Times New Roman" pitchFamily="18" charset="0"/>
-              </a:rPr>
-              <a:t>báo</a:t>
-            </a:r>
-            <a:r>
-              <a:rPr lang="en-US" b="1" dirty="0" smtClean="0">
-                <a:latin typeface="Times New Roman" pitchFamily="18" charset="0"/>
-                <a:cs typeface="Times New Roman" pitchFamily="18" charset="0"/>
-              </a:rPr>
-              <a:t> </a:t>
-            </a:r>
-            <a:endParaRPr lang="en-US" b="1" dirty="0">
+              <a:rPr lang="en-US" sz="1300" b="1" dirty="0" smtClean="0">
+                <a:latin typeface="Times New Roman" pitchFamily="18" charset="0"/>
+                <a:cs typeface="Times New Roman" pitchFamily="18" charset="0"/>
+              </a:rPr>
+              <a:t>(1) Module Thu </a:t>
+            </a:r>
+            <a:r>
+              <a:rPr lang="en-US" sz="1300" b="1" dirty="0" err="1" smtClean="0">
+                <a:latin typeface="Times New Roman" pitchFamily="18" charset="0"/>
+                <a:cs typeface="Times New Roman" pitchFamily="18" charset="0"/>
+              </a:rPr>
+              <a:t>thập</a:t>
+            </a:r>
+            <a:endParaRPr lang="en-US" sz="1300" b="1" dirty="0">
               <a:latin typeface="Times New Roman" pitchFamily="18" charset="0"/>
               <a:cs typeface="Times New Roman" pitchFamily="18" charset="0"/>
             </a:endParaRPr>
@@ -6475,17 +6148,20 @@
       </p:sp>
       <p:sp>
         <p:nvSpPr>
-          <p:cNvPr id="15" name="Flowchart: Multidocument 14"/>
+          <p:cNvPr id="7" name="Cloud Callout 6"/>
           <p:cNvSpPr/>
           <p:nvPr/>
         </p:nvSpPr>
         <p:spPr>
           <a:xfrm>
-            <a:off x="6934200" y="914400"/>
-            <a:ext cx="914400" cy="990600"/>
-          </a:xfrm>
-          <a:prstGeom prst="flowChartMultidocument">
-            <a:avLst/>
+            <a:off x="762000" y="0"/>
+            <a:ext cx="1524000" cy="1146048"/>
+          </a:xfrm>
+          <a:prstGeom prst="cloudCallout">
+            <a:avLst>
+              <a:gd name="adj1" fmla="val -35078"/>
+              <a:gd name="adj2" fmla="val 71525"/>
+            </a:avLst>
           </a:prstGeom>
           <a:noFill/>
         </p:spPr>
@@ -6510,6 +6186,26 @@
           <a:lstStyle/>
           <a:p>
             <a:pPr algn="ctr"/>
+            <a:endParaRPr lang="en-US" sz="1300" b="1" dirty="0" smtClean="0">
+              <a:solidFill>
+                <a:schemeClr val="tx1"/>
+              </a:solidFill>
+              <a:latin typeface="Times New Roman" pitchFamily="18" charset="0"/>
+              <a:cs typeface="Times New Roman" pitchFamily="18" charset="0"/>
+            </a:endParaRPr>
+          </a:p>
+          <a:p>
+            <a:pPr algn="ctr"/>
+            <a:r>
+              <a:rPr lang="en-US" sz="1300" b="1" dirty="0" err="1" smtClean="0">
+                <a:solidFill>
+                  <a:schemeClr val="tx1"/>
+                </a:solidFill>
+                <a:latin typeface="Times New Roman" pitchFamily="18" charset="0"/>
+                <a:cs typeface="Times New Roman" pitchFamily="18" charset="0"/>
+              </a:rPr>
+              <a:t>Tác</a:t>
+            </a:r>
             <a:r>
               <a:rPr lang="en-US" sz="1300" b="1" dirty="0" smtClean="0">
                 <a:solidFill>
@@ -6518,11 +6214,8 @@
                 <a:latin typeface="Times New Roman" pitchFamily="18" charset="0"/>
                 <a:cs typeface="Times New Roman" pitchFamily="18" charset="0"/>
               </a:rPr>
-              <a:t>Title</a:t>
-            </a:r>
-          </a:p>
-          <a:p>
-            <a:pPr algn="ctr"/>
+              <a:t> </a:t>
+            </a:r>
             <a:r>
               <a:rPr lang="en-US" sz="1300" b="1" dirty="0" err="1" smtClean="0">
                 <a:solidFill>
@@ -6531,8 +6224,108 @@
                 <a:latin typeface="Times New Roman" pitchFamily="18" charset="0"/>
                 <a:cs typeface="Times New Roman" pitchFamily="18" charset="0"/>
               </a:rPr>
-              <a:t>Abtract</a:t>
-            </a:r>
+              <a:t>giả</a:t>
+            </a:r>
+            <a:endParaRPr lang="en-US" sz="1300" b="1" dirty="0" smtClean="0">
+              <a:solidFill>
+                <a:schemeClr val="tx1"/>
+              </a:solidFill>
+              <a:latin typeface="Times New Roman" pitchFamily="18" charset="0"/>
+              <a:cs typeface="Times New Roman" pitchFamily="18" charset="0"/>
+            </a:endParaRPr>
+          </a:p>
+          <a:p>
+            <a:pPr algn="ctr"/>
+            <a:r>
+              <a:rPr lang="en-US" sz="1300" b="1" dirty="0" err="1" smtClean="0">
+                <a:solidFill>
+                  <a:schemeClr val="tx1"/>
+                </a:solidFill>
+                <a:latin typeface="Times New Roman" pitchFamily="18" charset="0"/>
+                <a:cs typeface="Times New Roman" pitchFamily="18" charset="0"/>
+              </a:rPr>
+              <a:t>Tựa</a:t>
+            </a:r>
+            <a:r>
+              <a:rPr lang="en-US" sz="1300" b="1" dirty="0" smtClean="0">
+                <a:solidFill>
+                  <a:schemeClr val="tx1"/>
+                </a:solidFill>
+                <a:latin typeface="Times New Roman" pitchFamily="18" charset="0"/>
+                <a:cs typeface="Times New Roman" pitchFamily="18" charset="0"/>
+              </a:rPr>
+              <a:t> </a:t>
+            </a:r>
+            <a:r>
+              <a:rPr lang="en-US" sz="1300" b="1" dirty="0" err="1" smtClean="0">
+                <a:solidFill>
+                  <a:schemeClr val="tx1"/>
+                </a:solidFill>
+                <a:latin typeface="Times New Roman" pitchFamily="18" charset="0"/>
+                <a:cs typeface="Times New Roman" pitchFamily="18" charset="0"/>
+              </a:rPr>
+              <a:t>đề</a:t>
+            </a:r>
+            <a:endParaRPr lang="en-US" sz="1300" b="1" dirty="0" smtClean="0">
+              <a:solidFill>
+                <a:schemeClr val="tx1"/>
+              </a:solidFill>
+              <a:latin typeface="Times New Roman" pitchFamily="18" charset="0"/>
+              <a:cs typeface="Times New Roman" pitchFamily="18" charset="0"/>
+            </a:endParaRPr>
+          </a:p>
+          <a:p>
+            <a:pPr algn="ctr"/>
+            <a:r>
+              <a:rPr lang="en-US" sz="1300" b="1" dirty="0" err="1" smtClean="0">
+                <a:solidFill>
+                  <a:schemeClr val="tx1"/>
+                </a:solidFill>
+                <a:latin typeface="Times New Roman" pitchFamily="18" charset="0"/>
+                <a:cs typeface="Times New Roman" pitchFamily="18" charset="0"/>
+              </a:rPr>
+              <a:t>Hội</a:t>
+            </a:r>
+            <a:r>
+              <a:rPr lang="en-US" sz="1300" b="1" dirty="0" smtClean="0">
+                <a:solidFill>
+                  <a:schemeClr val="tx1"/>
+                </a:solidFill>
+                <a:latin typeface="Times New Roman" pitchFamily="18" charset="0"/>
+                <a:cs typeface="Times New Roman" pitchFamily="18" charset="0"/>
+              </a:rPr>
+              <a:t> </a:t>
+            </a:r>
+            <a:r>
+              <a:rPr lang="en-US" sz="1300" b="1" dirty="0" err="1" smtClean="0">
+                <a:solidFill>
+                  <a:schemeClr val="tx1"/>
+                </a:solidFill>
+                <a:latin typeface="Times New Roman" pitchFamily="18" charset="0"/>
+                <a:cs typeface="Times New Roman" pitchFamily="18" charset="0"/>
+              </a:rPr>
+              <a:t>Nghị</a:t>
+            </a:r>
+            <a:endParaRPr lang="en-US" sz="1300" b="1" dirty="0" smtClean="0">
+              <a:solidFill>
+                <a:schemeClr val="tx1"/>
+              </a:solidFill>
+              <a:latin typeface="Times New Roman" pitchFamily="18" charset="0"/>
+              <a:cs typeface="Times New Roman" pitchFamily="18" charset="0"/>
+            </a:endParaRPr>
+          </a:p>
+          <a:p>
+            <a:pPr algn="ctr"/>
+            <a:endParaRPr lang="en-US" sz="1300" b="1" dirty="0" smtClean="0">
+              <a:solidFill>
+                <a:schemeClr val="tx1"/>
+              </a:solidFill>
+              <a:latin typeface="Times New Roman" pitchFamily="18" charset="0"/>
+              <a:cs typeface="Times New Roman" pitchFamily="18" charset="0"/>
+            </a:endParaRPr>
+          </a:p>
+          <a:p>
+            <a:pPr algn="ctr"/>
             <a:endParaRPr lang="en-US" sz="1300" b="1" dirty="0">
               <a:solidFill>
                 <a:schemeClr val="tx1"/>
@@ -6545,24 +6338,19 @@
       </p:sp>
       <p:sp>
         <p:nvSpPr>
-          <p:cNvPr id="22" name="Rectangle 21"/>
+          <p:cNvPr id="31" name="Cloud 30"/>
           <p:cNvSpPr/>
           <p:nvPr/>
         </p:nvSpPr>
         <p:spPr>
           <a:xfrm>
-            <a:off x="5105400" y="3962400"/>
-            <a:ext cx="1447800" cy="762000"/>
-          </a:xfrm>
-          <a:prstGeom prst="rect">
-            <a:avLst/>
-          </a:prstGeom>
-          <a:solidFill>
-            <a:schemeClr val="accent2">
-              <a:lumMod val="20000"/>
-              <a:lumOff val="80000"/>
-            </a:schemeClr>
-          </a:solidFill>
+            <a:off x="3124200" y="0"/>
+            <a:ext cx="1905000" cy="1219200"/>
+          </a:xfrm>
+          <a:prstGeom prst="cloud">
+            <a:avLst/>
+          </a:prstGeom>
+          <a:noFill/>
         </p:spPr>
         <p:style>
           <a:lnRef idx="2">
@@ -6586,16 +6374,46 @@
           <a:p>
             <a:pPr algn="ctr"/>
             <a:r>
-              <a:rPr lang="en-US" b="1" dirty="0" smtClean="0">
+              <a:rPr lang="en-US" sz="1300" b="1" dirty="0" smtClean="0">
                 <a:solidFill>
                   <a:schemeClr val="tx1"/>
                 </a:solidFill>
                 <a:latin typeface="Times New Roman" pitchFamily="18" charset="0"/>
                 <a:cs typeface="Times New Roman" pitchFamily="18" charset="0"/>
               </a:rPr>
-              <a:t>SVM</a:t>
-            </a:r>
-            <a:endParaRPr lang="en-US" b="1" dirty="0">
+              <a:t>ACM, </a:t>
+            </a:r>
+            <a:r>
+              <a:rPr lang="en-US" sz="1300" b="1" dirty="0" err="1" smtClean="0">
+                <a:solidFill>
+                  <a:schemeClr val="tx1"/>
+                </a:solidFill>
+                <a:latin typeface="Times New Roman" pitchFamily="18" charset="0"/>
+                <a:cs typeface="Times New Roman" pitchFamily="18" charset="0"/>
+              </a:rPr>
+              <a:t>Citeseer</a:t>
+            </a:r>
+            <a:r>
+              <a:rPr lang="en-US" sz="1300" b="1" dirty="0" smtClean="0">
+                <a:solidFill>
+                  <a:schemeClr val="tx1"/>
+                </a:solidFill>
+                <a:latin typeface="Times New Roman" pitchFamily="18" charset="0"/>
+                <a:cs typeface="Times New Roman" pitchFamily="18" charset="0"/>
+              </a:rPr>
+              <a:t>,  IEEE </a:t>
+            </a:r>
+            <a:r>
+              <a:rPr lang="en-US" sz="1300" b="1" dirty="0" err="1" smtClean="0">
+                <a:solidFill>
+                  <a:schemeClr val="tx1"/>
+                </a:solidFill>
+                <a:latin typeface="Times New Roman" pitchFamily="18" charset="0"/>
+                <a:cs typeface="Times New Roman" pitchFamily="18" charset="0"/>
+              </a:rPr>
+              <a:t>Xplore</a:t>
+            </a:r>
+            <a:endParaRPr lang="en-US" sz="1300" b="1" dirty="0" smtClean="0">
               <a:solidFill>
                 <a:schemeClr val="tx1"/>
               </a:solidFill>
@@ -6603,182 +6421,79 @@
               <a:cs typeface="Times New Roman" pitchFamily="18" charset="0"/>
             </a:endParaRPr>
           </a:p>
-        </p:txBody>
-      </p:sp>
-      <p:sp>
-        <p:nvSpPr>
-          <p:cNvPr id="25" name="Rectangle 24"/>
-          <p:cNvSpPr/>
-          <p:nvPr/>
-        </p:nvSpPr>
-        <p:spPr>
-          <a:xfrm>
-            <a:off x="381000" y="381000"/>
-            <a:ext cx="1883850" cy="369332"/>
-          </a:xfrm>
-          <a:prstGeom prst="rect">
-            <a:avLst/>
-          </a:prstGeom>
-        </p:spPr>
-        <p:txBody>
-          <a:bodyPr wrap="none">
-            <a:spAutoFit/>
-          </a:bodyPr>
-          <a:lstStyle/>
-          <a:p>
-            <a:pPr algn="ctr"/>
-            <a:r>
-              <a:rPr lang="en-US" b="1" dirty="0" err="1" smtClean="0">
-                <a:latin typeface="Times New Roman" pitchFamily="18" charset="0"/>
-                <a:cs typeface="Times New Roman" pitchFamily="18" charset="0"/>
-              </a:rPr>
-              <a:t>Bài</a:t>
-            </a:r>
-            <a:r>
-              <a:rPr lang="en-US" b="1" dirty="0" smtClean="0">
-                <a:latin typeface="Times New Roman" pitchFamily="18" charset="0"/>
-                <a:cs typeface="Times New Roman" pitchFamily="18" charset="0"/>
-              </a:rPr>
-              <a:t> </a:t>
-            </a:r>
-            <a:r>
-              <a:rPr lang="en-US" b="1" dirty="0" err="1" smtClean="0">
-                <a:latin typeface="Times New Roman" pitchFamily="18" charset="0"/>
-                <a:cs typeface="Times New Roman" pitchFamily="18" charset="0"/>
-              </a:rPr>
-              <a:t>báo</a:t>
-            </a:r>
-            <a:r>
-              <a:rPr lang="en-US" b="1" dirty="0" smtClean="0">
-                <a:latin typeface="Times New Roman" pitchFamily="18" charset="0"/>
-                <a:cs typeface="Times New Roman" pitchFamily="18" charset="0"/>
-              </a:rPr>
-              <a:t> </a:t>
-            </a:r>
-            <a:r>
-              <a:rPr lang="en-US" b="1" dirty="0" err="1" smtClean="0">
-                <a:latin typeface="Times New Roman" pitchFamily="18" charset="0"/>
-                <a:cs typeface="Times New Roman" pitchFamily="18" charset="0"/>
-              </a:rPr>
-              <a:t>khoa</a:t>
-            </a:r>
-            <a:r>
-              <a:rPr lang="en-US" b="1" dirty="0" smtClean="0">
-                <a:latin typeface="Times New Roman" pitchFamily="18" charset="0"/>
-                <a:cs typeface="Times New Roman" pitchFamily="18" charset="0"/>
-              </a:rPr>
-              <a:t> </a:t>
-            </a:r>
-            <a:r>
-              <a:rPr lang="en-US" b="1" dirty="0" err="1" smtClean="0">
-                <a:latin typeface="Times New Roman" pitchFamily="18" charset="0"/>
-                <a:cs typeface="Times New Roman" pitchFamily="18" charset="0"/>
-              </a:rPr>
-              <a:t>học</a:t>
-            </a:r>
-            <a:endParaRPr lang="en-US" b="1" dirty="0" smtClean="0">
+          <a:p>
+            <a:pPr algn="ctr"/>
+            <a:r>
+              <a:rPr lang="en-US" sz="1300" b="1" dirty="0" err="1" smtClean="0">
+                <a:solidFill>
+                  <a:schemeClr val="tx1"/>
+                </a:solidFill>
+                <a:latin typeface="Times New Roman" pitchFamily="18" charset="0"/>
+                <a:cs typeface="Times New Roman" pitchFamily="18" charset="0"/>
+              </a:rPr>
+              <a:t>ScienceDriect</a:t>
+            </a:r>
+            <a:endParaRPr lang="en-US" sz="1300" b="1" dirty="0">
+              <a:solidFill>
+                <a:schemeClr val="tx1"/>
+              </a:solidFill>
               <a:latin typeface="Times New Roman" pitchFamily="18" charset="0"/>
               <a:cs typeface="Times New Roman" pitchFamily="18" charset="0"/>
             </a:endParaRPr>
           </a:p>
         </p:txBody>
       </p:sp>
-      <p:sp>
-        <p:nvSpPr>
-          <p:cNvPr id="26" name="Rectangle 25"/>
+      <p:cxnSp>
+        <p:nvCxnSpPr>
+          <p:cNvPr id="32" name="Elbow Connector 31"/>
+          <p:cNvCxnSpPr/>
+          <p:nvPr/>
+        </p:nvCxnSpPr>
+        <p:spPr>
+          <a:xfrm rot="5400000">
+            <a:off x="2094851" y="1105549"/>
+            <a:ext cx="1296698" cy="1219200"/>
+          </a:xfrm>
+          <a:prstGeom prst="bentConnector3">
+            <a:avLst>
+              <a:gd name="adj1" fmla="val 50000"/>
+            </a:avLst>
+          </a:prstGeom>
+          <a:ln>
+            <a:tailEnd type="arrow"/>
+          </a:ln>
+        </p:spPr>
+        <p:style>
+          <a:lnRef idx="1">
+            <a:schemeClr val="accent1"/>
+          </a:lnRef>
+          <a:fillRef idx="0">
+            <a:schemeClr val="accent1"/>
+          </a:fillRef>
+          <a:effectRef idx="0">
+            <a:schemeClr val="accent1"/>
+          </a:effectRef>
+          <a:fontRef idx="minor">
+            <a:schemeClr val="tx1"/>
+          </a:fontRef>
+        </p:style>
+      </p:cxnSp>
+      <p:sp>
+        <p:nvSpPr>
+          <p:cNvPr id="39" name="Flowchart: Document 38"/>
           <p:cNvSpPr/>
           <p:nvPr/>
         </p:nvSpPr>
         <p:spPr>
           <a:xfrm>
-            <a:off x="6553200" y="533400"/>
-            <a:ext cx="1883850" cy="369332"/>
-          </a:xfrm>
-          <a:prstGeom prst="rect">
-            <a:avLst/>
-          </a:prstGeom>
-        </p:spPr>
-        <p:txBody>
-          <a:bodyPr wrap="none">
-            <a:spAutoFit/>
-          </a:bodyPr>
-          <a:lstStyle/>
-          <a:p>
-            <a:pPr algn="ctr"/>
-            <a:r>
-              <a:rPr lang="en-US" b="1" dirty="0" err="1" smtClean="0">
-                <a:latin typeface="Times New Roman" pitchFamily="18" charset="0"/>
-                <a:cs typeface="Times New Roman" pitchFamily="18" charset="0"/>
-              </a:rPr>
-              <a:t>Bài</a:t>
-            </a:r>
-            <a:r>
-              <a:rPr lang="en-US" b="1" dirty="0" smtClean="0">
-                <a:latin typeface="Times New Roman" pitchFamily="18" charset="0"/>
-                <a:cs typeface="Times New Roman" pitchFamily="18" charset="0"/>
-              </a:rPr>
-              <a:t> </a:t>
-            </a:r>
-            <a:r>
-              <a:rPr lang="en-US" b="1" dirty="0" err="1" smtClean="0">
-                <a:latin typeface="Times New Roman" pitchFamily="18" charset="0"/>
-                <a:cs typeface="Times New Roman" pitchFamily="18" charset="0"/>
-              </a:rPr>
-              <a:t>báo</a:t>
-            </a:r>
-            <a:r>
-              <a:rPr lang="en-US" b="1" dirty="0" smtClean="0">
-                <a:latin typeface="Times New Roman" pitchFamily="18" charset="0"/>
-                <a:cs typeface="Times New Roman" pitchFamily="18" charset="0"/>
-              </a:rPr>
-              <a:t> </a:t>
-            </a:r>
-            <a:r>
-              <a:rPr lang="en-US" b="1" dirty="0" err="1" smtClean="0">
-                <a:latin typeface="Times New Roman" pitchFamily="18" charset="0"/>
-                <a:cs typeface="Times New Roman" pitchFamily="18" charset="0"/>
-              </a:rPr>
-              <a:t>khoa</a:t>
-            </a:r>
-            <a:r>
-              <a:rPr lang="en-US" b="1" dirty="0" smtClean="0">
-                <a:latin typeface="Times New Roman" pitchFamily="18" charset="0"/>
-                <a:cs typeface="Times New Roman" pitchFamily="18" charset="0"/>
-              </a:rPr>
-              <a:t> </a:t>
-            </a:r>
-            <a:r>
-              <a:rPr lang="en-US" b="1" dirty="0" err="1" smtClean="0">
-                <a:latin typeface="Times New Roman" pitchFamily="18" charset="0"/>
-                <a:cs typeface="Times New Roman" pitchFamily="18" charset="0"/>
-              </a:rPr>
-              <a:t>học</a:t>
-            </a:r>
-            <a:endParaRPr lang="en-US" b="1" dirty="0" smtClean="0">
-              <a:latin typeface="Times New Roman" pitchFamily="18" charset="0"/>
-              <a:cs typeface="Times New Roman" pitchFamily="18" charset="0"/>
-            </a:endParaRPr>
-          </a:p>
-        </p:txBody>
-      </p:sp>
-      <p:sp>
-        <p:nvSpPr>
-          <p:cNvPr id="28" name="Flowchart: Alternate Process 27"/>
-          <p:cNvSpPr/>
-          <p:nvPr/>
-        </p:nvSpPr>
-        <p:spPr>
-          <a:xfrm>
-            <a:off x="2895600" y="2819400"/>
-            <a:ext cx="1676400" cy="609600"/>
-          </a:xfrm>
-          <a:prstGeom prst="flowChartAlternateProcess">
+            <a:off x="4648200" y="1981200"/>
+            <a:ext cx="1371600" cy="1905000"/>
+          </a:xfrm>
+          <a:prstGeom prst="flowChartDocument">
             <a:avLst/>
           </a:prstGeom>
           <a:solidFill>
-            <a:schemeClr val="bg2">
-              <a:lumMod val="75000"/>
-            </a:schemeClr>
+            <a:schemeClr val="accent1"/>
           </a:solidFill>
         </p:spPr>
         <p:style>
@@ -6802,57 +6517,7 @@
           <a:lstStyle/>
           <a:p>
             <a:pPr algn="ctr"/>
-            <a:r>
-              <a:rPr lang="en-US" b="1" dirty="0" err="1" smtClean="0">
-                <a:solidFill>
-                  <a:schemeClr val="tx1"/>
-                </a:solidFill>
-                <a:latin typeface="Times New Roman" pitchFamily="18" charset="0"/>
-                <a:cs typeface="Times New Roman" pitchFamily="18" charset="0"/>
-              </a:rPr>
-              <a:t>Tiền</a:t>
-            </a:r>
-            <a:r>
-              <a:rPr lang="en-US" b="1" dirty="0" smtClean="0">
-                <a:solidFill>
-                  <a:schemeClr val="tx1"/>
-                </a:solidFill>
-                <a:latin typeface="Times New Roman" pitchFamily="18" charset="0"/>
-                <a:cs typeface="Times New Roman" pitchFamily="18" charset="0"/>
-              </a:rPr>
-              <a:t> </a:t>
-            </a:r>
-            <a:r>
-              <a:rPr lang="en-US" b="1" dirty="0" err="1" smtClean="0">
-                <a:solidFill>
-                  <a:schemeClr val="tx1"/>
-                </a:solidFill>
-                <a:latin typeface="Times New Roman" pitchFamily="18" charset="0"/>
-                <a:cs typeface="Times New Roman" pitchFamily="18" charset="0"/>
-              </a:rPr>
-              <a:t>xử</a:t>
-            </a:r>
-            <a:r>
-              <a:rPr lang="en-US" b="1" dirty="0" smtClean="0">
-                <a:solidFill>
-                  <a:schemeClr val="tx1"/>
-                </a:solidFill>
-                <a:latin typeface="Times New Roman" pitchFamily="18" charset="0"/>
-                <a:cs typeface="Times New Roman" pitchFamily="18" charset="0"/>
-              </a:rPr>
-              <a:t> </a:t>
-            </a:r>
-            <a:r>
-              <a:rPr lang="en-US" b="1" dirty="0" err="1" smtClean="0">
-                <a:solidFill>
-                  <a:schemeClr val="tx1"/>
-                </a:solidFill>
-                <a:latin typeface="Times New Roman" pitchFamily="18" charset="0"/>
-                <a:cs typeface="Times New Roman" pitchFamily="18" charset="0"/>
-              </a:rPr>
-              <a:t>lý</a:t>
-            </a:r>
-            <a:endParaRPr lang="en-US" b="1" dirty="0">
+            <a:endParaRPr lang="en-US" sz="1300" b="1" dirty="0">
               <a:solidFill>
                 <a:schemeClr val="tx1"/>
               </a:solidFill>
@@ -6864,23 +6529,126 @@
       </p:sp>
       <p:sp>
         <p:nvSpPr>
-          <p:cNvPr id="29" name="Flowchart: Alternate Process 28"/>
+          <p:cNvPr id="45" name="Rectangle 44"/>
           <p:cNvSpPr/>
           <p:nvPr/>
         </p:nvSpPr>
         <p:spPr>
           <a:xfrm>
-            <a:off x="2895600" y="4038600"/>
-            <a:ext cx="1600200" cy="685800"/>
-          </a:xfrm>
-          <a:prstGeom prst="flowChartAlternateProcess">
+            <a:off x="4267200" y="1295400"/>
+            <a:ext cx="2090637" cy="292388"/>
+          </a:xfrm>
+          <a:prstGeom prst="rect">
+            <a:avLst/>
+          </a:prstGeom>
+        </p:spPr>
+        <p:txBody>
+          <a:bodyPr wrap="none">
+            <a:spAutoFit/>
+          </a:bodyPr>
+          <a:lstStyle/>
+          <a:p>
+            <a:pPr algn="ctr"/>
+            <a:r>
+              <a:rPr lang="en-US" sz="1300" b="1" dirty="0" err="1" smtClean="0">
+                <a:latin typeface="Times New Roman" pitchFamily="18" charset="0"/>
+                <a:cs typeface="Times New Roman" pitchFamily="18" charset="0"/>
+              </a:rPr>
+              <a:t>Bài</a:t>
+            </a:r>
+            <a:r>
+              <a:rPr lang="en-US" sz="1300" b="1" dirty="0" smtClean="0">
+                <a:latin typeface="Times New Roman" pitchFamily="18" charset="0"/>
+                <a:cs typeface="Times New Roman" pitchFamily="18" charset="0"/>
+              </a:rPr>
+              <a:t> </a:t>
+            </a:r>
+            <a:r>
+              <a:rPr lang="en-US" sz="1300" b="1" dirty="0" err="1" smtClean="0">
+                <a:latin typeface="Times New Roman" pitchFamily="18" charset="0"/>
+                <a:cs typeface="Times New Roman" pitchFamily="18" charset="0"/>
+              </a:rPr>
+              <a:t>báo</a:t>
+            </a:r>
+            <a:r>
+              <a:rPr lang="en-US" sz="1300" b="1" dirty="0" smtClean="0">
+                <a:latin typeface="Times New Roman" pitchFamily="18" charset="0"/>
+                <a:cs typeface="Times New Roman" pitchFamily="18" charset="0"/>
+              </a:rPr>
+              <a:t> </a:t>
+            </a:r>
+            <a:r>
+              <a:rPr lang="en-US" sz="1300" b="1" dirty="0" err="1" smtClean="0">
+                <a:latin typeface="Times New Roman" pitchFamily="18" charset="0"/>
+                <a:cs typeface="Times New Roman" pitchFamily="18" charset="0"/>
+              </a:rPr>
+              <a:t>khoa</a:t>
+            </a:r>
+            <a:r>
+              <a:rPr lang="en-US" sz="1300" b="1" dirty="0" smtClean="0">
+                <a:latin typeface="Times New Roman" pitchFamily="18" charset="0"/>
+                <a:cs typeface="Times New Roman" pitchFamily="18" charset="0"/>
+              </a:rPr>
+              <a:t> </a:t>
+            </a:r>
+            <a:r>
+              <a:rPr lang="en-US" sz="1300" b="1" dirty="0" err="1" smtClean="0">
+                <a:latin typeface="Times New Roman" pitchFamily="18" charset="0"/>
+                <a:cs typeface="Times New Roman" pitchFamily="18" charset="0"/>
+              </a:rPr>
+              <a:t>học</a:t>
+            </a:r>
+            <a:r>
+              <a:rPr lang="en-US" sz="1300" b="1" dirty="0" smtClean="0">
+                <a:latin typeface="Times New Roman" pitchFamily="18" charset="0"/>
+                <a:cs typeface="Times New Roman" pitchFamily="18" charset="0"/>
+              </a:rPr>
+              <a:t> </a:t>
+            </a:r>
+            <a:r>
+              <a:rPr lang="en-US" sz="1300" b="1" dirty="0" err="1" smtClean="0">
+                <a:latin typeface="Times New Roman" pitchFamily="18" charset="0"/>
+                <a:cs typeface="Times New Roman" pitchFamily="18" charset="0"/>
+              </a:rPr>
+              <a:t>máy</a:t>
+            </a:r>
+            <a:r>
+              <a:rPr lang="en-US" sz="1300" b="1" dirty="0" smtClean="0">
+                <a:latin typeface="Times New Roman" pitchFamily="18" charset="0"/>
+                <a:cs typeface="Times New Roman" pitchFamily="18" charset="0"/>
+              </a:rPr>
+              <a:t> </a:t>
+            </a:r>
+            <a:r>
+              <a:rPr lang="en-US" sz="1300" b="1" dirty="0" err="1" smtClean="0">
+                <a:latin typeface="Times New Roman" pitchFamily="18" charset="0"/>
+                <a:cs typeface="Times New Roman" pitchFamily="18" charset="0"/>
+              </a:rPr>
+              <a:t>tính</a:t>
+            </a:r>
+            <a:endParaRPr lang="en-US" sz="1300" b="1" dirty="0" smtClean="0">
+              <a:latin typeface="Times New Roman" pitchFamily="18" charset="0"/>
+              <a:cs typeface="Times New Roman" pitchFamily="18" charset="0"/>
+            </a:endParaRPr>
+          </a:p>
+        </p:txBody>
+      </p:sp>
+      <p:sp>
+        <p:nvSpPr>
+          <p:cNvPr id="48" name="Flowchart: Document 47"/>
+          <p:cNvSpPr/>
+          <p:nvPr/>
+        </p:nvSpPr>
+        <p:spPr>
+          <a:xfrm>
+            <a:off x="4800600" y="2057400"/>
+            <a:ext cx="1371600" cy="1905000"/>
+          </a:xfrm>
+          <a:prstGeom prst="flowChartDocument">
             <a:avLst/>
           </a:prstGeom>
           <a:solidFill>
-            <a:schemeClr val="accent6">
-              <a:lumMod val="60000"/>
-              <a:lumOff val="40000"/>
-            </a:schemeClr>
+            <a:schemeClr val="accent1"/>
           </a:solidFill>
         </p:spPr>
         <p:style>
@@ -6905,90 +6673,32 @@
           <a:p>
             <a:pPr algn="ctr"/>
             <a:r>
-              <a:rPr lang="en-US" b="1" dirty="0" err="1" smtClean="0">
+              <a:rPr lang="en-US" sz="1300" b="1" dirty="0" smtClean="0">
                 <a:solidFill>
                   <a:schemeClr val="tx1"/>
                 </a:solidFill>
                 <a:latin typeface="Times New Roman" pitchFamily="18" charset="0"/>
                 <a:cs typeface="Times New Roman" pitchFamily="18" charset="0"/>
               </a:rPr>
-              <a:t>Rút</a:t>
-            </a:r>
-            <a:r>
-              <a:rPr lang="en-US" b="1" dirty="0" smtClean="0">
-                <a:solidFill>
-                  <a:schemeClr val="tx1"/>
-                </a:solidFill>
-                <a:latin typeface="Times New Roman" pitchFamily="18" charset="0"/>
-                <a:cs typeface="Times New Roman" pitchFamily="18" charset="0"/>
-              </a:rPr>
-              <a:t> </a:t>
-            </a:r>
-            <a:r>
-              <a:rPr lang="en-US" b="1" dirty="0" err="1" smtClean="0">
-                <a:solidFill>
-                  <a:schemeClr val="tx1"/>
-                </a:solidFill>
-                <a:latin typeface="Times New Roman" pitchFamily="18" charset="0"/>
-                <a:cs typeface="Times New Roman" pitchFamily="18" charset="0"/>
-              </a:rPr>
-              <a:t>đặc</a:t>
-            </a:r>
-            <a:r>
-              <a:rPr lang="en-US" b="1" dirty="0" smtClean="0">
-                <a:solidFill>
-                  <a:schemeClr val="tx1"/>
-                </a:solidFill>
-                <a:latin typeface="Times New Roman" pitchFamily="18" charset="0"/>
-                <a:cs typeface="Times New Roman" pitchFamily="18" charset="0"/>
-              </a:rPr>
-              <a:t> </a:t>
-            </a:r>
-            <a:r>
-              <a:rPr lang="en-US" b="1" dirty="0" err="1" smtClean="0">
-                <a:solidFill>
-                  <a:schemeClr val="tx1"/>
-                </a:solidFill>
-                <a:latin typeface="Times New Roman" pitchFamily="18" charset="0"/>
-                <a:cs typeface="Times New Roman" pitchFamily="18" charset="0"/>
-              </a:rPr>
-              <a:t>Trưng</a:t>
-            </a:r>
-            <a:r>
-              <a:rPr lang="en-US" b="1" dirty="0" smtClean="0">
-                <a:solidFill>
-                  <a:schemeClr val="tx1"/>
-                </a:solidFill>
-                <a:latin typeface="Times New Roman" pitchFamily="18" charset="0"/>
-                <a:cs typeface="Times New Roman" pitchFamily="18" charset="0"/>
-              </a:rPr>
-              <a:t> </a:t>
-            </a:r>
-            <a:endParaRPr lang="en-US" b="1" dirty="0">
-              <a:solidFill>
-                <a:schemeClr val="tx1"/>
-              </a:solidFill>
-              <a:latin typeface="Times New Roman" pitchFamily="18" charset="0"/>
-              <a:cs typeface="Times New Roman" pitchFamily="18" charset="0"/>
-            </a:endParaRPr>
-          </a:p>
-        </p:txBody>
-      </p:sp>
-      <p:sp>
-        <p:nvSpPr>
-          <p:cNvPr id="12" name="Flowchart: Multidocument 11"/>
+              <a:t>Metadata</a:t>
+            </a:r>
+          </a:p>
+        </p:txBody>
+      </p:sp>
+      <p:sp>
+        <p:nvSpPr>
+          <p:cNvPr id="15" name="Right Arrow 14"/>
           <p:cNvSpPr/>
           <p:nvPr/>
         </p:nvSpPr>
         <p:spPr>
           <a:xfrm>
-            <a:off x="762000" y="914400"/>
-            <a:ext cx="990600" cy="990600"/>
-          </a:xfrm>
-          <a:prstGeom prst="flowChartMultidocument">
-            <a:avLst/>
-          </a:prstGeom>
-          <a:noFill/>
+            <a:off x="3124200" y="3048000"/>
+            <a:ext cx="1295400" cy="152400"/>
+          </a:xfrm>
+          <a:prstGeom prst="rightArrow">
+            <a:avLst/>
+          </a:prstGeom>
         </p:spPr>
         <p:style>
           <a:lnRef idx="2">
@@ -7011,6 +6721,63 @@
           <a:lstStyle/>
           <a:p>
             <a:pPr algn="ctr"/>
+            <a:endParaRPr lang="en-US" sz="1300" b="1">
+              <a:latin typeface="Times New Roman" pitchFamily="18" charset="0"/>
+              <a:cs typeface="Times New Roman" pitchFamily="18" charset="0"/>
+            </a:endParaRPr>
+          </a:p>
+        </p:txBody>
+      </p:sp>
+      <p:sp>
+        <p:nvSpPr>
+          <p:cNvPr id="16" name="Rectangle 15"/>
+          <p:cNvSpPr/>
+          <p:nvPr/>
+        </p:nvSpPr>
+        <p:spPr>
+          <a:xfrm>
+            <a:off x="7162800" y="1447800"/>
+            <a:ext cx="1752600" cy="4572000"/>
+          </a:xfrm>
+          <a:prstGeom prst="rect">
+            <a:avLst/>
+          </a:prstGeom>
+          <a:noFill/>
+          <a:ln>
+            <a:prstDash val="lgDash"/>
+          </a:ln>
+        </p:spPr>
+        <p:style>
+          <a:lnRef idx="2">
+            <a:schemeClr val="accent1">
+              <a:shade val="50000"/>
+            </a:schemeClr>
+          </a:lnRef>
+          <a:fillRef idx="1">
+            <a:schemeClr val="accent1"/>
+          </a:fillRef>
+          <a:effectRef idx="0">
+            <a:schemeClr val="accent1"/>
+          </a:effectRef>
+          <a:fontRef idx="minor">
+            <a:schemeClr val="lt1"/>
+          </a:fontRef>
+        </p:style>
+        <p:txBody>
+          <a:bodyPr rtlCol="0" anchor="ctr"/>
+          <a:lstStyle/>
+          <a:p>
+            <a:pPr algn="ctr"/>
+            <a:r>
+              <a:rPr lang="en-US" sz="1300" b="1" dirty="0" err="1" smtClean="0">
+                <a:solidFill>
+                  <a:schemeClr val="tx1"/>
+                </a:solidFill>
+                <a:latin typeface="Times New Roman" pitchFamily="18" charset="0"/>
+                <a:cs typeface="Times New Roman" pitchFamily="18" charset="0"/>
+              </a:rPr>
+              <a:t>Tác</a:t>
+            </a:r>
             <a:r>
               <a:rPr lang="en-US" sz="1300" b="1" dirty="0" smtClean="0">
                 <a:solidFill>
@@ -7019,21 +6786,257 @@
                 <a:latin typeface="Times New Roman" pitchFamily="18" charset="0"/>
                 <a:cs typeface="Times New Roman" pitchFamily="18" charset="0"/>
               </a:rPr>
+              <a:t> </a:t>
+            </a:r>
+            <a:r>
+              <a:rPr lang="en-US" sz="1300" b="1" dirty="0" err="1" smtClean="0">
+                <a:solidFill>
+                  <a:schemeClr val="tx1"/>
+                </a:solidFill>
+                <a:latin typeface="Times New Roman" pitchFamily="18" charset="0"/>
+                <a:cs typeface="Times New Roman" pitchFamily="18" charset="0"/>
+              </a:rPr>
+              <a:t>giả</a:t>
+            </a:r>
+            <a:endParaRPr lang="en-US" sz="1300" b="1" dirty="0" smtClean="0">
+              <a:solidFill>
+                <a:schemeClr val="tx1"/>
+              </a:solidFill>
+              <a:latin typeface="Times New Roman" pitchFamily="18" charset="0"/>
+              <a:cs typeface="Times New Roman" pitchFamily="18" charset="0"/>
+            </a:endParaRPr>
+          </a:p>
+          <a:p>
+            <a:pPr algn="ctr"/>
+            <a:endParaRPr lang="en-US" sz="1300" b="1" dirty="0" smtClean="0">
+              <a:solidFill>
+                <a:schemeClr val="tx1"/>
+              </a:solidFill>
+              <a:latin typeface="Times New Roman" pitchFamily="18" charset="0"/>
+              <a:cs typeface="Times New Roman" pitchFamily="18" charset="0"/>
+            </a:endParaRPr>
+          </a:p>
+          <a:p>
+            <a:pPr algn="ctr"/>
+            <a:endParaRPr lang="en-US" sz="1300" b="1" dirty="0" smtClean="0">
+              <a:solidFill>
+                <a:schemeClr val="tx1"/>
+              </a:solidFill>
+              <a:latin typeface="Times New Roman" pitchFamily="18" charset="0"/>
+              <a:cs typeface="Times New Roman" pitchFamily="18" charset="0"/>
+            </a:endParaRPr>
+          </a:p>
+          <a:p>
+            <a:pPr algn="ctr"/>
+            <a:r>
+              <a:rPr lang="en-US" sz="1300" b="1" dirty="0" err="1" smtClean="0">
+                <a:solidFill>
+                  <a:schemeClr val="tx1"/>
+                </a:solidFill>
+                <a:latin typeface="Times New Roman" pitchFamily="18" charset="0"/>
+                <a:cs typeface="Times New Roman" pitchFamily="18" charset="0"/>
+              </a:rPr>
+              <a:t>Hội</a:t>
+            </a:r>
+            <a:r>
+              <a:rPr lang="en-US" sz="1300" b="1" dirty="0" smtClean="0">
+                <a:solidFill>
+                  <a:schemeClr val="tx1"/>
+                </a:solidFill>
+                <a:latin typeface="Times New Roman" pitchFamily="18" charset="0"/>
+                <a:cs typeface="Times New Roman" pitchFamily="18" charset="0"/>
+              </a:rPr>
+              <a:t> </a:t>
+            </a:r>
+            <a:r>
+              <a:rPr lang="en-US" sz="1300" b="1" dirty="0" err="1" smtClean="0">
+                <a:solidFill>
+                  <a:schemeClr val="tx1"/>
+                </a:solidFill>
+                <a:latin typeface="Times New Roman" pitchFamily="18" charset="0"/>
+                <a:cs typeface="Times New Roman" pitchFamily="18" charset="0"/>
+              </a:rPr>
+              <a:t>nghị</a:t>
+            </a:r>
+            <a:endParaRPr lang="en-US" sz="1300" b="1" dirty="0" smtClean="0">
+              <a:solidFill>
+                <a:schemeClr val="tx1"/>
+              </a:solidFill>
+              <a:latin typeface="Times New Roman" pitchFamily="18" charset="0"/>
+              <a:cs typeface="Times New Roman" pitchFamily="18" charset="0"/>
+            </a:endParaRPr>
+          </a:p>
+          <a:p>
+            <a:pPr algn="ctr"/>
+            <a:endParaRPr lang="en-US" sz="1300" b="1" dirty="0" smtClean="0">
+              <a:solidFill>
+                <a:schemeClr val="tx1"/>
+              </a:solidFill>
+              <a:latin typeface="Times New Roman" pitchFamily="18" charset="0"/>
+              <a:cs typeface="Times New Roman" pitchFamily="18" charset="0"/>
+            </a:endParaRPr>
+          </a:p>
+          <a:p>
+            <a:pPr algn="ctr"/>
+            <a:endParaRPr lang="en-US" sz="1300" b="1" dirty="0" smtClean="0">
+              <a:solidFill>
+                <a:schemeClr val="tx1"/>
+              </a:solidFill>
+              <a:latin typeface="Times New Roman" pitchFamily="18" charset="0"/>
+              <a:cs typeface="Times New Roman" pitchFamily="18" charset="0"/>
+            </a:endParaRPr>
+          </a:p>
+          <a:p>
+            <a:pPr algn="ctr"/>
+            <a:r>
+              <a:rPr lang="en-US" sz="1300" b="1" dirty="0" err="1" smtClean="0">
+                <a:solidFill>
+                  <a:schemeClr val="tx1"/>
+                </a:solidFill>
+                <a:latin typeface="Times New Roman" pitchFamily="18" charset="0"/>
+                <a:cs typeface="Times New Roman" pitchFamily="18" charset="0"/>
+              </a:rPr>
+              <a:t>Năm</a:t>
+            </a:r>
+            <a:endParaRPr lang="en-US" sz="1300" b="1" dirty="0" smtClean="0">
+              <a:solidFill>
+                <a:schemeClr val="tx1"/>
+              </a:solidFill>
+              <a:latin typeface="Times New Roman" pitchFamily="18" charset="0"/>
+              <a:cs typeface="Times New Roman" pitchFamily="18" charset="0"/>
+            </a:endParaRPr>
+          </a:p>
+          <a:p>
+            <a:pPr algn="ctr"/>
+            <a:endParaRPr lang="en-US" sz="1300" b="1" dirty="0" smtClean="0">
+              <a:solidFill>
+                <a:schemeClr val="tx1"/>
+              </a:solidFill>
+              <a:latin typeface="Times New Roman" pitchFamily="18" charset="0"/>
+              <a:cs typeface="Times New Roman" pitchFamily="18" charset="0"/>
+            </a:endParaRPr>
+          </a:p>
+          <a:p>
+            <a:pPr algn="ctr"/>
+            <a:endParaRPr lang="en-US" sz="1300" b="1" dirty="0" smtClean="0">
+              <a:solidFill>
+                <a:schemeClr val="tx1"/>
+              </a:solidFill>
+              <a:latin typeface="Times New Roman" pitchFamily="18" charset="0"/>
+              <a:cs typeface="Times New Roman" pitchFamily="18" charset="0"/>
+            </a:endParaRPr>
+          </a:p>
+          <a:p>
+            <a:pPr algn="ctr"/>
+            <a:r>
+              <a:rPr lang="en-US" sz="1300" b="1" dirty="0" smtClean="0">
+                <a:solidFill>
+                  <a:schemeClr val="tx1"/>
+                </a:solidFill>
+                <a:latin typeface="Times New Roman" pitchFamily="18" charset="0"/>
+                <a:cs typeface="Times New Roman" pitchFamily="18" charset="0"/>
+              </a:rPr>
+              <a:t>Abstract</a:t>
+            </a:r>
+          </a:p>
+          <a:p>
+            <a:pPr algn="ctr"/>
+            <a:endParaRPr lang="en-US" sz="1300" b="1" dirty="0" smtClean="0">
+              <a:solidFill>
+                <a:schemeClr val="tx1"/>
+              </a:solidFill>
+              <a:latin typeface="Times New Roman" pitchFamily="18" charset="0"/>
+              <a:cs typeface="Times New Roman" pitchFamily="18" charset="0"/>
+            </a:endParaRPr>
+          </a:p>
+          <a:p>
+            <a:pPr algn="ctr"/>
+            <a:endParaRPr lang="en-US" sz="1300" b="1" dirty="0" smtClean="0">
+              <a:solidFill>
+                <a:schemeClr val="tx1"/>
+              </a:solidFill>
+              <a:latin typeface="Times New Roman" pitchFamily="18" charset="0"/>
+              <a:cs typeface="Times New Roman" pitchFamily="18" charset="0"/>
+            </a:endParaRPr>
+          </a:p>
+          <a:p>
+            <a:pPr algn="ctr"/>
+            <a:r>
+              <a:rPr lang="en-US" sz="1300" b="1" dirty="0" smtClean="0">
+                <a:solidFill>
+                  <a:schemeClr val="tx1"/>
+                </a:solidFill>
+                <a:latin typeface="Times New Roman" pitchFamily="18" charset="0"/>
+                <a:cs typeface="Times New Roman" pitchFamily="18" charset="0"/>
+              </a:rPr>
+              <a:t>Reference</a:t>
+            </a:r>
+          </a:p>
+          <a:p>
+            <a:pPr algn="ctr"/>
+            <a:endParaRPr lang="en-US" sz="1300" b="1" dirty="0" smtClean="0">
+              <a:solidFill>
+                <a:schemeClr val="tx1"/>
+              </a:solidFill>
+              <a:latin typeface="Times New Roman" pitchFamily="18" charset="0"/>
+              <a:cs typeface="Times New Roman" pitchFamily="18" charset="0"/>
+            </a:endParaRPr>
+          </a:p>
+          <a:p>
+            <a:pPr algn="ctr"/>
+            <a:r>
+              <a:rPr lang="en-US" sz="1300" b="1" dirty="0" smtClean="0">
+                <a:solidFill>
+                  <a:schemeClr val="tx1"/>
+                </a:solidFill>
+                <a:latin typeface="Times New Roman" pitchFamily="18" charset="0"/>
+                <a:cs typeface="Times New Roman" pitchFamily="18" charset="0"/>
+              </a:rPr>
               <a:t>Title</a:t>
             </a:r>
           </a:p>
           <a:p>
             <a:pPr algn="ctr"/>
-            <a:r>
-              <a:rPr lang="en-US" sz="1300" b="1" dirty="0" err="1" smtClean="0">
-                <a:solidFill>
-                  <a:schemeClr val="tx1"/>
-                </a:solidFill>
-                <a:latin typeface="Times New Roman" pitchFamily="18" charset="0"/>
-                <a:cs typeface="Times New Roman" pitchFamily="18" charset="0"/>
-              </a:rPr>
-              <a:t>Abtract</a:t>
-            </a:r>
+            <a:endParaRPr lang="en-US" sz="1300" b="1" dirty="0" smtClean="0">
+              <a:solidFill>
+                <a:schemeClr val="tx1"/>
+              </a:solidFill>
+              <a:latin typeface="Times New Roman" pitchFamily="18" charset="0"/>
+              <a:cs typeface="Times New Roman" pitchFamily="18" charset="0"/>
+            </a:endParaRPr>
+          </a:p>
+          <a:p>
+            <a:pPr algn="ctr"/>
+            <a:endParaRPr lang="en-US" sz="1300" b="1" dirty="0" smtClean="0">
+              <a:solidFill>
+                <a:schemeClr val="tx1"/>
+              </a:solidFill>
+              <a:latin typeface="Times New Roman" pitchFamily="18" charset="0"/>
+              <a:cs typeface="Times New Roman" pitchFamily="18" charset="0"/>
+            </a:endParaRPr>
+          </a:p>
+          <a:p>
+            <a:pPr algn="ctr"/>
+            <a:endParaRPr lang="en-US" sz="1300" b="1" dirty="0" smtClean="0">
+              <a:solidFill>
+                <a:schemeClr val="tx1"/>
+              </a:solidFill>
+              <a:latin typeface="Times New Roman" pitchFamily="18" charset="0"/>
+              <a:cs typeface="Times New Roman" pitchFamily="18" charset="0"/>
+            </a:endParaRPr>
+          </a:p>
+          <a:p>
+            <a:pPr algn="ctr"/>
+            <a:endParaRPr lang="en-US" sz="1300" b="1" dirty="0" smtClean="0">
+              <a:solidFill>
+                <a:schemeClr val="tx1"/>
+              </a:solidFill>
+              <a:latin typeface="Times New Roman" pitchFamily="18" charset="0"/>
+              <a:cs typeface="Times New Roman" pitchFamily="18" charset="0"/>
+            </a:endParaRPr>
+          </a:p>
+          <a:p>
+            <a:pPr algn="ctr"/>
             <a:endParaRPr lang="en-US" sz="1300" b="1" dirty="0">
               <a:solidFill>
                 <a:schemeClr val="tx1"/>
@@ -7044,165 +7047,24 @@
           </a:p>
         </p:txBody>
       </p:sp>
-      <p:sp>
-        <p:nvSpPr>
-          <p:cNvPr id="13" name="Flowchart: Predefined Process 12"/>
-          <p:cNvSpPr/>
-          <p:nvPr/>
-        </p:nvSpPr>
-        <p:spPr>
-          <a:xfrm>
-            <a:off x="5029200" y="990600"/>
-            <a:ext cx="1524000" cy="914400"/>
-          </a:xfrm>
-          <a:prstGeom prst="flowChartPredefinedProcess">
-            <a:avLst/>
-          </a:prstGeom>
-          <a:noFill/>
-        </p:spPr>
-        <p:style>
-          <a:lnRef idx="2">
-            <a:schemeClr val="accent1">
-              <a:shade val="50000"/>
-            </a:schemeClr>
-          </a:lnRef>
-          <a:fillRef idx="1">
-            <a:schemeClr val="accent1"/>
-          </a:fillRef>
-          <a:effectRef idx="0">
-            <a:schemeClr val="accent1"/>
-          </a:effectRef>
-          <a:fontRef idx="minor">
-            <a:schemeClr val="lt1"/>
-          </a:fontRef>
-        </p:style>
-        <p:txBody>
-          <a:bodyPr rtlCol="0" anchor="ctr"/>
-          <a:lstStyle/>
-          <a:p>
-            <a:pPr algn="ctr"/>
-            <a:r>
-              <a:rPr lang="en-US" b="1" dirty="0" err="1" smtClean="0">
-                <a:solidFill>
-                  <a:schemeClr val="tx1"/>
-                </a:solidFill>
-                <a:latin typeface="Times New Roman" pitchFamily="18" charset="0"/>
-                <a:cs typeface="Times New Roman" pitchFamily="18" charset="0"/>
-              </a:rPr>
-              <a:t>Khung</a:t>
-            </a:r>
-            <a:r>
-              <a:rPr lang="en-US" b="1" dirty="0" smtClean="0">
-                <a:solidFill>
-                  <a:schemeClr val="tx1"/>
-                </a:solidFill>
-                <a:latin typeface="Times New Roman" pitchFamily="18" charset="0"/>
-                <a:cs typeface="Times New Roman" pitchFamily="18" charset="0"/>
-              </a:rPr>
-              <a:t> </a:t>
-            </a:r>
-            <a:r>
-              <a:rPr lang="en-US" b="1" dirty="0" err="1" smtClean="0">
-                <a:solidFill>
-                  <a:schemeClr val="tx1"/>
-                </a:solidFill>
-                <a:latin typeface="Times New Roman" pitchFamily="18" charset="0"/>
-                <a:cs typeface="Times New Roman" pitchFamily="18" charset="0"/>
-              </a:rPr>
-              <a:t>phân</a:t>
-            </a:r>
-            <a:r>
-              <a:rPr lang="en-US" b="1" dirty="0" smtClean="0">
-                <a:solidFill>
-                  <a:schemeClr val="tx1"/>
-                </a:solidFill>
-                <a:latin typeface="Times New Roman" pitchFamily="18" charset="0"/>
-                <a:cs typeface="Times New Roman" pitchFamily="18" charset="0"/>
-              </a:rPr>
-              <a:t> </a:t>
-            </a:r>
-            <a:r>
-              <a:rPr lang="en-US" b="1" dirty="0" err="1" smtClean="0">
-                <a:solidFill>
-                  <a:schemeClr val="tx1"/>
-                </a:solidFill>
-                <a:latin typeface="Times New Roman" pitchFamily="18" charset="0"/>
-                <a:cs typeface="Times New Roman" pitchFamily="18" charset="0"/>
-              </a:rPr>
-              <a:t>loại</a:t>
-            </a:r>
-            <a:endParaRPr lang="en-US" b="1" dirty="0">
-              <a:solidFill>
-                <a:schemeClr val="tx1"/>
-              </a:solidFill>
-              <a:latin typeface="Times New Roman" pitchFamily="18" charset="0"/>
-              <a:cs typeface="Times New Roman" pitchFamily="18" charset="0"/>
-            </a:endParaRPr>
-          </a:p>
-        </p:txBody>
-      </p:sp>
-      <p:sp>
-        <p:nvSpPr>
-          <p:cNvPr id="14" name="Rectangle 13"/>
-          <p:cNvSpPr/>
-          <p:nvPr/>
-        </p:nvSpPr>
-        <p:spPr>
-          <a:xfrm>
-            <a:off x="4800600" y="381000"/>
-            <a:ext cx="3733800" cy="1981200"/>
-          </a:xfrm>
-          <a:prstGeom prst="rect">
-            <a:avLst/>
-          </a:prstGeom>
-          <a:noFill/>
-        </p:spPr>
-        <p:style>
-          <a:lnRef idx="2">
-            <a:schemeClr val="accent1">
-              <a:shade val="50000"/>
-            </a:schemeClr>
-          </a:lnRef>
-          <a:fillRef idx="1">
-            <a:schemeClr val="accent1"/>
-          </a:fillRef>
-          <a:effectRef idx="0">
-            <a:schemeClr val="accent1"/>
-          </a:effectRef>
-          <a:fontRef idx="minor">
-            <a:schemeClr val="lt1"/>
-          </a:fontRef>
-        </p:style>
-        <p:txBody>
-          <a:bodyPr rtlCol="0" anchor="ctr"/>
-          <a:lstStyle/>
-          <a:p>
-            <a:pPr algn="ctr"/>
-            <a:endParaRPr lang="en-US" b="1">
-              <a:latin typeface="Times New Roman" pitchFamily="18" charset="0"/>
-              <a:cs typeface="Times New Roman" pitchFamily="18" charset="0"/>
-            </a:endParaRPr>
-          </a:p>
-        </p:txBody>
-      </p:sp>
       <p:cxnSp>
         <p:nvCxnSpPr>
-          <p:cNvPr id="20" name="Curved Connector 19"/>
-          <p:cNvCxnSpPr>
-            <a:stCxn id="12" idx="2"/>
-            <a:endCxn id="28" idx="1"/>
-          </p:cNvCxnSpPr>
+          <p:cNvPr id="18" name="Straight Arrow Connector 17"/>
+          <p:cNvCxnSpPr/>
           <p:nvPr/>
         </p:nvCxnSpPr>
         <p:spPr>
-          <a:xfrm rot="16200000" flipH="1">
-            <a:off x="1413651" y="1642251"/>
-            <a:ext cx="1256714" cy="1707183"/>
-          </a:xfrm>
-          <a:prstGeom prst="curvedConnector2">
+          <a:xfrm flipV="1">
+            <a:off x="6019800" y="1905000"/>
+            <a:ext cx="1600200" cy="762000"/>
+          </a:xfrm>
+          <a:prstGeom prst="straightConnector1">
             <a:avLst/>
           </a:prstGeom>
           <a:ln>
+            <a:solidFill>
+              <a:srgbClr val="FF0000"/>
+            </a:solidFill>
             <a:tailEnd type="arrow"/>
           </a:ln>
         </p:spPr>
@@ -7223,23 +7085,22 @@
       </p:cxnSp>
       <p:cxnSp>
         <p:nvCxnSpPr>
-          <p:cNvPr id="31" name="Curved Connector 30"/>
-          <p:cNvCxnSpPr>
-            <a:endCxn id="28" idx="3"/>
-          </p:cNvCxnSpPr>
+          <p:cNvPr id="22" name="Straight Arrow Connector 21"/>
+          <p:cNvCxnSpPr/>
           <p:nvPr/>
         </p:nvCxnSpPr>
         <p:spPr>
-          <a:xfrm rot="10800000" flipV="1">
-            <a:off x="4572000" y="2362200"/>
-            <a:ext cx="2209800" cy="762000"/>
-          </a:xfrm>
-          <a:prstGeom prst="curvedConnector3">
-            <a:avLst>
-              <a:gd name="adj1" fmla="val 50000"/>
-            </a:avLst>
+          <a:xfrm flipV="1">
+            <a:off x="6019800" y="2438400"/>
+            <a:ext cx="1600200" cy="228600"/>
+          </a:xfrm>
+          <a:prstGeom prst="straightConnector1">
+            <a:avLst/>
           </a:prstGeom>
           <a:ln>
+            <a:solidFill>
+              <a:srgbClr val="FF0000"/>
+            </a:solidFill>
             <a:tailEnd type="arrow"/>
           </a:ln>
         </p:spPr>
@@ -7258,20 +7119,353 @@
           </a:fontRef>
         </p:style>
       </p:cxnSp>
-      <p:sp>
-        <p:nvSpPr>
-          <p:cNvPr id="34" name="Down Arrow 33"/>
+      <p:cxnSp>
+        <p:nvCxnSpPr>
+          <p:cNvPr id="25" name="Straight Arrow Connector 24"/>
+          <p:cNvCxnSpPr/>
+          <p:nvPr/>
+        </p:nvCxnSpPr>
+        <p:spPr>
+          <a:xfrm>
+            <a:off x="5943600" y="2743200"/>
+            <a:ext cx="1752600" cy="228600"/>
+          </a:xfrm>
+          <a:prstGeom prst="straightConnector1">
+            <a:avLst/>
+          </a:prstGeom>
+          <a:ln>
+            <a:solidFill>
+              <a:srgbClr val="FF0000"/>
+            </a:solidFill>
+            <a:tailEnd type="arrow"/>
+          </a:ln>
+        </p:spPr>
+        <p:style>
+          <a:lnRef idx="1">
+            <a:schemeClr val="accent1"/>
+          </a:lnRef>
+          <a:fillRef idx="0">
+            <a:schemeClr val="accent1"/>
+          </a:fillRef>
+          <a:effectRef idx="0">
+            <a:schemeClr val="accent1"/>
+          </a:effectRef>
+          <a:fontRef idx="minor">
+            <a:schemeClr val="tx1"/>
+          </a:fontRef>
+        </p:style>
+      </p:cxnSp>
+      <p:cxnSp>
+        <p:nvCxnSpPr>
+          <p:cNvPr id="29" name="Straight Arrow Connector 28"/>
+          <p:cNvCxnSpPr/>
+          <p:nvPr/>
+        </p:nvCxnSpPr>
+        <p:spPr>
+          <a:xfrm>
+            <a:off x="6019800" y="2743200"/>
+            <a:ext cx="1600200" cy="838200"/>
+          </a:xfrm>
+          <a:prstGeom prst="straightConnector1">
+            <a:avLst/>
+          </a:prstGeom>
+          <a:ln>
+            <a:solidFill>
+              <a:srgbClr val="FF0000"/>
+            </a:solidFill>
+            <a:tailEnd type="arrow"/>
+          </a:ln>
+        </p:spPr>
+        <p:style>
+          <a:lnRef idx="1">
+            <a:schemeClr val="accent1"/>
+          </a:lnRef>
+          <a:fillRef idx="0">
+            <a:schemeClr val="accent1"/>
+          </a:fillRef>
+          <a:effectRef idx="0">
+            <a:schemeClr val="accent1"/>
+          </a:effectRef>
+          <a:fontRef idx="minor">
+            <a:schemeClr val="tx1"/>
+          </a:fontRef>
+        </p:style>
+      </p:cxnSp>
+      <p:cxnSp>
+        <p:nvCxnSpPr>
+          <p:cNvPr id="33" name="Straight Arrow Connector 32"/>
+          <p:cNvCxnSpPr/>
+          <p:nvPr/>
+        </p:nvCxnSpPr>
+        <p:spPr>
+          <a:xfrm>
+            <a:off x="6019800" y="2819400"/>
+            <a:ext cx="1447800" cy="1295400"/>
+          </a:xfrm>
+          <a:prstGeom prst="straightConnector1">
+            <a:avLst/>
+          </a:prstGeom>
+          <a:ln>
+            <a:solidFill>
+              <a:srgbClr val="FF0000"/>
+            </a:solidFill>
+            <a:tailEnd type="arrow"/>
+          </a:ln>
+        </p:spPr>
+        <p:style>
+          <a:lnRef idx="1">
+            <a:schemeClr val="accent1"/>
+          </a:lnRef>
+          <a:fillRef idx="0">
+            <a:schemeClr val="accent1"/>
+          </a:fillRef>
+          <a:effectRef idx="0">
+            <a:schemeClr val="accent1"/>
+          </a:effectRef>
+          <a:fontRef idx="minor">
+            <a:schemeClr val="tx1"/>
+          </a:fontRef>
+        </p:style>
+      </p:cxnSp>
+      <p:cxnSp>
+        <p:nvCxnSpPr>
+          <p:cNvPr id="19" name="Straight Arrow Connector 18"/>
+          <p:cNvCxnSpPr/>
+          <p:nvPr/>
+        </p:nvCxnSpPr>
+        <p:spPr>
+          <a:xfrm rot="16200000" flipH="1">
+            <a:off x="5829300" y="2933700"/>
+            <a:ext cx="1752600" cy="1676400"/>
+          </a:xfrm>
+          <a:prstGeom prst="straightConnector1">
+            <a:avLst/>
+          </a:prstGeom>
+          <a:ln>
+            <a:solidFill>
+              <a:srgbClr val="FF0000"/>
+            </a:solidFill>
+            <a:tailEnd type="arrow"/>
+          </a:ln>
+        </p:spPr>
+        <p:style>
+          <a:lnRef idx="1">
+            <a:schemeClr val="accent1"/>
+          </a:lnRef>
+          <a:fillRef idx="0">
+            <a:schemeClr val="accent1"/>
+          </a:fillRef>
+          <a:effectRef idx="0">
+            <a:schemeClr val="accent1"/>
+          </a:effectRef>
+          <a:fontRef idx="minor">
+            <a:schemeClr val="tx1"/>
+          </a:fontRef>
+        </p:style>
+      </p:cxnSp>
+      <p:cxnSp>
+        <p:nvCxnSpPr>
+          <p:cNvPr id="26" name="Curved Connector 25"/>
+          <p:cNvCxnSpPr>
+            <a:stCxn id="4" idx="3"/>
+            <a:endCxn id="31" idx="2"/>
+          </p:cNvCxnSpPr>
+          <p:nvPr/>
+        </p:nvCxnSpPr>
+        <p:spPr>
+          <a:xfrm flipV="1">
+            <a:off x="1092498" y="609600"/>
+            <a:ext cx="2037611" cy="1131888"/>
+          </a:xfrm>
+          <a:prstGeom prst="curvedConnector3">
+            <a:avLst>
+              <a:gd name="adj1" fmla="val 50000"/>
+            </a:avLst>
+          </a:prstGeom>
+          <a:ln w="34925">
+            <a:tailEnd type="arrow"/>
+          </a:ln>
+        </p:spPr>
+        <p:style>
+          <a:lnRef idx="1">
+            <a:schemeClr val="accent1"/>
+          </a:lnRef>
+          <a:fillRef idx="0">
+            <a:schemeClr val="accent1"/>
+          </a:fillRef>
+          <a:effectRef idx="0">
+            <a:schemeClr val="accent1"/>
+          </a:effectRef>
+          <a:fontRef idx="minor">
+            <a:schemeClr val="tx1"/>
+          </a:fontRef>
+        </p:style>
+      </p:cxnSp>
+      <p:sp>
+        <p:nvSpPr>
+          <p:cNvPr id="20" name="Rectangle 19"/>
           <p:cNvSpPr/>
           <p:nvPr/>
         </p:nvSpPr>
         <p:spPr>
           <a:xfrm>
-            <a:off x="3505200" y="3429000"/>
-            <a:ext cx="381000" cy="533400"/>
-          </a:xfrm>
-          <a:prstGeom prst="downArrow">
-            <a:avLst/>
-          </a:prstGeom>
+            <a:off x="7053363" y="1066800"/>
+            <a:ext cx="1879232" cy="292388"/>
+          </a:xfrm>
+          <a:prstGeom prst="rect">
+            <a:avLst/>
+          </a:prstGeom>
+        </p:spPr>
+        <p:txBody>
+          <a:bodyPr wrap="none">
+            <a:spAutoFit/>
+          </a:bodyPr>
+          <a:lstStyle/>
+          <a:p>
+            <a:pPr algn="ctr"/>
+            <a:r>
+              <a:rPr lang="en-US" sz="1300" b="1" dirty="0" err="1" smtClean="0">
+                <a:latin typeface="Times New Roman" pitchFamily="18" charset="0"/>
+                <a:cs typeface="Times New Roman" pitchFamily="18" charset="0"/>
+              </a:rPr>
+              <a:t>Thông</a:t>
+            </a:r>
+            <a:r>
+              <a:rPr lang="en-US" sz="1300" b="1" dirty="0" smtClean="0">
+                <a:latin typeface="Times New Roman" pitchFamily="18" charset="0"/>
+                <a:cs typeface="Times New Roman" pitchFamily="18" charset="0"/>
+              </a:rPr>
+              <a:t> tin </a:t>
+            </a:r>
+            <a:r>
+              <a:rPr lang="en-US" sz="1300" b="1" dirty="0" err="1" smtClean="0">
+                <a:latin typeface="Times New Roman" pitchFamily="18" charset="0"/>
+                <a:cs typeface="Times New Roman" pitchFamily="18" charset="0"/>
+              </a:rPr>
+              <a:t>trong</a:t>
+            </a:r>
+            <a:r>
+              <a:rPr lang="en-US" sz="1300" b="1" dirty="0" smtClean="0">
+                <a:latin typeface="Times New Roman" pitchFamily="18" charset="0"/>
+                <a:cs typeface="Times New Roman" pitchFamily="18" charset="0"/>
+              </a:rPr>
+              <a:t> </a:t>
+            </a:r>
+            <a:r>
+              <a:rPr lang="en-US" sz="1300" b="1" dirty="0" err="1" smtClean="0">
+                <a:latin typeface="Times New Roman" pitchFamily="18" charset="0"/>
+                <a:cs typeface="Times New Roman" pitchFamily="18" charset="0"/>
+              </a:rPr>
+              <a:t>bài</a:t>
+            </a:r>
+            <a:r>
+              <a:rPr lang="en-US" sz="1300" b="1" dirty="0" smtClean="0">
+                <a:latin typeface="Times New Roman" pitchFamily="18" charset="0"/>
+                <a:cs typeface="Times New Roman" pitchFamily="18" charset="0"/>
+              </a:rPr>
+              <a:t> </a:t>
+            </a:r>
+            <a:r>
+              <a:rPr lang="en-US" sz="1300" b="1" dirty="0" err="1" smtClean="0">
+                <a:latin typeface="Times New Roman" pitchFamily="18" charset="0"/>
+                <a:cs typeface="Times New Roman" pitchFamily="18" charset="0"/>
+              </a:rPr>
+              <a:t>báo</a:t>
+            </a:r>
+            <a:endParaRPr lang="en-US" sz="1300" b="1" dirty="0" smtClean="0">
+              <a:latin typeface="Times New Roman" pitchFamily="18" charset="0"/>
+              <a:cs typeface="Times New Roman" pitchFamily="18" charset="0"/>
+            </a:endParaRPr>
+          </a:p>
+        </p:txBody>
+      </p:sp>
+      <p:sp>
+        <p:nvSpPr>
+          <p:cNvPr id="21" name="TextBox 20"/>
+          <p:cNvSpPr txBox="1"/>
+          <p:nvPr/>
+        </p:nvSpPr>
+        <p:spPr>
+          <a:xfrm>
+            <a:off x="2362200" y="1295400"/>
+            <a:ext cx="564578" cy="292388"/>
+          </a:xfrm>
+          <a:prstGeom prst="rect">
+            <a:avLst/>
+          </a:prstGeom>
+          <a:noFill/>
+        </p:spPr>
+        <p:txBody>
+          <a:bodyPr wrap="none" rtlCol="0">
+            <a:spAutoFit/>
+          </a:bodyPr>
+          <a:lstStyle/>
+          <a:p>
+            <a:r>
+              <a:rPr lang="en-US" sz="1300" dirty="0" smtClean="0">
+                <a:latin typeface="Times New Roman" pitchFamily="18" charset="0"/>
+                <a:cs typeface="Times New Roman" pitchFamily="18" charset="0"/>
+              </a:rPr>
+              <a:t>Links</a:t>
+            </a:r>
+            <a:endParaRPr lang="en-US" sz="1300" dirty="0">
+              <a:latin typeface="Times New Roman" pitchFamily="18" charset="0"/>
+              <a:cs typeface="Times New Roman" pitchFamily="18" charset="0"/>
+            </a:endParaRPr>
+          </a:p>
+        </p:txBody>
+      </p:sp>
+      <p:sp>
+        <p:nvSpPr>
+          <p:cNvPr id="44" name="TextBox 43"/>
+          <p:cNvSpPr txBox="1"/>
+          <p:nvPr/>
+        </p:nvSpPr>
+        <p:spPr>
+          <a:xfrm>
+            <a:off x="2362200" y="381000"/>
+            <a:ext cx="638316" cy="292388"/>
+          </a:xfrm>
+          <a:prstGeom prst="rect">
+            <a:avLst/>
+          </a:prstGeom>
+          <a:noFill/>
+        </p:spPr>
+        <p:txBody>
+          <a:bodyPr wrap="none" rtlCol="0">
+            <a:spAutoFit/>
+          </a:bodyPr>
+          <a:lstStyle/>
+          <a:p>
+            <a:r>
+              <a:rPr lang="en-US" sz="1300" dirty="0" smtClean="0">
+                <a:latin typeface="Times New Roman" pitchFamily="18" charset="0"/>
+                <a:cs typeface="Times New Roman" pitchFamily="18" charset="0"/>
+              </a:rPr>
+              <a:t>Search</a:t>
+            </a:r>
+            <a:endParaRPr lang="en-US" sz="1300" dirty="0">
+              <a:latin typeface="Times New Roman" pitchFamily="18" charset="0"/>
+              <a:cs typeface="Times New Roman" pitchFamily="18" charset="0"/>
+            </a:endParaRPr>
+          </a:p>
+        </p:txBody>
+      </p:sp>
+      <p:sp>
+        <p:nvSpPr>
+          <p:cNvPr id="46" name="Rectangle 45"/>
+          <p:cNvSpPr/>
+          <p:nvPr/>
+        </p:nvSpPr>
+        <p:spPr>
+          <a:xfrm>
+            <a:off x="1600200" y="2590800"/>
+            <a:ext cx="1371600" cy="838200"/>
+          </a:xfrm>
+          <a:prstGeom prst="rect">
+            <a:avLst/>
+          </a:prstGeom>
+          <a:noFill/>
         </p:spPr>
         <p:style>
           <a:lnRef idx="2">
@@ -7294,362 +7488,110 @@
           <a:lstStyle/>
           <a:p>
             <a:pPr algn="ctr"/>
-            <a:endParaRPr lang="en-US" b="1">
-              <a:latin typeface="Times New Roman" pitchFamily="18" charset="0"/>
-              <a:cs typeface="Times New Roman" pitchFamily="18" charset="0"/>
-            </a:endParaRPr>
-          </a:p>
-        </p:txBody>
-      </p:sp>
-      <p:sp>
-        <p:nvSpPr>
-          <p:cNvPr id="36" name="Right Arrow 35"/>
-          <p:cNvSpPr/>
-          <p:nvPr/>
-        </p:nvSpPr>
-        <p:spPr>
-          <a:xfrm>
-            <a:off x="4495800" y="4267200"/>
-            <a:ext cx="609600" cy="228600"/>
-          </a:xfrm>
-          <a:prstGeom prst="rightArrow">
-            <a:avLst/>
-          </a:prstGeom>
-        </p:spPr>
-        <p:style>
-          <a:lnRef idx="2">
-            <a:schemeClr val="accent1">
-              <a:shade val="50000"/>
-            </a:schemeClr>
-          </a:lnRef>
-          <a:fillRef idx="1">
-            <a:schemeClr val="accent1"/>
-          </a:fillRef>
-          <a:effectRef idx="0">
-            <a:schemeClr val="accent1"/>
-          </a:effectRef>
-          <a:fontRef idx="minor">
-            <a:schemeClr val="lt1"/>
-          </a:fontRef>
-        </p:style>
-        <p:txBody>
-          <a:bodyPr rtlCol="0" anchor="ctr"/>
-          <a:lstStyle/>
-          <a:p>
-            <a:pPr algn="ctr"/>
-            <a:endParaRPr lang="en-US" b="1">
-              <a:latin typeface="Times New Roman" pitchFamily="18" charset="0"/>
-              <a:cs typeface="Times New Roman" pitchFamily="18" charset="0"/>
-            </a:endParaRPr>
-          </a:p>
-        </p:txBody>
-      </p:sp>
-      <p:sp>
-        <p:nvSpPr>
-          <p:cNvPr id="37" name="Rectangle 36"/>
-          <p:cNvSpPr/>
-          <p:nvPr/>
-        </p:nvSpPr>
-        <p:spPr>
-          <a:xfrm>
-            <a:off x="6820927" y="2971800"/>
-            <a:ext cx="2323073" cy="646331"/>
-          </a:xfrm>
-          <a:prstGeom prst="rect">
-            <a:avLst/>
-          </a:prstGeom>
-        </p:spPr>
-        <p:txBody>
-          <a:bodyPr wrap="none">
-            <a:spAutoFit/>
-          </a:bodyPr>
-          <a:lstStyle/>
-          <a:p>
-            <a:pPr algn="ctr"/>
-            <a:r>
-              <a:rPr lang="en-US" b="1" dirty="0" err="1" smtClean="0">
-                <a:latin typeface="Times New Roman" pitchFamily="18" charset="0"/>
-                <a:cs typeface="Times New Roman" pitchFamily="18" charset="0"/>
-              </a:rPr>
-              <a:t>Bài</a:t>
-            </a:r>
-            <a:r>
-              <a:rPr lang="en-US" b="1" dirty="0" smtClean="0">
+            <a:r>
+              <a:rPr lang="en-US" sz="1300" b="1" dirty="0" smtClean="0">
+                <a:solidFill>
+                  <a:schemeClr val="tx1"/>
+                </a:solidFill>
+                <a:latin typeface="Times New Roman" pitchFamily="18" charset="0"/>
+                <a:cs typeface="Times New Roman" pitchFamily="18" charset="0"/>
+              </a:rPr>
+              <a:t>Module </a:t>
+            </a:r>
+            <a:r>
+              <a:rPr lang="en-US" sz="1300" b="1" dirty="0" err="1" smtClean="0">
+                <a:solidFill>
+                  <a:schemeClr val="tx1"/>
+                </a:solidFill>
+                <a:latin typeface="Times New Roman" pitchFamily="18" charset="0"/>
+                <a:cs typeface="Times New Roman" pitchFamily="18" charset="0"/>
+              </a:rPr>
+              <a:t>Rút</a:t>
+            </a:r>
+            <a:r>
+              <a:rPr lang="en-US" sz="1300" b="1" dirty="0" smtClean="0">
+                <a:solidFill>
+                  <a:schemeClr val="tx1"/>
+                </a:solidFill>
                 <a:latin typeface="Times New Roman" pitchFamily="18" charset="0"/>
                 <a:cs typeface="Times New Roman" pitchFamily="18" charset="0"/>
               </a:rPr>
               <a:t> </a:t>
             </a:r>
             <a:r>
-              <a:rPr lang="en-US" b="1" dirty="0" err="1" smtClean="0">
+              <a:rPr lang="en-US" sz="1300" b="1" dirty="0" err="1" smtClean="0">
+                <a:solidFill>
+                  <a:schemeClr val="tx1"/>
+                </a:solidFill>
+                <a:latin typeface="Times New Roman" pitchFamily="18" charset="0"/>
+                <a:cs typeface="Times New Roman" pitchFamily="18" charset="0"/>
+              </a:rPr>
+              <a:t>trích</a:t>
+            </a:r>
+            <a:r>
+              <a:rPr lang="en-US" sz="1300" b="1" dirty="0" smtClean="0">
+                <a:solidFill>
+                  <a:schemeClr val="tx1"/>
+                </a:solidFill>
+                <a:latin typeface="Times New Roman" pitchFamily="18" charset="0"/>
+                <a:cs typeface="Times New Roman" pitchFamily="18" charset="0"/>
+              </a:rPr>
+              <a:t> </a:t>
+            </a:r>
+            <a:r>
+              <a:rPr lang="en-US" sz="1300" b="1" dirty="0" err="1" smtClean="0">
+                <a:solidFill>
+                  <a:schemeClr val="tx1"/>
+                </a:solidFill>
+                <a:latin typeface="Times New Roman" pitchFamily="18" charset="0"/>
+                <a:cs typeface="Times New Roman" pitchFamily="18" charset="0"/>
+              </a:rPr>
+              <a:t>thông</a:t>
+            </a:r>
+            <a:r>
+              <a:rPr lang="en-US" sz="1300" b="1" dirty="0" smtClean="0">
+                <a:solidFill>
+                  <a:schemeClr val="tx1"/>
+                </a:solidFill>
+                <a:latin typeface="Times New Roman" pitchFamily="18" charset="0"/>
+                <a:cs typeface="Times New Roman" pitchFamily="18" charset="0"/>
+              </a:rPr>
+              <a:t> tin </a:t>
+            </a:r>
+            <a:r>
+              <a:rPr lang="en-US" sz="1300" b="1" dirty="0" err="1" smtClean="0">
+                <a:solidFill>
+                  <a:schemeClr val="tx1"/>
+                </a:solidFill>
+                <a:latin typeface="Times New Roman" pitchFamily="18" charset="0"/>
+                <a:cs typeface="Times New Roman" pitchFamily="18" charset="0"/>
+              </a:rPr>
+              <a:t>bài</a:t>
+            </a:r>
+            <a:r>
+              <a:rPr lang="en-US" sz="1300" b="1" dirty="0" smtClean="0">
+                <a:solidFill>
+                  <a:schemeClr val="tx1"/>
+                </a:solidFill>
+                <a:latin typeface="Times New Roman" pitchFamily="18" charset="0"/>
+                <a:cs typeface="Times New Roman" pitchFamily="18" charset="0"/>
+              </a:rPr>
+              <a:t> </a:t>
+            </a:r>
+            <a:r>
+              <a:rPr lang="en-US" sz="1300" b="1" dirty="0" err="1" smtClean="0">
+                <a:solidFill>
+                  <a:schemeClr val="tx1"/>
+                </a:solidFill>
                 <a:latin typeface="Times New Roman" pitchFamily="18" charset="0"/>
                 <a:cs typeface="Times New Roman" pitchFamily="18" charset="0"/>
               </a:rPr>
               <a:t>báo</a:t>
-            </a:r>
-            <a:r>
-              <a:rPr lang="en-US" b="1" dirty="0" smtClean="0">
-                <a:latin typeface="Times New Roman" pitchFamily="18" charset="0"/>
-                <a:cs typeface="Times New Roman" pitchFamily="18" charset="0"/>
-              </a:rPr>
-              <a:t> </a:t>
-            </a:r>
-            <a:r>
-              <a:rPr lang="en-US" b="1" dirty="0" err="1" smtClean="0">
-                <a:latin typeface="Times New Roman" pitchFamily="18" charset="0"/>
-                <a:cs typeface="Times New Roman" pitchFamily="18" charset="0"/>
-              </a:rPr>
-              <a:t>khoa</a:t>
-            </a:r>
-            <a:r>
-              <a:rPr lang="en-US" b="1" dirty="0" smtClean="0">
-                <a:latin typeface="Times New Roman" pitchFamily="18" charset="0"/>
-                <a:cs typeface="Times New Roman" pitchFamily="18" charset="0"/>
-              </a:rPr>
-              <a:t> </a:t>
-            </a:r>
-            <a:r>
-              <a:rPr lang="en-US" b="1" dirty="0" err="1" smtClean="0">
-                <a:latin typeface="Times New Roman" pitchFamily="18" charset="0"/>
-                <a:cs typeface="Times New Roman" pitchFamily="18" charset="0"/>
-              </a:rPr>
-              <a:t>học</a:t>
-            </a:r>
-            <a:endParaRPr lang="en-US" b="1" dirty="0" smtClean="0">
-              <a:latin typeface="Times New Roman" pitchFamily="18" charset="0"/>
-              <a:cs typeface="Times New Roman" pitchFamily="18" charset="0"/>
-            </a:endParaRPr>
-          </a:p>
-          <a:p>
-            <a:pPr algn="ctr"/>
-            <a:r>
-              <a:rPr lang="en-US" b="1" dirty="0" err="1" smtClean="0">
-                <a:latin typeface="Times New Roman" pitchFamily="18" charset="0"/>
-                <a:cs typeface="Times New Roman" pitchFamily="18" charset="0"/>
-              </a:rPr>
-              <a:t>Được</a:t>
-            </a:r>
-            <a:r>
-              <a:rPr lang="en-US" b="1" dirty="0" smtClean="0">
-                <a:latin typeface="Times New Roman" pitchFamily="18" charset="0"/>
-                <a:cs typeface="Times New Roman" pitchFamily="18" charset="0"/>
-              </a:rPr>
-              <a:t> </a:t>
-            </a:r>
-            <a:r>
-              <a:rPr lang="en-US" b="1" dirty="0" err="1" smtClean="0">
-                <a:latin typeface="Times New Roman" pitchFamily="18" charset="0"/>
-                <a:cs typeface="Times New Roman" pitchFamily="18" charset="0"/>
-              </a:rPr>
-              <a:t>xác</a:t>
-            </a:r>
-            <a:r>
-              <a:rPr lang="en-US" b="1" dirty="0" smtClean="0">
-                <a:latin typeface="Times New Roman" pitchFamily="18" charset="0"/>
-                <a:cs typeface="Times New Roman" pitchFamily="18" charset="0"/>
-              </a:rPr>
-              <a:t> </a:t>
-            </a:r>
-            <a:r>
-              <a:rPr lang="en-US" b="1" dirty="0" err="1" smtClean="0">
-                <a:latin typeface="Times New Roman" pitchFamily="18" charset="0"/>
-                <a:cs typeface="Times New Roman" pitchFamily="18" charset="0"/>
-              </a:rPr>
-              <a:t>định</a:t>
-            </a:r>
-            <a:r>
-              <a:rPr lang="en-US" b="1" dirty="0" smtClean="0">
-                <a:latin typeface="Times New Roman" pitchFamily="18" charset="0"/>
-                <a:cs typeface="Times New Roman" pitchFamily="18" charset="0"/>
-              </a:rPr>
-              <a:t> </a:t>
-            </a:r>
-            <a:r>
-              <a:rPr lang="en-US" b="1" dirty="0" err="1" smtClean="0">
-                <a:latin typeface="Times New Roman" pitchFamily="18" charset="0"/>
-                <a:cs typeface="Times New Roman" pitchFamily="18" charset="0"/>
-              </a:rPr>
-              <a:t>chủ</a:t>
-            </a:r>
-            <a:r>
-              <a:rPr lang="en-US" b="1" dirty="0" smtClean="0">
-                <a:latin typeface="Times New Roman" pitchFamily="18" charset="0"/>
-                <a:cs typeface="Times New Roman" pitchFamily="18" charset="0"/>
-              </a:rPr>
-              <a:t> </a:t>
-            </a:r>
-            <a:r>
-              <a:rPr lang="en-US" b="1" dirty="0" err="1" smtClean="0">
-                <a:latin typeface="Times New Roman" pitchFamily="18" charset="0"/>
-                <a:cs typeface="Times New Roman" pitchFamily="18" charset="0"/>
-              </a:rPr>
-              <a:t>đề</a:t>
-            </a:r>
-            <a:endParaRPr lang="en-US" b="1" dirty="0" smtClean="0">
-              <a:latin typeface="Times New Roman" pitchFamily="18" charset="0"/>
-              <a:cs typeface="Times New Roman" pitchFamily="18" charset="0"/>
-            </a:endParaRPr>
-          </a:p>
-        </p:txBody>
-      </p:sp>
-      <p:sp>
-        <p:nvSpPr>
-          <p:cNvPr id="38" name="Flowchart: Multidocument 37"/>
-          <p:cNvSpPr/>
-          <p:nvPr/>
-        </p:nvSpPr>
-        <p:spPr>
-          <a:xfrm>
-            <a:off x="7543800" y="3657600"/>
-            <a:ext cx="990600" cy="1600200"/>
-          </a:xfrm>
-          <a:prstGeom prst="flowChartMultidocument">
-            <a:avLst/>
-          </a:prstGeom>
-          <a:noFill/>
-        </p:spPr>
-        <p:style>
-          <a:lnRef idx="2">
-            <a:schemeClr val="accent1">
-              <a:shade val="50000"/>
-            </a:schemeClr>
-          </a:lnRef>
-          <a:fillRef idx="1">
-            <a:schemeClr val="accent1"/>
-          </a:fillRef>
-          <a:effectRef idx="0">
-            <a:schemeClr val="accent1"/>
-          </a:effectRef>
-          <a:fontRef idx="minor">
-            <a:schemeClr val="lt1"/>
-          </a:fontRef>
-        </p:style>
-        <p:txBody>
-          <a:bodyPr rtlCol="0" anchor="ctr"/>
-          <a:lstStyle/>
-          <a:p>
-            <a:pPr algn="ctr"/>
-            <a:r>
-              <a:rPr lang="en-US" sz="1300" b="1" dirty="0" smtClean="0">
-                <a:solidFill>
-                  <a:schemeClr val="tx1"/>
-                </a:solidFill>
-                <a:latin typeface="Times New Roman" pitchFamily="18" charset="0"/>
-                <a:cs typeface="Times New Roman" pitchFamily="18" charset="0"/>
-              </a:rPr>
-              <a:t>Subject</a:t>
             </a:r>
             <a:endParaRPr lang="en-US" sz="1300" b="1" dirty="0">
               <a:solidFill>
                 <a:schemeClr val="tx1"/>
               </a:solidFill>
-              <a:latin typeface="Times New Roman" pitchFamily="18" charset="0"/>
-              <a:cs typeface="Times New Roman" pitchFamily="18" charset="0"/>
-            </a:endParaRPr>
-          </a:p>
-        </p:txBody>
-      </p:sp>
-      <p:sp>
-        <p:nvSpPr>
-          <p:cNvPr id="39" name="Right Arrow 38"/>
-          <p:cNvSpPr/>
-          <p:nvPr/>
-        </p:nvSpPr>
-        <p:spPr>
-          <a:xfrm>
-            <a:off x="6629400" y="4191000"/>
-            <a:ext cx="838200" cy="304800"/>
-          </a:xfrm>
-          <a:prstGeom prst="rightArrow">
-            <a:avLst/>
-          </a:prstGeom>
-        </p:spPr>
-        <p:style>
-          <a:lnRef idx="2">
-            <a:schemeClr val="accent1">
-              <a:shade val="50000"/>
-            </a:schemeClr>
-          </a:lnRef>
-          <a:fillRef idx="1">
-            <a:schemeClr val="accent1"/>
-          </a:fillRef>
-          <a:effectRef idx="0">
-            <a:schemeClr val="accent1"/>
-          </a:effectRef>
-          <a:fontRef idx="minor">
-            <a:schemeClr val="lt1"/>
-          </a:fontRef>
-        </p:style>
-        <p:txBody>
-          <a:bodyPr rtlCol="0" anchor="ctr"/>
-          <a:lstStyle/>
-          <a:p>
-            <a:pPr algn="ctr"/>
-            <a:endParaRPr lang="en-US" b="1">
-              <a:latin typeface="Times New Roman" pitchFamily="18" charset="0"/>
-              <a:cs typeface="Times New Roman" pitchFamily="18" charset="0"/>
-            </a:endParaRPr>
-          </a:p>
-        </p:txBody>
-      </p:sp>
-      <p:sp>
-        <p:nvSpPr>
-          <p:cNvPr id="43" name="Rectangle 42"/>
-          <p:cNvSpPr/>
-          <p:nvPr/>
-        </p:nvSpPr>
-        <p:spPr>
-          <a:xfrm>
-            <a:off x="5791200" y="0"/>
-            <a:ext cx="1361270" cy="369332"/>
-          </a:xfrm>
-          <a:prstGeom prst="rect">
-            <a:avLst/>
-          </a:prstGeom>
-        </p:spPr>
-        <p:txBody>
-          <a:bodyPr wrap="none">
-            <a:spAutoFit/>
-          </a:bodyPr>
-          <a:lstStyle/>
-          <a:p>
-            <a:pPr algn="ctr"/>
-            <a:r>
-              <a:rPr lang="en-US" b="1" dirty="0" err="1" smtClean="0">
-                <a:latin typeface="Times New Roman" pitchFamily="18" charset="0"/>
-                <a:cs typeface="Times New Roman" pitchFamily="18" charset="0"/>
-              </a:rPr>
-              <a:t>Dữ</a:t>
-            </a:r>
-            <a:r>
-              <a:rPr lang="en-US" b="1" dirty="0" smtClean="0">
-                <a:latin typeface="Times New Roman" pitchFamily="18" charset="0"/>
-                <a:cs typeface="Times New Roman" pitchFamily="18" charset="0"/>
-              </a:rPr>
-              <a:t> </a:t>
-            </a:r>
-            <a:r>
-              <a:rPr lang="en-US" b="1" dirty="0" err="1" smtClean="0">
-                <a:latin typeface="Times New Roman" pitchFamily="18" charset="0"/>
-                <a:cs typeface="Times New Roman" pitchFamily="18" charset="0"/>
-              </a:rPr>
-              <a:t>liệu</a:t>
-            </a:r>
-            <a:r>
-              <a:rPr lang="en-US" b="1" dirty="0" smtClean="0">
-                <a:latin typeface="Times New Roman" pitchFamily="18" charset="0"/>
-                <a:cs typeface="Times New Roman" pitchFamily="18" charset="0"/>
-              </a:rPr>
-              <a:t> </a:t>
-            </a:r>
-            <a:r>
-              <a:rPr lang="en-US" b="1" dirty="0" err="1" smtClean="0">
-                <a:latin typeface="Times New Roman" pitchFamily="18" charset="0"/>
-                <a:cs typeface="Times New Roman" pitchFamily="18" charset="0"/>
-              </a:rPr>
-              <a:t>Học</a:t>
-            </a:r>
-            <a:endParaRPr lang="en-US" b="1" dirty="0" smtClean="0">
               <a:latin typeface="Times New Roman" pitchFamily="18" charset="0"/>
               <a:cs typeface="Times New Roman" pitchFamily="18" charset="0"/>
             </a:endParaRPr>
@@ -7690,21 +7632,167 @@
       </p:grpSpPr>
       <p:sp>
         <p:nvSpPr>
-          <p:cNvPr id="21" name="Flowchart: Magnetic Disk 20"/>
+          <p:cNvPr id="6" name="TextBox 5"/>
+          <p:cNvSpPr txBox="1"/>
+          <p:nvPr/>
+        </p:nvSpPr>
+        <p:spPr>
+          <a:xfrm>
+            <a:off x="3657600" y="5715000"/>
+            <a:ext cx="4660250" cy="369332"/>
+          </a:xfrm>
+          <a:prstGeom prst="rect">
+            <a:avLst/>
+          </a:prstGeom>
+          <a:noFill/>
+        </p:spPr>
+        <p:txBody>
+          <a:bodyPr wrap="none" rtlCol="0">
+            <a:spAutoFit/>
+          </a:bodyPr>
+          <a:lstStyle/>
+          <a:p>
+            <a:r>
+              <a:rPr lang="en-US" b="1" dirty="0" smtClean="0">
+                <a:latin typeface="Times New Roman" pitchFamily="18" charset="0"/>
+                <a:cs typeface="Times New Roman" pitchFamily="18" charset="0"/>
+              </a:rPr>
+              <a:t>(2) Module </a:t>
+            </a:r>
+            <a:r>
+              <a:rPr lang="en-US" b="1" dirty="0" err="1" smtClean="0">
+                <a:latin typeface="Times New Roman" pitchFamily="18" charset="0"/>
+                <a:cs typeface="Times New Roman" pitchFamily="18" charset="0"/>
+              </a:rPr>
+              <a:t>Phân</a:t>
+            </a:r>
+            <a:r>
+              <a:rPr lang="en-US" b="1" dirty="0" smtClean="0">
+                <a:latin typeface="Times New Roman" pitchFamily="18" charset="0"/>
+                <a:cs typeface="Times New Roman" pitchFamily="18" charset="0"/>
+              </a:rPr>
+              <a:t> </a:t>
+            </a:r>
+            <a:r>
+              <a:rPr lang="en-US" b="1" dirty="0" err="1" smtClean="0">
+                <a:latin typeface="Times New Roman" pitchFamily="18" charset="0"/>
+                <a:cs typeface="Times New Roman" pitchFamily="18" charset="0"/>
+              </a:rPr>
+              <a:t>lớp</a:t>
+            </a:r>
+            <a:r>
+              <a:rPr lang="en-US" b="1" dirty="0" smtClean="0">
+                <a:latin typeface="Times New Roman" pitchFamily="18" charset="0"/>
+                <a:cs typeface="Times New Roman" pitchFamily="18" charset="0"/>
+              </a:rPr>
+              <a:t> </a:t>
+            </a:r>
+            <a:r>
+              <a:rPr lang="en-US" b="1" dirty="0" err="1" smtClean="0">
+                <a:latin typeface="Times New Roman" pitchFamily="18" charset="0"/>
+                <a:cs typeface="Times New Roman" pitchFamily="18" charset="0"/>
+              </a:rPr>
+              <a:t>xác</a:t>
+            </a:r>
+            <a:r>
+              <a:rPr lang="en-US" b="1" dirty="0" smtClean="0">
+                <a:latin typeface="Times New Roman" pitchFamily="18" charset="0"/>
+                <a:cs typeface="Times New Roman" pitchFamily="18" charset="0"/>
+              </a:rPr>
+              <a:t> </a:t>
+            </a:r>
+            <a:r>
+              <a:rPr lang="en-US" b="1" dirty="0" err="1" smtClean="0">
+                <a:latin typeface="Times New Roman" pitchFamily="18" charset="0"/>
+                <a:cs typeface="Times New Roman" pitchFamily="18" charset="0"/>
+              </a:rPr>
+              <a:t>định</a:t>
+            </a:r>
+            <a:r>
+              <a:rPr lang="en-US" b="1" dirty="0" smtClean="0">
+                <a:latin typeface="Times New Roman" pitchFamily="18" charset="0"/>
+                <a:cs typeface="Times New Roman" pitchFamily="18" charset="0"/>
+              </a:rPr>
+              <a:t> </a:t>
+            </a:r>
+            <a:r>
+              <a:rPr lang="en-US" b="1" dirty="0" err="1" smtClean="0">
+                <a:latin typeface="Times New Roman" pitchFamily="18" charset="0"/>
+                <a:cs typeface="Times New Roman" pitchFamily="18" charset="0"/>
+              </a:rPr>
+              <a:t>chủ</a:t>
+            </a:r>
+            <a:r>
+              <a:rPr lang="en-US" b="1" dirty="0" smtClean="0">
+                <a:latin typeface="Times New Roman" pitchFamily="18" charset="0"/>
+                <a:cs typeface="Times New Roman" pitchFamily="18" charset="0"/>
+              </a:rPr>
+              <a:t> </a:t>
+            </a:r>
+            <a:r>
+              <a:rPr lang="en-US" b="1" dirty="0" err="1" smtClean="0">
+                <a:latin typeface="Times New Roman" pitchFamily="18" charset="0"/>
+                <a:cs typeface="Times New Roman" pitchFamily="18" charset="0"/>
+              </a:rPr>
+              <a:t>đề</a:t>
+            </a:r>
+            <a:r>
+              <a:rPr lang="en-US" b="1" dirty="0" smtClean="0">
+                <a:latin typeface="Times New Roman" pitchFamily="18" charset="0"/>
+                <a:cs typeface="Times New Roman" pitchFamily="18" charset="0"/>
+              </a:rPr>
+              <a:t> </a:t>
+            </a:r>
+            <a:r>
+              <a:rPr lang="en-US" b="1" dirty="0" err="1" smtClean="0">
+                <a:latin typeface="Times New Roman" pitchFamily="18" charset="0"/>
+                <a:cs typeface="Times New Roman" pitchFamily="18" charset="0"/>
+              </a:rPr>
+              <a:t>bài</a:t>
+            </a:r>
+            <a:r>
+              <a:rPr lang="en-US" b="1" dirty="0" smtClean="0">
+                <a:latin typeface="Times New Roman" pitchFamily="18" charset="0"/>
+                <a:cs typeface="Times New Roman" pitchFamily="18" charset="0"/>
+              </a:rPr>
+              <a:t> </a:t>
+            </a:r>
+            <a:r>
+              <a:rPr lang="en-US" b="1" dirty="0" err="1" smtClean="0">
+                <a:latin typeface="Times New Roman" pitchFamily="18" charset="0"/>
+                <a:cs typeface="Times New Roman" pitchFamily="18" charset="0"/>
+              </a:rPr>
+              <a:t>báo</a:t>
+            </a:r>
+            <a:r>
+              <a:rPr lang="en-US" b="1" dirty="0" smtClean="0">
+                <a:latin typeface="Times New Roman" pitchFamily="18" charset="0"/>
+                <a:cs typeface="Times New Roman" pitchFamily="18" charset="0"/>
+              </a:rPr>
+              <a:t> </a:t>
+            </a:r>
+            <a:endParaRPr lang="en-US" b="1" dirty="0">
+              <a:latin typeface="Times New Roman" pitchFamily="18" charset="0"/>
+              <a:cs typeface="Times New Roman" pitchFamily="18" charset="0"/>
+            </a:endParaRPr>
+          </a:p>
+        </p:txBody>
+      </p:sp>
+      <p:sp>
+        <p:nvSpPr>
+          <p:cNvPr id="15" name="Flowchart: Multidocument 14"/>
           <p:cNvSpPr/>
           <p:nvPr/>
         </p:nvSpPr>
         <p:spPr>
           <a:xfrm>
-            <a:off x="914400" y="1219200"/>
-            <a:ext cx="1295400" cy="1752600"/>
-          </a:xfrm>
-          <a:prstGeom prst="flowChartMagneticDisk">
-            <a:avLst/>
-          </a:prstGeom>
-          <a:solidFill>
-            <a:schemeClr val="accent2"/>
-          </a:solidFill>
+            <a:off x="6934200" y="914400"/>
+            <a:ext cx="914400" cy="990600"/>
+          </a:xfrm>
+          <a:prstGeom prst="flowChartMultidocument">
+            <a:avLst/>
+          </a:prstGeom>
+          <a:noFill/>
         </p:spPr>
         <p:style>
           <a:lnRef idx="2">
@@ -7728,13 +7816,32 @@
           <a:p>
             <a:pPr algn="ctr"/>
             <a:r>
-              <a:rPr lang="en-US" sz="1400" b="1" dirty="0" smtClean="0">
-                <a:latin typeface="Times New Roman" pitchFamily="18" charset="0"/>
-                <a:cs typeface="Times New Roman" pitchFamily="18" charset="0"/>
-              </a:rPr>
-              <a:t>DBLP</a:t>
-            </a:r>
-            <a:endParaRPr lang="en-US" sz="1400" b="1" dirty="0">
+              <a:rPr lang="en-US" sz="1300" b="1" dirty="0" smtClean="0">
+                <a:solidFill>
+                  <a:schemeClr val="tx1"/>
+                </a:solidFill>
+                <a:latin typeface="Times New Roman" pitchFamily="18" charset="0"/>
+                <a:cs typeface="Times New Roman" pitchFamily="18" charset="0"/>
+              </a:rPr>
+              <a:t>Title</a:t>
+            </a:r>
+          </a:p>
+          <a:p>
+            <a:pPr algn="ctr"/>
+            <a:r>
+              <a:rPr lang="en-US" sz="1300" b="1" dirty="0" err="1" smtClean="0">
+                <a:solidFill>
+                  <a:schemeClr val="tx1"/>
+                </a:solidFill>
+                <a:latin typeface="Times New Roman" pitchFamily="18" charset="0"/>
+                <a:cs typeface="Times New Roman" pitchFamily="18" charset="0"/>
+              </a:rPr>
+              <a:t>Abtract</a:t>
+            </a:r>
+            <a:endParaRPr lang="en-US" sz="1300" b="1" dirty="0">
+              <a:solidFill>
+                <a:schemeClr val="tx1"/>
+              </a:solidFill>
               <a:latin typeface="Times New Roman" pitchFamily="18" charset="0"/>
               <a:cs typeface="Times New Roman" pitchFamily="18" charset="0"/>
             </a:endParaRPr>
@@ -7743,20 +7850,23 @@
       </p:sp>
       <p:sp>
         <p:nvSpPr>
-          <p:cNvPr id="32" name="Flowchart: Document 31"/>
+          <p:cNvPr id="22" name="Rectangle 21"/>
           <p:cNvSpPr/>
           <p:nvPr/>
         </p:nvSpPr>
         <p:spPr>
           <a:xfrm>
-            <a:off x="3733800" y="1066800"/>
-            <a:ext cx="1371600" cy="1371600"/>
-          </a:xfrm>
-          <a:prstGeom prst="flowChartDocument">
+            <a:off x="5105400" y="3962400"/>
+            <a:ext cx="1447800" cy="762000"/>
+          </a:xfrm>
+          <a:prstGeom prst="rect">
             <a:avLst/>
           </a:prstGeom>
           <a:solidFill>
-            <a:schemeClr val="accent1"/>
+            <a:schemeClr val="accent2">
+              <a:lumMod val="20000"/>
+              <a:lumOff val="80000"/>
+            </a:schemeClr>
           </a:solidFill>
         </p:spPr>
         <p:style>
@@ -7780,6 +7890,455 @@
           <a:lstStyle/>
           <a:p>
             <a:pPr algn="ctr"/>
+            <a:r>
+              <a:rPr lang="en-US" b="1" dirty="0" smtClean="0">
+                <a:solidFill>
+                  <a:schemeClr val="tx1"/>
+                </a:solidFill>
+                <a:latin typeface="Times New Roman" pitchFamily="18" charset="0"/>
+                <a:cs typeface="Times New Roman" pitchFamily="18" charset="0"/>
+              </a:rPr>
+              <a:t>SVM</a:t>
+            </a:r>
+            <a:endParaRPr lang="en-US" b="1" dirty="0">
+              <a:solidFill>
+                <a:schemeClr val="tx1"/>
+              </a:solidFill>
+              <a:latin typeface="Times New Roman" pitchFamily="18" charset="0"/>
+              <a:cs typeface="Times New Roman" pitchFamily="18" charset="0"/>
+            </a:endParaRPr>
+          </a:p>
+        </p:txBody>
+      </p:sp>
+      <p:sp>
+        <p:nvSpPr>
+          <p:cNvPr id="25" name="Rectangle 24"/>
+          <p:cNvSpPr/>
+          <p:nvPr/>
+        </p:nvSpPr>
+        <p:spPr>
+          <a:xfrm>
+            <a:off x="381000" y="381000"/>
+            <a:ext cx="1883850" cy="369332"/>
+          </a:xfrm>
+          <a:prstGeom prst="rect">
+            <a:avLst/>
+          </a:prstGeom>
+        </p:spPr>
+        <p:txBody>
+          <a:bodyPr wrap="none">
+            <a:spAutoFit/>
+          </a:bodyPr>
+          <a:lstStyle/>
+          <a:p>
+            <a:pPr algn="ctr"/>
+            <a:r>
+              <a:rPr lang="en-US" b="1" dirty="0" err="1" smtClean="0">
+                <a:latin typeface="Times New Roman" pitchFamily="18" charset="0"/>
+                <a:cs typeface="Times New Roman" pitchFamily="18" charset="0"/>
+              </a:rPr>
+              <a:t>Bài</a:t>
+            </a:r>
+            <a:r>
+              <a:rPr lang="en-US" b="1" dirty="0" smtClean="0">
+                <a:latin typeface="Times New Roman" pitchFamily="18" charset="0"/>
+                <a:cs typeface="Times New Roman" pitchFamily="18" charset="0"/>
+              </a:rPr>
+              <a:t> </a:t>
+            </a:r>
+            <a:r>
+              <a:rPr lang="en-US" b="1" dirty="0" err="1" smtClean="0">
+                <a:latin typeface="Times New Roman" pitchFamily="18" charset="0"/>
+                <a:cs typeface="Times New Roman" pitchFamily="18" charset="0"/>
+              </a:rPr>
+              <a:t>báo</a:t>
+            </a:r>
+            <a:r>
+              <a:rPr lang="en-US" b="1" dirty="0" smtClean="0">
+                <a:latin typeface="Times New Roman" pitchFamily="18" charset="0"/>
+                <a:cs typeface="Times New Roman" pitchFamily="18" charset="0"/>
+              </a:rPr>
+              <a:t> </a:t>
+            </a:r>
+            <a:r>
+              <a:rPr lang="en-US" b="1" dirty="0" err="1" smtClean="0">
+                <a:latin typeface="Times New Roman" pitchFamily="18" charset="0"/>
+                <a:cs typeface="Times New Roman" pitchFamily="18" charset="0"/>
+              </a:rPr>
+              <a:t>khoa</a:t>
+            </a:r>
+            <a:r>
+              <a:rPr lang="en-US" b="1" dirty="0" smtClean="0">
+                <a:latin typeface="Times New Roman" pitchFamily="18" charset="0"/>
+                <a:cs typeface="Times New Roman" pitchFamily="18" charset="0"/>
+              </a:rPr>
+              <a:t> </a:t>
+            </a:r>
+            <a:r>
+              <a:rPr lang="en-US" b="1" dirty="0" err="1" smtClean="0">
+                <a:latin typeface="Times New Roman" pitchFamily="18" charset="0"/>
+                <a:cs typeface="Times New Roman" pitchFamily="18" charset="0"/>
+              </a:rPr>
+              <a:t>học</a:t>
+            </a:r>
+            <a:endParaRPr lang="en-US" b="1" dirty="0" smtClean="0">
+              <a:latin typeface="Times New Roman" pitchFamily="18" charset="0"/>
+              <a:cs typeface="Times New Roman" pitchFamily="18" charset="0"/>
+            </a:endParaRPr>
+          </a:p>
+        </p:txBody>
+      </p:sp>
+      <p:sp>
+        <p:nvSpPr>
+          <p:cNvPr id="26" name="Rectangle 25"/>
+          <p:cNvSpPr/>
+          <p:nvPr/>
+        </p:nvSpPr>
+        <p:spPr>
+          <a:xfrm>
+            <a:off x="6553200" y="533400"/>
+            <a:ext cx="1883850" cy="369332"/>
+          </a:xfrm>
+          <a:prstGeom prst="rect">
+            <a:avLst/>
+          </a:prstGeom>
+        </p:spPr>
+        <p:txBody>
+          <a:bodyPr wrap="none">
+            <a:spAutoFit/>
+          </a:bodyPr>
+          <a:lstStyle/>
+          <a:p>
+            <a:pPr algn="ctr"/>
+            <a:r>
+              <a:rPr lang="en-US" b="1" dirty="0" err="1" smtClean="0">
+                <a:latin typeface="Times New Roman" pitchFamily="18" charset="0"/>
+                <a:cs typeface="Times New Roman" pitchFamily="18" charset="0"/>
+              </a:rPr>
+              <a:t>Bài</a:t>
+            </a:r>
+            <a:r>
+              <a:rPr lang="en-US" b="1" dirty="0" smtClean="0">
+                <a:latin typeface="Times New Roman" pitchFamily="18" charset="0"/>
+                <a:cs typeface="Times New Roman" pitchFamily="18" charset="0"/>
+              </a:rPr>
+              <a:t> </a:t>
+            </a:r>
+            <a:r>
+              <a:rPr lang="en-US" b="1" dirty="0" err="1" smtClean="0">
+                <a:latin typeface="Times New Roman" pitchFamily="18" charset="0"/>
+                <a:cs typeface="Times New Roman" pitchFamily="18" charset="0"/>
+              </a:rPr>
+              <a:t>báo</a:t>
+            </a:r>
+            <a:r>
+              <a:rPr lang="en-US" b="1" dirty="0" smtClean="0">
+                <a:latin typeface="Times New Roman" pitchFamily="18" charset="0"/>
+                <a:cs typeface="Times New Roman" pitchFamily="18" charset="0"/>
+              </a:rPr>
+              <a:t> </a:t>
+            </a:r>
+            <a:r>
+              <a:rPr lang="en-US" b="1" dirty="0" err="1" smtClean="0">
+                <a:latin typeface="Times New Roman" pitchFamily="18" charset="0"/>
+                <a:cs typeface="Times New Roman" pitchFamily="18" charset="0"/>
+              </a:rPr>
+              <a:t>khoa</a:t>
+            </a:r>
+            <a:r>
+              <a:rPr lang="en-US" b="1" dirty="0" smtClean="0">
+                <a:latin typeface="Times New Roman" pitchFamily="18" charset="0"/>
+                <a:cs typeface="Times New Roman" pitchFamily="18" charset="0"/>
+              </a:rPr>
+              <a:t> </a:t>
+            </a:r>
+            <a:r>
+              <a:rPr lang="en-US" b="1" dirty="0" err="1" smtClean="0">
+                <a:latin typeface="Times New Roman" pitchFamily="18" charset="0"/>
+                <a:cs typeface="Times New Roman" pitchFamily="18" charset="0"/>
+              </a:rPr>
+              <a:t>học</a:t>
+            </a:r>
+            <a:endParaRPr lang="en-US" b="1" dirty="0" smtClean="0">
+              <a:latin typeface="Times New Roman" pitchFamily="18" charset="0"/>
+              <a:cs typeface="Times New Roman" pitchFamily="18" charset="0"/>
+            </a:endParaRPr>
+          </a:p>
+        </p:txBody>
+      </p:sp>
+      <p:sp>
+        <p:nvSpPr>
+          <p:cNvPr id="28" name="Flowchart: Alternate Process 27"/>
+          <p:cNvSpPr/>
+          <p:nvPr/>
+        </p:nvSpPr>
+        <p:spPr>
+          <a:xfrm>
+            <a:off x="2895600" y="2819400"/>
+            <a:ext cx="1676400" cy="609600"/>
+          </a:xfrm>
+          <a:prstGeom prst="flowChartAlternateProcess">
+            <a:avLst/>
+          </a:prstGeom>
+          <a:solidFill>
+            <a:schemeClr val="bg2">
+              <a:lumMod val="75000"/>
+            </a:schemeClr>
+          </a:solidFill>
+        </p:spPr>
+        <p:style>
+          <a:lnRef idx="2">
+            <a:schemeClr val="accent1">
+              <a:shade val="50000"/>
+            </a:schemeClr>
+          </a:lnRef>
+          <a:fillRef idx="1">
+            <a:schemeClr val="accent1"/>
+          </a:fillRef>
+          <a:effectRef idx="0">
+            <a:schemeClr val="accent1"/>
+          </a:effectRef>
+          <a:fontRef idx="minor">
+            <a:schemeClr val="lt1"/>
+          </a:fontRef>
+        </p:style>
+        <p:txBody>
+          <a:bodyPr rtlCol="0" anchor="ctr"/>
+          <a:lstStyle/>
+          <a:p>
+            <a:pPr algn="ctr"/>
+            <a:r>
+              <a:rPr lang="en-US" b="1" dirty="0" err="1" smtClean="0">
+                <a:solidFill>
+                  <a:schemeClr val="tx1"/>
+                </a:solidFill>
+                <a:latin typeface="Times New Roman" pitchFamily="18" charset="0"/>
+                <a:cs typeface="Times New Roman" pitchFamily="18" charset="0"/>
+              </a:rPr>
+              <a:t>Tiền</a:t>
+            </a:r>
+            <a:r>
+              <a:rPr lang="en-US" b="1" dirty="0" smtClean="0">
+                <a:solidFill>
+                  <a:schemeClr val="tx1"/>
+                </a:solidFill>
+                <a:latin typeface="Times New Roman" pitchFamily="18" charset="0"/>
+                <a:cs typeface="Times New Roman" pitchFamily="18" charset="0"/>
+              </a:rPr>
+              <a:t> </a:t>
+            </a:r>
+            <a:r>
+              <a:rPr lang="en-US" b="1" dirty="0" err="1" smtClean="0">
+                <a:solidFill>
+                  <a:schemeClr val="tx1"/>
+                </a:solidFill>
+                <a:latin typeface="Times New Roman" pitchFamily="18" charset="0"/>
+                <a:cs typeface="Times New Roman" pitchFamily="18" charset="0"/>
+              </a:rPr>
+              <a:t>xử</a:t>
+            </a:r>
+            <a:r>
+              <a:rPr lang="en-US" b="1" dirty="0" smtClean="0">
+                <a:solidFill>
+                  <a:schemeClr val="tx1"/>
+                </a:solidFill>
+                <a:latin typeface="Times New Roman" pitchFamily="18" charset="0"/>
+                <a:cs typeface="Times New Roman" pitchFamily="18" charset="0"/>
+              </a:rPr>
+              <a:t> </a:t>
+            </a:r>
+            <a:r>
+              <a:rPr lang="en-US" b="1" dirty="0" err="1" smtClean="0">
+                <a:solidFill>
+                  <a:schemeClr val="tx1"/>
+                </a:solidFill>
+                <a:latin typeface="Times New Roman" pitchFamily="18" charset="0"/>
+                <a:cs typeface="Times New Roman" pitchFamily="18" charset="0"/>
+              </a:rPr>
+              <a:t>lý</a:t>
+            </a:r>
+            <a:endParaRPr lang="en-US" b="1" dirty="0">
+              <a:solidFill>
+                <a:schemeClr val="tx1"/>
+              </a:solidFill>
+              <a:latin typeface="Times New Roman" pitchFamily="18" charset="0"/>
+              <a:cs typeface="Times New Roman" pitchFamily="18" charset="0"/>
+            </a:endParaRPr>
+          </a:p>
+        </p:txBody>
+      </p:sp>
+      <p:sp>
+        <p:nvSpPr>
+          <p:cNvPr id="29" name="Flowchart: Alternate Process 28"/>
+          <p:cNvSpPr/>
+          <p:nvPr/>
+        </p:nvSpPr>
+        <p:spPr>
+          <a:xfrm>
+            <a:off x="2895600" y="4038600"/>
+            <a:ext cx="1600200" cy="685800"/>
+          </a:xfrm>
+          <a:prstGeom prst="flowChartAlternateProcess">
+            <a:avLst/>
+          </a:prstGeom>
+          <a:solidFill>
+            <a:schemeClr val="accent6">
+              <a:lumMod val="60000"/>
+              <a:lumOff val="40000"/>
+            </a:schemeClr>
+          </a:solidFill>
+        </p:spPr>
+        <p:style>
+          <a:lnRef idx="2">
+            <a:schemeClr val="accent1">
+              <a:shade val="50000"/>
+            </a:schemeClr>
+          </a:lnRef>
+          <a:fillRef idx="1">
+            <a:schemeClr val="accent1"/>
+          </a:fillRef>
+          <a:effectRef idx="0">
+            <a:schemeClr val="accent1"/>
+          </a:effectRef>
+          <a:fontRef idx="minor">
+            <a:schemeClr val="lt1"/>
+          </a:fontRef>
+        </p:style>
+        <p:txBody>
+          <a:bodyPr rtlCol="0" anchor="ctr"/>
+          <a:lstStyle/>
+          <a:p>
+            <a:pPr algn="ctr"/>
+            <a:r>
+              <a:rPr lang="en-US" b="1" dirty="0" err="1" smtClean="0">
+                <a:solidFill>
+                  <a:schemeClr val="tx1"/>
+                </a:solidFill>
+                <a:latin typeface="Times New Roman" pitchFamily="18" charset="0"/>
+                <a:cs typeface="Times New Roman" pitchFamily="18" charset="0"/>
+              </a:rPr>
+              <a:t>Rút</a:t>
+            </a:r>
+            <a:r>
+              <a:rPr lang="en-US" b="1" dirty="0" smtClean="0">
+                <a:solidFill>
+                  <a:schemeClr val="tx1"/>
+                </a:solidFill>
+                <a:latin typeface="Times New Roman" pitchFamily="18" charset="0"/>
+                <a:cs typeface="Times New Roman" pitchFamily="18" charset="0"/>
+              </a:rPr>
+              <a:t> </a:t>
+            </a:r>
+            <a:r>
+              <a:rPr lang="en-US" b="1" dirty="0" err="1" smtClean="0">
+                <a:solidFill>
+                  <a:schemeClr val="tx1"/>
+                </a:solidFill>
+                <a:latin typeface="Times New Roman" pitchFamily="18" charset="0"/>
+                <a:cs typeface="Times New Roman" pitchFamily="18" charset="0"/>
+              </a:rPr>
+              <a:t>đặc</a:t>
+            </a:r>
+            <a:r>
+              <a:rPr lang="en-US" b="1" dirty="0" smtClean="0">
+                <a:solidFill>
+                  <a:schemeClr val="tx1"/>
+                </a:solidFill>
+                <a:latin typeface="Times New Roman" pitchFamily="18" charset="0"/>
+                <a:cs typeface="Times New Roman" pitchFamily="18" charset="0"/>
+              </a:rPr>
+              <a:t> </a:t>
+            </a:r>
+            <a:r>
+              <a:rPr lang="en-US" b="1" dirty="0" err="1" smtClean="0">
+                <a:solidFill>
+                  <a:schemeClr val="tx1"/>
+                </a:solidFill>
+                <a:latin typeface="Times New Roman" pitchFamily="18" charset="0"/>
+                <a:cs typeface="Times New Roman" pitchFamily="18" charset="0"/>
+              </a:rPr>
+              <a:t>Trưng</a:t>
+            </a:r>
+            <a:r>
+              <a:rPr lang="en-US" b="1" dirty="0" smtClean="0">
+                <a:solidFill>
+                  <a:schemeClr val="tx1"/>
+                </a:solidFill>
+                <a:latin typeface="Times New Roman" pitchFamily="18" charset="0"/>
+                <a:cs typeface="Times New Roman" pitchFamily="18" charset="0"/>
+              </a:rPr>
+              <a:t> </a:t>
+            </a:r>
+            <a:endParaRPr lang="en-US" b="1" dirty="0">
+              <a:solidFill>
+                <a:schemeClr val="tx1"/>
+              </a:solidFill>
+              <a:latin typeface="Times New Roman" pitchFamily="18" charset="0"/>
+              <a:cs typeface="Times New Roman" pitchFamily="18" charset="0"/>
+            </a:endParaRPr>
+          </a:p>
+        </p:txBody>
+      </p:sp>
+      <p:sp>
+        <p:nvSpPr>
+          <p:cNvPr id="12" name="Flowchart: Multidocument 11"/>
+          <p:cNvSpPr/>
+          <p:nvPr/>
+        </p:nvSpPr>
+        <p:spPr>
+          <a:xfrm>
+            <a:off x="762000" y="914400"/>
+            <a:ext cx="990600" cy="990600"/>
+          </a:xfrm>
+          <a:prstGeom prst="flowChartMultidocument">
+            <a:avLst/>
+          </a:prstGeom>
+          <a:noFill/>
+        </p:spPr>
+        <p:style>
+          <a:lnRef idx="2">
+            <a:schemeClr val="accent1">
+              <a:shade val="50000"/>
+            </a:schemeClr>
+          </a:lnRef>
+          <a:fillRef idx="1">
+            <a:schemeClr val="accent1"/>
+          </a:fillRef>
+          <a:effectRef idx="0">
+            <a:schemeClr val="accent1"/>
+          </a:effectRef>
+          <a:fontRef idx="minor">
+            <a:schemeClr val="lt1"/>
+          </a:fontRef>
+        </p:style>
+        <p:txBody>
+          <a:bodyPr rtlCol="0" anchor="ctr"/>
+          <a:lstStyle/>
+          <a:p>
+            <a:pPr algn="ctr"/>
+            <a:r>
+              <a:rPr lang="en-US" sz="1300" b="1" dirty="0" smtClean="0">
+                <a:solidFill>
+                  <a:schemeClr val="tx1"/>
+                </a:solidFill>
+                <a:latin typeface="Times New Roman" pitchFamily="18" charset="0"/>
+                <a:cs typeface="Times New Roman" pitchFamily="18" charset="0"/>
+              </a:rPr>
+              <a:t>Title</a:t>
+            </a:r>
+          </a:p>
+          <a:p>
+            <a:pPr algn="ctr"/>
+            <a:r>
+              <a:rPr lang="en-US" sz="1300" b="1" dirty="0" err="1" smtClean="0">
+                <a:solidFill>
+                  <a:schemeClr val="tx1"/>
+                </a:solidFill>
+                <a:latin typeface="Times New Roman" pitchFamily="18" charset="0"/>
+                <a:cs typeface="Times New Roman" pitchFamily="18" charset="0"/>
+              </a:rPr>
+              <a:t>Abtract</a:t>
+            </a:r>
             <a:endParaRPr lang="en-US" sz="1300" b="1" dirty="0">
               <a:solidFill>
                 <a:schemeClr val="tx1"/>
@@ -7792,127 +8351,19 @@
       </p:sp>
       <p:sp>
         <p:nvSpPr>
-          <p:cNvPr id="33" name="Rectangle 32"/>
+          <p:cNvPr id="13" name="Flowchart: Predefined Process 12"/>
           <p:cNvSpPr/>
           <p:nvPr/>
         </p:nvSpPr>
         <p:spPr>
           <a:xfrm>
-            <a:off x="3352800" y="609600"/>
-            <a:ext cx="2090637" cy="292388"/>
-          </a:xfrm>
-          <a:prstGeom prst="rect">
-            <a:avLst/>
-          </a:prstGeom>
-        </p:spPr>
-        <p:txBody>
-          <a:bodyPr wrap="none">
-            <a:spAutoFit/>
-          </a:bodyPr>
-          <a:lstStyle/>
-          <a:p>
-            <a:pPr algn="ctr"/>
-            <a:r>
-              <a:rPr lang="en-US" sz="1300" b="1" dirty="0" err="1" smtClean="0">
-                <a:latin typeface="Times New Roman" pitchFamily="18" charset="0"/>
-                <a:cs typeface="Times New Roman" pitchFamily="18" charset="0"/>
-              </a:rPr>
-              <a:t>Bài</a:t>
-            </a:r>
-            <a:r>
-              <a:rPr lang="en-US" sz="1300" b="1" dirty="0" smtClean="0">
-                <a:latin typeface="Times New Roman" pitchFamily="18" charset="0"/>
-                <a:cs typeface="Times New Roman" pitchFamily="18" charset="0"/>
-              </a:rPr>
-              <a:t> </a:t>
-            </a:r>
-            <a:r>
-              <a:rPr lang="en-US" sz="1300" b="1" dirty="0" err="1" smtClean="0">
-                <a:latin typeface="Times New Roman" pitchFamily="18" charset="0"/>
-                <a:cs typeface="Times New Roman" pitchFamily="18" charset="0"/>
-              </a:rPr>
-              <a:t>báo</a:t>
-            </a:r>
-            <a:r>
-              <a:rPr lang="en-US" sz="1300" b="1" dirty="0" smtClean="0">
-                <a:latin typeface="Times New Roman" pitchFamily="18" charset="0"/>
-                <a:cs typeface="Times New Roman" pitchFamily="18" charset="0"/>
-              </a:rPr>
-              <a:t> </a:t>
-            </a:r>
-            <a:r>
-              <a:rPr lang="en-US" sz="1300" b="1" dirty="0" err="1" smtClean="0">
-                <a:latin typeface="Times New Roman" pitchFamily="18" charset="0"/>
-                <a:cs typeface="Times New Roman" pitchFamily="18" charset="0"/>
-              </a:rPr>
-              <a:t>khoa</a:t>
-            </a:r>
-            <a:r>
-              <a:rPr lang="en-US" sz="1300" b="1" dirty="0" smtClean="0">
-                <a:latin typeface="Times New Roman" pitchFamily="18" charset="0"/>
-                <a:cs typeface="Times New Roman" pitchFamily="18" charset="0"/>
-              </a:rPr>
-              <a:t> </a:t>
-            </a:r>
-            <a:r>
-              <a:rPr lang="en-US" sz="1300" b="1" dirty="0" err="1" smtClean="0">
-                <a:latin typeface="Times New Roman" pitchFamily="18" charset="0"/>
-                <a:cs typeface="Times New Roman" pitchFamily="18" charset="0"/>
-              </a:rPr>
-              <a:t>học</a:t>
-            </a:r>
-            <a:r>
-              <a:rPr lang="en-US" sz="1300" b="1" dirty="0" smtClean="0">
-                <a:latin typeface="Times New Roman" pitchFamily="18" charset="0"/>
-                <a:cs typeface="Times New Roman" pitchFamily="18" charset="0"/>
-              </a:rPr>
-              <a:t> </a:t>
-            </a:r>
-            <a:r>
-              <a:rPr lang="en-US" sz="1300" b="1" dirty="0" err="1" smtClean="0">
-                <a:latin typeface="Times New Roman" pitchFamily="18" charset="0"/>
-                <a:cs typeface="Times New Roman" pitchFamily="18" charset="0"/>
-              </a:rPr>
-              <a:t>máy</a:t>
-            </a:r>
-            <a:r>
-              <a:rPr lang="en-US" sz="1300" b="1" dirty="0" smtClean="0">
-                <a:latin typeface="Times New Roman" pitchFamily="18" charset="0"/>
-                <a:cs typeface="Times New Roman" pitchFamily="18" charset="0"/>
-              </a:rPr>
-              <a:t> </a:t>
-            </a:r>
-            <a:r>
-              <a:rPr lang="en-US" sz="1300" b="1" dirty="0" err="1" smtClean="0">
-                <a:latin typeface="Times New Roman" pitchFamily="18" charset="0"/>
-                <a:cs typeface="Times New Roman" pitchFamily="18" charset="0"/>
-              </a:rPr>
-              <a:t>tính</a:t>
-            </a:r>
-            <a:endParaRPr lang="en-US" sz="1300" b="1" dirty="0" smtClean="0">
-              <a:latin typeface="Times New Roman" pitchFamily="18" charset="0"/>
-              <a:cs typeface="Times New Roman" pitchFamily="18" charset="0"/>
-            </a:endParaRPr>
-          </a:p>
-        </p:txBody>
-      </p:sp>
-      <p:sp>
-        <p:nvSpPr>
-          <p:cNvPr id="35" name="Flowchart: Document 34"/>
-          <p:cNvSpPr/>
-          <p:nvPr/>
-        </p:nvSpPr>
-        <p:spPr>
-          <a:xfrm>
-            <a:off x="3886200" y="1219200"/>
-            <a:ext cx="1219200" cy="1371600"/>
-          </a:xfrm>
-          <a:prstGeom prst="flowChartDocument">
-            <a:avLst/>
-          </a:prstGeom>
-          <a:solidFill>
-            <a:schemeClr val="accent1"/>
-          </a:solidFill>
+            <a:off x="5029200" y="990600"/>
+            <a:ext cx="1524000" cy="914400"/>
+          </a:xfrm>
+          <a:prstGeom prst="flowChartPredefinedProcess">
+            <a:avLst/>
+          </a:prstGeom>
+          <a:noFill/>
         </p:spPr>
         <p:style>
           <a:lnRef idx="2">
@@ -7936,32 +8387,80 @@
           <a:p>
             <a:pPr algn="ctr"/>
             <a:r>
-              <a:rPr lang="en-US" sz="1300" b="1" dirty="0" smtClean="0">
+              <a:rPr lang="en-US" b="1" dirty="0" err="1" smtClean="0">
                 <a:solidFill>
                   <a:schemeClr val="tx1"/>
                 </a:solidFill>
                 <a:latin typeface="Times New Roman" pitchFamily="18" charset="0"/>
                 <a:cs typeface="Times New Roman" pitchFamily="18" charset="0"/>
               </a:rPr>
-              <a:t>Metadata</a:t>
-            </a:r>
-          </a:p>
-        </p:txBody>
-      </p:sp>
-      <p:sp>
-        <p:nvSpPr>
-          <p:cNvPr id="49" name="Right Arrow 48"/>
+              <a:t>Khung</a:t>
+            </a:r>
+            <a:r>
+              <a:rPr lang="en-US" b="1" dirty="0" smtClean="0">
+                <a:solidFill>
+                  <a:schemeClr val="tx1"/>
+                </a:solidFill>
+                <a:latin typeface="Times New Roman" pitchFamily="18" charset="0"/>
+                <a:cs typeface="Times New Roman" pitchFamily="18" charset="0"/>
+              </a:rPr>
+              <a:t> </a:t>
+            </a:r>
+            <a:r>
+              <a:rPr lang="en-US" b="1" dirty="0" err="1" smtClean="0">
+                <a:solidFill>
+                  <a:schemeClr val="tx1"/>
+                </a:solidFill>
+                <a:latin typeface="Times New Roman" pitchFamily="18" charset="0"/>
+                <a:cs typeface="Times New Roman" pitchFamily="18" charset="0"/>
+              </a:rPr>
+              <a:t>phân</a:t>
+            </a:r>
+            <a:r>
+              <a:rPr lang="en-US" b="1" dirty="0" smtClean="0">
+                <a:solidFill>
+                  <a:schemeClr val="tx1"/>
+                </a:solidFill>
+                <a:latin typeface="Times New Roman" pitchFamily="18" charset="0"/>
+                <a:cs typeface="Times New Roman" pitchFamily="18" charset="0"/>
+              </a:rPr>
+              <a:t> </a:t>
+            </a:r>
+            <a:r>
+              <a:rPr lang="en-US" b="1" dirty="0" err="1" smtClean="0">
+                <a:solidFill>
+                  <a:schemeClr val="tx1"/>
+                </a:solidFill>
+                <a:latin typeface="Times New Roman" pitchFamily="18" charset="0"/>
+                <a:cs typeface="Times New Roman" pitchFamily="18" charset="0"/>
+              </a:rPr>
+              <a:t>loại</a:t>
+            </a:r>
+            <a:endParaRPr lang="en-US" b="1" dirty="0">
+              <a:solidFill>
+                <a:schemeClr val="tx1"/>
+              </a:solidFill>
+              <a:latin typeface="Times New Roman" pitchFamily="18" charset="0"/>
+              <a:cs typeface="Times New Roman" pitchFamily="18" charset="0"/>
+            </a:endParaRPr>
+          </a:p>
+        </p:txBody>
+      </p:sp>
+      <p:sp>
+        <p:nvSpPr>
+          <p:cNvPr id="14" name="Rectangle 13"/>
           <p:cNvSpPr/>
           <p:nvPr/>
         </p:nvSpPr>
         <p:spPr>
           <a:xfrm>
-            <a:off x="2209800" y="1981200"/>
-            <a:ext cx="1447800" cy="152400"/>
-          </a:xfrm>
-          <a:prstGeom prst="rightArrow">
-            <a:avLst/>
-          </a:prstGeom>
+            <a:off x="4800600" y="381000"/>
+            <a:ext cx="3733800" cy="1981200"/>
+          </a:xfrm>
+          <a:prstGeom prst="rect">
+            <a:avLst/>
+          </a:prstGeom>
+          <a:noFill/>
         </p:spPr>
         <p:style>
           <a:lnRef idx="2">
@@ -7984,801 +8483,33 @@
           <a:lstStyle/>
           <a:p>
             <a:pPr algn="ctr"/>
-            <a:endParaRPr lang="en-US"/>
-          </a:p>
-        </p:txBody>
-      </p:sp>
-      <p:sp>
-        <p:nvSpPr>
-          <p:cNvPr id="53" name="TextBox 52"/>
-          <p:cNvSpPr txBox="1"/>
-          <p:nvPr/>
-        </p:nvSpPr>
-        <p:spPr>
-          <a:xfrm>
-            <a:off x="2286000" y="1676400"/>
-            <a:ext cx="1752600" cy="307777"/>
-          </a:xfrm>
-          <a:prstGeom prst="rect">
-            <a:avLst/>
-          </a:prstGeom>
-          <a:noFill/>
-        </p:spPr>
-        <p:txBody>
-          <a:bodyPr wrap="square" rtlCol="0">
-            <a:spAutoFit/>
-          </a:bodyPr>
-          <a:lstStyle/>
-          <a:p>
-            <a:r>
-              <a:rPr lang="en-US" sz="1400" dirty="0" err="1" smtClean="0"/>
-              <a:t>Lấy</a:t>
-            </a:r>
-            <a:r>
-              <a:rPr lang="en-US" sz="1400" dirty="0" smtClean="0"/>
-              <a:t> </a:t>
-            </a:r>
-            <a:r>
-              <a:rPr lang="en-US" sz="1400" dirty="0" err="1" smtClean="0"/>
-              <a:t>thông</a:t>
-            </a:r>
-            <a:r>
-              <a:rPr lang="en-US" sz="1400" dirty="0" smtClean="0"/>
-              <a:t> Tin</a:t>
-            </a:r>
-            <a:endParaRPr lang="en-US" sz="1400" dirty="0"/>
-          </a:p>
-        </p:txBody>
-      </p:sp>
-      <p:sp>
-        <p:nvSpPr>
-          <p:cNvPr id="54" name="TextBox 53"/>
-          <p:cNvSpPr txBox="1"/>
-          <p:nvPr/>
-        </p:nvSpPr>
-        <p:spPr>
-          <a:xfrm>
-            <a:off x="2590800" y="6248400"/>
-            <a:ext cx="5019387" cy="369332"/>
-          </a:xfrm>
-          <a:prstGeom prst="rect">
-            <a:avLst/>
-          </a:prstGeom>
-          <a:noFill/>
-        </p:spPr>
-        <p:txBody>
-          <a:bodyPr wrap="none" rtlCol="0">
-            <a:spAutoFit/>
-          </a:bodyPr>
-          <a:lstStyle/>
-          <a:p>
-            <a:r>
-              <a:rPr lang="en-US" b="1" dirty="0" smtClean="0">
-                <a:latin typeface="Times New Roman" pitchFamily="18" charset="0"/>
-                <a:cs typeface="Times New Roman" pitchFamily="18" charset="0"/>
-              </a:rPr>
-              <a:t>(3) Module Import </a:t>
-            </a:r>
-            <a:r>
-              <a:rPr lang="en-US" b="1" dirty="0" err="1" smtClean="0">
-                <a:latin typeface="Times New Roman" pitchFamily="18" charset="0"/>
-                <a:cs typeface="Times New Roman" pitchFamily="18" charset="0"/>
-              </a:rPr>
-              <a:t>dữ</a:t>
-            </a:r>
-            <a:r>
-              <a:rPr lang="en-US" b="1" dirty="0" smtClean="0">
-                <a:latin typeface="Times New Roman" pitchFamily="18" charset="0"/>
-                <a:cs typeface="Times New Roman" pitchFamily="18" charset="0"/>
-              </a:rPr>
-              <a:t> </a:t>
-            </a:r>
-            <a:r>
-              <a:rPr lang="en-US" b="1" dirty="0" err="1" smtClean="0">
-                <a:latin typeface="Times New Roman" pitchFamily="18" charset="0"/>
-                <a:cs typeface="Times New Roman" pitchFamily="18" charset="0"/>
-              </a:rPr>
-              <a:t>liệu</a:t>
-            </a:r>
-            <a:r>
-              <a:rPr lang="en-US" b="1" dirty="0" smtClean="0">
-                <a:latin typeface="Times New Roman" pitchFamily="18" charset="0"/>
-                <a:cs typeface="Times New Roman" pitchFamily="18" charset="0"/>
-              </a:rPr>
-              <a:t> </a:t>
-            </a:r>
-            <a:r>
-              <a:rPr lang="en-US" b="1" dirty="0" err="1" smtClean="0">
-                <a:latin typeface="Times New Roman" pitchFamily="18" charset="0"/>
-                <a:cs typeface="Times New Roman" pitchFamily="18" charset="0"/>
-              </a:rPr>
-              <a:t>từ</a:t>
-            </a:r>
-            <a:r>
-              <a:rPr lang="en-US" b="1" dirty="0" smtClean="0">
-                <a:latin typeface="Times New Roman" pitchFamily="18" charset="0"/>
-                <a:cs typeface="Times New Roman" pitchFamily="18" charset="0"/>
-              </a:rPr>
-              <a:t> DBLP </a:t>
-            </a:r>
-            <a:r>
-              <a:rPr lang="en-US" b="1" dirty="0" err="1" smtClean="0">
-                <a:latin typeface="Times New Roman" pitchFamily="18" charset="0"/>
-                <a:cs typeface="Times New Roman" pitchFamily="18" charset="0"/>
-              </a:rPr>
-              <a:t>vào</a:t>
-            </a:r>
-            <a:r>
-              <a:rPr lang="en-US" b="1" dirty="0" smtClean="0">
-                <a:latin typeface="Times New Roman" pitchFamily="18" charset="0"/>
-                <a:cs typeface="Times New Roman" pitchFamily="18" charset="0"/>
-              </a:rPr>
-              <a:t> </a:t>
-            </a:r>
-            <a:r>
-              <a:rPr lang="en-US" b="1" dirty="0" err="1" smtClean="0">
-                <a:latin typeface="Times New Roman" pitchFamily="18" charset="0"/>
-                <a:cs typeface="Times New Roman" pitchFamily="18" charset="0"/>
-              </a:rPr>
-              <a:t>hệ</a:t>
-            </a:r>
-            <a:r>
-              <a:rPr lang="en-US" b="1" dirty="0" smtClean="0">
-                <a:latin typeface="Times New Roman" pitchFamily="18" charset="0"/>
-                <a:cs typeface="Times New Roman" pitchFamily="18" charset="0"/>
-              </a:rPr>
-              <a:t> </a:t>
-            </a:r>
-            <a:r>
-              <a:rPr lang="en-US" b="1" dirty="0" err="1" smtClean="0">
-                <a:latin typeface="Times New Roman" pitchFamily="18" charset="0"/>
-                <a:cs typeface="Times New Roman" pitchFamily="18" charset="0"/>
-              </a:rPr>
-              <a:t>thống</a:t>
-            </a:r>
-            <a:endParaRPr lang="en-US" b="1" dirty="0">
+            <a:endParaRPr lang="en-US" b="1">
               <a:latin typeface="Times New Roman" pitchFamily="18" charset="0"/>
               <a:cs typeface="Times New Roman" pitchFamily="18" charset="0"/>
             </a:endParaRPr>
           </a:p>
         </p:txBody>
       </p:sp>
-      <p:sp>
-        <p:nvSpPr>
-          <p:cNvPr id="16" name="Flowchart: Magnetic Disk 15"/>
-          <p:cNvSpPr/>
-          <p:nvPr/>
-        </p:nvSpPr>
-        <p:spPr>
-          <a:xfrm>
-            <a:off x="7391400" y="3733800"/>
-            <a:ext cx="1219200" cy="1219200"/>
-          </a:xfrm>
-          <a:prstGeom prst="flowChartMagneticDisk">
-            <a:avLst/>
-          </a:prstGeom>
-          <a:solidFill>
-            <a:schemeClr val="accent2"/>
-          </a:solidFill>
-        </p:spPr>
-        <p:style>
-          <a:lnRef idx="2">
-            <a:schemeClr val="accent1">
-              <a:shade val="50000"/>
-            </a:schemeClr>
-          </a:lnRef>
-          <a:fillRef idx="1">
-            <a:schemeClr val="accent1"/>
-          </a:fillRef>
-          <a:effectRef idx="0">
-            <a:schemeClr val="accent1"/>
-          </a:effectRef>
-          <a:fontRef idx="minor">
-            <a:schemeClr val="lt1"/>
-          </a:fontRef>
-        </p:style>
-        <p:txBody>
-          <a:bodyPr rtlCol="0" anchor="ctr"/>
-          <a:lstStyle/>
-          <a:p>
-            <a:pPr algn="ctr"/>
-            <a:r>
-              <a:rPr lang="en-US" sz="1400" b="1" dirty="0" smtClean="0">
-                <a:latin typeface="Times New Roman" pitchFamily="18" charset="0"/>
-                <a:cs typeface="Times New Roman" pitchFamily="18" charset="0"/>
-              </a:rPr>
-              <a:t>CSDL</a:t>
-            </a:r>
-          </a:p>
-          <a:p>
-            <a:pPr algn="ctr"/>
-            <a:r>
-              <a:rPr lang="en-US" sz="1400" b="1" dirty="0" smtClean="0">
-                <a:latin typeface="Times New Roman" pitchFamily="18" charset="0"/>
-                <a:cs typeface="Times New Roman" pitchFamily="18" charset="0"/>
-              </a:rPr>
-              <a:t> </a:t>
-            </a:r>
-            <a:r>
-              <a:rPr lang="en-US" sz="1400" b="1" dirty="0" err="1" smtClean="0">
-                <a:latin typeface="Times New Roman" pitchFamily="18" charset="0"/>
-                <a:cs typeface="Times New Roman" pitchFamily="18" charset="0"/>
-              </a:rPr>
-              <a:t>Chỉ</a:t>
-            </a:r>
-            <a:r>
-              <a:rPr lang="en-US" sz="1400" b="1" dirty="0" smtClean="0">
-                <a:latin typeface="Times New Roman" pitchFamily="18" charset="0"/>
-                <a:cs typeface="Times New Roman" pitchFamily="18" charset="0"/>
-              </a:rPr>
-              <a:t> </a:t>
-            </a:r>
-            <a:r>
-              <a:rPr lang="en-US" sz="1400" b="1" dirty="0" err="1" smtClean="0">
-                <a:latin typeface="Times New Roman" pitchFamily="18" charset="0"/>
-                <a:cs typeface="Times New Roman" pitchFamily="18" charset="0"/>
-              </a:rPr>
-              <a:t>mục</a:t>
-            </a:r>
-            <a:endParaRPr lang="en-US" sz="1400" b="1" dirty="0" smtClean="0">
-              <a:latin typeface="Times New Roman" pitchFamily="18" charset="0"/>
-              <a:cs typeface="Times New Roman" pitchFamily="18" charset="0"/>
-            </a:endParaRPr>
-          </a:p>
-          <a:p>
-            <a:pPr algn="ctr"/>
-            <a:r>
-              <a:rPr lang="en-US" sz="1400" b="1" dirty="0" err="1" smtClean="0">
-                <a:latin typeface="Times New Roman" pitchFamily="18" charset="0"/>
-                <a:cs typeface="Times New Roman" pitchFamily="18" charset="0"/>
-              </a:rPr>
-              <a:t>Bài</a:t>
-            </a:r>
-            <a:r>
-              <a:rPr lang="en-US" sz="1400" b="1" dirty="0" smtClean="0">
-                <a:latin typeface="Times New Roman" pitchFamily="18" charset="0"/>
-                <a:cs typeface="Times New Roman" pitchFamily="18" charset="0"/>
-              </a:rPr>
-              <a:t> </a:t>
-            </a:r>
-            <a:r>
-              <a:rPr lang="en-US" sz="1400" b="1" dirty="0" err="1" smtClean="0">
-                <a:latin typeface="Times New Roman" pitchFamily="18" charset="0"/>
-                <a:cs typeface="Times New Roman" pitchFamily="18" charset="0"/>
-              </a:rPr>
-              <a:t>báo</a:t>
-            </a:r>
-            <a:endParaRPr lang="en-US" sz="1400" b="1" dirty="0">
-              <a:latin typeface="Times New Roman" pitchFamily="18" charset="0"/>
-              <a:cs typeface="Times New Roman" pitchFamily="18" charset="0"/>
-            </a:endParaRPr>
-          </a:p>
-        </p:txBody>
-      </p:sp>
-      <p:sp>
-        <p:nvSpPr>
-          <p:cNvPr id="17" name="TextBox 16"/>
-          <p:cNvSpPr txBox="1"/>
-          <p:nvPr/>
-        </p:nvSpPr>
-        <p:spPr>
-          <a:xfrm rot="16200000">
-            <a:off x="4909066" y="2710934"/>
-            <a:ext cx="3048000" cy="369332"/>
-          </a:xfrm>
-          <a:prstGeom prst="rect">
-            <a:avLst/>
-          </a:prstGeom>
-          <a:noFill/>
-        </p:spPr>
-        <p:txBody>
-          <a:bodyPr wrap="square" rtlCol="0">
-            <a:spAutoFit/>
-          </a:bodyPr>
-          <a:lstStyle/>
-          <a:p>
-            <a:r>
-              <a:rPr lang="en-US" b="1" dirty="0" err="1" smtClean="0">
-                <a:latin typeface="Times New Roman" pitchFamily="18" charset="0"/>
-                <a:cs typeface="Times New Roman" pitchFamily="18" charset="0"/>
-              </a:rPr>
-              <a:t>Thông</a:t>
-            </a:r>
-            <a:r>
-              <a:rPr lang="en-US" b="1" dirty="0" smtClean="0">
-                <a:latin typeface="Times New Roman" pitchFamily="18" charset="0"/>
-                <a:cs typeface="Times New Roman" pitchFamily="18" charset="0"/>
-              </a:rPr>
-              <a:t> tin </a:t>
-            </a:r>
-            <a:r>
-              <a:rPr lang="en-US" b="1" dirty="0" err="1" smtClean="0">
-                <a:latin typeface="Times New Roman" pitchFamily="18" charset="0"/>
-                <a:cs typeface="Times New Roman" pitchFamily="18" charset="0"/>
-              </a:rPr>
-              <a:t>bài</a:t>
-            </a:r>
-            <a:r>
-              <a:rPr lang="en-US" b="1" dirty="0" smtClean="0">
-                <a:latin typeface="Times New Roman" pitchFamily="18" charset="0"/>
-                <a:cs typeface="Times New Roman" pitchFamily="18" charset="0"/>
-              </a:rPr>
-              <a:t> </a:t>
-            </a:r>
-            <a:r>
-              <a:rPr lang="en-US" b="1" dirty="0" err="1" smtClean="0">
-                <a:latin typeface="Times New Roman" pitchFamily="18" charset="0"/>
-                <a:cs typeface="Times New Roman" pitchFamily="18" charset="0"/>
-              </a:rPr>
-              <a:t>báo</a:t>
-            </a:r>
-            <a:r>
-              <a:rPr lang="en-US" b="1" dirty="0" smtClean="0">
-                <a:latin typeface="Times New Roman" pitchFamily="18" charset="0"/>
-                <a:cs typeface="Times New Roman" pitchFamily="18" charset="0"/>
-              </a:rPr>
-              <a:t> </a:t>
-            </a:r>
-            <a:r>
-              <a:rPr lang="en-US" b="1" dirty="0" err="1" smtClean="0">
-                <a:latin typeface="Times New Roman" pitchFamily="18" charset="0"/>
-                <a:cs typeface="Times New Roman" pitchFamily="18" charset="0"/>
-              </a:rPr>
-              <a:t>khoa</a:t>
-            </a:r>
-            <a:r>
-              <a:rPr lang="en-US" b="1" dirty="0" smtClean="0">
-                <a:latin typeface="Times New Roman" pitchFamily="18" charset="0"/>
-                <a:cs typeface="Times New Roman" pitchFamily="18" charset="0"/>
-              </a:rPr>
-              <a:t> </a:t>
-            </a:r>
-            <a:r>
-              <a:rPr lang="en-US" b="1" dirty="0" err="1" smtClean="0">
-                <a:latin typeface="Times New Roman" pitchFamily="18" charset="0"/>
-                <a:cs typeface="Times New Roman" pitchFamily="18" charset="0"/>
-              </a:rPr>
-              <a:t>học</a:t>
-            </a:r>
-            <a:endParaRPr lang="en-US" b="1" dirty="0">
-              <a:latin typeface="Times New Roman" pitchFamily="18" charset="0"/>
-              <a:cs typeface="Times New Roman" pitchFamily="18" charset="0"/>
-            </a:endParaRPr>
-          </a:p>
-        </p:txBody>
-      </p:sp>
-      <p:sp>
-        <p:nvSpPr>
-          <p:cNvPr id="18" name="Flowchart: Alternate Process 17"/>
-          <p:cNvSpPr/>
-          <p:nvPr/>
-        </p:nvSpPr>
-        <p:spPr>
-          <a:xfrm>
-            <a:off x="7391400" y="2514600"/>
-            <a:ext cx="1219200" cy="609600"/>
-          </a:xfrm>
-          <a:prstGeom prst="flowChartAlternateProcess">
-            <a:avLst/>
-          </a:prstGeom>
-        </p:spPr>
-        <p:style>
-          <a:lnRef idx="2">
-            <a:schemeClr val="accent1">
-              <a:shade val="50000"/>
-            </a:schemeClr>
-          </a:lnRef>
-          <a:fillRef idx="1">
-            <a:schemeClr val="accent1"/>
-          </a:fillRef>
-          <a:effectRef idx="0">
-            <a:schemeClr val="accent1"/>
-          </a:effectRef>
-          <a:fontRef idx="minor">
-            <a:schemeClr val="lt1"/>
-          </a:fontRef>
-        </p:style>
-        <p:txBody>
-          <a:bodyPr rtlCol="0" anchor="ctr"/>
-          <a:lstStyle/>
-          <a:p>
-            <a:pPr algn="ctr"/>
-            <a:r>
-              <a:rPr lang="en-US" b="1" dirty="0" err="1" smtClean="0"/>
-              <a:t>Kiểm</a:t>
-            </a:r>
-            <a:r>
-              <a:rPr lang="en-US" b="1" dirty="0" smtClean="0"/>
-              <a:t> </a:t>
-            </a:r>
-            <a:r>
-              <a:rPr lang="en-US" b="1" dirty="0" err="1" smtClean="0"/>
-              <a:t>Tra</a:t>
-            </a:r>
-            <a:endParaRPr lang="en-US" b="1" dirty="0"/>
-          </a:p>
-        </p:txBody>
-      </p:sp>
-      <p:sp>
-        <p:nvSpPr>
-          <p:cNvPr id="19" name="Right Arrow 18"/>
-          <p:cNvSpPr/>
-          <p:nvPr/>
-        </p:nvSpPr>
-        <p:spPr>
-          <a:xfrm>
-            <a:off x="5181600" y="1752600"/>
-            <a:ext cx="1143000" cy="152400"/>
-          </a:xfrm>
-          <a:prstGeom prst="rightArrow">
-            <a:avLst/>
-          </a:prstGeom>
-        </p:spPr>
-        <p:style>
-          <a:lnRef idx="2">
-            <a:schemeClr val="accent1">
-              <a:shade val="50000"/>
-            </a:schemeClr>
-          </a:lnRef>
-          <a:fillRef idx="1">
-            <a:schemeClr val="accent1"/>
-          </a:fillRef>
-          <a:effectRef idx="0">
-            <a:schemeClr val="accent1"/>
-          </a:effectRef>
-          <a:fontRef idx="minor">
-            <a:schemeClr val="lt1"/>
-          </a:fontRef>
-        </p:style>
-        <p:txBody>
-          <a:bodyPr rtlCol="0" anchor="ctr"/>
-          <a:lstStyle/>
-          <a:p>
-            <a:pPr algn="ctr"/>
-            <a:endParaRPr lang="en-US"/>
-          </a:p>
-        </p:txBody>
-      </p:sp>
-      <p:sp>
-        <p:nvSpPr>
-          <p:cNvPr id="20" name="Right Arrow 19"/>
-          <p:cNvSpPr/>
-          <p:nvPr/>
-        </p:nvSpPr>
-        <p:spPr>
-          <a:xfrm>
-            <a:off x="6629400" y="2743200"/>
-            <a:ext cx="762000" cy="228600"/>
-          </a:xfrm>
-          <a:prstGeom prst="rightArrow">
-            <a:avLst/>
-          </a:prstGeom>
-        </p:spPr>
-        <p:style>
-          <a:lnRef idx="2">
-            <a:schemeClr val="accent1">
-              <a:shade val="50000"/>
-            </a:schemeClr>
-          </a:lnRef>
-          <a:fillRef idx="1">
-            <a:schemeClr val="accent1"/>
-          </a:fillRef>
-          <a:effectRef idx="0">
-            <a:schemeClr val="accent1"/>
-          </a:effectRef>
-          <a:fontRef idx="minor">
-            <a:schemeClr val="lt1"/>
-          </a:fontRef>
-        </p:style>
-        <p:txBody>
-          <a:bodyPr rtlCol="0" anchor="ctr"/>
-          <a:lstStyle/>
-          <a:p>
-            <a:pPr algn="ctr"/>
-            <a:endParaRPr lang="en-US"/>
-          </a:p>
-        </p:txBody>
-      </p:sp>
-      <p:sp>
-        <p:nvSpPr>
-          <p:cNvPr id="22" name="Right Arrow 21"/>
-          <p:cNvSpPr/>
-          <p:nvPr/>
-        </p:nvSpPr>
-        <p:spPr>
-          <a:xfrm rot="5400000">
-            <a:off x="7696200" y="3276600"/>
-            <a:ext cx="533400" cy="228600"/>
-          </a:xfrm>
-          <a:prstGeom prst="rightArrow">
-            <a:avLst/>
-          </a:prstGeom>
-        </p:spPr>
-        <p:style>
-          <a:lnRef idx="2">
-            <a:schemeClr val="accent1">
-              <a:shade val="50000"/>
-            </a:schemeClr>
-          </a:lnRef>
-          <a:fillRef idx="1">
-            <a:schemeClr val="accent1"/>
-          </a:fillRef>
-          <a:effectRef idx="0">
-            <a:schemeClr val="accent1"/>
-          </a:effectRef>
-          <a:fontRef idx="minor">
-            <a:schemeClr val="lt1"/>
-          </a:fontRef>
-        </p:style>
-        <p:txBody>
-          <a:bodyPr rtlCol="0" anchor="ctr"/>
-          <a:lstStyle/>
-          <a:p>
-            <a:pPr algn="ctr"/>
-            <a:endParaRPr lang="en-US"/>
-          </a:p>
-        </p:txBody>
-      </p:sp>
-      <p:sp>
-        <p:nvSpPr>
-          <p:cNvPr id="23" name="TextBox 22"/>
-          <p:cNvSpPr txBox="1"/>
-          <p:nvPr/>
-        </p:nvSpPr>
-        <p:spPr>
-          <a:xfrm>
-            <a:off x="5181600" y="1371600"/>
-            <a:ext cx="1600200" cy="292388"/>
-          </a:xfrm>
-          <a:prstGeom prst="rect">
-            <a:avLst/>
-          </a:prstGeom>
-          <a:noFill/>
-        </p:spPr>
-        <p:txBody>
-          <a:bodyPr wrap="square" rtlCol="0">
-            <a:spAutoFit/>
-          </a:bodyPr>
-          <a:lstStyle/>
-          <a:p>
-            <a:r>
-              <a:rPr lang="en-US" sz="1300" dirty="0" smtClean="0">
-                <a:latin typeface="Times New Roman" pitchFamily="18" charset="0"/>
-                <a:cs typeface="Times New Roman" pitchFamily="18" charset="0"/>
-              </a:rPr>
-              <a:t>Metadata</a:t>
-            </a:r>
-            <a:endParaRPr lang="en-US" sz="1300" dirty="0">
-              <a:latin typeface="Times New Roman" pitchFamily="18" charset="0"/>
-              <a:cs typeface="Times New Roman" pitchFamily="18" charset="0"/>
-            </a:endParaRPr>
-          </a:p>
-        </p:txBody>
-      </p:sp>
-      <p:sp>
-        <p:nvSpPr>
-          <p:cNvPr id="24" name="Right Arrow 23"/>
-          <p:cNvSpPr/>
-          <p:nvPr/>
-        </p:nvSpPr>
-        <p:spPr>
-          <a:xfrm>
-            <a:off x="5257800" y="4038600"/>
-            <a:ext cx="838200" cy="152400"/>
-          </a:xfrm>
-          <a:prstGeom prst="rightArrow">
-            <a:avLst/>
-          </a:prstGeom>
-        </p:spPr>
-        <p:style>
-          <a:lnRef idx="2">
-            <a:schemeClr val="accent1">
-              <a:shade val="50000"/>
-            </a:schemeClr>
-          </a:lnRef>
-          <a:fillRef idx="1">
-            <a:schemeClr val="accent1"/>
-          </a:fillRef>
-          <a:effectRef idx="0">
-            <a:schemeClr val="accent1"/>
-          </a:effectRef>
-          <a:fontRef idx="minor">
-            <a:schemeClr val="lt1"/>
-          </a:fontRef>
-        </p:style>
-        <p:txBody>
-          <a:bodyPr rtlCol="0" anchor="ctr"/>
-          <a:lstStyle/>
-          <a:p>
-            <a:pPr algn="ctr"/>
-            <a:endParaRPr lang="en-US"/>
-          </a:p>
-        </p:txBody>
-      </p:sp>
-      <p:sp>
-        <p:nvSpPr>
-          <p:cNvPr id="25" name="Right Arrow 24"/>
-          <p:cNvSpPr/>
-          <p:nvPr/>
-        </p:nvSpPr>
-        <p:spPr>
-          <a:xfrm rot="5400000">
-            <a:off x="3924300" y="3009900"/>
-            <a:ext cx="838200" cy="152400"/>
-          </a:xfrm>
-          <a:prstGeom prst="rightArrow">
-            <a:avLst/>
-          </a:prstGeom>
-        </p:spPr>
-        <p:style>
-          <a:lnRef idx="2">
-            <a:schemeClr val="accent1">
-              <a:shade val="50000"/>
-            </a:schemeClr>
-          </a:lnRef>
-          <a:fillRef idx="1">
-            <a:schemeClr val="accent1"/>
-          </a:fillRef>
-          <a:effectRef idx="0">
-            <a:schemeClr val="accent1"/>
-          </a:effectRef>
-          <a:fontRef idx="minor">
-            <a:schemeClr val="lt1"/>
-          </a:fontRef>
-        </p:style>
-        <p:txBody>
-          <a:bodyPr rtlCol="0" anchor="ctr"/>
-          <a:lstStyle/>
-          <a:p>
-            <a:pPr algn="ctr"/>
-            <a:endParaRPr lang="en-US"/>
-          </a:p>
-        </p:txBody>
-      </p:sp>
-      <p:sp>
-        <p:nvSpPr>
-          <p:cNvPr id="26" name="Rectangle 25"/>
-          <p:cNvSpPr/>
-          <p:nvPr/>
-        </p:nvSpPr>
-        <p:spPr>
-          <a:xfrm>
-            <a:off x="3657600" y="3581400"/>
-            <a:ext cx="1371600" cy="838200"/>
-          </a:xfrm>
-          <a:prstGeom prst="rect">
-            <a:avLst/>
-          </a:prstGeom>
-          <a:noFill/>
-        </p:spPr>
-        <p:style>
-          <a:lnRef idx="2">
-            <a:schemeClr val="accent1">
-              <a:shade val="50000"/>
-            </a:schemeClr>
-          </a:lnRef>
-          <a:fillRef idx="1">
-            <a:schemeClr val="accent1"/>
-          </a:fillRef>
-          <a:effectRef idx="0">
-            <a:schemeClr val="accent1"/>
-          </a:effectRef>
-          <a:fontRef idx="minor">
-            <a:schemeClr val="lt1"/>
-          </a:fontRef>
-        </p:style>
-        <p:txBody>
-          <a:bodyPr rtlCol="0" anchor="ctr"/>
-          <a:lstStyle/>
-          <a:p>
-            <a:pPr algn="ctr"/>
-            <a:r>
-              <a:rPr lang="en-US" sz="1300" b="1" dirty="0" smtClean="0">
-                <a:solidFill>
-                  <a:schemeClr val="tx1"/>
-                </a:solidFill>
-                <a:latin typeface="Times New Roman" pitchFamily="18" charset="0"/>
-                <a:cs typeface="Times New Roman" pitchFamily="18" charset="0"/>
-              </a:rPr>
-              <a:t>Module </a:t>
-            </a:r>
-          </a:p>
-          <a:p>
-            <a:pPr algn="ctr"/>
-            <a:r>
-              <a:rPr lang="en-US" sz="1300" b="1" dirty="0" err="1" smtClean="0">
-                <a:solidFill>
-                  <a:schemeClr val="tx1"/>
-                </a:solidFill>
-                <a:latin typeface="Times New Roman" pitchFamily="18" charset="0"/>
-                <a:cs typeface="Times New Roman" pitchFamily="18" charset="0"/>
-              </a:rPr>
-              <a:t>Phân</a:t>
-            </a:r>
-            <a:r>
-              <a:rPr lang="en-US" sz="1300" b="1" dirty="0" smtClean="0">
-                <a:solidFill>
-                  <a:schemeClr val="tx1"/>
-                </a:solidFill>
-                <a:latin typeface="Times New Roman" pitchFamily="18" charset="0"/>
-                <a:cs typeface="Times New Roman" pitchFamily="18" charset="0"/>
-              </a:rPr>
-              <a:t> </a:t>
-            </a:r>
-            <a:r>
-              <a:rPr lang="en-US" sz="1300" b="1" dirty="0" err="1" smtClean="0">
-                <a:solidFill>
-                  <a:schemeClr val="tx1"/>
-                </a:solidFill>
-                <a:latin typeface="Times New Roman" pitchFamily="18" charset="0"/>
-                <a:cs typeface="Times New Roman" pitchFamily="18" charset="0"/>
-              </a:rPr>
-              <a:t>lớp</a:t>
-            </a:r>
-            <a:endParaRPr lang="en-US" sz="1300" b="1" dirty="0" smtClean="0">
-              <a:solidFill>
-                <a:schemeClr val="tx1"/>
-              </a:solidFill>
-              <a:latin typeface="Times New Roman" pitchFamily="18" charset="0"/>
-              <a:cs typeface="Times New Roman" pitchFamily="18" charset="0"/>
-            </a:endParaRPr>
-          </a:p>
-          <a:p>
-            <a:pPr algn="ctr"/>
-            <a:endParaRPr lang="en-US" sz="1300" dirty="0"/>
-          </a:p>
-        </p:txBody>
-      </p:sp>
-      <p:sp>
-        <p:nvSpPr>
-          <p:cNvPr id="27" name="TextBox 26"/>
-          <p:cNvSpPr txBox="1"/>
-          <p:nvPr/>
-        </p:nvSpPr>
-        <p:spPr>
-          <a:xfrm>
-            <a:off x="5181600" y="3657600"/>
-            <a:ext cx="1600200" cy="292388"/>
-          </a:xfrm>
-          <a:prstGeom prst="rect">
-            <a:avLst/>
-          </a:prstGeom>
-          <a:noFill/>
-        </p:spPr>
-        <p:txBody>
-          <a:bodyPr wrap="square" rtlCol="0">
-            <a:spAutoFit/>
-          </a:bodyPr>
-          <a:lstStyle/>
-          <a:p>
-            <a:r>
-              <a:rPr lang="en-US" sz="1300" dirty="0" smtClean="0">
-                <a:latin typeface="Times New Roman" pitchFamily="18" charset="0"/>
-                <a:cs typeface="Times New Roman" pitchFamily="18" charset="0"/>
-              </a:rPr>
-              <a:t>Subject</a:t>
-            </a:r>
-            <a:endParaRPr lang="en-US" sz="1300" dirty="0">
-              <a:latin typeface="Times New Roman" pitchFamily="18" charset="0"/>
-              <a:cs typeface="Times New Roman" pitchFamily="18" charset="0"/>
-            </a:endParaRPr>
-          </a:p>
-        </p:txBody>
-      </p:sp>
       <p:cxnSp>
         <p:nvCxnSpPr>
-          <p:cNvPr id="28" name="Straight Connector 27"/>
-          <p:cNvCxnSpPr/>
+          <p:cNvPr id="20" name="Curved Connector 19"/>
+          <p:cNvCxnSpPr>
+            <a:stCxn id="12" idx="2"/>
+            <a:endCxn id="28" idx="1"/>
+          </p:cNvCxnSpPr>
           <p:nvPr/>
         </p:nvCxnSpPr>
         <p:spPr>
-          <a:xfrm rot="5400000">
-            <a:off x="4076700" y="3238500"/>
-            <a:ext cx="4419600" cy="76200"/>
-          </a:xfrm>
-          <a:prstGeom prst="line">
-            <a:avLst/>
-          </a:prstGeom>
+          <a:xfrm rot="16200000" flipH="1">
+            <a:off x="1413651" y="1642251"/>
+            <a:ext cx="1256714" cy="1707183"/>
+          </a:xfrm>
+          <a:prstGeom prst="curvedConnector2">
+            <a:avLst/>
+          </a:prstGeom>
+          <a:ln>
+            <a:tailEnd type="arrow"/>
+          </a:ln>
         </p:spPr>
         <p:style>
           <a:lnRef idx="1">
@@ -8797,18 +8528,25 @@
       </p:cxnSp>
       <p:cxnSp>
         <p:nvCxnSpPr>
-          <p:cNvPr id="29" name="Straight Connector 28"/>
-          <p:cNvCxnSpPr/>
+          <p:cNvPr id="31" name="Curved Connector 30"/>
+          <p:cNvCxnSpPr>
+            <a:endCxn id="28" idx="3"/>
+          </p:cNvCxnSpPr>
           <p:nvPr/>
         </p:nvCxnSpPr>
         <p:spPr>
-          <a:xfrm rot="5400000">
-            <a:off x="4343400" y="3200400"/>
-            <a:ext cx="4419600" cy="152400"/>
-          </a:xfrm>
-          <a:prstGeom prst="line">
-            <a:avLst/>
-          </a:prstGeom>
+          <a:xfrm rot="10800000" flipV="1">
+            <a:off x="4572000" y="2362200"/>
+            <a:ext cx="2209800" cy="762000"/>
+          </a:xfrm>
+          <a:prstGeom prst="curvedConnector3">
+            <a:avLst>
+              <a:gd name="adj1" fmla="val 50000"/>
+            </a:avLst>
+          </a:prstGeom>
+          <a:ln>
+            <a:tailEnd type="arrow"/>
+          </a:ln>
         </p:spPr>
         <p:style>
           <a:lnRef idx="1">
@@ -8827,34 +8565,41 @@
       </p:cxnSp>
       <p:sp>
         <p:nvSpPr>
-          <p:cNvPr id="30" name="TextBox 29"/>
-          <p:cNvSpPr txBox="1"/>
-          <p:nvPr/>
-        </p:nvSpPr>
-        <p:spPr>
-          <a:xfrm rot="16200000">
-            <a:off x="3232294" y="2406506"/>
-            <a:ext cx="1600200" cy="292388"/>
-          </a:xfrm>
-          <a:prstGeom prst="rect">
-            <a:avLst/>
-          </a:prstGeom>
-          <a:noFill/>
-        </p:spPr>
-        <p:txBody>
-          <a:bodyPr wrap="square" rtlCol="0">
-            <a:spAutoFit/>
-          </a:bodyPr>
-          <a:lstStyle/>
-          <a:p>
-            <a:r>
-              <a:rPr lang="en-US" sz="1300" b="1" dirty="0" smtClean="0">
-                <a:latin typeface="Times New Roman" pitchFamily="18" charset="0"/>
-                <a:cs typeface="Times New Roman" pitchFamily="18" charset="0"/>
-              </a:rPr>
-              <a:t>Title</a:t>
-            </a:r>
-            <a:endParaRPr lang="en-US" sz="1300" b="1" dirty="0">
+          <p:cNvPr id="34" name="Down Arrow 33"/>
+          <p:cNvSpPr/>
+          <p:nvPr/>
+        </p:nvSpPr>
+        <p:spPr>
+          <a:xfrm>
+            <a:off x="3505200" y="3429000"/>
+            <a:ext cx="381000" cy="533400"/>
+          </a:xfrm>
+          <a:prstGeom prst="downArrow">
+            <a:avLst/>
+          </a:prstGeom>
+        </p:spPr>
+        <p:style>
+          <a:lnRef idx="2">
+            <a:schemeClr val="accent1">
+              <a:shade val="50000"/>
+            </a:schemeClr>
+          </a:lnRef>
+          <a:fillRef idx="1">
+            <a:schemeClr val="accent1"/>
+          </a:fillRef>
+          <a:effectRef idx="0">
+            <a:schemeClr val="accent1"/>
+          </a:effectRef>
+          <a:fontRef idx="minor">
+            <a:schemeClr val="lt1"/>
+          </a:fontRef>
+        </p:style>
+        <p:txBody>
+          <a:bodyPr rtlCol="0" anchor="ctr"/>
+          <a:lstStyle/>
+          <a:p>
+            <a:pPr algn="ctr"/>
+            <a:endParaRPr lang="en-US" b="1">
               <a:latin typeface="Times New Roman" pitchFamily="18" charset="0"/>
               <a:cs typeface="Times New Roman" pitchFamily="18" charset="0"/>
             </a:endParaRPr>
@@ -8863,39 +8608,356 @@
       </p:sp>
       <p:sp>
         <p:nvSpPr>
-          <p:cNvPr id="1026" name="Rectangle 2"/>
-          <p:cNvSpPr>
-            <a:spLocks noChangeArrowheads="1"/>
-          </p:cNvSpPr>
-          <p:nvPr/>
-        </p:nvSpPr>
-        <p:spPr bwMode="auto">
-          <a:xfrm>
-            <a:off x="0" y="0"/>
-            <a:ext cx="9144000" cy="0"/>
+          <p:cNvPr id="36" name="Right Arrow 35"/>
+          <p:cNvSpPr/>
+          <p:nvPr/>
+        </p:nvSpPr>
+        <p:spPr>
+          <a:xfrm>
+            <a:off x="4495800" y="4267200"/>
+            <a:ext cx="609600" cy="228600"/>
+          </a:xfrm>
+          <a:prstGeom prst="rightArrow">
+            <a:avLst/>
+          </a:prstGeom>
+        </p:spPr>
+        <p:style>
+          <a:lnRef idx="2">
+            <a:schemeClr val="accent1">
+              <a:shade val="50000"/>
+            </a:schemeClr>
+          </a:lnRef>
+          <a:fillRef idx="1">
+            <a:schemeClr val="accent1"/>
+          </a:fillRef>
+          <a:effectRef idx="0">
+            <a:schemeClr val="accent1"/>
+          </a:effectRef>
+          <a:fontRef idx="minor">
+            <a:schemeClr val="lt1"/>
+          </a:fontRef>
+        </p:style>
+        <p:txBody>
+          <a:bodyPr rtlCol="0" anchor="ctr"/>
+          <a:lstStyle/>
+          <a:p>
+            <a:pPr algn="ctr"/>
+            <a:endParaRPr lang="en-US" b="1">
+              <a:latin typeface="Times New Roman" pitchFamily="18" charset="0"/>
+              <a:cs typeface="Times New Roman" pitchFamily="18" charset="0"/>
+            </a:endParaRPr>
+          </a:p>
+        </p:txBody>
+      </p:sp>
+      <p:sp>
+        <p:nvSpPr>
+          <p:cNvPr id="37" name="Rectangle 36"/>
+          <p:cNvSpPr/>
+          <p:nvPr/>
+        </p:nvSpPr>
+        <p:spPr>
+          <a:xfrm>
+            <a:off x="6820927" y="2971800"/>
+            <a:ext cx="2323073" cy="646331"/>
           </a:xfrm>
           <a:prstGeom prst="rect">
             <a:avLst/>
           </a:prstGeom>
-          <a:noFill/>
-          <a:ln w="9525">
-            <a:noFill/>
-            <a:miter lim="800000"/>
-            <a:headEnd/>
-            <a:tailEnd/>
-          </a:ln>
-          <a:effectLst/>
-        </p:spPr>
-        <p:txBody>
-          <a:bodyPr vert="horz" wrap="none" lIns="91440" tIns="45720" rIns="91440" bIns="45720" numCol="1" anchor="ctr" anchorCtr="0" compatLnSpc="1">
-            <a:prstTxWarp prst="textNoShape">
-              <a:avLst/>
-            </a:prstTxWarp>
+        </p:spPr>
+        <p:txBody>
+          <a:bodyPr wrap="none">
             <a:spAutoFit/>
           </a:bodyPr>
           <a:lstStyle/>
           <a:p>
-            <a:endParaRPr lang="en-US"/>
+            <a:pPr algn="ctr"/>
+            <a:r>
+              <a:rPr lang="en-US" b="1" dirty="0" err="1" smtClean="0">
+                <a:latin typeface="Times New Roman" pitchFamily="18" charset="0"/>
+                <a:cs typeface="Times New Roman" pitchFamily="18" charset="0"/>
+              </a:rPr>
+              <a:t>Bài</a:t>
+            </a:r>
+            <a:r>
+              <a:rPr lang="en-US" b="1" dirty="0" smtClean="0">
+                <a:latin typeface="Times New Roman" pitchFamily="18" charset="0"/>
+                <a:cs typeface="Times New Roman" pitchFamily="18" charset="0"/>
+              </a:rPr>
+              <a:t> </a:t>
+            </a:r>
+            <a:r>
+              <a:rPr lang="en-US" b="1" dirty="0" err="1" smtClean="0">
+                <a:latin typeface="Times New Roman" pitchFamily="18" charset="0"/>
+                <a:cs typeface="Times New Roman" pitchFamily="18" charset="0"/>
+              </a:rPr>
+              <a:t>báo</a:t>
+            </a:r>
+            <a:r>
+              <a:rPr lang="en-US" b="1" dirty="0" smtClean="0">
+                <a:latin typeface="Times New Roman" pitchFamily="18" charset="0"/>
+                <a:cs typeface="Times New Roman" pitchFamily="18" charset="0"/>
+              </a:rPr>
+              <a:t> </a:t>
+            </a:r>
+            <a:r>
+              <a:rPr lang="en-US" b="1" dirty="0" err="1" smtClean="0">
+                <a:latin typeface="Times New Roman" pitchFamily="18" charset="0"/>
+                <a:cs typeface="Times New Roman" pitchFamily="18" charset="0"/>
+              </a:rPr>
+              <a:t>khoa</a:t>
+            </a:r>
+            <a:r>
+              <a:rPr lang="en-US" b="1" dirty="0" smtClean="0">
+                <a:latin typeface="Times New Roman" pitchFamily="18" charset="0"/>
+                <a:cs typeface="Times New Roman" pitchFamily="18" charset="0"/>
+              </a:rPr>
+              <a:t> </a:t>
+            </a:r>
+            <a:r>
+              <a:rPr lang="en-US" b="1" dirty="0" err="1" smtClean="0">
+                <a:latin typeface="Times New Roman" pitchFamily="18" charset="0"/>
+                <a:cs typeface="Times New Roman" pitchFamily="18" charset="0"/>
+              </a:rPr>
+              <a:t>học</a:t>
+            </a:r>
+            <a:endParaRPr lang="en-US" b="1" dirty="0" smtClean="0">
+              <a:latin typeface="Times New Roman" pitchFamily="18" charset="0"/>
+              <a:cs typeface="Times New Roman" pitchFamily="18" charset="0"/>
+            </a:endParaRPr>
+          </a:p>
+          <a:p>
+            <a:pPr algn="ctr"/>
+            <a:r>
+              <a:rPr lang="en-US" b="1" dirty="0" err="1" smtClean="0">
+                <a:latin typeface="Times New Roman" pitchFamily="18" charset="0"/>
+                <a:cs typeface="Times New Roman" pitchFamily="18" charset="0"/>
+              </a:rPr>
+              <a:t>Được</a:t>
+            </a:r>
+            <a:r>
+              <a:rPr lang="en-US" b="1" dirty="0" smtClean="0">
+                <a:latin typeface="Times New Roman" pitchFamily="18" charset="0"/>
+                <a:cs typeface="Times New Roman" pitchFamily="18" charset="0"/>
+              </a:rPr>
+              <a:t> </a:t>
+            </a:r>
+            <a:r>
+              <a:rPr lang="en-US" b="1" dirty="0" err="1" smtClean="0">
+                <a:latin typeface="Times New Roman" pitchFamily="18" charset="0"/>
+                <a:cs typeface="Times New Roman" pitchFamily="18" charset="0"/>
+              </a:rPr>
+              <a:t>xác</a:t>
+            </a:r>
+            <a:r>
+              <a:rPr lang="en-US" b="1" dirty="0" smtClean="0">
+                <a:latin typeface="Times New Roman" pitchFamily="18" charset="0"/>
+                <a:cs typeface="Times New Roman" pitchFamily="18" charset="0"/>
+              </a:rPr>
+              <a:t> </a:t>
+            </a:r>
+            <a:r>
+              <a:rPr lang="en-US" b="1" dirty="0" err="1" smtClean="0">
+                <a:latin typeface="Times New Roman" pitchFamily="18" charset="0"/>
+                <a:cs typeface="Times New Roman" pitchFamily="18" charset="0"/>
+              </a:rPr>
+              <a:t>định</a:t>
+            </a:r>
+            <a:r>
+              <a:rPr lang="en-US" b="1" dirty="0" smtClean="0">
+                <a:latin typeface="Times New Roman" pitchFamily="18" charset="0"/>
+                <a:cs typeface="Times New Roman" pitchFamily="18" charset="0"/>
+              </a:rPr>
+              <a:t> </a:t>
+            </a:r>
+            <a:r>
+              <a:rPr lang="en-US" b="1" dirty="0" err="1" smtClean="0">
+                <a:latin typeface="Times New Roman" pitchFamily="18" charset="0"/>
+                <a:cs typeface="Times New Roman" pitchFamily="18" charset="0"/>
+              </a:rPr>
+              <a:t>chủ</a:t>
+            </a:r>
+            <a:r>
+              <a:rPr lang="en-US" b="1" dirty="0" smtClean="0">
+                <a:latin typeface="Times New Roman" pitchFamily="18" charset="0"/>
+                <a:cs typeface="Times New Roman" pitchFamily="18" charset="0"/>
+              </a:rPr>
+              <a:t> </a:t>
+            </a:r>
+            <a:r>
+              <a:rPr lang="en-US" b="1" dirty="0" err="1" smtClean="0">
+                <a:latin typeface="Times New Roman" pitchFamily="18" charset="0"/>
+                <a:cs typeface="Times New Roman" pitchFamily="18" charset="0"/>
+              </a:rPr>
+              <a:t>đề</a:t>
+            </a:r>
+            <a:endParaRPr lang="en-US" b="1" dirty="0" smtClean="0">
+              <a:latin typeface="Times New Roman" pitchFamily="18" charset="0"/>
+              <a:cs typeface="Times New Roman" pitchFamily="18" charset="0"/>
+            </a:endParaRPr>
+          </a:p>
+        </p:txBody>
+      </p:sp>
+      <p:sp>
+        <p:nvSpPr>
+          <p:cNvPr id="38" name="Flowchart: Multidocument 37"/>
+          <p:cNvSpPr/>
+          <p:nvPr/>
+        </p:nvSpPr>
+        <p:spPr>
+          <a:xfrm>
+            <a:off x="7543800" y="3657600"/>
+            <a:ext cx="990600" cy="1600200"/>
+          </a:xfrm>
+          <a:prstGeom prst="flowChartMultidocument">
+            <a:avLst/>
+          </a:prstGeom>
+          <a:noFill/>
+        </p:spPr>
+        <p:style>
+          <a:lnRef idx="2">
+            <a:schemeClr val="accent1">
+              <a:shade val="50000"/>
+            </a:schemeClr>
+          </a:lnRef>
+          <a:fillRef idx="1">
+            <a:schemeClr val="accent1"/>
+          </a:fillRef>
+          <a:effectRef idx="0">
+            <a:schemeClr val="accent1"/>
+          </a:effectRef>
+          <a:fontRef idx="minor">
+            <a:schemeClr val="lt1"/>
+          </a:fontRef>
+        </p:style>
+        <p:txBody>
+          <a:bodyPr rtlCol="0" anchor="ctr"/>
+          <a:lstStyle/>
+          <a:p>
+            <a:pPr algn="ctr"/>
+            <a:r>
+              <a:rPr lang="en-US" sz="1300" b="1" dirty="0" smtClean="0">
+                <a:solidFill>
+                  <a:schemeClr val="tx1"/>
+                </a:solidFill>
+                <a:latin typeface="Times New Roman" pitchFamily="18" charset="0"/>
+                <a:cs typeface="Times New Roman" pitchFamily="18" charset="0"/>
+              </a:rPr>
+              <a:t>Subject</a:t>
+            </a:r>
+            <a:endParaRPr lang="en-US" sz="1300" b="1" dirty="0">
+              <a:solidFill>
+                <a:schemeClr val="tx1"/>
+              </a:solidFill>
+              <a:latin typeface="Times New Roman" pitchFamily="18" charset="0"/>
+              <a:cs typeface="Times New Roman" pitchFamily="18" charset="0"/>
+            </a:endParaRPr>
+          </a:p>
+        </p:txBody>
+      </p:sp>
+      <p:sp>
+        <p:nvSpPr>
+          <p:cNvPr id="39" name="Right Arrow 38"/>
+          <p:cNvSpPr/>
+          <p:nvPr/>
+        </p:nvSpPr>
+        <p:spPr>
+          <a:xfrm>
+            <a:off x="6629400" y="4191000"/>
+            <a:ext cx="838200" cy="304800"/>
+          </a:xfrm>
+          <a:prstGeom prst="rightArrow">
+            <a:avLst/>
+          </a:prstGeom>
+        </p:spPr>
+        <p:style>
+          <a:lnRef idx="2">
+            <a:schemeClr val="accent1">
+              <a:shade val="50000"/>
+            </a:schemeClr>
+          </a:lnRef>
+          <a:fillRef idx="1">
+            <a:schemeClr val="accent1"/>
+          </a:fillRef>
+          <a:effectRef idx="0">
+            <a:schemeClr val="accent1"/>
+          </a:effectRef>
+          <a:fontRef idx="minor">
+            <a:schemeClr val="lt1"/>
+          </a:fontRef>
+        </p:style>
+        <p:txBody>
+          <a:bodyPr rtlCol="0" anchor="ctr"/>
+          <a:lstStyle/>
+          <a:p>
+            <a:pPr algn="ctr"/>
+            <a:endParaRPr lang="en-US" b="1">
+              <a:latin typeface="Times New Roman" pitchFamily="18" charset="0"/>
+              <a:cs typeface="Times New Roman" pitchFamily="18" charset="0"/>
+            </a:endParaRPr>
+          </a:p>
+        </p:txBody>
+      </p:sp>
+      <p:sp>
+        <p:nvSpPr>
+          <p:cNvPr id="43" name="Rectangle 42"/>
+          <p:cNvSpPr/>
+          <p:nvPr/>
+        </p:nvSpPr>
+        <p:spPr>
+          <a:xfrm>
+            <a:off x="5791200" y="0"/>
+            <a:ext cx="1361270" cy="369332"/>
+          </a:xfrm>
+          <a:prstGeom prst="rect">
+            <a:avLst/>
+          </a:prstGeom>
+        </p:spPr>
+        <p:txBody>
+          <a:bodyPr wrap="none">
+            <a:spAutoFit/>
+          </a:bodyPr>
+          <a:lstStyle/>
+          <a:p>
+            <a:pPr algn="ctr"/>
+            <a:r>
+              <a:rPr lang="en-US" b="1" dirty="0" err="1" smtClean="0">
+                <a:latin typeface="Times New Roman" pitchFamily="18" charset="0"/>
+                <a:cs typeface="Times New Roman" pitchFamily="18" charset="0"/>
+              </a:rPr>
+              <a:t>Dữ</a:t>
+            </a:r>
+            <a:r>
+              <a:rPr lang="en-US" b="1" dirty="0" smtClean="0">
+                <a:latin typeface="Times New Roman" pitchFamily="18" charset="0"/>
+                <a:cs typeface="Times New Roman" pitchFamily="18" charset="0"/>
+              </a:rPr>
+              <a:t> </a:t>
+            </a:r>
+            <a:r>
+              <a:rPr lang="en-US" b="1" dirty="0" err="1" smtClean="0">
+                <a:latin typeface="Times New Roman" pitchFamily="18" charset="0"/>
+                <a:cs typeface="Times New Roman" pitchFamily="18" charset="0"/>
+              </a:rPr>
+              <a:t>liệu</a:t>
+            </a:r>
+            <a:r>
+              <a:rPr lang="en-US" b="1" dirty="0" smtClean="0">
+                <a:latin typeface="Times New Roman" pitchFamily="18" charset="0"/>
+                <a:cs typeface="Times New Roman" pitchFamily="18" charset="0"/>
+              </a:rPr>
+              <a:t> </a:t>
+            </a:r>
+            <a:r>
+              <a:rPr lang="en-US" b="1" dirty="0" err="1" smtClean="0">
+                <a:latin typeface="Times New Roman" pitchFamily="18" charset="0"/>
+                <a:cs typeface="Times New Roman" pitchFamily="18" charset="0"/>
+              </a:rPr>
+              <a:t>Học</a:t>
+            </a:r>
+            <a:endParaRPr lang="en-US" b="1" dirty="0" smtClean="0">
+              <a:latin typeface="Times New Roman" pitchFamily="18" charset="0"/>
+              <a:cs typeface="Times New Roman" pitchFamily="18" charset="0"/>
+            </a:endParaRPr>
           </a:p>
         </p:txBody>
       </p:sp>
@@ -8933,14 +8995,356 @@
       </p:grpSpPr>
       <p:sp>
         <p:nvSpPr>
-          <p:cNvPr id="4" name="TextBox 3"/>
+          <p:cNvPr id="21" name="Flowchart: Magnetic Disk 20"/>
+          <p:cNvSpPr/>
+          <p:nvPr/>
+        </p:nvSpPr>
+        <p:spPr>
+          <a:xfrm>
+            <a:off x="914400" y="1219200"/>
+            <a:ext cx="1295400" cy="1752600"/>
+          </a:xfrm>
+          <a:prstGeom prst="flowChartMagneticDisk">
+            <a:avLst/>
+          </a:prstGeom>
+          <a:solidFill>
+            <a:schemeClr val="accent2"/>
+          </a:solidFill>
+        </p:spPr>
+        <p:style>
+          <a:lnRef idx="2">
+            <a:schemeClr val="accent1">
+              <a:shade val="50000"/>
+            </a:schemeClr>
+          </a:lnRef>
+          <a:fillRef idx="1">
+            <a:schemeClr val="accent1"/>
+          </a:fillRef>
+          <a:effectRef idx="0">
+            <a:schemeClr val="accent1"/>
+          </a:effectRef>
+          <a:fontRef idx="minor">
+            <a:schemeClr val="lt1"/>
+          </a:fontRef>
+        </p:style>
+        <p:txBody>
+          <a:bodyPr rtlCol="0" anchor="ctr"/>
+          <a:lstStyle/>
+          <a:p>
+            <a:pPr algn="ctr"/>
+            <a:r>
+              <a:rPr lang="en-US" sz="1400" b="1" dirty="0" smtClean="0">
+                <a:latin typeface="Times New Roman" pitchFamily="18" charset="0"/>
+                <a:cs typeface="Times New Roman" pitchFamily="18" charset="0"/>
+              </a:rPr>
+              <a:t>DBLP</a:t>
+            </a:r>
+            <a:endParaRPr lang="en-US" sz="1400" b="1" dirty="0">
+              <a:latin typeface="Times New Roman" pitchFamily="18" charset="0"/>
+              <a:cs typeface="Times New Roman" pitchFamily="18" charset="0"/>
+            </a:endParaRPr>
+          </a:p>
+        </p:txBody>
+      </p:sp>
+      <p:sp>
+        <p:nvSpPr>
+          <p:cNvPr id="32" name="Flowchart: Document 31"/>
+          <p:cNvSpPr/>
+          <p:nvPr/>
+        </p:nvSpPr>
+        <p:spPr>
+          <a:xfrm>
+            <a:off x="3733800" y="1066800"/>
+            <a:ext cx="1371600" cy="1371600"/>
+          </a:xfrm>
+          <a:prstGeom prst="flowChartDocument">
+            <a:avLst/>
+          </a:prstGeom>
+          <a:solidFill>
+            <a:schemeClr val="accent1"/>
+          </a:solidFill>
+        </p:spPr>
+        <p:style>
+          <a:lnRef idx="2">
+            <a:schemeClr val="accent1">
+              <a:shade val="50000"/>
+            </a:schemeClr>
+          </a:lnRef>
+          <a:fillRef idx="1">
+            <a:schemeClr val="accent1"/>
+          </a:fillRef>
+          <a:effectRef idx="0">
+            <a:schemeClr val="accent1"/>
+          </a:effectRef>
+          <a:fontRef idx="minor">
+            <a:schemeClr val="lt1"/>
+          </a:fontRef>
+        </p:style>
+        <p:txBody>
+          <a:bodyPr rtlCol="0" anchor="ctr"/>
+          <a:lstStyle/>
+          <a:p>
+            <a:pPr algn="ctr"/>
+            <a:endParaRPr lang="en-US" sz="1300" b="1" dirty="0">
+              <a:solidFill>
+                <a:schemeClr val="tx1"/>
+              </a:solidFill>
+              <a:latin typeface="Times New Roman" pitchFamily="18" charset="0"/>
+              <a:cs typeface="Times New Roman" pitchFamily="18" charset="0"/>
+            </a:endParaRPr>
+          </a:p>
+        </p:txBody>
+      </p:sp>
+      <p:sp>
+        <p:nvSpPr>
+          <p:cNvPr id="33" name="Rectangle 32"/>
+          <p:cNvSpPr/>
+          <p:nvPr/>
+        </p:nvSpPr>
+        <p:spPr>
+          <a:xfrm>
+            <a:off x="3352800" y="609600"/>
+            <a:ext cx="2090637" cy="292388"/>
+          </a:xfrm>
+          <a:prstGeom prst="rect">
+            <a:avLst/>
+          </a:prstGeom>
+        </p:spPr>
+        <p:txBody>
+          <a:bodyPr wrap="none">
+            <a:spAutoFit/>
+          </a:bodyPr>
+          <a:lstStyle/>
+          <a:p>
+            <a:pPr algn="ctr"/>
+            <a:r>
+              <a:rPr lang="en-US" sz="1300" b="1" dirty="0" err="1" smtClean="0">
+                <a:latin typeface="Times New Roman" pitchFamily="18" charset="0"/>
+                <a:cs typeface="Times New Roman" pitchFamily="18" charset="0"/>
+              </a:rPr>
+              <a:t>Bài</a:t>
+            </a:r>
+            <a:r>
+              <a:rPr lang="en-US" sz="1300" b="1" dirty="0" smtClean="0">
+                <a:latin typeface="Times New Roman" pitchFamily="18" charset="0"/>
+                <a:cs typeface="Times New Roman" pitchFamily="18" charset="0"/>
+              </a:rPr>
+              <a:t> </a:t>
+            </a:r>
+            <a:r>
+              <a:rPr lang="en-US" sz="1300" b="1" dirty="0" err="1" smtClean="0">
+                <a:latin typeface="Times New Roman" pitchFamily="18" charset="0"/>
+                <a:cs typeface="Times New Roman" pitchFamily="18" charset="0"/>
+              </a:rPr>
+              <a:t>báo</a:t>
+            </a:r>
+            <a:r>
+              <a:rPr lang="en-US" sz="1300" b="1" dirty="0" smtClean="0">
+                <a:latin typeface="Times New Roman" pitchFamily="18" charset="0"/>
+                <a:cs typeface="Times New Roman" pitchFamily="18" charset="0"/>
+              </a:rPr>
+              <a:t> </a:t>
+            </a:r>
+            <a:r>
+              <a:rPr lang="en-US" sz="1300" b="1" dirty="0" err="1" smtClean="0">
+                <a:latin typeface="Times New Roman" pitchFamily="18" charset="0"/>
+                <a:cs typeface="Times New Roman" pitchFamily="18" charset="0"/>
+              </a:rPr>
+              <a:t>khoa</a:t>
+            </a:r>
+            <a:r>
+              <a:rPr lang="en-US" sz="1300" b="1" dirty="0" smtClean="0">
+                <a:latin typeface="Times New Roman" pitchFamily="18" charset="0"/>
+                <a:cs typeface="Times New Roman" pitchFamily="18" charset="0"/>
+              </a:rPr>
+              <a:t> </a:t>
+            </a:r>
+            <a:r>
+              <a:rPr lang="en-US" sz="1300" b="1" dirty="0" err="1" smtClean="0">
+                <a:latin typeface="Times New Roman" pitchFamily="18" charset="0"/>
+                <a:cs typeface="Times New Roman" pitchFamily="18" charset="0"/>
+              </a:rPr>
+              <a:t>học</a:t>
+            </a:r>
+            <a:r>
+              <a:rPr lang="en-US" sz="1300" b="1" dirty="0" smtClean="0">
+                <a:latin typeface="Times New Roman" pitchFamily="18" charset="0"/>
+                <a:cs typeface="Times New Roman" pitchFamily="18" charset="0"/>
+              </a:rPr>
+              <a:t> </a:t>
+            </a:r>
+            <a:r>
+              <a:rPr lang="en-US" sz="1300" b="1" dirty="0" err="1" smtClean="0">
+                <a:latin typeface="Times New Roman" pitchFamily="18" charset="0"/>
+                <a:cs typeface="Times New Roman" pitchFamily="18" charset="0"/>
+              </a:rPr>
+              <a:t>máy</a:t>
+            </a:r>
+            <a:r>
+              <a:rPr lang="en-US" sz="1300" b="1" dirty="0" smtClean="0">
+                <a:latin typeface="Times New Roman" pitchFamily="18" charset="0"/>
+                <a:cs typeface="Times New Roman" pitchFamily="18" charset="0"/>
+              </a:rPr>
+              <a:t> </a:t>
+            </a:r>
+            <a:r>
+              <a:rPr lang="en-US" sz="1300" b="1" dirty="0" err="1" smtClean="0">
+                <a:latin typeface="Times New Roman" pitchFamily="18" charset="0"/>
+                <a:cs typeface="Times New Roman" pitchFamily="18" charset="0"/>
+              </a:rPr>
+              <a:t>tính</a:t>
+            </a:r>
+            <a:endParaRPr lang="en-US" sz="1300" b="1" dirty="0" smtClean="0">
+              <a:latin typeface="Times New Roman" pitchFamily="18" charset="0"/>
+              <a:cs typeface="Times New Roman" pitchFamily="18" charset="0"/>
+            </a:endParaRPr>
+          </a:p>
+        </p:txBody>
+      </p:sp>
+      <p:sp>
+        <p:nvSpPr>
+          <p:cNvPr id="35" name="Flowchart: Document 34"/>
+          <p:cNvSpPr/>
+          <p:nvPr/>
+        </p:nvSpPr>
+        <p:spPr>
+          <a:xfrm>
+            <a:off x="3886200" y="1219200"/>
+            <a:ext cx="1219200" cy="1371600"/>
+          </a:xfrm>
+          <a:prstGeom prst="flowChartDocument">
+            <a:avLst/>
+          </a:prstGeom>
+          <a:solidFill>
+            <a:schemeClr val="accent1"/>
+          </a:solidFill>
+        </p:spPr>
+        <p:style>
+          <a:lnRef idx="2">
+            <a:schemeClr val="accent1">
+              <a:shade val="50000"/>
+            </a:schemeClr>
+          </a:lnRef>
+          <a:fillRef idx="1">
+            <a:schemeClr val="accent1"/>
+          </a:fillRef>
+          <a:effectRef idx="0">
+            <a:schemeClr val="accent1"/>
+          </a:effectRef>
+          <a:fontRef idx="minor">
+            <a:schemeClr val="lt1"/>
+          </a:fontRef>
+        </p:style>
+        <p:txBody>
+          <a:bodyPr rtlCol="0" anchor="ctr"/>
+          <a:lstStyle/>
+          <a:p>
+            <a:pPr algn="ctr"/>
+            <a:r>
+              <a:rPr lang="en-US" sz="1300" b="1" dirty="0" smtClean="0">
+                <a:solidFill>
+                  <a:schemeClr val="tx1"/>
+                </a:solidFill>
+                <a:latin typeface="Times New Roman" pitchFamily="18" charset="0"/>
+                <a:cs typeface="Times New Roman" pitchFamily="18" charset="0"/>
+              </a:rPr>
+              <a:t>Metadata</a:t>
+            </a:r>
+          </a:p>
+        </p:txBody>
+      </p:sp>
+      <p:sp>
+        <p:nvSpPr>
+          <p:cNvPr id="49" name="Right Arrow 48"/>
+          <p:cNvSpPr/>
+          <p:nvPr/>
+        </p:nvSpPr>
+        <p:spPr>
+          <a:xfrm>
+            <a:off x="2209800" y="1981200"/>
+            <a:ext cx="1447800" cy="152400"/>
+          </a:xfrm>
+          <a:prstGeom prst="rightArrow">
+            <a:avLst/>
+          </a:prstGeom>
+        </p:spPr>
+        <p:style>
+          <a:lnRef idx="2">
+            <a:schemeClr val="accent1">
+              <a:shade val="50000"/>
+            </a:schemeClr>
+          </a:lnRef>
+          <a:fillRef idx="1">
+            <a:schemeClr val="accent1"/>
+          </a:fillRef>
+          <a:effectRef idx="0">
+            <a:schemeClr val="accent1"/>
+          </a:effectRef>
+          <a:fontRef idx="minor">
+            <a:schemeClr val="lt1"/>
+          </a:fontRef>
+        </p:style>
+        <p:txBody>
+          <a:bodyPr rtlCol="0" anchor="ctr"/>
+          <a:lstStyle/>
+          <a:p>
+            <a:pPr algn="ctr"/>
+            <a:endParaRPr lang="en-US"/>
+          </a:p>
+        </p:txBody>
+      </p:sp>
+      <p:sp>
+        <p:nvSpPr>
+          <p:cNvPr id="53" name="TextBox 52"/>
           <p:cNvSpPr txBox="1"/>
           <p:nvPr/>
         </p:nvSpPr>
         <p:spPr>
           <a:xfrm>
-            <a:off x="2667000" y="5105400"/>
-            <a:ext cx="3961341" cy="369332"/>
+            <a:off x="2286000" y="1676400"/>
+            <a:ext cx="1752600" cy="307777"/>
+          </a:xfrm>
+          <a:prstGeom prst="rect">
+            <a:avLst/>
+          </a:prstGeom>
+          <a:noFill/>
+        </p:spPr>
+        <p:txBody>
+          <a:bodyPr wrap="square" rtlCol="0">
+            <a:spAutoFit/>
+          </a:bodyPr>
+          <a:lstStyle/>
+          <a:p>
+            <a:r>
+              <a:rPr lang="en-US" sz="1400" dirty="0" err="1" smtClean="0"/>
+              <a:t>Lấy</a:t>
+            </a:r>
+            <a:r>
+              <a:rPr lang="en-US" sz="1400" dirty="0" smtClean="0"/>
+              <a:t> </a:t>
+            </a:r>
+            <a:r>
+              <a:rPr lang="en-US" sz="1400" dirty="0" err="1" smtClean="0"/>
+              <a:t>thông</a:t>
+            </a:r>
+            <a:r>
+              <a:rPr lang="en-US" sz="1400" dirty="0" smtClean="0"/>
+              <a:t> Tin</a:t>
+            </a:r>
+            <a:endParaRPr lang="en-US" sz="1400" dirty="0"/>
+          </a:p>
+        </p:txBody>
+      </p:sp>
+      <p:sp>
+        <p:nvSpPr>
+          <p:cNvPr id="54" name="TextBox 53"/>
+          <p:cNvSpPr txBox="1"/>
+          <p:nvPr/>
+        </p:nvSpPr>
+        <p:spPr>
+          <a:xfrm>
+            <a:off x="2590800" y="6248400"/>
+            <a:ext cx="5019387" cy="369332"/>
           </a:xfrm>
           <a:prstGeom prst="rect">
             <a:avLst/>
@@ -8953,20 +9357,914 @@
           </a:bodyPr>
           <a:lstStyle/>
           <a:p>
-            <a:pPr algn="ctr"/>
             <a:r>
               <a:rPr lang="en-US" b="1" dirty="0" smtClean="0">
                 <a:latin typeface="Times New Roman" pitchFamily="18" charset="0"/>
                 <a:cs typeface="Times New Roman" pitchFamily="18" charset="0"/>
               </a:rPr>
-              <a:t>(4) </a:t>
+              <a:t>(3) Module Import </a:t>
+            </a:r>
+            <a:r>
+              <a:rPr lang="en-US" b="1" dirty="0" err="1" smtClean="0">
+                <a:latin typeface="Times New Roman" pitchFamily="18" charset="0"/>
+                <a:cs typeface="Times New Roman" pitchFamily="18" charset="0"/>
+              </a:rPr>
+              <a:t>dữ</a:t>
             </a:r>
             <a:r>
               <a:rPr lang="en-US" b="1" dirty="0" smtClean="0">
                 <a:latin typeface="Times New Roman" pitchFamily="18" charset="0"/>
                 <a:cs typeface="Times New Roman" pitchFamily="18" charset="0"/>
               </a:rPr>
+              <a:t> </a:t>
+            </a:r>
+            <a:r>
+              <a:rPr lang="en-US" b="1" dirty="0" err="1" smtClean="0">
+                <a:latin typeface="Times New Roman" pitchFamily="18" charset="0"/>
+                <a:cs typeface="Times New Roman" pitchFamily="18" charset="0"/>
+              </a:rPr>
+              <a:t>liệu</a:t>
+            </a:r>
+            <a:r>
+              <a:rPr lang="en-US" b="1" dirty="0" smtClean="0">
+                <a:latin typeface="Times New Roman" pitchFamily="18" charset="0"/>
+                <a:cs typeface="Times New Roman" pitchFamily="18" charset="0"/>
+              </a:rPr>
+              <a:t> </a:t>
+            </a:r>
+            <a:r>
+              <a:rPr lang="en-US" b="1" dirty="0" err="1" smtClean="0">
+                <a:latin typeface="Times New Roman" pitchFamily="18" charset="0"/>
+                <a:cs typeface="Times New Roman" pitchFamily="18" charset="0"/>
+              </a:rPr>
+              <a:t>từ</a:t>
+            </a:r>
+            <a:r>
+              <a:rPr lang="en-US" b="1" dirty="0" smtClean="0">
+                <a:latin typeface="Times New Roman" pitchFamily="18" charset="0"/>
+                <a:cs typeface="Times New Roman" pitchFamily="18" charset="0"/>
+              </a:rPr>
+              <a:t> DBLP </a:t>
+            </a:r>
+            <a:r>
+              <a:rPr lang="en-US" b="1" dirty="0" err="1" smtClean="0">
+                <a:latin typeface="Times New Roman" pitchFamily="18" charset="0"/>
+                <a:cs typeface="Times New Roman" pitchFamily="18" charset="0"/>
+              </a:rPr>
+              <a:t>vào</a:t>
+            </a:r>
+            <a:r>
+              <a:rPr lang="en-US" b="1" dirty="0" smtClean="0">
+                <a:latin typeface="Times New Roman" pitchFamily="18" charset="0"/>
+                <a:cs typeface="Times New Roman" pitchFamily="18" charset="0"/>
+              </a:rPr>
+              <a:t> </a:t>
+            </a:r>
+            <a:r>
+              <a:rPr lang="en-US" b="1" dirty="0" err="1" smtClean="0">
+                <a:latin typeface="Times New Roman" pitchFamily="18" charset="0"/>
+                <a:cs typeface="Times New Roman" pitchFamily="18" charset="0"/>
+              </a:rPr>
+              <a:t>hệ</a:t>
+            </a:r>
+            <a:r>
+              <a:rPr lang="en-US" b="1" dirty="0" smtClean="0">
+                <a:latin typeface="Times New Roman" pitchFamily="18" charset="0"/>
+                <a:cs typeface="Times New Roman" pitchFamily="18" charset="0"/>
+              </a:rPr>
+              <a:t> </a:t>
+            </a:r>
+            <a:r>
+              <a:rPr lang="en-US" b="1" dirty="0" err="1" smtClean="0">
+                <a:latin typeface="Times New Roman" pitchFamily="18" charset="0"/>
+                <a:cs typeface="Times New Roman" pitchFamily="18" charset="0"/>
+              </a:rPr>
+              <a:t>thống</a:t>
+            </a:r>
+            <a:endParaRPr lang="en-US" b="1" dirty="0">
+              <a:latin typeface="Times New Roman" pitchFamily="18" charset="0"/>
+              <a:cs typeface="Times New Roman" pitchFamily="18" charset="0"/>
+            </a:endParaRPr>
+          </a:p>
+        </p:txBody>
+      </p:sp>
+      <p:sp>
+        <p:nvSpPr>
+          <p:cNvPr id="16" name="Flowchart: Magnetic Disk 15"/>
+          <p:cNvSpPr/>
+          <p:nvPr/>
+        </p:nvSpPr>
+        <p:spPr>
+          <a:xfrm>
+            <a:off x="7391400" y="3733800"/>
+            <a:ext cx="1219200" cy="1219200"/>
+          </a:xfrm>
+          <a:prstGeom prst="flowChartMagneticDisk">
+            <a:avLst/>
+          </a:prstGeom>
+          <a:solidFill>
+            <a:schemeClr val="accent2"/>
+          </a:solidFill>
+        </p:spPr>
+        <p:style>
+          <a:lnRef idx="2">
+            <a:schemeClr val="accent1">
+              <a:shade val="50000"/>
+            </a:schemeClr>
+          </a:lnRef>
+          <a:fillRef idx="1">
+            <a:schemeClr val="accent1"/>
+          </a:fillRef>
+          <a:effectRef idx="0">
+            <a:schemeClr val="accent1"/>
+          </a:effectRef>
+          <a:fontRef idx="minor">
+            <a:schemeClr val="lt1"/>
+          </a:fontRef>
+        </p:style>
+        <p:txBody>
+          <a:bodyPr rtlCol="0" anchor="ctr"/>
+          <a:lstStyle/>
+          <a:p>
+            <a:pPr algn="ctr"/>
+            <a:r>
+              <a:rPr lang="en-US" sz="1400" b="1" dirty="0" smtClean="0">
+                <a:latin typeface="Times New Roman" pitchFamily="18" charset="0"/>
+                <a:cs typeface="Times New Roman" pitchFamily="18" charset="0"/>
+              </a:rPr>
+              <a:t>CSDL</a:t>
+            </a:r>
+          </a:p>
+          <a:p>
+            <a:pPr algn="ctr"/>
+            <a:r>
+              <a:rPr lang="en-US" sz="1400" b="1" dirty="0" smtClean="0">
+                <a:latin typeface="Times New Roman" pitchFamily="18" charset="0"/>
+                <a:cs typeface="Times New Roman" pitchFamily="18" charset="0"/>
+              </a:rPr>
+              <a:t> </a:t>
+            </a:r>
+            <a:r>
+              <a:rPr lang="en-US" sz="1400" b="1" dirty="0" err="1" smtClean="0">
+                <a:latin typeface="Times New Roman" pitchFamily="18" charset="0"/>
+                <a:cs typeface="Times New Roman" pitchFamily="18" charset="0"/>
+              </a:rPr>
+              <a:t>Chỉ</a:t>
+            </a:r>
+            <a:r>
+              <a:rPr lang="en-US" sz="1400" b="1" dirty="0" smtClean="0">
+                <a:latin typeface="Times New Roman" pitchFamily="18" charset="0"/>
+                <a:cs typeface="Times New Roman" pitchFamily="18" charset="0"/>
+              </a:rPr>
+              <a:t> </a:t>
+            </a:r>
+            <a:r>
+              <a:rPr lang="en-US" sz="1400" b="1" dirty="0" err="1" smtClean="0">
+                <a:latin typeface="Times New Roman" pitchFamily="18" charset="0"/>
+                <a:cs typeface="Times New Roman" pitchFamily="18" charset="0"/>
+              </a:rPr>
+              <a:t>mục</a:t>
+            </a:r>
+            <a:endParaRPr lang="en-US" sz="1400" b="1" dirty="0" smtClean="0">
+              <a:latin typeface="Times New Roman" pitchFamily="18" charset="0"/>
+              <a:cs typeface="Times New Roman" pitchFamily="18" charset="0"/>
+            </a:endParaRPr>
+          </a:p>
+          <a:p>
+            <a:pPr algn="ctr"/>
+            <a:r>
+              <a:rPr lang="en-US" sz="1400" b="1" dirty="0" err="1" smtClean="0">
+                <a:latin typeface="Times New Roman" pitchFamily="18" charset="0"/>
+                <a:cs typeface="Times New Roman" pitchFamily="18" charset="0"/>
+              </a:rPr>
+              <a:t>Bài</a:t>
+            </a:r>
+            <a:r>
+              <a:rPr lang="en-US" sz="1400" b="1" dirty="0" smtClean="0">
+                <a:latin typeface="Times New Roman" pitchFamily="18" charset="0"/>
+                <a:cs typeface="Times New Roman" pitchFamily="18" charset="0"/>
+              </a:rPr>
+              <a:t> </a:t>
+            </a:r>
+            <a:r>
+              <a:rPr lang="en-US" sz="1400" b="1" dirty="0" err="1" smtClean="0">
+                <a:latin typeface="Times New Roman" pitchFamily="18" charset="0"/>
+                <a:cs typeface="Times New Roman" pitchFamily="18" charset="0"/>
+              </a:rPr>
+              <a:t>báo</a:t>
+            </a:r>
+            <a:endParaRPr lang="en-US" sz="1400" b="1" dirty="0">
+              <a:latin typeface="Times New Roman" pitchFamily="18" charset="0"/>
+              <a:cs typeface="Times New Roman" pitchFamily="18" charset="0"/>
+            </a:endParaRPr>
+          </a:p>
+        </p:txBody>
+      </p:sp>
+      <p:sp>
+        <p:nvSpPr>
+          <p:cNvPr id="17" name="TextBox 16"/>
+          <p:cNvSpPr txBox="1"/>
+          <p:nvPr/>
+        </p:nvSpPr>
+        <p:spPr>
+          <a:xfrm rot="16200000">
+            <a:off x="4909066" y="2710934"/>
+            <a:ext cx="3048000" cy="369332"/>
+          </a:xfrm>
+          <a:prstGeom prst="rect">
+            <a:avLst/>
+          </a:prstGeom>
+          <a:noFill/>
+        </p:spPr>
+        <p:txBody>
+          <a:bodyPr wrap="square" rtlCol="0">
+            <a:spAutoFit/>
+          </a:bodyPr>
+          <a:lstStyle/>
+          <a:p>
+            <a:r>
+              <a:rPr lang="en-US" b="1" dirty="0" err="1" smtClean="0">
+                <a:latin typeface="Times New Roman" pitchFamily="18" charset="0"/>
+                <a:cs typeface="Times New Roman" pitchFamily="18" charset="0"/>
+              </a:rPr>
+              <a:t>Thông</a:t>
+            </a:r>
+            <a:r>
+              <a:rPr lang="en-US" b="1" dirty="0" smtClean="0">
+                <a:latin typeface="Times New Roman" pitchFamily="18" charset="0"/>
+                <a:cs typeface="Times New Roman" pitchFamily="18" charset="0"/>
+              </a:rPr>
+              <a:t> tin </a:t>
+            </a:r>
+            <a:r>
+              <a:rPr lang="en-US" b="1" dirty="0" err="1" smtClean="0">
+                <a:latin typeface="Times New Roman" pitchFamily="18" charset="0"/>
+                <a:cs typeface="Times New Roman" pitchFamily="18" charset="0"/>
+              </a:rPr>
+              <a:t>bài</a:t>
+            </a:r>
+            <a:r>
+              <a:rPr lang="en-US" b="1" dirty="0" smtClean="0">
+                <a:latin typeface="Times New Roman" pitchFamily="18" charset="0"/>
+                <a:cs typeface="Times New Roman" pitchFamily="18" charset="0"/>
+              </a:rPr>
+              <a:t> </a:t>
+            </a:r>
+            <a:r>
+              <a:rPr lang="en-US" b="1" dirty="0" err="1" smtClean="0">
+                <a:latin typeface="Times New Roman" pitchFamily="18" charset="0"/>
+                <a:cs typeface="Times New Roman" pitchFamily="18" charset="0"/>
+              </a:rPr>
+              <a:t>báo</a:t>
+            </a:r>
+            <a:r>
+              <a:rPr lang="en-US" b="1" dirty="0" smtClean="0">
+                <a:latin typeface="Times New Roman" pitchFamily="18" charset="0"/>
+                <a:cs typeface="Times New Roman" pitchFamily="18" charset="0"/>
+              </a:rPr>
+              <a:t> </a:t>
+            </a:r>
+            <a:r>
+              <a:rPr lang="en-US" b="1" dirty="0" err="1" smtClean="0">
+                <a:latin typeface="Times New Roman" pitchFamily="18" charset="0"/>
+                <a:cs typeface="Times New Roman" pitchFamily="18" charset="0"/>
+              </a:rPr>
+              <a:t>khoa</a:t>
+            </a:r>
+            <a:r>
+              <a:rPr lang="en-US" b="1" dirty="0" smtClean="0">
+                <a:latin typeface="Times New Roman" pitchFamily="18" charset="0"/>
+                <a:cs typeface="Times New Roman" pitchFamily="18" charset="0"/>
+              </a:rPr>
+              <a:t> </a:t>
+            </a:r>
+            <a:r>
+              <a:rPr lang="en-US" b="1" dirty="0" err="1" smtClean="0">
+                <a:latin typeface="Times New Roman" pitchFamily="18" charset="0"/>
+                <a:cs typeface="Times New Roman" pitchFamily="18" charset="0"/>
+              </a:rPr>
+              <a:t>học</a:t>
+            </a:r>
+            <a:endParaRPr lang="en-US" b="1" dirty="0">
+              <a:latin typeface="Times New Roman" pitchFamily="18" charset="0"/>
+              <a:cs typeface="Times New Roman" pitchFamily="18" charset="0"/>
+            </a:endParaRPr>
+          </a:p>
+        </p:txBody>
+      </p:sp>
+      <p:sp>
+        <p:nvSpPr>
+          <p:cNvPr id="18" name="Flowchart: Alternate Process 17"/>
+          <p:cNvSpPr/>
+          <p:nvPr/>
+        </p:nvSpPr>
+        <p:spPr>
+          <a:xfrm>
+            <a:off x="7391400" y="2514600"/>
+            <a:ext cx="1219200" cy="609600"/>
+          </a:xfrm>
+          <a:prstGeom prst="flowChartAlternateProcess">
+            <a:avLst/>
+          </a:prstGeom>
+        </p:spPr>
+        <p:style>
+          <a:lnRef idx="2">
+            <a:schemeClr val="accent1">
+              <a:shade val="50000"/>
+            </a:schemeClr>
+          </a:lnRef>
+          <a:fillRef idx="1">
+            <a:schemeClr val="accent1"/>
+          </a:fillRef>
+          <a:effectRef idx="0">
+            <a:schemeClr val="accent1"/>
+          </a:effectRef>
+          <a:fontRef idx="minor">
+            <a:schemeClr val="lt1"/>
+          </a:fontRef>
+        </p:style>
+        <p:txBody>
+          <a:bodyPr rtlCol="0" anchor="ctr"/>
+          <a:lstStyle/>
+          <a:p>
+            <a:pPr algn="ctr"/>
+            <a:r>
+              <a:rPr lang="en-US" b="1" dirty="0" err="1" smtClean="0"/>
+              <a:t>Kiểm</a:t>
+            </a:r>
+            <a:r>
+              <a:rPr lang="en-US" b="1" dirty="0" smtClean="0"/>
+              <a:t> </a:t>
+            </a:r>
+            <a:r>
+              <a:rPr lang="en-US" b="1" dirty="0" err="1" smtClean="0"/>
+              <a:t>Tra</a:t>
+            </a:r>
+            <a:endParaRPr lang="en-US" b="1" dirty="0"/>
+          </a:p>
+        </p:txBody>
+      </p:sp>
+      <p:sp>
+        <p:nvSpPr>
+          <p:cNvPr id="19" name="Right Arrow 18"/>
+          <p:cNvSpPr/>
+          <p:nvPr/>
+        </p:nvSpPr>
+        <p:spPr>
+          <a:xfrm>
+            <a:off x="5181600" y="1752600"/>
+            <a:ext cx="1143000" cy="152400"/>
+          </a:xfrm>
+          <a:prstGeom prst="rightArrow">
+            <a:avLst/>
+          </a:prstGeom>
+        </p:spPr>
+        <p:style>
+          <a:lnRef idx="2">
+            <a:schemeClr val="accent1">
+              <a:shade val="50000"/>
+            </a:schemeClr>
+          </a:lnRef>
+          <a:fillRef idx="1">
+            <a:schemeClr val="accent1"/>
+          </a:fillRef>
+          <a:effectRef idx="0">
+            <a:schemeClr val="accent1"/>
+          </a:effectRef>
+          <a:fontRef idx="minor">
+            <a:schemeClr val="lt1"/>
+          </a:fontRef>
+        </p:style>
+        <p:txBody>
+          <a:bodyPr rtlCol="0" anchor="ctr"/>
+          <a:lstStyle/>
+          <a:p>
+            <a:pPr algn="ctr"/>
+            <a:endParaRPr lang="en-US"/>
+          </a:p>
+        </p:txBody>
+      </p:sp>
+      <p:sp>
+        <p:nvSpPr>
+          <p:cNvPr id="20" name="Right Arrow 19"/>
+          <p:cNvSpPr/>
+          <p:nvPr/>
+        </p:nvSpPr>
+        <p:spPr>
+          <a:xfrm>
+            <a:off x="6629400" y="2743200"/>
+            <a:ext cx="762000" cy="228600"/>
+          </a:xfrm>
+          <a:prstGeom prst="rightArrow">
+            <a:avLst/>
+          </a:prstGeom>
+        </p:spPr>
+        <p:style>
+          <a:lnRef idx="2">
+            <a:schemeClr val="accent1">
+              <a:shade val="50000"/>
+            </a:schemeClr>
+          </a:lnRef>
+          <a:fillRef idx="1">
+            <a:schemeClr val="accent1"/>
+          </a:fillRef>
+          <a:effectRef idx="0">
+            <a:schemeClr val="accent1"/>
+          </a:effectRef>
+          <a:fontRef idx="minor">
+            <a:schemeClr val="lt1"/>
+          </a:fontRef>
+        </p:style>
+        <p:txBody>
+          <a:bodyPr rtlCol="0" anchor="ctr"/>
+          <a:lstStyle/>
+          <a:p>
+            <a:pPr algn="ctr"/>
+            <a:endParaRPr lang="en-US"/>
+          </a:p>
+        </p:txBody>
+      </p:sp>
+      <p:sp>
+        <p:nvSpPr>
+          <p:cNvPr id="22" name="Right Arrow 21"/>
+          <p:cNvSpPr/>
+          <p:nvPr/>
+        </p:nvSpPr>
+        <p:spPr>
+          <a:xfrm rot="5400000">
+            <a:off x="7696200" y="3276600"/>
+            <a:ext cx="533400" cy="228600"/>
+          </a:xfrm>
+          <a:prstGeom prst="rightArrow">
+            <a:avLst/>
+          </a:prstGeom>
+        </p:spPr>
+        <p:style>
+          <a:lnRef idx="2">
+            <a:schemeClr val="accent1">
+              <a:shade val="50000"/>
+            </a:schemeClr>
+          </a:lnRef>
+          <a:fillRef idx="1">
+            <a:schemeClr val="accent1"/>
+          </a:fillRef>
+          <a:effectRef idx="0">
+            <a:schemeClr val="accent1"/>
+          </a:effectRef>
+          <a:fontRef idx="minor">
+            <a:schemeClr val="lt1"/>
+          </a:fontRef>
+        </p:style>
+        <p:txBody>
+          <a:bodyPr rtlCol="0" anchor="ctr"/>
+          <a:lstStyle/>
+          <a:p>
+            <a:pPr algn="ctr"/>
+            <a:endParaRPr lang="en-US"/>
+          </a:p>
+        </p:txBody>
+      </p:sp>
+      <p:sp>
+        <p:nvSpPr>
+          <p:cNvPr id="23" name="TextBox 22"/>
+          <p:cNvSpPr txBox="1"/>
+          <p:nvPr/>
+        </p:nvSpPr>
+        <p:spPr>
+          <a:xfrm>
+            <a:off x="5181600" y="1371600"/>
+            <a:ext cx="1600200" cy="292388"/>
+          </a:xfrm>
+          <a:prstGeom prst="rect">
+            <a:avLst/>
+          </a:prstGeom>
+          <a:noFill/>
+        </p:spPr>
+        <p:txBody>
+          <a:bodyPr wrap="square" rtlCol="0">
+            <a:spAutoFit/>
+          </a:bodyPr>
+          <a:lstStyle/>
+          <a:p>
+            <a:r>
+              <a:rPr lang="en-US" sz="1300" dirty="0" smtClean="0">
+                <a:latin typeface="Times New Roman" pitchFamily="18" charset="0"/>
+                <a:cs typeface="Times New Roman" pitchFamily="18" charset="0"/>
+              </a:rPr>
+              <a:t>Metadata</a:t>
+            </a:r>
+            <a:endParaRPr lang="en-US" sz="1300" dirty="0">
+              <a:latin typeface="Times New Roman" pitchFamily="18" charset="0"/>
+              <a:cs typeface="Times New Roman" pitchFamily="18" charset="0"/>
+            </a:endParaRPr>
+          </a:p>
+        </p:txBody>
+      </p:sp>
+      <p:sp>
+        <p:nvSpPr>
+          <p:cNvPr id="24" name="Right Arrow 23"/>
+          <p:cNvSpPr/>
+          <p:nvPr/>
+        </p:nvSpPr>
+        <p:spPr>
+          <a:xfrm>
+            <a:off x="5257800" y="4038600"/>
+            <a:ext cx="838200" cy="152400"/>
+          </a:xfrm>
+          <a:prstGeom prst="rightArrow">
+            <a:avLst/>
+          </a:prstGeom>
+        </p:spPr>
+        <p:style>
+          <a:lnRef idx="2">
+            <a:schemeClr val="accent1">
+              <a:shade val="50000"/>
+            </a:schemeClr>
+          </a:lnRef>
+          <a:fillRef idx="1">
+            <a:schemeClr val="accent1"/>
+          </a:fillRef>
+          <a:effectRef idx="0">
+            <a:schemeClr val="accent1"/>
+          </a:effectRef>
+          <a:fontRef idx="minor">
+            <a:schemeClr val="lt1"/>
+          </a:fontRef>
+        </p:style>
+        <p:txBody>
+          <a:bodyPr rtlCol="0" anchor="ctr"/>
+          <a:lstStyle/>
+          <a:p>
+            <a:pPr algn="ctr"/>
+            <a:endParaRPr lang="en-US"/>
+          </a:p>
+        </p:txBody>
+      </p:sp>
+      <p:sp>
+        <p:nvSpPr>
+          <p:cNvPr id="25" name="Right Arrow 24"/>
+          <p:cNvSpPr/>
+          <p:nvPr/>
+        </p:nvSpPr>
+        <p:spPr>
+          <a:xfrm rot="5400000">
+            <a:off x="3924300" y="3009900"/>
+            <a:ext cx="838200" cy="152400"/>
+          </a:xfrm>
+          <a:prstGeom prst="rightArrow">
+            <a:avLst/>
+          </a:prstGeom>
+        </p:spPr>
+        <p:style>
+          <a:lnRef idx="2">
+            <a:schemeClr val="accent1">
+              <a:shade val="50000"/>
+            </a:schemeClr>
+          </a:lnRef>
+          <a:fillRef idx="1">
+            <a:schemeClr val="accent1"/>
+          </a:fillRef>
+          <a:effectRef idx="0">
+            <a:schemeClr val="accent1"/>
+          </a:effectRef>
+          <a:fontRef idx="minor">
+            <a:schemeClr val="lt1"/>
+          </a:fontRef>
+        </p:style>
+        <p:txBody>
+          <a:bodyPr rtlCol="0" anchor="ctr"/>
+          <a:lstStyle/>
+          <a:p>
+            <a:pPr algn="ctr"/>
+            <a:endParaRPr lang="en-US"/>
+          </a:p>
+        </p:txBody>
+      </p:sp>
+      <p:sp>
+        <p:nvSpPr>
+          <p:cNvPr id="26" name="Rectangle 25"/>
+          <p:cNvSpPr/>
+          <p:nvPr/>
+        </p:nvSpPr>
+        <p:spPr>
+          <a:xfrm>
+            <a:off x="3657600" y="3581400"/>
+            <a:ext cx="1371600" cy="838200"/>
+          </a:xfrm>
+          <a:prstGeom prst="rect">
+            <a:avLst/>
+          </a:prstGeom>
+          <a:noFill/>
+        </p:spPr>
+        <p:style>
+          <a:lnRef idx="2">
+            <a:schemeClr val="accent1">
+              <a:shade val="50000"/>
+            </a:schemeClr>
+          </a:lnRef>
+          <a:fillRef idx="1">
+            <a:schemeClr val="accent1"/>
+          </a:fillRef>
+          <a:effectRef idx="0">
+            <a:schemeClr val="accent1"/>
+          </a:effectRef>
+          <a:fontRef idx="minor">
+            <a:schemeClr val="lt1"/>
+          </a:fontRef>
+        </p:style>
+        <p:txBody>
+          <a:bodyPr rtlCol="0" anchor="ctr"/>
+          <a:lstStyle/>
+          <a:p>
+            <a:pPr algn="ctr"/>
+            <a:r>
+              <a:rPr lang="en-US" sz="1300" b="1" dirty="0" smtClean="0">
+                <a:solidFill>
+                  <a:schemeClr val="tx1"/>
+                </a:solidFill>
+                <a:latin typeface="Times New Roman" pitchFamily="18" charset="0"/>
+                <a:cs typeface="Times New Roman" pitchFamily="18" charset="0"/>
+              </a:rPr>
               <a:t>Module </a:t>
+            </a:r>
+          </a:p>
+          <a:p>
+            <a:pPr algn="ctr"/>
+            <a:r>
+              <a:rPr lang="en-US" sz="1300" b="1" dirty="0" err="1" smtClean="0">
+                <a:solidFill>
+                  <a:schemeClr val="tx1"/>
+                </a:solidFill>
+                <a:latin typeface="Times New Roman" pitchFamily="18" charset="0"/>
+                <a:cs typeface="Times New Roman" pitchFamily="18" charset="0"/>
+              </a:rPr>
+              <a:t>Phân</a:t>
+            </a:r>
+            <a:r>
+              <a:rPr lang="en-US" sz="1300" b="1" dirty="0" smtClean="0">
+                <a:solidFill>
+                  <a:schemeClr val="tx1"/>
+                </a:solidFill>
+                <a:latin typeface="Times New Roman" pitchFamily="18" charset="0"/>
+                <a:cs typeface="Times New Roman" pitchFamily="18" charset="0"/>
+              </a:rPr>
+              <a:t> </a:t>
+            </a:r>
+            <a:r>
+              <a:rPr lang="en-US" sz="1300" b="1" dirty="0" err="1" smtClean="0">
+                <a:solidFill>
+                  <a:schemeClr val="tx1"/>
+                </a:solidFill>
+                <a:latin typeface="Times New Roman" pitchFamily="18" charset="0"/>
+                <a:cs typeface="Times New Roman" pitchFamily="18" charset="0"/>
+              </a:rPr>
+              <a:t>lớp</a:t>
+            </a:r>
+            <a:endParaRPr lang="en-US" sz="1300" b="1" dirty="0" smtClean="0">
+              <a:solidFill>
+                <a:schemeClr val="tx1"/>
+              </a:solidFill>
+              <a:latin typeface="Times New Roman" pitchFamily="18" charset="0"/>
+              <a:cs typeface="Times New Roman" pitchFamily="18" charset="0"/>
+            </a:endParaRPr>
+          </a:p>
+          <a:p>
+            <a:pPr algn="ctr"/>
+            <a:endParaRPr lang="en-US" sz="1300" dirty="0"/>
+          </a:p>
+        </p:txBody>
+      </p:sp>
+      <p:sp>
+        <p:nvSpPr>
+          <p:cNvPr id="27" name="TextBox 26"/>
+          <p:cNvSpPr txBox="1"/>
+          <p:nvPr/>
+        </p:nvSpPr>
+        <p:spPr>
+          <a:xfrm>
+            <a:off x="5181600" y="3657600"/>
+            <a:ext cx="1600200" cy="292388"/>
+          </a:xfrm>
+          <a:prstGeom prst="rect">
+            <a:avLst/>
+          </a:prstGeom>
+          <a:noFill/>
+        </p:spPr>
+        <p:txBody>
+          <a:bodyPr wrap="square" rtlCol="0">
+            <a:spAutoFit/>
+          </a:bodyPr>
+          <a:lstStyle/>
+          <a:p>
+            <a:r>
+              <a:rPr lang="en-US" sz="1300" dirty="0" smtClean="0">
+                <a:latin typeface="Times New Roman" pitchFamily="18" charset="0"/>
+                <a:cs typeface="Times New Roman" pitchFamily="18" charset="0"/>
+              </a:rPr>
+              <a:t>Subject</a:t>
+            </a:r>
+            <a:endParaRPr lang="en-US" sz="1300" dirty="0">
+              <a:latin typeface="Times New Roman" pitchFamily="18" charset="0"/>
+              <a:cs typeface="Times New Roman" pitchFamily="18" charset="0"/>
+            </a:endParaRPr>
+          </a:p>
+        </p:txBody>
+      </p:sp>
+      <p:cxnSp>
+        <p:nvCxnSpPr>
+          <p:cNvPr id="28" name="Straight Connector 27"/>
+          <p:cNvCxnSpPr/>
+          <p:nvPr/>
+        </p:nvCxnSpPr>
+        <p:spPr>
+          <a:xfrm rot="5400000">
+            <a:off x="4076700" y="3238500"/>
+            <a:ext cx="4419600" cy="76200"/>
+          </a:xfrm>
+          <a:prstGeom prst="line">
+            <a:avLst/>
+          </a:prstGeom>
+        </p:spPr>
+        <p:style>
+          <a:lnRef idx="1">
+            <a:schemeClr val="accent1"/>
+          </a:lnRef>
+          <a:fillRef idx="0">
+            <a:schemeClr val="accent1"/>
+          </a:fillRef>
+          <a:effectRef idx="0">
+            <a:schemeClr val="accent1"/>
+          </a:effectRef>
+          <a:fontRef idx="minor">
+            <a:schemeClr val="tx1"/>
+          </a:fontRef>
+        </p:style>
+      </p:cxnSp>
+      <p:cxnSp>
+        <p:nvCxnSpPr>
+          <p:cNvPr id="29" name="Straight Connector 28"/>
+          <p:cNvCxnSpPr/>
+          <p:nvPr/>
+        </p:nvCxnSpPr>
+        <p:spPr>
+          <a:xfrm rot="5400000">
+            <a:off x="4343400" y="3200400"/>
+            <a:ext cx="4419600" cy="152400"/>
+          </a:xfrm>
+          <a:prstGeom prst="line">
+            <a:avLst/>
+          </a:prstGeom>
+        </p:spPr>
+        <p:style>
+          <a:lnRef idx="1">
+            <a:schemeClr val="accent1"/>
+          </a:lnRef>
+          <a:fillRef idx="0">
+            <a:schemeClr val="accent1"/>
+          </a:fillRef>
+          <a:effectRef idx="0">
+            <a:schemeClr val="accent1"/>
+          </a:effectRef>
+          <a:fontRef idx="minor">
+            <a:schemeClr val="tx1"/>
+          </a:fontRef>
+        </p:style>
+      </p:cxnSp>
+      <p:sp>
+        <p:nvSpPr>
+          <p:cNvPr id="30" name="TextBox 29"/>
+          <p:cNvSpPr txBox="1"/>
+          <p:nvPr/>
+        </p:nvSpPr>
+        <p:spPr>
+          <a:xfrm rot="16200000">
+            <a:off x="3232294" y="2406506"/>
+            <a:ext cx="1600200" cy="292388"/>
+          </a:xfrm>
+          <a:prstGeom prst="rect">
+            <a:avLst/>
+          </a:prstGeom>
+          <a:noFill/>
+        </p:spPr>
+        <p:txBody>
+          <a:bodyPr wrap="square" rtlCol="0">
+            <a:spAutoFit/>
+          </a:bodyPr>
+          <a:lstStyle/>
+          <a:p>
+            <a:r>
+              <a:rPr lang="en-US" sz="1300" b="1" dirty="0" smtClean="0">
+                <a:latin typeface="Times New Roman" pitchFamily="18" charset="0"/>
+                <a:cs typeface="Times New Roman" pitchFamily="18" charset="0"/>
+              </a:rPr>
+              <a:t>Title</a:t>
+            </a:r>
+            <a:endParaRPr lang="en-US" sz="1300" b="1" dirty="0">
+              <a:latin typeface="Times New Roman" pitchFamily="18" charset="0"/>
+              <a:cs typeface="Times New Roman" pitchFamily="18" charset="0"/>
+            </a:endParaRPr>
+          </a:p>
+        </p:txBody>
+      </p:sp>
+      <p:sp>
+        <p:nvSpPr>
+          <p:cNvPr id="1026" name="Rectangle 2"/>
+          <p:cNvSpPr>
+            <a:spLocks noChangeArrowheads="1"/>
+          </p:cNvSpPr>
+          <p:nvPr/>
+        </p:nvSpPr>
+        <p:spPr bwMode="auto">
+          <a:xfrm>
+            <a:off x="0" y="0"/>
+            <a:ext cx="9144000" cy="0"/>
+          </a:xfrm>
+          <a:prstGeom prst="rect">
+            <a:avLst/>
+          </a:prstGeom>
+          <a:noFill/>
+          <a:ln w="9525">
+            <a:noFill/>
+            <a:miter lim="800000"/>
+            <a:headEnd/>
+            <a:tailEnd/>
+          </a:ln>
+          <a:effectLst/>
+        </p:spPr>
+        <p:txBody>
+          <a:bodyPr vert="horz" wrap="none" lIns="91440" tIns="45720" rIns="91440" bIns="45720" numCol="1" anchor="ctr" anchorCtr="0" compatLnSpc="1">
+            <a:prstTxWarp prst="textNoShape">
+              <a:avLst/>
+            </a:prstTxWarp>
+            <a:spAutoFit/>
+          </a:bodyPr>
+          <a:lstStyle/>
+          <a:p>
+            <a:endParaRPr lang="en-US"/>
+          </a:p>
+        </p:txBody>
+      </p:sp>
+    </p:spTree>
+  </p:cSld>
+  <p:clrMapOvr>
+    <a:masterClrMapping/>
+  </p:clrMapOvr>
+  <p:timing>
+    <p:tnLst>
+      <p:par>
+        <p:cTn id="1" dur="indefinite" restart="never" nodeType="tmRoot"/>
+      </p:par>
+    </p:tnLst>
+  </p:timing>
+</p:sld>
+</file>
+
+<file path=ppt/slides/slide6.xml><?xml version="1.0" encoding="utf-8"?>
+<p:sld xmlns:a="http://schemas.openxmlformats.org/drawingml/2006/main" xmlns:r="http://schemas.openxmlformats.org/officeDocument/2006/relationships" xmlns:p="http://schemas.openxmlformats.org/presentationml/2006/main">
+  <p:cSld>
+    <p:spTree>
+      <p:nvGrpSpPr>
+        <p:cNvPr id="1" name=""/>
+        <p:cNvGrpSpPr/>
+        <p:nvPr/>
+      </p:nvGrpSpPr>
+      <p:grpSpPr>
+        <a:xfrm>
+          <a:off x="0" y="0"/>
+          <a:ext cx="0" cy="0"/>
+          <a:chOff x="0" y="0"/>
+          <a:chExt cx="0" cy="0"/>
+        </a:xfrm>
+      </p:grpSpPr>
+      <p:sp>
+        <p:nvSpPr>
+          <p:cNvPr id="4" name="TextBox 3"/>
+          <p:cNvSpPr txBox="1"/>
+          <p:nvPr/>
+        </p:nvSpPr>
+        <p:spPr>
+          <a:xfrm>
+            <a:off x="2667000" y="5105400"/>
+            <a:ext cx="3961341" cy="369332"/>
+          </a:xfrm>
+          <a:prstGeom prst="rect">
+            <a:avLst/>
+          </a:prstGeom>
+          <a:noFill/>
+        </p:spPr>
+        <p:txBody>
+          <a:bodyPr wrap="none" rtlCol="0">
+            <a:spAutoFit/>
+          </a:bodyPr>
+          <a:lstStyle/>
+          <a:p>
+            <a:pPr algn="ctr"/>
+            <a:r>
+              <a:rPr lang="en-US" b="1" dirty="0" smtClean="0">
+                <a:latin typeface="Times New Roman" pitchFamily="18" charset="0"/>
+                <a:cs typeface="Times New Roman" pitchFamily="18" charset="0"/>
+              </a:rPr>
+              <a:t>(4) Module </a:t>
             </a:r>
             <a:r>
               <a:rPr lang="en-US" b="1" dirty="0" err="1" smtClean="0">

--- a/trunk/Outline thesis/De cuong/Kientrucdetai_7_9.pptx
+++ b/trunk/Outline thesis/De cuong/Kientrucdetai_7_9.pptx
@@ -11,6 +11,7 @@
     <p:sldId id="260" r:id="rId5"/>
     <p:sldId id="261" r:id="rId6"/>
     <p:sldId id="263" r:id="rId7"/>
+    <p:sldId id="266" r:id="rId8"/>
   </p:sldIdLst>
   <p:sldSz cx="9144000" cy="6858000" type="screen4x3"/>
   <p:notesSz cx="6858000" cy="9144000"/>
@@ -294,7 +295,7 @@
             <a:fld id="{1D8BD707-D9CF-40AE-B4C6-C98DA3205C09}" type="datetimeFigureOut">
               <a:rPr lang="en-US" smtClean="0"/>
               <a:pPr/>
-              <a:t>9/10/2010</a:t>
+              <a:t>12/28/2010</a:t>
             </a:fld>
             <a:endParaRPr lang="en-US"/>
           </a:p>
@@ -461,7 +462,7 @@
             <a:fld id="{1D8BD707-D9CF-40AE-B4C6-C98DA3205C09}" type="datetimeFigureOut">
               <a:rPr lang="en-US" smtClean="0"/>
               <a:pPr/>
-              <a:t>9/10/2010</a:t>
+              <a:t>12/28/2010</a:t>
             </a:fld>
             <a:endParaRPr lang="en-US"/>
           </a:p>
@@ -638,7 +639,7 @@
             <a:fld id="{1D8BD707-D9CF-40AE-B4C6-C98DA3205C09}" type="datetimeFigureOut">
               <a:rPr lang="en-US" smtClean="0"/>
               <a:pPr/>
-              <a:t>9/10/2010</a:t>
+              <a:t>12/28/2010</a:t>
             </a:fld>
             <a:endParaRPr lang="en-US"/>
           </a:p>
@@ -805,7 +806,7 @@
             <a:fld id="{1D8BD707-D9CF-40AE-B4C6-C98DA3205C09}" type="datetimeFigureOut">
               <a:rPr lang="en-US" smtClean="0"/>
               <a:pPr/>
-              <a:t>9/10/2010</a:t>
+              <a:t>12/28/2010</a:t>
             </a:fld>
             <a:endParaRPr lang="en-US"/>
           </a:p>
@@ -1048,7 +1049,7 @@
             <a:fld id="{1D8BD707-D9CF-40AE-B4C6-C98DA3205C09}" type="datetimeFigureOut">
               <a:rPr lang="en-US" smtClean="0"/>
               <a:pPr/>
-              <a:t>9/10/2010</a:t>
+              <a:t>12/28/2010</a:t>
             </a:fld>
             <a:endParaRPr lang="en-US"/>
           </a:p>
@@ -1333,7 +1334,7 @@
             <a:fld id="{1D8BD707-D9CF-40AE-B4C6-C98DA3205C09}" type="datetimeFigureOut">
               <a:rPr lang="en-US" smtClean="0"/>
               <a:pPr/>
-              <a:t>9/10/2010</a:t>
+              <a:t>12/28/2010</a:t>
             </a:fld>
             <a:endParaRPr lang="en-US"/>
           </a:p>
@@ -1752,7 +1753,7 @@
             <a:fld id="{1D8BD707-D9CF-40AE-B4C6-C98DA3205C09}" type="datetimeFigureOut">
               <a:rPr lang="en-US" smtClean="0"/>
               <a:pPr/>
-              <a:t>9/10/2010</a:t>
+              <a:t>12/28/2010</a:t>
             </a:fld>
             <a:endParaRPr lang="en-US"/>
           </a:p>
@@ -1867,7 +1868,7 @@
             <a:fld id="{1D8BD707-D9CF-40AE-B4C6-C98DA3205C09}" type="datetimeFigureOut">
               <a:rPr lang="en-US" smtClean="0"/>
               <a:pPr/>
-              <a:t>9/10/2010</a:t>
+              <a:t>12/28/2010</a:t>
             </a:fld>
             <a:endParaRPr lang="en-US"/>
           </a:p>
@@ -1959,7 +1960,7 @@
             <a:fld id="{1D8BD707-D9CF-40AE-B4C6-C98DA3205C09}" type="datetimeFigureOut">
               <a:rPr lang="en-US" smtClean="0"/>
               <a:pPr/>
-              <a:t>9/10/2010</a:t>
+              <a:t>12/28/2010</a:t>
             </a:fld>
             <a:endParaRPr lang="en-US"/>
           </a:p>
@@ -2233,7 +2234,7 @@
             <a:fld id="{1D8BD707-D9CF-40AE-B4C6-C98DA3205C09}" type="datetimeFigureOut">
               <a:rPr lang="en-US" smtClean="0"/>
               <a:pPr/>
-              <a:t>9/10/2010</a:t>
+              <a:t>12/28/2010</a:t>
             </a:fld>
             <a:endParaRPr lang="en-US"/>
           </a:p>
@@ -2483,7 +2484,7 @@
             <a:fld id="{1D8BD707-D9CF-40AE-B4C6-C98DA3205C09}" type="datetimeFigureOut">
               <a:rPr lang="en-US" smtClean="0"/>
               <a:pPr/>
-              <a:t>9/10/2010</a:t>
+              <a:t>12/28/2010</a:t>
             </a:fld>
             <a:endParaRPr lang="en-US"/>
           </a:p>
@@ -2693,7 +2694,7 @@
             <a:fld id="{1D8BD707-D9CF-40AE-B4C6-C98DA3205C09}" type="datetimeFigureOut">
               <a:rPr lang="en-US" smtClean="0"/>
               <a:pPr/>
-              <a:t>9/10/2010</a:t>
+              <a:t>12/28/2010</a:t>
             </a:fld>
             <a:endParaRPr lang="en-US"/>
           </a:p>
@@ -3073,7 +3074,7 @@
           <p:nvPr/>
         </p:nvPicPr>
         <p:blipFill>
-          <a:blip r:embed="rId2"/>
+          <a:blip r:embed="rId2" cstate="print"/>
           <a:srcRect/>
           <a:stretch>
             <a:fillRect/>
@@ -4782,7 +4783,7 @@
           <p:nvPr/>
         </p:nvPicPr>
         <p:blipFill>
-          <a:blip r:embed="rId2"/>
+          <a:blip r:embed="rId2" cstate="print"/>
           <a:srcRect/>
           <a:stretch>
             <a:fillRect/>
@@ -6086,7 +6087,7 @@
           <p:nvPr/>
         </p:nvPicPr>
         <p:blipFill>
-          <a:blip r:embed="rId2"/>
+          <a:blip r:embed="rId2" cstate="print"/>
           <a:srcRect/>
           <a:stretch>
             <a:fillRect/>
@@ -10962,6 +10963,1660 @@
   <p:clrMapOvr>
     <a:masterClrMapping/>
   </p:clrMapOvr>
+</p:sld>
+</file>
+
+<file path=ppt/slides/slide7.xml><?xml version="1.0" encoding="utf-8"?>
+<p:sld xmlns:a="http://schemas.openxmlformats.org/drawingml/2006/main" xmlns:r="http://schemas.openxmlformats.org/officeDocument/2006/relationships" xmlns:p="http://schemas.openxmlformats.org/presentationml/2006/main">
+  <p:cSld>
+    <p:spTree>
+      <p:nvGrpSpPr>
+        <p:cNvPr id="1" name=""/>
+        <p:cNvGrpSpPr/>
+        <p:nvPr/>
+      </p:nvGrpSpPr>
+      <p:grpSpPr>
+        <a:xfrm>
+          <a:off x="0" y="0"/>
+          <a:ext cx="0" cy="0"/>
+          <a:chOff x="0" y="0"/>
+          <a:chExt cx="0" cy="0"/>
+        </a:xfrm>
+      </p:grpSpPr>
+      <p:pic>
+        <p:nvPicPr>
+          <p:cNvPr id="1026" name="Picture 2" descr="C:\Program Files\Microsoft Office\MEDIA\CAGCAT10\j0292020.wmf"/>
+          <p:cNvPicPr>
+            <a:picLocks noChangeAspect="1" noChangeArrowheads="1"/>
+          </p:cNvPicPr>
+          <p:nvPr/>
+        </p:nvPicPr>
+        <p:blipFill>
+          <a:blip r:embed="rId2" cstate="print"/>
+          <a:srcRect/>
+          <a:stretch>
+            <a:fillRect/>
+          </a:stretch>
+        </p:blipFill>
+        <p:spPr bwMode="auto">
+          <a:xfrm>
+            <a:off x="457200" y="2362200"/>
+            <a:ext cx="940098" cy="892175"/>
+          </a:xfrm>
+          <a:prstGeom prst="rect">
+            <a:avLst/>
+          </a:prstGeom>
+          <a:noFill/>
+        </p:spPr>
+      </p:pic>
+      <p:sp>
+        <p:nvSpPr>
+          <p:cNvPr id="15" name="Flowchart: Magnetic Disk 14"/>
+          <p:cNvSpPr/>
+          <p:nvPr/>
+        </p:nvSpPr>
+        <p:spPr>
+          <a:xfrm>
+            <a:off x="7315200" y="4495800"/>
+            <a:ext cx="1219200" cy="1219200"/>
+          </a:xfrm>
+          <a:prstGeom prst="flowChartMagneticDisk">
+            <a:avLst/>
+          </a:prstGeom>
+          <a:solidFill>
+            <a:schemeClr val="accent2"/>
+          </a:solidFill>
+        </p:spPr>
+        <p:style>
+          <a:lnRef idx="2">
+            <a:schemeClr val="accent1">
+              <a:shade val="50000"/>
+            </a:schemeClr>
+          </a:lnRef>
+          <a:fillRef idx="1">
+            <a:schemeClr val="accent1"/>
+          </a:fillRef>
+          <a:effectRef idx="0">
+            <a:schemeClr val="accent1"/>
+          </a:effectRef>
+          <a:fontRef idx="minor">
+            <a:schemeClr val="lt1"/>
+          </a:fontRef>
+        </p:style>
+        <p:txBody>
+          <a:bodyPr rtlCol="0" anchor="ctr"/>
+          <a:lstStyle/>
+          <a:p>
+            <a:pPr algn="ctr"/>
+            <a:r>
+              <a:rPr lang="en-US" sz="1400" b="1" dirty="0" smtClean="0">
+                <a:latin typeface="Times New Roman" pitchFamily="18" charset="0"/>
+                <a:cs typeface="Times New Roman" pitchFamily="18" charset="0"/>
+              </a:rPr>
+              <a:t>CSDL</a:t>
+            </a:r>
+          </a:p>
+          <a:p>
+            <a:pPr algn="ctr"/>
+            <a:r>
+              <a:rPr lang="en-US" sz="1400" b="1" dirty="0" smtClean="0">
+                <a:latin typeface="Times New Roman" pitchFamily="18" charset="0"/>
+                <a:cs typeface="Times New Roman" pitchFamily="18" charset="0"/>
+              </a:rPr>
+              <a:t> </a:t>
+            </a:r>
+            <a:r>
+              <a:rPr lang="en-US" sz="1400" b="1" dirty="0" err="1" smtClean="0">
+                <a:latin typeface="Times New Roman" pitchFamily="18" charset="0"/>
+                <a:cs typeface="Times New Roman" pitchFamily="18" charset="0"/>
+              </a:rPr>
+              <a:t>Chỉ</a:t>
+            </a:r>
+            <a:r>
+              <a:rPr lang="en-US" sz="1400" b="1" dirty="0" smtClean="0">
+                <a:latin typeface="Times New Roman" pitchFamily="18" charset="0"/>
+                <a:cs typeface="Times New Roman" pitchFamily="18" charset="0"/>
+              </a:rPr>
+              <a:t> </a:t>
+            </a:r>
+            <a:r>
+              <a:rPr lang="en-US" sz="1400" b="1" dirty="0" err="1" smtClean="0">
+                <a:latin typeface="Times New Roman" pitchFamily="18" charset="0"/>
+                <a:cs typeface="Times New Roman" pitchFamily="18" charset="0"/>
+              </a:rPr>
+              <a:t>mục</a:t>
+            </a:r>
+            <a:endParaRPr lang="en-US" sz="1400" b="1" dirty="0" smtClean="0">
+              <a:latin typeface="Times New Roman" pitchFamily="18" charset="0"/>
+              <a:cs typeface="Times New Roman" pitchFamily="18" charset="0"/>
+            </a:endParaRPr>
+          </a:p>
+          <a:p>
+            <a:pPr algn="ctr"/>
+            <a:r>
+              <a:rPr lang="en-US" sz="1400" b="1" dirty="0" err="1" smtClean="0">
+                <a:latin typeface="Times New Roman" pitchFamily="18" charset="0"/>
+                <a:cs typeface="Times New Roman" pitchFamily="18" charset="0"/>
+              </a:rPr>
+              <a:t>Bài</a:t>
+            </a:r>
+            <a:r>
+              <a:rPr lang="en-US" sz="1400" b="1" dirty="0" smtClean="0">
+                <a:latin typeface="Times New Roman" pitchFamily="18" charset="0"/>
+                <a:cs typeface="Times New Roman" pitchFamily="18" charset="0"/>
+              </a:rPr>
+              <a:t> </a:t>
+            </a:r>
+            <a:r>
+              <a:rPr lang="en-US" sz="1400" b="1" dirty="0" err="1" smtClean="0">
+                <a:latin typeface="Times New Roman" pitchFamily="18" charset="0"/>
+                <a:cs typeface="Times New Roman" pitchFamily="18" charset="0"/>
+              </a:rPr>
+              <a:t>báo</a:t>
+            </a:r>
+            <a:endParaRPr lang="en-US" sz="1400" b="1" dirty="0">
+              <a:latin typeface="Times New Roman" pitchFamily="18" charset="0"/>
+              <a:cs typeface="Times New Roman" pitchFamily="18" charset="0"/>
+            </a:endParaRPr>
+          </a:p>
+        </p:txBody>
+      </p:sp>
+      <p:sp>
+        <p:nvSpPr>
+          <p:cNvPr id="24" name="Cloud 23"/>
+          <p:cNvSpPr/>
+          <p:nvPr/>
+        </p:nvSpPr>
+        <p:spPr>
+          <a:xfrm>
+            <a:off x="1600200" y="228600"/>
+            <a:ext cx="1981200" cy="1295400"/>
+          </a:xfrm>
+          <a:prstGeom prst="cloud">
+            <a:avLst/>
+          </a:prstGeom>
+          <a:noFill/>
+        </p:spPr>
+        <p:style>
+          <a:lnRef idx="2">
+            <a:schemeClr val="accent1">
+              <a:shade val="50000"/>
+            </a:schemeClr>
+          </a:lnRef>
+          <a:fillRef idx="1">
+            <a:schemeClr val="accent1"/>
+          </a:fillRef>
+          <a:effectRef idx="0">
+            <a:schemeClr val="accent1"/>
+          </a:effectRef>
+          <a:fontRef idx="minor">
+            <a:schemeClr val="lt1"/>
+          </a:fontRef>
+        </p:style>
+        <p:txBody>
+          <a:bodyPr rtlCol="0" anchor="ctr"/>
+          <a:lstStyle/>
+          <a:p>
+            <a:pPr algn="ctr"/>
+            <a:endParaRPr lang="en-US" sz="1600" b="1" dirty="0" smtClean="0">
+              <a:solidFill>
+                <a:schemeClr val="tx1"/>
+              </a:solidFill>
+              <a:latin typeface="Times New Roman" pitchFamily="18" charset="0"/>
+              <a:cs typeface="Times New Roman" pitchFamily="18" charset="0"/>
+            </a:endParaRPr>
+          </a:p>
+          <a:p>
+            <a:pPr algn="ctr"/>
+            <a:endParaRPr lang="en-US" sz="1600" b="1" dirty="0" smtClean="0">
+              <a:solidFill>
+                <a:schemeClr val="tx1"/>
+              </a:solidFill>
+              <a:latin typeface="Times New Roman" pitchFamily="18" charset="0"/>
+              <a:cs typeface="Times New Roman" pitchFamily="18" charset="0"/>
+            </a:endParaRPr>
+          </a:p>
+          <a:p>
+            <a:pPr algn="ctr"/>
+            <a:r>
+              <a:rPr lang="en-US" sz="1600" b="1" dirty="0" smtClean="0">
+                <a:solidFill>
+                  <a:schemeClr val="tx1"/>
+                </a:solidFill>
+                <a:latin typeface="Times New Roman" pitchFamily="18" charset="0"/>
+                <a:cs typeface="Times New Roman" pitchFamily="18" charset="0"/>
+              </a:rPr>
+              <a:t>ACM,</a:t>
+            </a:r>
+          </a:p>
+          <a:p>
+            <a:pPr algn="ctr"/>
+            <a:r>
+              <a:rPr lang="en-US" sz="1600" b="1" dirty="0" smtClean="0">
+                <a:solidFill>
+                  <a:schemeClr val="tx1"/>
+                </a:solidFill>
+                <a:latin typeface="Times New Roman" pitchFamily="18" charset="0"/>
+                <a:cs typeface="Times New Roman" pitchFamily="18" charset="0"/>
+              </a:rPr>
+              <a:t>IEEE,</a:t>
+            </a:r>
+            <a:endParaRPr lang="en-US" sz="1600" dirty="0" smtClean="0">
+              <a:latin typeface="Times New Roman" pitchFamily="18" charset="0"/>
+              <a:cs typeface="Times New Roman" pitchFamily="18" charset="0"/>
+            </a:endParaRPr>
+          </a:p>
+          <a:p>
+            <a:pPr algn="ctr"/>
+            <a:r>
+              <a:rPr lang="en-US" sz="1600" b="1" dirty="0" err="1" smtClean="0">
+                <a:solidFill>
+                  <a:schemeClr val="tx1"/>
+                </a:solidFill>
+                <a:latin typeface="Times New Roman" pitchFamily="18" charset="0"/>
+                <a:cs typeface="Times New Roman" pitchFamily="18" charset="0"/>
+              </a:rPr>
+              <a:t>CiteSeer</a:t>
+            </a:r>
+            <a:r>
+              <a:rPr lang="en-US" sz="1600" b="1" dirty="0" smtClean="0">
+                <a:solidFill>
+                  <a:schemeClr val="tx1"/>
+                </a:solidFill>
+                <a:latin typeface="Times New Roman" pitchFamily="18" charset="0"/>
+                <a:cs typeface="Times New Roman" pitchFamily="18" charset="0"/>
+              </a:rPr>
+              <a:t>,</a:t>
+            </a:r>
+            <a:r>
+              <a:rPr lang="en-US" sz="1600" dirty="0" smtClean="0">
+                <a:latin typeface="Times New Roman" pitchFamily="18" charset="0"/>
+                <a:cs typeface="Times New Roman" pitchFamily="18" charset="0"/>
+              </a:rPr>
+              <a:t> </a:t>
+            </a:r>
+            <a:endParaRPr lang="en-US" sz="1600" b="1" dirty="0" smtClean="0">
+              <a:solidFill>
+                <a:schemeClr val="tx1"/>
+              </a:solidFill>
+              <a:latin typeface="Times New Roman" pitchFamily="18" charset="0"/>
+              <a:cs typeface="Times New Roman" pitchFamily="18" charset="0"/>
+            </a:endParaRPr>
+          </a:p>
+          <a:p>
+            <a:pPr algn="ctr"/>
+            <a:endParaRPr lang="en-US" sz="1600" b="1" dirty="0" smtClean="0">
+              <a:solidFill>
+                <a:schemeClr val="tx1"/>
+              </a:solidFill>
+              <a:latin typeface="Times New Roman" pitchFamily="18" charset="0"/>
+              <a:cs typeface="Times New Roman" pitchFamily="18" charset="0"/>
+            </a:endParaRPr>
+          </a:p>
+          <a:p>
+            <a:pPr algn="ctr"/>
+            <a:endParaRPr lang="en-US" b="1" dirty="0">
+              <a:solidFill>
+                <a:schemeClr val="tx1"/>
+              </a:solidFill>
+              <a:latin typeface="Times New Roman" pitchFamily="18" charset="0"/>
+              <a:cs typeface="Times New Roman" pitchFamily="18" charset="0"/>
+            </a:endParaRPr>
+          </a:p>
+        </p:txBody>
+      </p:sp>
+      <p:cxnSp>
+        <p:nvCxnSpPr>
+          <p:cNvPr id="48" name="Straight Connector 47"/>
+          <p:cNvCxnSpPr/>
+          <p:nvPr/>
+        </p:nvCxnSpPr>
+        <p:spPr>
+          <a:xfrm rot="5400000">
+            <a:off x="4000500" y="3543300"/>
+            <a:ext cx="4419600" cy="76200"/>
+          </a:xfrm>
+          <a:prstGeom prst="line">
+            <a:avLst/>
+          </a:prstGeom>
+        </p:spPr>
+        <p:style>
+          <a:lnRef idx="1">
+            <a:schemeClr val="accent1"/>
+          </a:lnRef>
+          <a:fillRef idx="0">
+            <a:schemeClr val="accent1"/>
+          </a:fillRef>
+          <a:effectRef idx="0">
+            <a:schemeClr val="accent1"/>
+          </a:effectRef>
+          <a:fontRef idx="minor">
+            <a:schemeClr val="tx1"/>
+          </a:fontRef>
+        </p:style>
+      </p:cxnSp>
+      <p:cxnSp>
+        <p:nvCxnSpPr>
+          <p:cNvPr id="50" name="Straight Connector 49"/>
+          <p:cNvCxnSpPr/>
+          <p:nvPr/>
+        </p:nvCxnSpPr>
+        <p:spPr>
+          <a:xfrm rot="5400000">
+            <a:off x="4267200" y="3505200"/>
+            <a:ext cx="4419600" cy="152400"/>
+          </a:xfrm>
+          <a:prstGeom prst="line">
+            <a:avLst/>
+          </a:prstGeom>
+        </p:spPr>
+        <p:style>
+          <a:lnRef idx="1">
+            <a:schemeClr val="accent1"/>
+          </a:lnRef>
+          <a:fillRef idx="0">
+            <a:schemeClr val="accent1"/>
+          </a:fillRef>
+          <a:effectRef idx="0">
+            <a:schemeClr val="accent1"/>
+          </a:effectRef>
+          <a:fontRef idx="minor">
+            <a:schemeClr val="tx1"/>
+          </a:fontRef>
+        </p:style>
+      </p:cxnSp>
+      <p:sp>
+        <p:nvSpPr>
+          <p:cNvPr id="81" name="TextBox 80"/>
+          <p:cNvSpPr txBox="1"/>
+          <p:nvPr/>
+        </p:nvSpPr>
+        <p:spPr>
+          <a:xfrm rot="16200000">
+            <a:off x="4832866" y="3015734"/>
+            <a:ext cx="3048000" cy="369332"/>
+          </a:xfrm>
+          <a:prstGeom prst="rect">
+            <a:avLst/>
+          </a:prstGeom>
+          <a:noFill/>
+        </p:spPr>
+        <p:txBody>
+          <a:bodyPr wrap="square" rtlCol="0">
+            <a:spAutoFit/>
+          </a:bodyPr>
+          <a:lstStyle/>
+          <a:p>
+            <a:r>
+              <a:rPr lang="en-US" b="1" dirty="0" err="1" smtClean="0">
+                <a:latin typeface="Times New Roman" pitchFamily="18" charset="0"/>
+                <a:cs typeface="Times New Roman" pitchFamily="18" charset="0"/>
+              </a:rPr>
+              <a:t>Thông</a:t>
+            </a:r>
+            <a:r>
+              <a:rPr lang="en-US" b="1" dirty="0" smtClean="0">
+                <a:latin typeface="Times New Roman" pitchFamily="18" charset="0"/>
+                <a:cs typeface="Times New Roman" pitchFamily="18" charset="0"/>
+              </a:rPr>
+              <a:t> tin </a:t>
+            </a:r>
+            <a:r>
+              <a:rPr lang="en-US" b="1" dirty="0" err="1" smtClean="0">
+                <a:latin typeface="Times New Roman" pitchFamily="18" charset="0"/>
+                <a:cs typeface="Times New Roman" pitchFamily="18" charset="0"/>
+              </a:rPr>
+              <a:t>bài</a:t>
+            </a:r>
+            <a:r>
+              <a:rPr lang="en-US" b="1" dirty="0" smtClean="0">
+                <a:latin typeface="Times New Roman" pitchFamily="18" charset="0"/>
+                <a:cs typeface="Times New Roman" pitchFamily="18" charset="0"/>
+              </a:rPr>
+              <a:t> </a:t>
+            </a:r>
+            <a:r>
+              <a:rPr lang="en-US" b="1" dirty="0" err="1" smtClean="0">
+                <a:latin typeface="Times New Roman" pitchFamily="18" charset="0"/>
+                <a:cs typeface="Times New Roman" pitchFamily="18" charset="0"/>
+              </a:rPr>
+              <a:t>báo</a:t>
+            </a:r>
+            <a:r>
+              <a:rPr lang="en-US" b="1" dirty="0" smtClean="0">
+                <a:latin typeface="Times New Roman" pitchFamily="18" charset="0"/>
+                <a:cs typeface="Times New Roman" pitchFamily="18" charset="0"/>
+              </a:rPr>
+              <a:t> </a:t>
+            </a:r>
+            <a:r>
+              <a:rPr lang="en-US" b="1" dirty="0" err="1" smtClean="0">
+                <a:latin typeface="Times New Roman" pitchFamily="18" charset="0"/>
+                <a:cs typeface="Times New Roman" pitchFamily="18" charset="0"/>
+              </a:rPr>
+              <a:t>khoa</a:t>
+            </a:r>
+            <a:r>
+              <a:rPr lang="en-US" b="1" dirty="0" smtClean="0">
+                <a:latin typeface="Times New Roman" pitchFamily="18" charset="0"/>
+                <a:cs typeface="Times New Roman" pitchFamily="18" charset="0"/>
+              </a:rPr>
+              <a:t> </a:t>
+            </a:r>
+            <a:r>
+              <a:rPr lang="en-US" b="1" dirty="0" err="1" smtClean="0">
+                <a:latin typeface="Times New Roman" pitchFamily="18" charset="0"/>
+                <a:cs typeface="Times New Roman" pitchFamily="18" charset="0"/>
+              </a:rPr>
+              <a:t>học</a:t>
+            </a:r>
+            <a:endParaRPr lang="en-US" b="1" dirty="0">
+              <a:latin typeface="Times New Roman" pitchFamily="18" charset="0"/>
+              <a:cs typeface="Times New Roman" pitchFamily="18" charset="0"/>
+            </a:endParaRPr>
+          </a:p>
+        </p:txBody>
+      </p:sp>
+      <p:sp>
+        <p:nvSpPr>
+          <p:cNvPr id="18" name="Flowchart: Alternate Process 17"/>
+          <p:cNvSpPr/>
+          <p:nvPr/>
+        </p:nvSpPr>
+        <p:spPr>
+          <a:xfrm>
+            <a:off x="7315200" y="3200400"/>
+            <a:ext cx="1219200" cy="609600"/>
+          </a:xfrm>
+          <a:prstGeom prst="flowChartAlternateProcess">
+            <a:avLst/>
+          </a:prstGeom>
+        </p:spPr>
+        <p:style>
+          <a:lnRef idx="2">
+            <a:schemeClr val="accent1">
+              <a:shade val="50000"/>
+            </a:schemeClr>
+          </a:lnRef>
+          <a:fillRef idx="1">
+            <a:schemeClr val="accent1"/>
+          </a:fillRef>
+          <a:effectRef idx="0">
+            <a:schemeClr val="accent1"/>
+          </a:effectRef>
+          <a:fontRef idx="minor">
+            <a:schemeClr val="lt1"/>
+          </a:fontRef>
+        </p:style>
+        <p:txBody>
+          <a:bodyPr rtlCol="0" anchor="ctr"/>
+          <a:lstStyle/>
+          <a:p>
+            <a:pPr algn="ctr"/>
+            <a:r>
+              <a:rPr lang="en-US" b="1" dirty="0" err="1" smtClean="0">
+                <a:latin typeface="Times New Roman" pitchFamily="18" charset="0"/>
+                <a:cs typeface="Times New Roman" pitchFamily="18" charset="0"/>
+              </a:rPr>
+              <a:t>Kiểm</a:t>
+            </a:r>
+            <a:r>
+              <a:rPr lang="en-US" b="1" dirty="0" smtClean="0">
+                <a:latin typeface="Times New Roman" pitchFamily="18" charset="0"/>
+                <a:cs typeface="Times New Roman" pitchFamily="18" charset="0"/>
+              </a:rPr>
+              <a:t> </a:t>
+            </a:r>
+            <a:r>
+              <a:rPr lang="en-US" b="1" dirty="0" err="1" smtClean="0">
+                <a:latin typeface="Times New Roman" pitchFamily="18" charset="0"/>
+                <a:cs typeface="Times New Roman" pitchFamily="18" charset="0"/>
+              </a:rPr>
+              <a:t>Tra</a:t>
+            </a:r>
+            <a:endParaRPr lang="en-US" b="1" dirty="0">
+              <a:latin typeface="Times New Roman" pitchFamily="18" charset="0"/>
+              <a:cs typeface="Times New Roman" pitchFamily="18" charset="0"/>
+            </a:endParaRPr>
+          </a:p>
+        </p:txBody>
+      </p:sp>
+      <p:sp>
+        <p:nvSpPr>
+          <p:cNvPr id="19" name="Right Arrow 18"/>
+          <p:cNvSpPr/>
+          <p:nvPr/>
+        </p:nvSpPr>
+        <p:spPr>
+          <a:xfrm>
+            <a:off x="1524000" y="2819400"/>
+            <a:ext cx="381000" cy="228600"/>
+          </a:xfrm>
+          <a:prstGeom prst="rightArrow">
+            <a:avLst/>
+          </a:prstGeom>
+        </p:spPr>
+        <p:style>
+          <a:lnRef idx="2">
+            <a:schemeClr val="accent1">
+              <a:shade val="50000"/>
+            </a:schemeClr>
+          </a:lnRef>
+          <a:fillRef idx="1">
+            <a:schemeClr val="accent1"/>
+          </a:fillRef>
+          <a:effectRef idx="0">
+            <a:schemeClr val="accent1"/>
+          </a:effectRef>
+          <a:fontRef idx="minor">
+            <a:schemeClr val="lt1"/>
+          </a:fontRef>
+        </p:style>
+        <p:txBody>
+          <a:bodyPr rtlCol="0" anchor="ctr"/>
+          <a:lstStyle/>
+          <a:p>
+            <a:pPr algn="ctr"/>
+            <a:endParaRPr lang="en-US">
+              <a:latin typeface="Times New Roman" pitchFamily="18" charset="0"/>
+              <a:cs typeface="Times New Roman" pitchFamily="18" charset="0"/>
+            </a:endParaRPr>
+          </a:p>
+        </p:txBody>
+      </p:sp>
+      <p:sp>
+        <p:nvSpPr>
+          <p:cNvPr id="22" name="Right Arrow 21"/>
+          <p:cNvSpPr/>
+          <p:nvPr/>
+        </p:nvSpPr>
+        <p:spPr>
+          <a:xfrm>
+            <a:off x="5105400" y="2819400"/>
+            <a:ext cx="1143000" cy="152400"/>
+          </a:xfrm>
+          <a:prstGeom prst="rightArrow">
+            <a:avLst/>
+          </a:prstGeom>
+        </p:spPr>
+        <p:style>
+          <a:lnRef idx="2">
+            <a:schemeClr val="accent1">
+              <a:shade val="50000"/>
+            </a:schemeClr>
+          </a:lnRef>
+          <a:fillRef idx="1">
+            <a:schemeClr val="accent1"/>
+          </a:fillRef>
+          <a:effectRef idx="0">
+            <a:schemeClr val="accent1"/>
+          </a:effectRef>
+          <a:fontRef idx="minor">
+            <a:schemeClr val="lt1"/>
+          </a:fontRef>
+        </p:style>
+        <p:txBody>
+          <a:bodyPr rtlCol="0" anchor="ctr"/>
+          <a:lstStyle/>
+          <a:p>
+            <a:pPr algn="ctr"/>
+            <a:endParaRPr lang="en-US">
+              <a:latin typeface="Times New Roman" pitchFamily="18" charset="0"/>
+              <a:cs typeface="Times New Roman" pitchFamily="18" charset="0"/>
+            </a:endParaRPr>
+          </a:p>
+        </p:txBody>
+      </p:sp>
+      <p:sp>
+        <p:nvSpPr>
+          <p:cNvPr id="23" name="Right Arrow 22"/>
+          <p:cNvSpPr/>
+          <p:nvPr/>
+        </p:nvSpPr>
+        <p:spPr>
+          <a:xfrm>
+            <a:off x="6553200" y="3429000"/>
+            <a:ext cx="762000" cy="228600"/>
+          </a:xfrm>
+          <a:prstGeom prst="rightArrow">
+            <a:avLst/>
+          </a:prstGeom>
+        </p:spPr>
+        <p:style>
+          <a:lnRef idx="2">
+            <a:schemeClr val="accent1">
+              <a:shade val="50000"/>
+            </a:schemeClr>
+          </a:lnRef>
+          <a:fillRef idx="1">
+            <a:schemeClr val="accent1"/>
+          </a:fillRef>
+          <a:effectRef idx="0">
+            <a:schemeClr val="accent1"/>
+          </a:effectRef>
+          <a:fontRef idx="minor">
+            <a:schemeClr val="lt1"/>
+          </a:fontRef>
+        </p:style>
+        <p:txBody>
+          <a:bodyPr rtlCol="0" anchor="ctr"/>
+          <a:lstStyle/>
+          <a:p>
+            <a:pPr algn="ctr"/>
+            <a:endParaRPr lang="en-US">
+              <a:latin typeface="Times New Roman" pitchFamily="18" charset="0"/>
+              <a:cs typeface="Times New Roman" pitchFamily="18" charset="0"/>
+            </a:endParaRPr>
+          </a:p>
+        </p:txBody>
+      </p:sp>
+      <p:sp>
+        <p:nvSpPr>
+          <p:cNvPr id="25" name="Right Arrow 24"/>
+          <p:cNvSpPr/>
+          <p:nvPr/>
+        </p:nvSpPr>
+        <p:spPr>
+          <a:xfrm rot="5400000">
+            <a:off x="7620000" y="4038600"/>
+            <a:ext cx="533400" cy="228600"/>
+          </a:xfrm>
+          <a:prstGeom prst="rightArrow">
+            <a:avLst/>
+          </a:prstGeom>
+        </p:spPr>
+        <p:style>
+          <a:lnRef idx="2">
+            <a:schemeClr val="accent1">
+              <a:shade val="50000"/>
+            </a:schemeClr>
+          </a:lnRef>
+          <a:fillRef idx="1">
+            <a:schemeClr val="accent1"/>
+          </a:fillRef>
+          <a:effectRef idx="0">
+            <a:schemeClr val="accent1"/>
+          </a:effectRef>
+          <a:fontRef idx="minor">
+            <a:schemeClr val="lt1"/>
+          </a:fontRef>
+        </p:style>
+        <p:txBody>
+          <a:bodyPr rtlCol="0" anchor="ctr"/>
+          <a:lstStyle/>
+          <a:p>
+            <a:pPr algn="ctr"/>
+            <a:endParaRPr lang="en-US">
+              <a:latin typeface="Times New Roman" pitchFamily="18" charset="0"/>
+              <a:cs typeface="Times New Roman" pitchFamily="18" charset="0"/>
+            </a:endParaRPr>
+          </a:p>
+        </p:txBody>
+      </p:sp>
+      <p:sp>
+        <p:nvSpPr>
+          <p:cNvPr id="28" name="Rectangle 27"/>
+          <p:cNvSpPr/>
+          <p:nvPr/>
+        </p:nvSpPr>
+        <p:spPr>
+          <a:xfrm>
+            <a:off x="3657600" y="2438400"/>
+            <a:ext cx="1371600" cy="838200"/>
+          </a:xfrm>
+          <a:prstGeom prst="rect">
+            <a:avLst/>
+          </a:prstGeom>
+          <a:noFill/>
+        </p:spPr>
+        <p:style>
+          <a:lnRef idx="2">
+            <a:schemeClr val="accent1">
+              <a:shade val="50000"/>
+            </a:schemeClr>
+          </a:lnRef>
+          <a:fillRef idx="1">
+            <a:schemeClr val="accent1"/>
+          </a:fillRef>
+          <a:effectRef idx="0">
+            <a:schemeClr val="accent1"/>
+          </a:effectRef>
+          <a:fontRef idx="minor">
+            <a:schemeClr val="lt1"/>
+          </a:fontRef>
+        </p:style>
+        <p:txBody>
+          <a:bodyPr rtlCol="0" anchor="ctr"/>
+          <a:lstStyle/>
+          <a:p>
+            <a:pPr algn="ctr"/>
+            <a:r>
+              <a:rPr lang="en-US" sz="1300" b="1" dirty="0" smtClean="0">
+                <a:solidFill>
+                  <a:schemeClr val="tx1"/>
+                </a:solidFill>
+                <a:latin typeface="Times New Roman" pitchFamily="18" charset="0"/>
+                <a:cs typeface="Times New Roman" pitchFamily="18" charset="0"/>
+              </a:rPr>
+              <a:t>Module </a:t>
+            </a:r>
+            <a:r>
+              <a:rPr lang="en-US" sz="1300" b="1" dirty="0" err="1" smtClean="0">
+                <a:solidFill>
+                  <a:schemeClr val="tx1"/>
+                </a:solidFill>
+                <a:latin typeface="Times New Roman" pitchFamily="18" charset="0"/>
+                <a:cs typeface="Times New Roman" pitchFamily="18" charset="0"/>
+              </a:rPr>
+              <a:t>Rút</a:t>
+            </a:r>
+            <a:r>
+              <a:rPr lang="en-US" sz="1300" b="1" dirty="0" smtClean="0">
+                <a:solidFill>
+                  <a:schemeClr val="tx1"/>
+                </a:solidFill>
+                <a:latin typeface="Times New Roman" pitchFamily="18" charset="0"/>
+                <a:cs typeface="Times New Roman" pitchFamily="18" charset="0"/>
+              </a:rPr>
+              <a:t> </a:t>
+            </a:r>
+            <a:r>
+              <a:rPr lang="en-US" sz="1300" b="1" dirty="0" err="1" smtClean="0">
+                <a:solidFill>
+                  <a:schemeClr val="tx1"/>
+                </a:solidFill>
+                <a:latin typeface="Times New Roman" pitchFamily="18" charset="0"/>
+                <a:cs typeface="Times New Roman" pitchFamily="18" charset="0"/>
+              </a:rPr>
+              <a:t>trích</a:t>
+            </a:r>
+            <a:r>
+              <a:rPr lang="en-US" sz="1300" b="1" dirty="0" smtClean="0">
+                <a:solidFill>
+                  <a:schemeClr val="tx1"/>
+                </a:solidFill>
+                <a:latin typeface="Times New Roman" pitchFamily="18" charset="0"/>
+                <a:cs typeface="Times New Roman" pitchFamily="18" charset="0"/>
+              </a:rPr>
+              <a:t> </a:t>
+            </a:r>
+            <a:r>
+              <a:rPr lang="en-US" sz="1300" b="1" dirty="0" err="1" smtClean="0">
+                <a:solidFill>
+                  <a:schemeClr val="tx1"/>
+                </a:solidFill>
+                <a:latin typeface="Times New Roman" pitchFamily="18" charset="0"/>
+                <a:cs typeface="Times New Roman" pitchFamily="18" charset="0"/>
+              </a:rPr>
+              <a:t>thông</a:t>
+            </a:r>
+            <a:r>
+              <a:rPr lang="en-US" sz="1300" b="1" dirty="0" smtClean="0">
+                <a:solidFill>
+                  <a:schemeClr val="tx1"/>
+                </a:solidFill>
+                <a:latin typeface="Times New Roman" pitchFamily="18" charset="0"/>
+                <a:cs typeface="Times New Roman" pitchFamily="18" charset="0"/>
+              </a:rPr>
+              <a:t> tin </a:t>
+            </a:r>
+            <a:r>
+              <a:rPr lang="en-US" sz="1300" b="1" dirty="0" err="1" smtClean="0">
+                <a:solidFill>
+                  <a:schemeClr val="tx1"/>
+                </a:solidFill>
+                <a:latin typeface="Times New Roman" pitchFamily="18" charset="0"/>
+                <a:cs typeface="Times New Roman" pitchFamily="18" charset="0"/>
+              </a:rPr>
+              <a:t>bài</a:t>
+            </a:r>
+            <a:r>
+              <a:rPr lang="en-US" sz="1300" b="1" dirty="0" smtClean="0">
+                <a:solidFill>
+                  <a:schemeClr val="tx1"/>
+                </a:solidFill>
+                <a:latin typeface="Times New Roman" pitchFamily="18" charset="0"/>
+                <a:cs typeface="Times New Roman" pitchFamily="18" charset="0"/>
+              </a:rPr>
+              <a:t> </a:t>
+            </a:r>
+            <a:r>
+              <a:rPr lang="en-US" sz="1300" b="1" dirty="0" err="1" smtClean="0">
+                <a:solidFill>
+                  <a:schemeClr val="tx1"/>
+                </a:solidFill>
+                <a:latin typeface="Times New Roman" pitchFamily="18" charset="0"/>
+                <a:cs typeface="Times New Roman" pitchFamily="18" charset="0"/>
+              </a:rPr>
+              <a:t>báo</a:t>
+            </a:r>
+            <a:endParaRPr lang="en-US" sz="1300" b="1" dirty="0">
+              <a:solidFill>
+                <a:schemeClr val="tx1"/>
+              </a:solidFill>
+              <a:latin typeface="Times New Roman" pitchFamily="18" charset="0"/>
+              <a:cs typeface="Times New Roman" pitchFamily="18" charset="0"/>
+            </a:endParaRPr>
+          </a:p>
+        </p:txBody>
+      </p:sp>
+      <p:sp>
+        <p:nvSpPr>
+          <p:cNvPr id="29" name="Right Arrow 28"/>
+          <p:cNvSpPr/>
+          <p:nvPr/>
+        </p:nvSpPr>
+        <p:spPr>
+          <a:xfrm>
+            <a:off x="3200400" y="2819400"/>
+            <a:ext cx="457200" cy="152400"/>
+          </a:xfrm>
+          <a:prstGeom prst="rightArrow">
+            <a:avLst/>
+          </a:prstGeom>
+        </p:spPr>
+        <p:style>
+          <a:lnRef idx="2">
+            <a:schemeClr val="accent1">
+              <a:shade val="50000"/>
+            </a:schemeClr>
+          </a:lnRef>
+          <a:fillRef idx="1">
+            <a:schemeClr val="accent1"/>
+          </a:fillRef>
+          <a:effectRef idx="0">
+            <a:schemeClr val="accent1"/>
+          </a:effectRef>
+          <a:fontRef idx="minor">
+            <a:schemeClr val="lt1"/>
+          </a:fontRef>
+        </p:style>
+        <p:txBody>
+          <a:bodyPr rtlCol="0" anchor="ctr"/>
+          <a:lstStyle/>
+          <a:p>
+            <a:pPr algn="ctr"/>
+            <a:endParaRPr lang="en-US">
+              <a:latin typeface="Times New Roman" pitchFamily="18" charset="0"/>
+              <a:cs typeface="Times New Roman" pitchFamily="18" charset="0"/>
+            </a:endParaRPr>
+          </a:p>
+        </p:txBody>
+      </p:sp>
+      <p:sp>
+        <p:nvSpPr>
+          <p:cNvPr id="31" name="TextBox 30"/>
+          <p:cNvSpPr txBox="1"/>
+          <p:nvPr/>
+        </p:nvSpPr>
+        <p:spPr>
+          <a:xfrm>
+            <a:off x="5105400" y="2438400"/>
+            <a:ext cx="1600200" cy="292388"/>
+          </a:xfrm>
+          <a:prstGeom prst="rect">
+            <a:avLst/>
+          </a:prstGeom>
+          <a:noFill/>
+        </p:spPr>
+        <p:txBody>
+          <a:bodyPr wrap="square" rtlCol="0">
+            <a:spAutoFit/>
+          </a:bodyPr>
+          <a:lstStyle/>
+          <a:p>
+            <a:r>
+              <a:rPr lang="en-US" sz="1300" dirty="0" smtClean="0">
+                <a:latin typeface="Times New Roman" pitchFamily="18" charset="0"/>
+                <a:cs typeface="Times New Roman" pitchFamily="18" charset="0"/>
+              </a:rPr>
+              <a:t>Metadata</a:t>
+            </a:r>
+            <a:endParaRPr lang="en-US" sz="1300" dirty="0">
+              <a:latin typeface="Times New Roman" pitchFamily="18" charset="0"/>
+              <a:cs typeface="Times New Roman" pitchFamily="18" charset="0"/>
+            </a:endParaRPr>
+          </a:p>
+        </p:txBody>
+      </p:sp>
+      <p:sp>
+        <p:nvSpPr>
+          <p:cNvPr id="27" name="Flowchart: Magnetic Disk 26"/>
+          <p:cNvSpPr/>
+          <p:nvPr/>
+        </p:nvSpPr>
+        <p:spPr>
+          <a:xfrm>
+            <a:off x="2133600" y="4038600"/>
+            <a:ext cx="990600" cy="990600"/>
+          </a:xfrm>
+          <a:prstGeom prst="flowChartMagneticDisk">
+            <a:avLst/>
+          </a:prstGeom>
+          <a:solidFill>
+            <a:schemeClr val="accent2"/>
+          </a:solidFill>
+        </p:spPr>
+        <p:style>
+          <a:lnRef idx="2">
+            <a:schemeClr val="accent1">
+              <a:shade val="50000"/>
+            </a:schemeClr>
+          </a:lnRef>
+          <a:fillRef idx="1">
+            <a:schemeClr val="accent1"/>
+          </a:fillRef>
+          <a:effectRef idx="0">
+            <a:schemeClr val="accent1"/>
+          </a:effectRef>
+          <a:fontRef idx="minor">
+            <a:schemeClr val="lt1"/>
+          </a:fontRef>
+        </p:style>
+        <p:txBody>
+          <a:bodyPr rtlCol="0" anchor="ctr"/>
+          <a:lstStyle/>
+          <a:p>
+            <a:pPr algn="ctr"/>
+            <a:endParaRPr lang="en-US" sz="1400" b="1" dirty="0" smtClean="0">
+              <a:latin typeface="Times New Roman" pitchFamily="18" charset="0"/>
+              <a:cs typeface="Times New Roman" pitchFamily="18" charset="0"/>
+            </a:endParaRPr>
+          </a:p>
+          <a:p>
+            <a:pPr algn="ctr"/>
+            <a:r>
+              <a:rPr lang="en-US" sz="1400" b="1" dirty="0" smtClean="0">
+                <a:latin typeface="Times New Roman" pitchFamily="18" charset="0"/>
+                <a:cs typeface="Times New Roman" pitchFamily="18" charset="0"/>
+              </a:rPr>
+              <a:t>DBLP </a:t>
+            </a:r>
+            <a:endParaRPr lang="en-US" sz="1400" b="1" dirty="0">
+              <a:latin typeface="Times New Roman" pitchFamily="18" charset="0"/>
+              <a:cs typeface="Times New Roman" pitchFamily="18" charset="0"/>
+            </a:endParaRPr>
+          </a:p>
+        </p:txBody>
+      </p:sp>
+      <p:sp>
+        <p:nvSpPr>
+          <p:cNvPr id="35" name="Rectangle 34"/>
+          <p:cNvSpPr/>
+          <p:nvPr/>
+        </p:nvSpPr>
+        <p:spPr>
+          <a:xfrm>
+            <a:off x="1905000" y="2438400"/>
+            <a:ext cx="1295400" cy="838200"/>
+          </a:xfrm>
+          <a:prstGeom prst="rect">
+            <a:avLst/>
+          </a:prstGeom>
+          <a:noFill/>
+        </p:spPr>
+        <p:style>
+          <a:lnRef idx="2">
+            <a:schemeClr val="accent1">
+              <a:shade val="50000"/>
+            </a:schemeClr>
+          </a:lnRef>
+          <a:fillRef idx="1">
+            <a:schemeClr val="accent1"/>
+          </a:fillRef>
+          <a:effectRef idx="0">
+            <a:schemeClr val="accent1"/>
+          </a:effectRef>
+          <a:fontRef idx="minor">
+            <a:schemeClr val="lt1"/>
+          </a:fontRef>
+        </p:style>
+        <p:txBody>
+          <a:bodyPr rtlCol="0" anchor="ctr"/>
+          <a:lstStyle/>
+          <a:p>
+            <a:pPr algn="ctr"/>
+            <a:r>
+              <a:rPr lang="en-US" sz="1300" b="1" dirty="0" smtClean="0">
+                <a:solidFill>
+                  <a:schemeClr val="tx1"/>
+                </a:solidFill>
+                <a:latin typeface="Times New Roman" pitchFamily="18" charset="0"/>
+                <a:cs typeface="Times New Roman" pitchFamily="18" charset="0"/>
+              </a:rPr>
+              <a:t>Module</a:t>
+            </a:r>
+          </a:p>
+          <a:p>
+            <a:pPr algn="ctr"/>
+            <a:r>
+              <a:rPr lang="en-US" sz="1300" b="1" dirty="0" smtClean="0">
+                <a:solidFill>
+                  <a:schemeClr val="tx1"/>
+                </a:solidFill>
+                <a:latin typeface="Times New Roman" pitchFamily="18" charset="0"/>
+                <a:cs typeface="Times New Roman" pitchFamily="18" charset="0"/>
+              </a:rPr>
+              <a:t> Thu </a:t>
+            </a:r>
+            <a:r>
+              <a:rPr lang="en-US" sz="1300" b="1" dirty="0" err="1" smtClean="0">
+                <a:solidFill>
+                  <a:schemeClr val="tx1"/>
+                </a:solidFill>
+                <a:latin typeface="Times New Roman" pitchFamily="18" charset="0"/>
+                <a:cs typeface="Times New Roman" pitchFamily="18" charset="0"/>
+              </a:rPr>
+              <a:t>thập</a:t>
+            </a:r>
+            <a:endParaRPr lang="en-US" sz="1300" b="1" dirty="0" smtClean="0">
+              <a:solidFill>
+                <a:schemeClr val="tx1"/>
+              </a:solidFill>
+              <a:latin typeface="Times New Roman" pitchFamily="18" charset="0"/>
+              <a:cs typeface="Times New Roman" pitchFamily="18" charset="0"/>
+            </a:endParaRPr>
+          </a:p>
+          <a:p>
+            <a:pPr algn="ctr"/>
+            <a:endParaRPr lang="en-US" sz="1300" dirty="0">
+              <a:latin typeface="Times New Roman" pitchFamily="18" charset="0"/>
+              <a:cs typeface="Times New Roman" pitchFamily="18" charset="0"/>
+            </a:endParaRPr>
+          </a:p>
+        </p:txBody>
+      </p:sp>
+      <p:sp>
+        <p:nvSpPr>
+          <p:cNvPr id="37" name="Rectangle 36"/>
+          <p:cNvSpPr/>
+          <p:nvPr/>
+        </p:nvSpPr>
+        <p:spPr>
+          <a:xfrm>
+            <a:off x="3733800" y="4191000"/>
+            <a:ext cx="1295400" cy="838200"/>
+          </a:xfrm>
+          <a:prstGeom prst="rect">
+            <a:avLst/>
+          </a:prstGeom>
+          <a:noFill/>
+        </p:spPr>
+        <p:style>
+          <a:lnRef idx="2">
+            <a:schemeClr val="accent1">
+              <a:shade val="50000"/>
+            </a:schemeClr>
+          </a:lnRef>
+          <a:fillRef idx="1">
+            <a:schemeClr val="accent1"/>
+          </a:fillRef>
+          <a:effectRef idx="0">
+            <a:schemeClr val="accent1"/>
+          </a:effectRef>
+          <a:fontRef idx="minor">
+            <a:schemeClr val="lt1"/>
+          </a:fontRef>
+        </p:style>
+        <p:txBody>
+          <a:bodyPr rtlCol="0" anchor="ctr"/>
+          <a:lstStyle/>
+          <a:p>
+            <a:pPr algn="ctr"/>
+            <a:r>
+              <a:rPr lang="en-US" sz="1300" b="1" dirty="0" smtClean="0">
+                <a:solidFill>
+                  <a:schemeClr val="tx1"/>
+                </a:solidFill>
+                <a:latin typeface="Times New Roman" pitchFamily="18" charset="0"/>
+                <a:cs typeface="Times New Roman" pitchFamily="18" charset="0"/>
+              </a:rPr>
+              <a:t>Module</a:t>
+            </a:r>
+          </a:p>
+          <a:p>
+            <a:pPr algn="ctr"/>
+            <a:r>
+              <a:rPr lang="en-US" sz="1300" b="1" dirty="0" smtClean="0">
+                <a:solidFill>
+                  <a:schemeClr val="tx1"/>
+                </a:solidFill>
+                <a:latin typeface="Times New Roman" pitchFamily="18" charset="0"/>
+                <a:cs typeface="Times New Roman" pitchFamily="18" charset="0"/>
+              </a:rPr>
+              <a:t> Import </a:t>
+            </a:r>
+            <a:r>
+              <a:rPr lang="en-US" sz="1300" b="1" dirty="0" err="1" smtClean="0">
+                <a:solidFill>
+                  <a:schemeClr val="tx1"/>
+                </a:solidFill>
+                <a:latin typeface="Times New Roman" pitchFamily="18" charset="0"/>
+                <a:cs typeface="Times New Roman" pitchFamily="18" charset="0"/>
+              </a:rPr>
+              <a:t>dữ</a:t>
+            </a:r>
+            <a:r>
+              <a:rPr lang="en-US" sz="1300" b="1" dirty="0" smtClean="0">
+                <a:solidFill>
+                  <a:schemeClr val="tx1"/>
+                </a:solidFill>
+                <a:latin typeface="Times New Roman" pitchFamily="18" charset="0"/>
+                <a:cs typeface="Times New Roman" pitchFamily="18" charset="0"/>
+              </a:rPr>
+              <a:t> </a:t>
+            </a:r>
+            <a:r>
+              <a:rPr lang="en-US" sz="1300" b="1" dirty="0" err="1" smtClean="0">
+                <a:solidFill>
+                  <a:schemeClr val="tx1"/>
+                </a:solidFill>
+                <a:latin typeface="Times New Roman" pitchFamily="18" charset="0"/>
+                <a:cs typeface="Times New Roman" pitchFamily="18" charset="0"/>
+              </a:rPr>
+              <a:t>liệu</a:t>
+            </a:r>
+            <a:endParaRPr lang="en-US" sz="1300" b="1" dirty="0" smtClean="0">
+              <a:solidFill>
+                <a:schemeClr val="tx1"/>
+              </a:solidFill>
+              <a:latin typeface="Times New Roman" pitchFamily="18" charset="0"/>
+              <a:cs typeface="Times New Roman" pitchFamily="18" charset="0"/>
+            </a:endParaRPr>
+          </a:p>
+          <a:p>
+            <a:pPr algn="ctr"/>
+            <a:endParaRPr lang="en-US" sz="1300" dirty="0">
+              <a:latin typeface="Times New Roman" pitchFamily="18" charset="0"/>
+              <a:cs typeface="Times New Roman" pitchFamily="18" charset="0"/>
+            </a:endParaRPr>
+          </a:p>
+        </p:txBody>
+      </p:sp>
+      <p:sp>
+        <p:nvSpPr>
+          <p:cNvPr id="45" name="Right Arrow 44"/>
+          <p:cNvSpPr/>
+          <p:nvPr/>
+        </p:nvSpPr>
+        <p:spPr>
+          <a:xfrm>
+            <a:off x="5105400" y="2819400"/>
+            <a:ext cx="1143000" cy="152400"/>
+          </a:xfrm>
+          <a:prstGeom prst="rightArrow">
+            <a:avLst/>
+          </a:prstGeom>
+        </p:spPr>
+        <p:style>
+          <a:lnRef idx="2">
+            <a:schemeClr val="accent1">
+              <a:shade val="50000"/>
+            </a:schemeClr>
+          </a:lnRef>
+          <a:fillRef idx="1">
+            <a:schemeClr val="accent1"/>
+          </a:fillRef>
+          <a:effectRef idx="0">
+            <a:schemeClr val="accent1"/>
+          </a:effectRef>
+          <a:fontRef idx="minor">
+            <a:schemeClr val="lt1"/>
+          </a:fontRef>
+        </p:style>
+        <p:txBody>
+          <a:bodyPr rtlCol="0" anchor="ctr"/>
+          <a:lstStyle/>
+          <a:p>
+            <a:pPr algn="ctr"/>
+            <a:endParaRPr lang="en-US">
+              <a:latin typeface="Times New Roman" pitchFamily="18" charset="0"/>
+              <a:cs typeface="Times New Roman" pitchFamily="18" charset="0"/>
+            </a:endParaRPr>
+          </a:p>
+        </p:txBody>
+      </p:sp>
+      <p:cxnSp>
+        <p:nvCxnSpPr>
+          <p:cNvPr id="47" name="Elbow Connector 46"/>
+          <p:cNvCxnSpPr>
+            <a:stCxn id="24" idx="1"/>
+          </p:cNvCxnSpPr>
+          <p:nvPr/>
+        </p:nvCxnSpPr>
+        <p:spPr>
+          <a:xfrm rot="5400000">
+            <a:off x="2132911" y="1980510"/>
+            <a:ext cx="915779" cy="1588"/>
+          </a:xfrm>
+          <a:prstGeom prst="bentConnector3">
+            <a:avLst>
+              <a:gd name="adj1" fmla="val 50000"/>
+            </a:avLst>
+          </a:prstGeom>
+          <a:ln>
+            <a:tailEnd type="arrow"/>
+          </a:ln>
+        </p:spPr>
+        <p:style>
+          <a:lnRef idx="1">
+            <a:schemeClr val="accent1"/>
+          </a:lnRef>
+          <a:fillRef idx="0">
+            <a:schemeClr val="accent1"/>
+          </a:fillRef>
+          <a:effectRef idx="0">
+            <a:schemeClr val="accent1"/>
+          </a:effectRef>
+          <a:fontRef idx="minor">
+            <a:schemeClr val="tx1"/>
+          </a:fontRef>
+        </p:style>
+      </p:cxnSp>
+      <p:cxnSp>
+        <p:nvCxnSpPr>
+          <p:cNvPr id="52" name="Elbow Connector 51"/>
+          <p:cNvCxnSpPr>
+            <a:stCxn id="1026" idx="3"/>
+            <a:endCxn id="24" idx="2"/>
+          </p:cNvCxnSpPr>
+          <p:nvPr/>
+        </p:nvCxnSpPr>
+        <p:spPr>
+          <a:xfrm flipV="1">
+            <a:off x="1397298" y="876300"/>
+            <a:ext cx="209047" cy="1931988"/>
+          </a:xfrm>
+          <a:prstGeom prst="bentConnector3">
+            <a:avLst>
+              <a:gd name="adj1" fmla="val -17695"/>
+            </a:avLst>
+          </a:prstGeom>
+          <a:ln>
+            <a:tailEnd type="arrow"/>
+          </a:ln>
+        </p:spPr>
+        <p:style>
+          <a:lnRef idx="1">
+            <a:schemeClr val="accent1"/>
+          </a:lnRef>
+          <a:fillRef idx="0">
+            <a:schemeClr val="accent1"/>
+          </a:fillRef>
+          <a:effectRef idx="0">
+            <a:schemeClr val="accent1"/>
+          </a:effectRef>
+          <a:fontRef idx="minor">
+            <a:schemeClr val="tx1"/>
+          </a:fontRef>
+        </p:style>
+      </p:cxnSp>
+      <p:sp>
+        <p:nvSpPr>
+          <p:cNvPr id="57" name="TextBox 56"/>
+          <p:cNvSpPr txBox="1"/>
+          <p:nvPr/>
+        </p:nvSpPr>
+        <p:spPr>
+          <a:xfrm>
+            <a:off x="2590800" y="1676400"/>
+            <a:ext cx="1906291" cy="523220"/>
+          </a:xfrm>
+          <a:prstGeom prst="rect">
+            <a:avLst/>
+          </a:prstGeom>
+          <a:noFill/>
+        </p:spPr>
+        <p:txBody>
+          <a:bodyPr wrap="none" rtlCol="0">
+            <a:spAutoFit/>
+          </a:bodyPr>
+          <a:lstStyle/>
+          <a:p>
+            <a:r>
+              <a:rPr lang="en-US" sz="1400" dirty="0" err="1" smtClean="0">
+                <a:latin typeface="Times New Roman" pitchFamily="18" charset="0"/>
+                <a:cs typeface="Times New Roman" pitchFamily="18" charset="0"/>
+              </a:rPr>
+              <a:t>Đường</a:t>
+            </a:r>
+            <a:r>
+              <a:rPr lang="en-US" sz="1400" dirty="0" smtClean="0">
+                <a:latin typeface="Times New Roman" pitchFamily="18" charset="0"/>
+                <a:cs typeface="Times New Roman" pitchFamily="18" charset="0"/>
+              </a:rPr>
+              <a:t> </a:t>
+            </a:r>
+            <a:r>
+              <a:rPr lang="en-US" sz="1400" dirty="0" err="1" smtClean="0">
+                <a:latin typeface="Times New Roman" pitchFamily="18" charset="0"/>
+                <a:cs typeface="Times New Roman" pitchFamily="18" charset="0"/>
+              </a:rPr>
+              <a:t>dẫn</a:t>
+            </a:r>
+            <a:r>
+              <a:rPr lang="en-US" sz="1400" dirty="0" smtClean="0">
+                <a:latin typeface="Times New Roman" pitchFamily="18" charset="0"/>
+                <a:cs typeface="Times New Roman" pitchFamily="18" charset="0"/>
+              </a:rPr>
+              <a:t> </a:t>
+            </a:r>
+            <a:r>
+              <a:rPr lang="en-US" sz="1400" dirty="0" err="1" smtClean="0">
+                <a:latin typeface="Times New Roman" pitchFamily="18" charset="0"/>
+                <a:cs typeface="Times New Roman" pitchFamily="18" charset="0"/>
+              </a:rPr>
+              <a:t>đến</a:t>
+            </a:r>
+            <a:r>
+              <a:rPr lang="en-US" sz="1400" dirty="0" smtClean="0">
+                <a:latin typeface="Times New Roman" pitchFamily="18" charset="0"/>
+                <a:cs typeface="Times New Roman" pitchFamily="18" charset="0"/>
+              </a:rPr>
+              <a:t> </a:t>
+            </a:r>
+            <a:r>
+              <a:rPr lang="en-US" sz="1400" dirty="0" err="1" smtClean="0">
+                <a:latin typeface="Times New Roman" pitchFamily="18" charset="0"/>
+                <a:cs typeface="Times New Roman" pitchFamily="18" charset="0"/>
+              </a:rPr>
+              <a:t>bài</a:t>
+            </a:r>
+            <a:r>
+              <a:rPr lang="en-US" sz="1400" dirty="0" smtClean="0">
+                <a:latin typeface="Times New Roman" pitchFamily="18" charset="0"/>
+                <a:cs typeface="Times New Roman" pitchFamily="18" charset="0"/>
+              </a:rPr>
+              <a:t> </a:t>
+            </a:r>
+            <a:r>
+              <a:rPr lang="en-US" sz="1400" dirty="0" err="1" smtClean="0">
+                <a:latin typeface="Times New Roman" pitchFamily="18" charset="0"/>
+                <a:cs typeface="Times New Roman" pitchFamily="18" charset="0"/>
+              </a:rPr>
+              <a:t>báo</a:t>
+            </a:r>
+            <a:endParaRPr lang="en-US" sz="1400" dirty="0" smtClean="0">
+              <a:latin typeface="Times New Roman" pitchFamily="18" charset="0"/>
+              <a:cs typeface="Times New Roman" pitchFamily="18" charset="0"/>
+            </a:endParaRPr>
+          </a:p>
+          <a:p>
+            <a:r>
+              <a:rPr lang="en-US" sz="1400" dirty="0" err="1" smtClean="0">
+                <a:latin typeface="Times New Roman" pitchFamily="18" charset="0"/>
+                <a:cs typeface="Times New Roman" pitchFamily="18" charset="0"/>
+              </a:rPr>
+              <a:t>t</a:t>
+            </a:r>
+            <a:r>
+              <a:rPr lang="en-US" sz="1400" dirty="0" err="1" smtClean="0">
+                <a:latin typeface="Times New Roman" pitchFamily="18" charset="0"/>
+                <a:cs typeface="Times New Roman" pitchFamily="18" charset="0"/>
+              </a:rPr>
+              <a:t>rong</a:t>
+            </a:r>
+            <a:r>
+              <a:rPr lang="en-US" sz="1400" dirty="0" smtClean="0">
+                <a:latin typeface="Times New Roman" pitchFamily="18" charset="0"/>
+                <a:cs typeface="Times New Roman" pitchFamily="18" charset="0"/>
+              </a:rPr>
+              <a:t> </a:t>
+            </a:r>
+            <a:r>
+              <a:rPr lang="en-US" sz="1400" dirty="0" err="1" smtClean="0">
+                <a:latin typeface="Times New Roman" pitchFamily="18" charset="0"/>
+                <a:cs typeface="Times New Roman" pitchFamily="18" charset="0"/>
+              </a:rPr>
+              <a:t>thư</a:t>
+            </a:r>
+            <a:r>
+              <a:rPr lang="en-US" sz="1400" dirty="0" smtClean="0">
+                <a:latin typeface="Times New Roman" pitchFamily="18" charset="0"/>
+                <a:cs typeface="Times New Roman" pitchFamily="18" charset="0"/>
+              </a:rPr>
+              <a:t> </a:t>
+            </a:r>
+            <a:r>
+              <a:rPr lang="en-US" sz="1400" dirty="0" err="1" smtClean="0">
+                <a:latin typeface="Times New Roman" pitchFamily="18" charset="0"/>
+                <a:cs typeface="Times New Roman" pitchFamily="18" charset="0"/>
+              </a:rPr>
+              <a:t>viện</a:t>
+            </a:r>
+            <a:r>
+              <a:rPr lang="en-US" sz="1400" dirty="0" smtClean="0">
+                <a:latin typeface="Times New Roman" pitchFamily="18" charset="0"/>
+                <a:cs typeface="Times New Roman" pitchFamily="18" charset="0"/>
+              </a:rPr>
+              <a:t> </a:t>
+            </a:r>
+            <a:r>
+              <a:rPr lang="en-US" sz="1400" dirty="0" err="1" smtClean="0">
+                <a:latin typeface="Times New Roman" pitchFamily="18" charset="0"/>
+                <a:cs typeface="Times New Roman" pitchFamily="18" charset="0"/>
+              </a:rPr>
+              <a:t>số</a:t>
+            </a:r>
+            <a:endParaRPr lang="en-US" sz="1400" dirty="0">
+              <a:latin typeface="Times New Roman" pitchFamily="18" charset="0"/>
+              <a:cs typeface="Times New Roman" pitchFamily="18" charset="0"/>
+            </a:endParaRPr>
+          </a:p>
+        </p:txBody>
+      </p:sp>
+      <p:sp>
+        <p:nvSpPr>
+          <p:cNvPr id="58" name="TextBox 57"/>
+          <p:cNvSpPr txBox="1"/>
+          <p:nvPr/>
+        </p:nvSpPr>
+        <p:spPr>
+          <a:xfrm>
+            <a:off x="0" y="1371600"/>
+            <a:ext cx="1473480" cy="307777"/>
+          </a:xfrm>
+          <a:prstGeom prst="rect">
+            <a:avLst/>
+          </a:prstGeom>
+          <a:noFill/>
+        </p:spPr>
+        <p:txBody>
+          <a:bodyPr wrap="none" rtlCol="0">
+            <a:spAutoFit/>
+          </a:bodyPr>
+          <a:lstStyle/>
+          <a:p>
+            <a:r>
+              <a:rPr lang="en-US" sz="1400" dirty="0" err="1" smtClean="0">
+                <a:latin typeface="Times New Roman" pitchFamily="18" charset="0"/>
+                <a:cs typeface="Times New Roman" pitchFamily="18" charset="0"/>
+              </a:rPr>
+              <a:t>Từ</a:t>
+            </a:r>
+            <a:r>
+              <a:rPr lang="en-US" sz="1400" dirty="0" smtClean="0">
+                <a:latin typeface="Times New Roman" pitchFamily="18" charset="0"/>
+                <a:cs typeface="Times New Roman" pitchFamily="18" charset="0"/>
+              </a:rPr>
+              <a:t> </a:t>
+            </a:r>
+            <a:r>
+              <a:rPr lang="en-US" sz="1400" dirty="0" err="1" smtClean="0">
+                <a:latin typeface="Times New Roman" pitchFamily="18" charset="0"/>
+                <a:cs typeface="Times New Roman" pitchFamily="18" charset="0"/>
+              </a:rPr>
+              <a:t>khóa</a:t>
+            </a:r>
+            <a:r>
+              <a:rPr lang="en-US" sz="1400" dirty="0" smtClean="0">
+                <a:latin typeface="Times New Roman" pitchFamily="18" charset="0"/>
+                <a:cs typeface="Times New Roman" pitchFamily="18" charset="0"/>
+              </a:rPr>
+              <a:t> </a:t>
+            </a:r>
+            <a:r>
+              <a:rPr lang="en-US" sz="1400" dirty="0" err="1" smtClean="0">
+                <a:latin typeface="Times New Roman" pitchFamily="18" charset="0"/>
+                <a:cs typeface="Times New Roman" pitchFamily="18" charset="0"/>
+              </a:rPr>
+              <a:t>tìm</a:t>
+            </a:r>
+            <a:r>
+              <a:rPr lang="en-US" sz="1400" dirty="0" smtClean="0">
+                <a:latin typeface="Times New Roman" pitchFamily="18" charset="0"/>
+                <a:cs typeface="Times New Roman" pitchFamily="18" charset="0"/>
+              </a:rPr>
+              <a:t> </a:t>
+            </a:r>
+            <a:r>
+              <a:rPr lang="en-US" sz="1400" dirty="0" err="1" smtClean="0">
+                <a:latin typeface="Times New Roman" pitchFamily="18" charset="0"/>
+                <a:cs typeface="Times New Roman" pitchFamily="18" charset="0"/>
+              </a:rPr>
+              <a:t>kiếm</a:t>
+            </a:r>
+            <a:endParaRPr lang="en-US" sz="1400" dirty="0">
+              <a:latin typeface="Times New Roman" pitchFamily="18" charset="0"/>
+              <a:cs typeface="Times New Roman" pitchFamily="18" charset="0"/>
+            </a:endParaRPr>
+          </a:p>
+        </p:txBody>
+      </p:sp>
+      <p:sp>
+        <p:nvSpPr>
+          <p:cNvPr id="59" name="TextBox 58"/>
+          <p:cNvSpPr txBox="1"/>
+          <p:nvPr/>
+        </p:nvSpPr>
+        <p:spPr>
+          <a:xfrm>
+            <a:off x="5029200" y="4191000"/>
+            <a:ext cx="1600200" cy="292388"/>
+          </a:xfrm>
+          <a:prstGeom prst="rect">
+            <a:avLst/>
+          </a:prstGeom>
+          <a:noFill/>
+        </p:spPr>
+        <p:txBody>
+          <a:bodyPr wrap="square" rtlCol="0">
+            <a:spAutoFit/>
+          </a:bodyPr>
+          <a:lstStyle/>
+          <a:p>
+            <a:r>
+              <a:rPr lang="en-US" sz="1300" dirty="0" smtClean="0">
+                <a:latin typeface="Times New Roman" pitchFamily="18" charset="0"/>
+                <a:cs typeface="Times New Roman" pitchFamily="18" charset="0"/>
+              </a:rPr>
+              <a:t>Metadata</a:t>
+            </a:r>
+            <a:endParaRPr lang="en-US" sz="1300" dirty="0">
+              <a:latin typeface="Times New Roman" pitchFamily="18" charset="0"/>
+              <a:cs typeface="Times New Roman" pitchFamily="18" charset="0"/>
+            </a:endParaRPr>
+          </a:p>
+        </p:txBody>
+      </p:sp>
+      <p:sp>
+        <p:nvSpPr>
+          <p:cNvPr id="60" name="Right Arrow 59"/>
+          <p:cNvSpPr/>
+          <p:nvPr/>
+        </p:nvSpPr>
+        <p:spPr>
+          <a:xfrm>
+            <a:off x="5105400" y="4572000"/>
+            <a:ext cx="1143000" cy="152400"/>
+          </a:xfrm>
+          <a:prstGeom prst="rightArrow">
+            <a:avLst/>
+          </a:prstGeom>
+        </p:spPr>
+        <p:style>
+          <a:lnRef idx="2">
+            <a:schemeClr val="accent1">
+              <a:shade val="50000"/>
+            </a:schemeClr>
+          </a:lnRef>
+          <a:fillRef idx="1">
+            <a:schemeClr val="accent1"/>
+          </a:fillRef>
+          <a:effectRef idx="0">
+            <a:schemeClr val="accent1"/>
+          </a:effectRef>
+          <a:fontRef idx="minor">
+            <a:schemeClr val="lt1"/>
+          </a:fontRef>
+        </p:style>
+        <p:txBody>
+          <a:bodyPr rtlCol="0" anchor="ctr"/>
+          <a:lstStyle/>
+          <a:p>
+            <a:pPr algn="ctr"/>
+            <a:endParaRPr lang="en-US">
+              <a:latin typeface="Times New Roman" pitchFamily="18" charset="0"/>
+              <a:cs typeface="Times New Roman" pitchFamily="18" charset="0"/>
+            </a:endParaRPr>
+          </a:p>
+        </p:txBody>
+      </p:sp>
+      <p:sp>
+        <p:nvSpPr>
+          <p:cNvPr id="61" name="Right Arrow 60"/>
+          <p:cNvSpPr/>
+          <p:nvPr/>
+        </p:nvSpPr>
+        <p:spPr>
+          <a:xfrm>
+            <a:off x="3200400" y="4572000"/>
+            <a:ext cx="457200" cy="152400"/>
+          </a:xfrm>
+          <a:prstGeom prst="rightArrow">
+            <a:avLst/>
+          </a:prstGeom>
+        </p:spPr>
+        <p:style>
+          <a:lnRef idx="2">
+            <a:schemeClr val="accent1">
+              <a:shade val="50000"/>
+            </a:schemeClr>
+          </a:lnRef>
+          <a:fillRef idx="1">
+            <a:schemeClr val="accent1"/>
+          </a:fillRef>
+          <a:effectRef idx="0">
+            <a:schemeClr val="accent1"/>
+          </a:effectRef>
+          <a:fontRef idx="minor">
+            <a:schemeClr val="lt1"/>
+          </a:fontRef>
+        </p:style>
+        <p:txBody>
+          <a:bodyPr rtlCol="0" anchor="ctr"/>
+          <a:lstStyle/>
+          <a:p>
+            <a:pPr algn="ctr"/>
+            <a:endParaRPr lang="en-US">
+              <a:latin typeface="Times New Roman" pitchFamily="18" charset="0"/>
+              <a:cs typeface="Times New Roman" pitchFamily="18" charset="0"/>
+            </a:endParaRPr>
+          </a:p>
+        </p:txBody>
+      </p:sp>
+    </p:spTree>
+  </p:cSld>
+  <p:clrMapOvr>
+    <a:masterClrMapping/>
+  </p:clrMapOvr>
+  <p:timing>
+    <p:tnLst>
+      <p:par>
+        <p:cTn id="1" dur="indefinite" restart="never" nodeType="tmRoot"/>
+      </p:par>
+    </p:tnLst>
+  </p:timing>
 </p:sld>
 </file>
 
